--- a/presentations/klmug-11/JSON.pptx
+++ b/presentations/klmug-11/JSON.pptx
@@ -11353,8 +11353,8 @@
         </p:nvSpPr>
         <p:spPr bwMode="auto">
           <a:xfrm>
-            <a:off x="0" y="5867350"/>
-            <a:ext cx="10080625" cy="1512887"/>
+            <a:off x="0" y="6875462"/>
+            <a:ext cx="10080625" cy="648791"/>
           </a:xfrm>
           <a:prstGeom prst="rect">
             <a:avLst/>
@@ -11672,23 +11672,8 @@
                   <a:srgbClr val="808080"/>
                 </a:solidFill>
               </a:rPr>
-              <a:t>-- developing open-source projects and communities --</a:t>
-            </a:r>
-          </a:p>
-          <a:p>
-            <a:pPr algn="ctr" eaLnBrk="1">
-              <a:defRPr/>
-            </a:pPr>
-            <a:endParaRPr lang="en-US" sz="1800" dirty="0" smtClean="0">
-              <a:solidFill>
-                <a:srgbClr val="808080"/>
-              </a:solidFill>
-            </a:endParaRPr>
-          </a:p>
-          <a:p>
-            <a:pPr algn="ctr" eaLnBrk="1">
-              <a:defRPr/>
-            </a:pPr>
+              <a:t>PRESENTED BY - </a:t>
+            </a:r>
             <a:r>
               <a:rPr lang="en-US" sz="1800" b="1" dirty="0" smtClean="0">
                 <a:solidFill>
@@ -11696,7 +11681,7 @@
                 </a:solidFill>
                 <a:hlinkClick r:id="rId3"/>
               </a:rPr>
-              <a:t>http://r1.my</a:t>
+              <a:t>@m_smalley</a:t>
             </a:r>
             <a:endParaRPr lang="en-US" sz="1800" b="1" dirty="0" smtClean="0">
               <a:solidFill>
@@ -11736,7 +11721,7 @@
         </p:nvSpPr>
         <p:spPr bwMode="auto">
           <a:xfrm>
-            <a:off x="0" y="668234"/>
+            <a:off x="0" y="611485"/>
             <a:ext cx="10080625" cy="1830594"/>
           </a:xfrm>
           <a:prstGeom prst="rect">
@@ -12073,31 +12058,18 @@
           </a:p>
         </p:txBody>
       </p:sp>
-      <p:pic>
-        <p:nvPicPr>
-          <p:cNvPr id="2052" name="Picture 25" descr="logo_big_with_shadow"/>
-          <p:cNvPicPr>
-            <a:picLocks noChangeAspect="1" noChangeArrowheads="1"/>
-          </p:cNvPicPr>
+      <p:sp>
+        <p:nvSpPr>
+          <p:cNvPr id="5" name="Text Box 1"/>
+          <p:cNvSpPr txBox="1">
+            <a:spLocks noChangeArrowheads="1"/>
+          </p:cNvSpPr>
           <p:nvPr/>
-        </p:nvPicPr>
-        <p:blipFill>
-          <a:blip r:embed="rId4">
-            <a:extLst>
-              <a:ext uri="{28A0092B-C50C-407E-A947-70E740481C1C}">
-                <a14:useLocalDpi xmlns:a14="http://schemas.microsoft.com/office/drawing/2010/main" val="0"/>
-              </a:ext>
-            </a:extLst>
-          </a:blip>
-          <a:srcRect/>
-          <a:stretch>
-            <a:fillRect/>
-          </a:stretch>
-        </p:blipFill>
+        </p:nvSpPr>
         <p:spPr bwMode="auto">
           <a:xfrm>
-            <a:off x="4297363" y="3917900"/>
-            <a:ext cx="1679575" cy="1571625"/>
+            <a:off x="246" y="3851845"/>
+            <a:ext cx="10080626" cy="1512887"/>
           </a:xfrm>
           <a:prstGeom prst="rect">
             <a:avLst/>
@@ -12106,6 +12078,7 @@
           <a:ln>
             <a:noFill/>
           </a:ln>
+          <a:effectLst/>
           <a:extLst>
             <a:ext uri="{909E8E84-426E-40DD-AFC4-6F175D3DCCD1}">
               <a14:hiddenFill xmlns:a14="http://schemas.microsoft.com/office/drawing/2010/main">
@@ -12119,14 +12092,376 @@
                 <a:solidFill>
                   <a:srgbClr val="000000"/>
                 </a:solidFill>
-                <a:miter lim="800000"/>
+                <a:round/>
                 <a:headEnd/>
                 <a:tailEnd/>
               </a14:hiddenLine>
             </a:ext>
+            <a:ext uri="{AF507438-7753-43E0-B8FC-AC1667EBCBE1}">
+              <a14:hiddenEffects xmlns:a14="http://schemas.microsoft.com/office/drawing/2010/main">
+                <a:effectLst>
+                  <a:outerShdw blurRad="63500" dist="38099" dir="2700000" algn="ctr" rotWithShape="0">
+                    <a:srgbClr val="000000">
+                      <a:alpha val="74998"/>
+                    </a:srgbClr>
+                  </a:outerShdw>
+                </a:effectLst>
+              </a14:hiddenEffects>
+            </a:ext>
           </a:extLst>
         </p:spPr>
-      </p:pic>
+        <p:txBody>
+          <a:bodyPr lIns="0" tIns="15876" rIns="0" bIns="0" anchor="ctr"/>
+          <a:lstStyle>
+            <a:lvl1pPr eaLnBrk="0">
+              <a:tabLst>
+                <a:tab pos="723900" algn="l"/>
+                <a:tab pos="1447800" algn="l"/>
+                <a:tab pos="2171700" algn="l"/>
+                <a:tab pos="2895600" algn="l"/>
+                <a:tab pos="3619500" algn="l"/>
+                <a:tab pos="4343400" algn="l"/>
+                <a:tab pos="5067300" algn="l"/>
+                <a:tab pos="5791200" algn="l"/>
+                <a:tab pos="6515100" algn="l"/>
+                <a:tab pos="7239000" algn="l"/>
+                <a:tab pos="7962900" algn="l"/>
+                <a:tab pos="8686800" algn="l"/>
+              </a:tabLst>
+              <a:defRPr sz="2400">
+                <a:solidFill>
+                  <a:schemeClr val="tx1"/>
+                </a:solidFill>
+                <a:latin typeface="Arial" charset="0"/>
+                <a:ea typeface="ＭＳ Ｐゴシック" pitchFamily="34" charset="-128"/>
+              </a:defRPr>
+            </a:lvl1pPr>
+            <a:lvl2pPr eaLnBrk="0">
+              <a:tabLst>
+                <a:tab pos="723900" algn="l"/>
+                <a:tab pos="1447800" algn="l"/>
+                <a:tab pos="2171700" algn="l"/>
+                <a:tab pos="2895600" algn="l"/>
+                <a:tab pos="3619500" algn="l"/>
+                <a:tab pos="4343400" algn="l"/>
+                <a:tab pos="5067300" algn="l"/>
+                <a:tab pos="5791200" algn="l"/>
+                <a:tab pos="6515100" algn="l"/>
+                <a:tab pos="7239000" algn="l"/>
+                <a:tab pos="7962900" algn="l"/>
+                <a:tab pos="8686800" algn="l"/>
+              </a:tabLst>
+              <a:defRPr sz="2400">
+                <a:solidFill>
+                  <a:schemeClr val="tx1"/>
+                </a:solidFill>
+                <a:latin typeface="Arial" charset="0"/>
+                <a:ea typeface="ＭＳ Ｐゴシック" pitchFamily="34" charset="-128"/>
+              </a:defRPr>
+            </a:lvl2pPr>
+            <a:lvl3pPr eaLnBrk="0">
+              <a:tabLst>
+                <a:tab pos="723900" algn="l"/>
+                <a:tab pos="1447800" algn="l"/>
+                <a:tab pos="2171700" algn="l"/>
+                <a:tab pos="2895600" algn="l"/>
+                <a:tab pos="3619500" algn="l"/>
+                <a:tab pos="4343400" algn="l"/>
+                <a:tab pos="5067300" algn="l"/>
+                <a:tab pos="5791200" algn="l"/>
+                <a:tab pos="6515100" algn="l"/>
+                <a:tab pos="7239000" algn="l"/>
+                <a:tab pos="7962900" algn="l"/>
+                <a:tab pos="8686800" algn="l"/>
+              </a:tabLst>
+              <a:defRPr sz="2400">
+                <a:solidFill>
+                  <a:schemeClr val="tx1"/>
+                </a:solidFill>
+                <a:latin typeface="Arial" charset="0"/>
+                <a:ea typeface="ＭＳ Ｐゴシック" pitchFamily="34" charset="-128"/>
+              </a:defRPr>
+            </a:lvl3pPr>
+            <a:lvl4pPr eaLnBrk="0">
+              <a:tabLst>
+                <a:tab pos="723900" algn="l"/>
+                <a:tab pos="1447800" algn="l"/>
+                <a:tab pos="2171700" algn="l"/>
+                <a:tab pos="2895600" algn="l"/>
+                <a:tab pos="3619500" algn="l"/>
+                <a:tab pos="4343400" algn="l"/>
+                <a:tab pos="5067300" algn="l"/>
+                <a:tab pos="5791200" algn="l"/>
+                <a:tab pos="6515100" algn="l"/>
+                <a:tab pos="7239000" algn="l"/>
+                <a:tab pos="7962900" algn="l"/>
+                <a:tab pos="8686800" algn="l"/>
+              </a:tabLst>
+              <a:defRPr sz="2400">
+                <a:solidFill>
+                  <a:schemeClr val="tx1"/>
+                </a:solidFill>
+                <a:latin typeface="Arial" charset="0"/>
+                <a:ea typeface="ＭＳ Ｐゴシック" pitchFamily="34" charset="-128"/>
+              </a:defRPr>
+            </a:lvl4pPr>
+            <a:lvl5pPr eaLnBrk="0">
+              <a:tabLst>
+                <a:tab pos="723900" algn="l"/>
+                <a:tab pos="1447800" algn="l"/>
+                <a:tab pos="2171700" algn="l"/>
+                <a:tab pos="2895600" algn="l"/>
+                <a:tab pos="3619500" algn="l"/>
+                <a:tab pos="4343400" algn="l"/>
+                <a:tab pos="5067300" algn="l"/>
+                <a:tab pos="5791200" algn="l"/>
+                <a:tab pos="6515100" algn="l"/>
+                <a:tab pos="7239000" algn="l"/>
+                <a:tab pos="7962900" algn="l"/>
+                <a:tab pos="8686800" algn="l"/>
+              </a:tabLst>
+              <a:defRPr sz="2400">
+                <a:solidFill>
+                  <a:schemeClr val="tx1"/>
+                </a:solidFill>
+                <a:latin typeface="Arial" charset="0"/>
+                <a:ea typeface="ＭＳ Ｐゴシック" pitchFamily="34" charset="-128"/>
+              </a:defRPr>
+            </a:lvl5pPr>
+            <a:lvl6pPr marL="2514600" indent="-228600" defTabSz="449263" eaLnBrk="0" fontAlgn="base" hangingPunct="0">
+              <a:lnSpc>
+                <a:spcPct val="93000"/>
+              </a:lnSpc>
+              <a:spcBef>
+                <a:spcPct val="0"/>
+              </a:spcBef>
+              <a:spcAft>
+                <a:spcPct val="0"/>
+              </a:spcAft>
+              <a:buClr>
+                <a:srgbClr val="000000"/>
+              </a:buClr>
+              <a:buSzPct val="100000"/>
+              <a:buFont typeface="Times New Roman" pitchFamily="18" charset="0"/>
+              <a:tabLst>
+                <a:tab pos="723900" algn="l"/>
+                <a:tab pos="1447800" algn="l"/>
+                <a:tab pos="2171700" algn="l"/>
+                <a:tab pos="2895600" algn="l"/>
+                <a:tab pos="3619500" algn="l"/>
+                <a:tab pos="4343400" algn="l"/>
+                <a:tab pos="5067300" algn="l"/>
+                <a:tab pos="5791200" algn="l"/>
+                <a:tab pos="6515100" algn="l"/>
+                <a:tab pos="7239000" algn="l"/>
+                <a:tab pos="7962900" algn="l"/>
+                <a:tab pos="8686800" algn="l"/>
+              </a:tabLst>
+              <a:defRPr sz="2400">
+                <a:solidFill>
+                  <a:schemeClr val="tx1"/>
+                </a:solidFill>
+                <a:latin typeface="Arial" charset="0"/>
+                <a:ea typeface="ＭＳ Ｐゴシック" pitchFamily="34" charset="-128"/>
+              </a:defRPr>
+            </a:lvl6pPr>
+            <a:lvl7pPr marL="2971800" indent="-228600" defTabSz="449263" eaLnBrk="0" fontAlgn="base" hangingPunct="0">
+              <a:lnSpc>
+                <a:spcPct val="93000"/>
+              </a:lnSpc>
+              <a:spcBef>
+                <a:spcPct val="0"/>
+              </a:spcBef>
+              <a:spcAft>
+                <a:spcPct val="0"/>
+              </a:spcAft>
+              <a:buClr>
+                <a:srgbClr val="000000"/>
+              </a:buClr>
+              <a:buSzPct val="100000"/>
+              <a:buFont typeface="Times New Roman" pitchFamily="18" charset="0"/>
+              <a:tabLst>
+                <a:tab pos="723900" algn="l"/>
+                <a:tab pos="1447800" algn="l"/>
+                <a:tab pos="2171700" algn="l"/>
+                <a:tab pos="2895600" algn="l"/>
+                <a:tab pos="3619500" algn="l"/>
+                <a:tab pos="4343400" algn="l"/>
+                <a:tab pos="5067300" algn="l"/>
+                <a:tab pos="5791200" algn="l"/>
+                <a:tab pos="6515100" algn="l"/>
+                <a:tab pos="7239000" algn="l"/>
+                <a:tab pos="7962900" algn="l"/>
+                <a:tab pos="8686800" algn="l"/>
+              </a:tabLst>
+              <a:defRPr sz="2400">
+                <a:solidFill>
+                  <a:schemeClr val="tx1"/>
+                </a:solidFill>
+                <a:latin typeface="Arial" charset="0"/>
+                <a:ea typeface="ＭＳ Ｐゴシック" pitchFamily="34" charset="-128"/>
+              </a:defRPr>
+            </a:lvl7pPr>
+            <a:lvl8pPr marL="3429000" indent="-228600" defTabSz="449263" eaLnBrk="0" fontAlgn="base" hangingPunct="0">
+              <a:lnSpc>
+                <a:spcPct val="93000"/>
+              </a:lnSpc>
+              <a:spcBef>
+                <a:spcPct val="0"/>
+              </a:spcBef>
+              <a:spcAft>
+                <a:spcPct val="0"/>
+              </a:spcAft>
+              <a:buClr>
+                <a:srgbClr val="000000"/>
+              </a:buClr>
+              <a:buSzPct val="100000"/>
+              <a:buFont typeface="Times New Roman" pitchFamily="18" charset="0"/>
+              <a:tabLst>
+                <a:tab pos="723900" algn="l"/>
+                <a:tab pos="1447800" algn="l"/>
+                <a:tab pos="2171700" algn="l"/>
+                <a:tab pos="2895600" algn="l"/>
+                <a:tab pos="3619500" algn="l"/>
+                <a:tab pos="4343400" algn="l"/>
+                <a:tab pos="5067300" algn="l"/>
+                <a:tab pos="5791200" algn="l"/>
+                <a:tab pos="6515100" algn="l"/>
+                <a:tab pos="7239000" algn="l"/>
+                <a:tab pos="7962900" algn="l"/>
+                <a:tab pos="8686800" algn="l"/>
+              </a:tabLst>
+              <a:defRPr sz="2400">
+                <a:solidFill>
+                  <a:schemeClr val="tx1"/>
+                </a:solidFill>
+                <a:latin typeface="Arial" charset="0"/>
+                <a:ea typeface="ＭＳ Ｐゴシック" pitchFamily="34" charset="-128"/>
+              </a:defRPr>
+            </a:lvl8pPr>
+            <a:lvl9pPr marL="3886200" indent="-228600" defTabSz="449263" eaLnBrk="0" fontAlgn="base" hangingPunct="0">
+              <a:lnSpc>
+                <a:spcPct val="93000"/>
+              </a:lnSpc>
+              <a:spcBef>
+                <a:spcPct val="0"/>
+              </a:spcBef>
+              <a:spcAft>
+                <a:spcPct val="0"/>
+              </a:spcAft>
+              <a:buClr>
+                <a:srgbClr val="000000"/>
+              </a:buClr>
+              <a:buSzPct val="100000"/>
+              <a:buFont typeface="Times New Roman" pitchFamily="18" charset="0"/>
+              <a:tabLst>
+                <a:tab pos="723900" algn="l"/>
+                <a:tab pos="1447800" algn="l"/>
+                <a:tab pos="2171700" algn="l"/>
+                <a:tab pos="2895600" algn="l"/>
+                <a:tab pos="3619500" algn="l"/>
+                <a:tab pos="4343400" algn="l"/>
+                <a:tab pos="5067300" algn="l"/>
+                <a:tab pos="5791200" algn="l"/>
+                <a:tab pos="6515100" algn="l"/>
+                <a:tab pos="7239000" algn="l"/>
+                <a:tab pos="7962900" algn="l"/>
+                <a:tab pos="8686800" algn="l"/>
+              </a:tabLst>
+              <a:defRPr sz="2400">
+                <a:solidFill>
+                  <a:schemeClr val="tx1"/>
+                </a:solidFill>
+                <a:latin typeface="Arial" charset="0"/>
+                <a:ea typeface="ＭＳ Ｐゴシック" pitchFamily="34" charset="-128"/>
+              </a:defRPr>
+            </a:lvl9pPr>
+          </a:lstStyle>
+          <a:p>
+            <a:pPr algn="ctr" eaLnBrk="1">
+              <a:defRPr/>
+            </a:pPr>
+            <a:r>
+              <a:rPr lang="en-US" sz="1800" dirty="0" smtClean="0">
+                <a:solidFill>
+                  <a:srgbClr val="808080"/>
+                </a:solidFill>
+              </a:rPr>
+              <a:t>INTERACTIVE 3D VERSION WITH SOURCE CODE</a:t>
+            </a:r>
+            <a:endParaRPr lang="en-US" sz="1800" dirty="0" smtClean="0">
+              <a:solidFill>
+                <a:srgbClr val="808080"/>
+              </a:solidFill>
+            </a:endParaRPr>
+          </a:p>
+          <a:p>
+            <a:pPr algn="ctr" eaLnBrk="1">
+              <a:defRPr/>
+            </a:pPr>
+            <a:endParaRPr lang="en-US" sz="1800" dirty="0" smtClean="0">
+              <a:solidFill>
+                <a:srgbClr val="808080"/>
+              </a:solidFill>
+            </a:endParaRPr>
+          </a:p>
+          <a:p>
+            <a:pPr algn="ctr" eaLnBrk="1">
+              <a:defRPr/>
+            </a:pPr>
+            <a:r>
+              <a:rPr lang="en-US" sz="2800" b="1" dirty="0" smtClean="0">
+                <a:solidFill>
+                  <a:srgbClr val="0066FF"/>
+                </a:solidFill>
+                <a:hlinkClick r:id="rId4"/>
+              </a:rPr>
+              <a:t>http://r1.my/klmug/11/</a:t>
+            </a:r>
+            <a:endParaRPr lang="en-US" sz="2800" b="1" dirty="0" smtClean="0">
+              <a:solidFill>
+                <a:srgbClr val="0066FF"/>
+              </a:solidFill>
+            </a:endParaRPr>
+          </a:p>
+          <a:p>
+            <a:pPr algn="ctr" eaLnBrk="1">
+              <a:defRPr/>
+            </a:pPr>
+            <a:endParaRPr lang="en-US" sz="1800" b="1" dirty="0" smtClean="0">
+              <a:solidFill>
+                <a:srgbClr val="808080"/>
+              </a:solidFill>
+            </a:endParaRPr>
+          </a:p>
+          <a:p>
+            <a:pPr algn="ctr" eaLnBrk="1">
+              <a:defRPr/>
+            </a:pPr>
+            <a:r>
+              <a:rPr lang="en-US" sz="1300" b="1" dirty="0" smtClean="0">
+                <a:solidFill>
+                  <a:srgbClr val="808080"/>
+                </a:solidFill>
+              </a:rPr>
+              <a:t>Warning</a:t>
+            </a:r>
+            <a:r>
+              <a:rPr lang="en-US" sz="1300" dirty="0" smtClean="0">
+                <a:solidFill>
+                  <a:srgbClr val="808080"/>
+                </a:solidFill>
+              </a:rPr>
+              <a:t>: Some Assembly Required</a:t>
+            </a:r>
+            <a:endParaRPr lang="en-US" sz="1300" dirty="0" smtClean="0">
+              <a:solidFill>
+                <a:srgbClr val="808080"/>
+              </a:solidFill>
+            </a:endParaRPr>
+          </a:p>
+        </p:txBody>
+      </p:sp>
     </p:spTree>
   </p:cSld>
   <p:clrMapOvr>
@@ -19425,8 +19760,21 @@
                   <a:schemeClr val="bg1"/>
                 </a:solidFill>
               </a:rPr>
-              <a:t>NOT JASON</a:t>
-            </a:r>
+              <a:t>NOT </a:t>
+            </a:r>
+            <a:r>
+              <a:rPr lang="en-US" sz="3600" b="1" dirty="0" smtClean="0">
+                <a:solidFill>
+                  <a:schemeClr val="bg1"/>
+                </a:solidFill>
+              </a:rPr>
+              <a:t>THIS JASON</a:t>
+            </a:r>
+            <a:endParaRPr lang="en-US" sz="3600" b="1" dirty="0" smtClean="0">
+              <a:solidFill>
+                <a:schemeClr val="bg1"/>
+              </a:solidFill>
+            </a:endParaRPr>
           </a:p>
           <a:p>
             <a:pPr algn="ctr" eaLnBrk="1">
@@ -19931,7 +20279,15 @@
                   <a:schemeClr val="bg1"/>
                 </a:solidFill>
               </a:rPr>
-              <a:t>OR THESE ARGONAUTS</a:t>
+              <a:t>NOR </a:t>
+            </a:r>
+            <a:r>
+              <a:rPr lang="en-US" sz="3600" b="1" dirty="0" smtClean="0">
+                <a:solidFill>
+                  <a:schemeClr val="bg1"/>
+                </a:solidFill>
+              </a:rPr>
+              <a:t>THESE ARGONAUTS</a:t>
             </a:r>
           </a:p>
           <a:p>
@@ -22063,7 +22419,15 @@
                   <a:srgbClr val="808080"/>
                 </a:solidFill>
               </a:rPr>
-              <a:t>2002 = JSON.org</a:t>
+              <a:t>2002 = </a:t>
+            </a:r>
+            <a:r>
+              <a:rPr lang="en-US" sz="2200" b="1" dirty="0" smtClean="0">
+                <a:solidFill>
+                  <a:srgbClr val="808080"/>
+                </a:solidFill>
+              </a:rPr>
+              <a:t>JSON.org / 2009 = MongoDB.org</a:t>
             </a:r>
             <a:endParaRPr lang="en-US" sz="1800" b="1" dirty="0" smtClean="0">
               <a:solidFill>
@@ -24095,7 +24459,6 @@
               <a:rPr lang="en-US" sz="2200" dirty="0" smtClean="0"/>
               <a:t> (b for binary)</a:t>
             </a:r>
-            <a:endParaRPr lang="en-US" sz="2200" dirty="0" smtClean="0"/>
           </a:p>
         </p:txBody>
       </p:sp>

--- a/presentations/klmug-11/JSON.pptx
+++ b/presentations/klmug-11/JSON.pptx
@@ -5,7 +5,7 @@
     <p:sldMasterId id="2147483648" r:id="rId1"/>
   </p:sldMasterIdLst>
   <p:notesMasterIdLst>
-    <p:notesMasterId r:id="rId19"/>
+    <p:notesMasterId r:id="rId23"/>
   </p:notesMasterIdLst>
   <p:sldIdLst>
     <p:sldId id="256" r:id="rId2"/>
@@ -18,13 +18,17 @@
     <p:sldId id="322" r:id="rId9"/>
     <p:sldId id="323" r:id="rId10"/>
     <p:sldId id="324" r:id="rId11"/>
-    <p:sldId id="327" r:id="rId12"/>
-    <p:sldId id="326" r:id="rId13"/>
-    <p:sldId id="325" r:id="rId14"/>
-    <p:sldId id="328" r:id="rId15"/>
-    <p:sldId id="329" r:id="rId16"/>
-    <p:sldId id="330" r:id="rId17"/>
-    <p:sldId id="302" r:id="rId18"/>
+    <p:sldId id="332" r:id="rId12"/>
+    <p:sldId id="331" r:id="rId13"/>
+    <p:sldId id="333" r:id="rId14"/>
+    <p:sldId id="334" r:id="rId15"/>
+    <p:sldId id="335" r:id="rId16"/>
+    <p:sldId id="336" r:id="rId17"/>
+    <p:sldId id="337" r:id="rId18"/>
+    <p:sldId id="338" r:id="rId19"/>
+    <p:sldId id="339" r:id="rId20"/>
+    <p:sldId id="340" r:id="rId21"/>
+    <p:sldId id="302" r:id="rId22"/>
   </p:sldIdLst>
   <p:sldSz cx="10080625" cy="7559675"/>
   <p:notesSz cx="7559675" cy="10691813"/>
@@ -4234,7 +4238,7 @@
               </a:lnSpc>
               <a:defRPr/>
             </a:pPr>
-            <a:fld id="{780143D3-B403-48A7-A921-8C28E65A8FBC}" type="slidenum">
+            <a:fld id="{A8B08A64-C047-4B1F-9BBA-C309D65656D1}" type="slidenum">
               <a:rPr lang="en-US" sz="1400" smtClean="0">
                 <a:solidFill>
                   <a:srgbClr val="000000"/>
@@ -4349,6 +4353,788 @@
 </p:notes>
 </file>
 
+<file path=ppt/notesSlides/notesSlide18.xml><?xml version="1.0" encoding="utf-8"?>
+<p:notes xmlns:a="http://schemas.openxmlformats.org/drawingml/2006/main" xmlns:r="http://schemas.openxmlformats.org/officeDocument/2006/relationships" xmlns:p="http://schemas.openxmlformats.org/presentationml/2006/main">
+  <p:cSld>
+    <p:bg>
+      <p:bgPr>
+        <a:solidFill>
+          <a:srgbClr val="FFFFFF"/>
+        </a:solidFill>
+        <a:effectLst/>
+      </p:bgPr>
+    </p:bg>
+    <p:spTree>
+      <p:nvGrpSpPr>
+        <p:cNvPr id="1" name=""/>
+        <p:cNvGrpSpPr/>
+        <p:nvPr/>
+      </p:nvGrpSpPr>
+      <p:grpSpPr>
+        <a:xfrm>
+          <a:off x="0" y="0"/>
+          <a:ext cx="0" cy="0"/>
+          <a:chOff x="0" y="0"/>
+          <a:chExt cx="0" cy="0"/>
+        </a:xfrm>
+      </p:grpSpPr>
+      <p:sp>
+        <p:nvSpPr>
+          <p:cNvPr id="7" name="Rectangle 6"/>
+          <p:cNvSpPr txBox="1">
+            <a:spLocks noGrp="1" noChangeArrowheads="1"/>
+          </p:cNvSpPr>
+          <p:nvPr/>
+        </p:nvSpPr>
+        <p:spPr bwMode="auto">
+          <a:xfrm>
+            <a:off x="4278313" y="10156825"/>
+            <a:ext cx="3279775" cy="533400"/>
+          </a:xfrm>
+          <a:prstGeom prst="rect">
+            <a:avLst/>
+          </a:prstGeom>
+          <a:noFill/>
+          <a:extLst>
+            <a:ext uri="{909E8E84-426E-40DD-AFC4-6F175D3DCCD1}">
+              <a14:hiddenFill xmlns:a14="http://schemas.microsoft.com/office/drawing/2010/main">
+                <a:solidFill>
+                  <a:srgbClr val="FFFFFF"/>
+                </a:solidFill>
+              </a14:hiddenFill>
+            </a:ext>
+            <a:ext uri="{91240B29-F687-4F45-9708-019B960494DF}">
+              <a14:hiddenLine xmlns:a14="http://schemas.microsoft.com/office/drawing/2010/main" w="9525">
+                <a:solidFill>
+                  <a:srgbClr val="000000"/>
+                </a:solidFill>
+                <a:round/>
+                <a:headEnd/>
+                <a:tailEnd/>
+              </a14:hiddenLine>
+            </a:ext>
+            <a:ext uri="{AF507438-7753-43E0-B8FC-AC1667EBCBE1}">
+              <a14:hiddenEffects xmlns:a14="http://schemas.microsoft.com/office/drawing/2010/main">
+                <a:effectLst>
+                  <a:outerShdw blurRad="63500" dist="38099" dir="2700000" algn="ctr" rotWithShape="0">
+                    <a:schemeClr val="bg2">
+                      <a:alpha val="74998"/>
+                    </a:schemeClr>
+                  </a:outerShdw>
+                </a:effectLst>
+              </a14:hiddenEffects>
+            </a:ext>
+            <a:ext uri="{FAA26D3D-D897-4be2-8F04-BA451C77F1D7}"/>
+          </a:extLst>
+        </p:spPr>
+        <p:txBody>
+          <a:bodyPr lIns="0" tIns="0" rIns="0" bIns="0" anchor="b"/>
+          <a:lstStyle>
+            <a:lvl1pPr eaLnBrk="0">
+              <a:tabLst>
+                <a:tab pos="723900" algn="l"/>
+                <a:tab pos="1447800" algn="l"/>
+                <a:tab pos="2171700" algn="l"/>
+                <a:tab pos="2895600" algn="l"/>
+              </a:tabLst>
+              <a:defRPr sz="2400">
+                <a:solidFill>
+                  <a:schemeClr val="tx1"/>
+                </a:solidFill>
+                <a:latin typeface="Arial" charset="0"/>
+                <a:ea typeface="ＭＳ Ｐゴシック" pitchFamily="34" charset="-128"/>
+              </a:defRPr>
+            </a:lvl1pPr>
+            <a:lvl2pPr eaLnBrk="0">
+              <a:tabLst>
+                <a:tab pos="723900" algn="l"/>
+                <a:tab pos="1447800" algn="l"/>
+                <a:tab pos="2171700" algn="l"/>
+                <a:tab pos="2895600" algn="l"/>
+              </a:tabLst>
+              <a:defRPr sz="2400">
+                <a:solidFill>
+                  <a:schemeClr val="tx1"/>
+                </a:solidFill>
+                <a:latin typeface="Arial" charset="0"/>
+                <a:ea typeface="ＭＳ Ｐゴシック" pitchFamily="34" charset="-128"/>
+              </a:defRPr>
+            </a:lvl2pPr>
+            <a:lvl3pPr eaLnBrk="0">
+              <a:tabLst>
+                <a:tab pos="723900" algn="l"/>
+                <a:tab pos="1447800" algn="l"/>
+                <a:tab pos="2171700" algn="l"/>
+                <a:tab pos="2895600" algn="l"/>
+              </a:tabLst>
+              <a:defRPr sz="2400">
+                <a:solidFill>
+                  <a:schemeClr val="tx1"/>
+                </a:solidFill>
+                <a:latin typeface="Arial" charset="0"/>
+                <a:ea typeface="ＭＳ Ｐゴシック" pitchFamily="34" charset="-128"/>
+              </a:defRPr>
+            </a:lvl3pPr>
+            <a:lvl4pPr eaLnBrk="0">
+              <a:tabLst>
+                <a:tab pos="723900" algn="l"/>
+                <a:tab pos="1447800" algn="l"/>
+                <a:tab pos="2171700" algn="l"/>
+                <a:tab pos="2895600" algn="l"/>
+              </a:tabLst>
+              <a:defRPr sz="2400">
+                <a:solidFill>
+                  <a:schemeClr val="tx1"/>
+                </a:solidFill>
+                <a:latin typeface="Arial" charset="0"/>
+                <a:ea typeface="ＭＳ Ｐゴシック" pitchFamily="34" charset="-128"/>
+              </a:defRPr>
+            </a:lvl4pPr>
+            <a:lvl5pPr eaLnBrk="0">
+              <a:tabLst>
+                <a:tab pos="723900" algn="l"/>
+                <a:tab pos="1447800" algn="l"/>
+                <a:tab pos="2171700" algn="l"/>
+                <a:tab pos="2895600" algn="l"/>
+              </a:tabLst>
+              <a:defRPr sz="2400">
+                <a:solidFill>
+                  <a:schemeClr val="tx1"/>
+                </a:solidFill>
+                <a:latin typeface="Arial" charset="0"/>
+                <a:ea typeface="ＭＳ Ｐゴシック" pitchFamily="34" charset="-128"/>
+              </a:defRPr>
+            </a:lvl5pPr>
+            <a:lvl6pPr marL="2514600" indent="-228600" defTabSz="449263" eaLnBrk="0" fontAlgn="base" hangingPunct="0">
+              <a:lnSpc>
+                <a:spcPct val="93000"/>
+              </a:lnSpc>
+              <a:spcBef>
+                <a:spcPct val="0"/>
+              </a:spcBef>
+              <a:spcAft>
+                <a:spcPct val="0"/>
+              </a:spcAft>
+              <a:buClr>
+                <a:srgbClr val="000000"/>
+              </a:buClr>
+              <a:buSzPct val="100000"/>
+              <a:buFont typeface="Times New Roman" pitchFamily="18" charset="0"/>
+              <a:tabLst>
+                <a:tab pos="723900" algn="l"/>
+                <a:tab pos="1447800" algn="l"/>
+                <a:tab pos="2171700" algn="l"/>
+                <a:tab pos="2895600" algn="l"/>
+              </a:tabLst>
+              <a:defRPr sz="2400">
+                <a:solidFill>
+                  <a:schemeClr val="tx1"/>
+                </a:solidFill>
+                <a:latin typeface="Arial" charset="0"/>
+                <a:ea typeface="ＭＳ Ｐゴシック" pitchFamily="34" charset="-128"/>
+              </a:defRPr>
+            </a:lvl6pPr>
+            <a:lvl7pPr marL="2971800" indent="-228600" defTabSz="449263" eaLnBrk="0" fontAlgn="base" hangingPunct="0">
+              <a:lnSpc>
+                <a:spcPct val="93000"/>
+              </a:lnSpc>
+              <a:spcBef>
+                <a:spcPct val="0"/>
+              </a:spcBef>
+              <a:spcAft>
+                <a:spcPct val="0"/>
+              </a:spcAft>
+              <a:buClr>
+                <a:srgbClr val="000000"/>
+              </a:buClr>
+              <a:buSzPct val="100000"/>
+              <a:buFont typeface="Times New Roman" pitchFamily="18" charset="0"/>
+              <a:tabLst>
+                <a:tab pos="723900" algn="l"/>
+                <a:tab pos="1447800" algn="l"/>
+                <a:tab pos="2171700" algn="l"/>
+                <a:tab pos="2895600" algn="l"/>
+              </a:tabLst>
+              <a:defRPr sz="2400">
+                <a:solidFill>
+                  <a:schemeClr val="tx1"/>
+                </a:solidFill>
+                <a:latin typeface="Arial" charset="0"/>
+                <a:ea typeface="ＭＳ Ｐゴシック" pitchFamily="34" charset="-128"/>
+              </a:defRPr>
+            </a:lvl7pPr>
+            <a:lvl8pPr marL="3429000" indent="-228600" defTabSz="449263" eaLnBrk="0" fontAlgn="base" hangingPunct="0">
+              <a:lnSpc>
+                <a:spcPct val="93000"/>
+              </a:lnSpc>
+              <a:spcBef>
+                <a:spcPct val="0"/>
+              </a:spcBef>
+              <a:spcAft>
+                <a:spcPct val="0"/>
+              </a:spcAft>
+              <a:buClr>
+                <a:srgbClr val="000000"/>
+              </a:buClr>
+              <a:buSzPct val="100000"/>
+              <a:buFont typeface="Times New Roman" pitchFamily="18" charset="0"/>
+              <a:tabLst>
+                <a:tab pos="723900" algn="l"/>
+                <a:tab pos="1447800" algn="l"/>
+                <a:tab pos="2171700" algn="l"/>
+                <a:tab pos="2895600" algn="l"/>
+              </a:tabLst>
+              <a:defRPr sz="2400">
+                <a:solidFill>
+                  <a:schemeClr val="tx1"/>
+                </a:solidFill>
+                <a:latin typeface="Arial" charset="0"/>
+                <a:ea typeface="ＭＳ Ｐゴシック" pitchFamily="34" charset="-128"/>
+              </a:defRPr>
+            </a:lvl8pPr>
+            <a:lvl9pPr marL="3886200" indent="-228600" defTabSz="449263" eaLnBrk="0" fontAlgn="base" hangingPunct="0">
+              <a:lnSpc>
+                <a:spcPct val="93000"/>
+              </a:lnSpc>
+              <a:spcBef>
+                <a:spcPct val="0"/>
+              </a:spcBef>
+              <a:spcAft>
+                <a:spcPct val="0"/>
+              </a:spcAft>
+              <a:buClr>
+                <a:srgbClr val="000000"/>
+              </a:buClr>
+              <a:buSzPct val="100000"/>
+              <a:buFont typeface="Times New Roman" pitchFamily="18" charset="0"/>
+              <a:tabLst>
+                <a:tab pos="723900" algn="l"/>
+                <a:tab pos="1447800" algn="l"/>
+                <a:tab pos="2171700" algn="l"/>
+                <a:tab pos="2895600" algn="l"/>
+              </a:tabLst>
+              <a:defRPr sz="2400">
+                <a:solidFill>
+                  <a:schemeClr val="tx1"/>
+                </a:solidFill>
+                <a:latin typeface="Arial" charset="0"/>
+                <a:ea typeface="ＭＳ Ｐゴシック" pitchFamily="34" charset="-128"/>
+              </a:defRPr>
+            </a:lvl9pPr>
+          </a:lstStyle>
+          <a:p>
+            <a:pPr algn="r" eaLnBrk="1">
+              <a:lnSpc>
+                <a:spcPct val="95000"/>
+              </a:lnSpc>
+              <a:defRPr/>
+            </a:pPr>
+            <a:fld id="{A8B08A64-C047-4B1F-9BBA-C309D65656D1}" type="slidenum">
+              <a:rPr lang="en-US" sz="1400" smtClean="0">
+                <a:solidFill>
+                  <a:srgbClr val="000000"/>
+                </a:solidFill>
+                <a:latin typeface="Times New Roman" pitchFamily="18" charset="0"/>
+              </a:rPr>
+              <a:pPr algn="r" eaLnBrk="1">
+                <a:lnSpc>
+                  <a:spcPct val="95000"/>
+                </a:lnSpc>
+                <a:defRPr/>
+              </a:pPr>
+              <a:t>18</a:t>
+            </a:fld>
+            <a:endParaRPr lang="en-US" sz="1400" smtClean="0">
+              <a:solidFill>
+                <a:srgbClr val="000000"/>
+              </a:solidFill>
+              <a:latin typeface="Times New Roman" pitchFamily="18" charset="0"/>
+            </a:endParaRPr>
+          </a:p>
+        </p:txBody>
+      </p:sp>
+      <p:sp>
+        <p:nvSpPr>
+          <p:cNvPr id="13313" name="Text Box 1"/>
+          <p:cNvSpPr txBox="1">
+            <a:spLocks noGrp="1" noRot="1" noChangeAspect="1" noChangeArrowheads="1" noTextEdit="1"/>
+          </p:cNvSpPr>
+          <p:nvPr>
+            <p:ph type="sldImg"/>
+          </p:nvPr>
+        </p:nvSpPr>
+        <p:spPr>
+          <a:xfrm>
+            <a:off x="1106488" y="812800"/>
+            <a:ext cx="5345112" cy="4008438"/>
+          </a:xfrm>
+          <a:solidFill>
+            <a:srgbClr val="FFFFFF"/>
+          </a:solidFill>
+          <a:ln>
+            <a:solidFill>
+              <a:srgbClr val="000000"/>
+            </a:solidFill>
+            <a:miter lim="800000"/>
+            <a:headEnd/>
+            <a:tailEnd/>
+          </a:ln>
+          <a:extLst>
+            <a:ext uri="{AF507438-7753-43E0-B8FC-AC1667EBCBE1}">
+              <a14:hiddenEffects xmlns:a14="http://schemas.microsoft.com/office/drawing/2010/main">
+                <a:effectLst>
+                  <a:outerShdw blurRad="63500" dist="38099" dir="2700000" algn="ctr" rotWithShape="0">
+                    <a:srgbClr val="000000">
+                      <a:alpha val="74997"/>
+                    </a:srgbClr>
+                  </a:outerShdw>
+                </a:effectLst>
+              </a14:hiddenEffects>
+            </a:ext>
+          </a:extLst>
+        </p:spPr>
+      </p:sp>
+      <p:sp>
+        <p:nvSpPr>
+          <p:cNvPr id="13314" name="Text Box 2"/>
+          <p:cNvSpPr txBox="1">
+            <a:spLocks noGrp="1" noChangeArrowheads="1"/>
+          </p:cNvSpPr>
+          <p:nvPr>
+            <p:ph type="body" idx="1"/>
+          </p:nvPr>
+        </p:nvSpPr>
+        <p:spPr>
+          <a:xfrm>
+            <a:off x="755650" y="5078413"/>
+            <a:ext cx="6048375" cy="4811712"/>
+          </a:xfrm>
+          <a:extLst>
+            <a:ext uri="{AF507438-7753-43E0-B8FC-AC1667EBCBE1}">
+              <a14:hiddenEffects xmlns:a14="http://schemas.microsoft.com/office/drawing/2010/main">
+                <a:effectLst>
+                  <a:outerShdw blurRad="63500" dist="38099" dir="2700000" algn="ctr" rotWithShape="0">
+                    <a:srgbClr val="000000">
+                      <a:alpha val="74997"/>
+                    </a:srgbClr>
+                  </a:outerShdw>
+                </a:effectLst>
+              </a14:hiddenEffects>
+            </a:ext>
+          </a:extLst>
+        </p:spPr>
+        <p:txBody>
+          <a:bodyPr wrap="none" anchor="ctr"/>
+          <a:lstStyle/>
+          <a:p>
+            <a:pPr>
+              <a:buFont typeface="Times New Roman" charset="0"/>
+              <a:buNone/>
+              <a:defRPr/>
+            </a:pPr>
+            <a:endParaRPr lang="en-US" smtClean="0"/>
+          </a:p>
+        </p:txBody>
+      </p:sp>
+    </p:spTree>
+  </p:cSld>
+  <p:clrMapOvr>
+    <a:masterClrMapping/>
+  </p:clrMapOvr>
+</p:notes>
+</file>
+
+<file path=ppt/notesSlides/notesSlide19.xml><?xml version="1.0" encoding="utf-8"?>
+<p:notes xmlns:a="http://schemas.openxmlformats.org/drawingml/2006/main" xmlns:r="http://schemas.openxmlformats.org/officeDocument/2006/relationships" xmlns:p="http://schemas.openxmlformats.org/presentationml/2006/main">
+  <p:cSld>
+    <p:bg>
+      <p:bgPr>
+        <a:solidFill>
+          <a:srgbClr val="FFFFFF"/>
+        </a:solidFill>
+        <a:effectLst/>
+      </p:bgPr>
+    </p:bg>
+    <p:spTree>
+      <p:nvGrpSpPr>
+        <p:cNvPr id="1" name=""/>
+        <p:cNvGrpSpPr/>
+        <p:nvPr/>
+      </p:nvGrpSpPr>
+      <p:grpSpPr>
+        <a:xfrm>
+          <a:off x="0" y="0"/>
+          <a:ext cx="0" cy="0"/>
+          <a:chOff x="0" y="0"/>
+          <a:chExt cx="0" cy="0"/>
+        </a:xfrm>
+      </p:grpSpPr>
+      <p:sp>
+        <p:nvSpPr>
+          <p:cNvPr id="7" name="Rectangle 6"/>
+          <p:cNvSpPr txBox="1">
+            <a:spLocks noGrp="1" noChangeArrowheads="1"/>
+          </p:cNvSpPr>
+          <p:nvPr/>
+        </p:nvSpPr>
+        <p:spPr bwMode="auto">
+          <a:xfrm>
+            <a:off x="4278313" y="10156825"/>
+            <a:ext cx="3279775" cy="533400"/>
+          </a:xfrm>
+          <a:prstGeom prst="rect">
+            <a:avLst/>
+          </a:prstGeom>
+          <a:noFill/>
+          <a:extLst>
+            <a:ext uri="{909E8E84-426E-40DD-AFC4-6F175D3DCCD1}">
+              <a14:hiddenFill xmlns:a14="http://schemas.microsoft.com/office/drawing/2010/main">
+                <a:solidFill>
+                  <a:srgbClr val="FFFFFF"/>
+                </a:solidFill>
+              </a14:hiddenFill>
+            </a:ext>
+            <a:ext uri="{91240B29-F687-4F45-9708-019B960494DF}">
+              <a14:hiddenLine xmlns:a14="http://schemas.microsoft.com/office/drawing/2010/main" w="9525">
+                <a:solidFill>
+                  <a:srgbClr val="000000"/>
+                </a:solidFill>
+                <a:round/>
+                <a:headEnd/>
+                <a:tailEnd/>
+              </a14:hiddenLine>
+            </a:ext>
+            <a:ext uri="{AF507438-7753-43E0-B8FC-AC1667EBCBE1}">
+              <a14:hiddenEffects xmlns:a14="http://schemas.microsoft.com/office/drawing/2010/main">
+                <a:effectLst>
+                  <a:outerShdw blurRad="63500" dist="38099" dir="2700000" algn="ctr" rotWithShape="0">
+                    <a:schemeClr val="bg2">
+                      <a:alpha val="74998"/>
+                    </a:schemeClr>
+                  </a:outerShdw>
+                </a:effectLst>
+              </a14:hiddenEffects>
+            </a:ext>
+            <a:ext uri="{FAA26D3D-D897-4be2-8F04-BA451C77F1D7}"/>
+          </a:extLst>
+        </p:spPr>
+        <p:txBody>
+          <a:bodyPr lIns="0" tIns="0" rIns="0" bIns="0" anchor="b"/>
+          <a:lstStyle>
+            <a:lvl1pPr eaLnBrk="0">
+              <a:tabLst>
+                <a:tab pos="723900" algn="l"/>
+                <a:tab pos="1447800" algn="l"/>
+                <a:tab pos="2171700" algn="l"/>
+                <a:tab pos="2895600" algn="l"/>
+              </a:tabLst>
+              <a:defRPr sz="2400">
+                <a:solidFill>
+                  <a:schemeClr val="tx1"/>
+                </a:solidFill>
+                <a:latin typeface="Arial" charset="0"/>
+                <a:ea typeface="ＭＳ Ｐゴシック" pitchFamily="34" charset="-128"/>
+              </a:defRPr>
+            </a:lvl1pPr>
+            <a:lvl2pPr eaLnBrk="0">
+              <a:tabLst>
+                <a:tab pos="723900" algn="l"/>
+                <a:tab pos="1447800" algn="l"/>
+                <a:tab pos="2171700" algn="l"/>
+                <a:tab pos="2895600" algn="l"/>
+              </a:tabLst>
+              <a:defRPr sz="2400">
+                <a:solidFill>
+                  <a:schemeClr val="tx1"/>
+                </a:solidFill>
+                <a:latin typeface="Arial" charset="0"/>
+                <a:ea typeface="ＭＳ Ｐゴシック" pitchFamily="34" charset="-128"/>
+              </a:defRPr>
+            </a:lvl2pPr>
+            <a:lvl3pPr eaLnBrk="0">
+              <a:tabLst>
+                <a:tab pos="723900" algn="l"/>
+                <a:tab pos="1447800" algn="l"/>
+                <a:tab pos="2171700" algn="l"/>
+                <a:tab pos="2895600" algn="l"/>
+              </a:tabLst>
+              <a:defRPr sz="2400">
+                <a:solidFill>
+                  <a:schemeClr val="tx1"/>
+                </a:solidFill>
+                <a:latin typeface="Arial" charset="0"/>
+                <a:ea typeface="ＭＳ Ｐゴシック" pitchFamily="34" charset="-128"/>
+              </a:defRPr>
+            </a:lvl3pPr>
+            <a:lvl4pPr eaLnBrk="0">
+              <a:tabLst>
+                <a:tab pos="723900" algn="l"/>
+                <a:tab pos="1447800" algn="l"/>
+                <a:tab pos="2171700" algn="l"/>
+                <a:tab pos="2895600" algn="l"/>
+              </a:tabLst>
+              <a:defRPr sz="2400">
+                <a:solidFill>
+                  <a:schemeClr val="tx1"/>
+                </a:solidFill>
+                <a:latin typeface="Arial" charset="0"/>
+                <a:ea typeface="ＭＳ Ｐゴシック" pitchFamily="34" charset="-128"/>
+              </a:defRPr>
+            </a:lvl4pPr>
+            <a:lvl5pPr eaLnBrk="0">
+              <a:tabLst>
+                <a:tab pos="723900" algn="l"/>
+                <a:tab pos="1447800" algn="l"/>
+                <a:tab pos="2171700" algn="l"/>
+                <a:tab pos="2895600" algn="l"/>
+              </a:tabLst>
+              <a:defRPr sz="2400">
+                <a:solidFill>
+                  <a:schemeClr val="tx1"/>
+                </a:solidFill>
+                <a:latin typeface="Arial" charset="0"/>
+                <a:ea typeface="ＭＳ Ｐゴシック" pitchFamily="34" charset="-128"/>
+              </a:defRPr>
+            </a:lvl5pPr>
+            <a:lvl6pPr marL="2514600" indent="-228600" defTabSz="449263" eaLnBrk="0" fontAlgn="base" hangingPunct="0">
+              <a:lnSpc>
+                <a:spcPct val="93000"/>
+              </a:lnSpc>
+              <a:spcBef>
+                <a:spcPct val="0"/>
+              </a:spcBef>
+              <a:spcAft>
+                <a:spcPct val="0"/>
+              </a:spcAft>
+              <a:buClr>
+                <a:srgbClr val="000000"/>
+              </a:buClr>
+              <a:buSzPct val="100000"/>
+              <a:buFont typeface="Times New Roman" pitchFamily="18" charset="0"/>
+              <a:tabLst>
+                <a:tab pos="723900" algn="l"/>
+                <a:tab pos="1447800" algn="l"/>
+                <a:tab pos="2171700" algn="l"/>
+                <a:tab pos="2895600" algn="l"/>
+              </a:tabLst>
+              <a:defRPr sz="2400">
+                <a:solidFill>
+                  <a:schemeClr val="tx1"/>
+                </a:solidFill>
+                <a:latin typeface="Arial" charset="0"/>
+                <a:ea typeface="ＭＳ Ｐゴシック" pitchFamily="34" charset="-128"/>
+              </a:defRPr>
+            </a:lvl6pPr>
+            <a:lvl7pPr marL="2971800" indent="-228600" defTabSz="449263" eaLnBrk="0" fontAlgn="base" hangingPunct="0">
+              <a:lnSpc>
+                <a:spcPct val="93000"/>
+              </a:lnSpc>
+              <a:spcBef>
+                <a:spcPct val="0"/>
+              </a:spcBef>
+              <a:spcAft>
+                <a:spcPct val="0"/>
+              </a:spcAft>
+              <a:buClr>
+                <a:srgbClr val="000000"/>
+              </a:buClr>
+              <a:buSzPct val="100000"/>
+              <a:buFont typeface="Times New Roman" pitchFamily="18" charset="0"/>
+              <a:tabLst>
+                <a:tab pos="723900" algn="l"/>
+                <a:tab pos="1447800" algn="l"/>
+                <a:tab pos="2171700" algn="l"/>
+                <a:tab pos="2895600" algn="l"/>
+              </a:tabLst>
+              <a:defRPr sz="2400">
+                <a:solidFill>
+                  <a:schemeClr val="tx1"/>
+                </a:solidFill>
+                <a:latin typeface="Arial" charset="0"/>
+                <a:ea typeface="ＭＳ Ｐゴシック" pitchFamily="34" charset="-128"/>
+              </a:defRPr>
+            </a:lvl7pPr>
+            <a:lvl8pPr marL="3429000" indent="-228600" defTabSz="449263" eaLnBrk="0" fontAlgn="base" hangingPunct="0">
+              <a:lnSpc>
+                <a:spcPct val="93000"/>
+              </a:lnSpc>
+              <a:spcBef>
+                <a:spcPct val="0"/>
+              </a:spcBef>
+              <a:spcAft>
+                <a:spcPct val="0"/>
+              </a:spcAft>
+              <a:buClr>
+                <a:srgbClr val="000000"/>
+              </a:buClr>
+              <a:buSzPct val="100000"/>
+              <a:buFont typeface="Times New Roman" pitchFamily="18" charset="0"/>
+              <a:tabLst>
+                <a:tab pos="723900" algn="l"/>
+                <a:tab pos="1447800" algn="l"/>
+                <a:tab pos="2171700" algn="l"/>
+                <a:tab pos="2895600" algn="l"/>
+              </a:tabLst>
+              <a:defRPr sz="2400">
+                <a:solidFill>
+                  <a:schemeClr val="tx1"/>
+                </a:solidFill>
+                <a:latin typeface="Arial" charset="0"/>
+                <a:ea typeface="ＭＳ Ｐゴシック" pitchFamily="34" charset="-128"/>
+              </a:defRPr>
+            </a:lvl8pPr>
+            <a:lvl9pPr marL="3886200" indent="-228600" defTabSz="449263" eaLnBrk="0" fontAlgn="base" hangingPunct="0">
+              <a:lnSpc>
+                <a:spcPct val="93000"/>
+              </a:lnSpc>
+              <a:spcBef>
+                <a:spcPct val="0"/>
+              </a:spcBef>
+              <a:spcAft>
+                <a:spcPct val="0"/>
+              </a:spcAft>
+              <a:buClr>
+                <a:srgbClr val="000000"/>
+              </a:buClr>
+              <a:buSzPct val="100000"/>
+              <a:buFont typeface="Times New Roman" pitchFamily="18" charset="0"/>
+              <a:tabLst>
+                <a:tab pos="723900" algn="l"/>
+                <a:tab pos="1447800" algn="l"/>
+                <a:tab pos="2171700" algn="l"/>
+                <a:tab pos="2895600" algn="l"/>
+              </a:tabLst>
+              <a:defRPr sz="2400">
+                <a:solidFill>
+                  <a:schemeClr val="tx1"/>
+                </a:solidFill>
+                <a:latin typeface="Arial" charset="0"/>
+                <a:ea typeface="ＭＳ Ｐゴシック" pitchFamily="34" charset="-128"/>
+              </a:defRPr>
+            </a:lvl9pPr>
+          </a:lstStyle>
+          <a:p>
+            <a:pPr algn="r" eaLnBrk="1">
+              <a:lnSpc>
+                <a:spcPct val="95000"/>
+              </a:lnSpc>
+              <a:defRPr/>
+            </a:pPr>
+            <a:fld id="{A8B08A64-C047-4B1F-9BBA-C309D65656D1}" type="slidenum">
+              <a:rPr lang="en-US" sz="1400" smtClean="0">
+                <a:solidFill>
+                  <a:srgbClr val="000000"/>
+                </a:solidFill>
+                <a:latin typeface="Times New Roman" pitchFamily="18" charset="0"/>
+              </a:rPr>
+              <a:pPr algn="r" eaLnBrk="1">
+                <a:lnSpc>
+                  <a:spcPct val="95000"/>
+                </a:lnSpc>
+                <a:defRPr/>
+              </a:pPr>
+              <a:t>19</a:t>
+            </a:fld>
+            <a:endParaRPr lang="en-US" sz="1400" smtClean="0">
+              <a:solidFill>
+                <a:srgbClr val="000000"/>
+              </a:solidFill>
+              <a:latin typeface="Times New Roman" pitchFamily="18" charset="0"/>
+            </a:endParaRPr>
+          </a:p>
+        </p:txBody>
+      </p:sp>
+      <p:sp>
+        <p:nvSpPr>
+          <p:cNvPr id="13313" name="Text Box 1"/>
+          <p:cNvSpPr txBox="1">
+            <a:spLocks noGrp="1" noRot="1" noChangeAspect="1" noChangeArrowheads="1" noTextEdit="1"/>
+          </p:cNvSpPr>
+          <p:nvPr>
+            <p:ph type="sldImg"/>
+          </p:nvPr>
+        </p:nvSpPr>
+        <p:spPr>
+          <a:xfrm>
+            <a:off x="1106488" y="812800"/>
+            <a:ext cx="5345112" cy="4008438"/>
+          </a:xfrm>
+          <a:solidFill>
+            <a:srgbClr val="FFFFFF"/>
+          </a:solidFill>
+          <a:ln>
+            <a:solidFill>
+              <a:srgbClr val="000000"/>
+            </a:solidFill>
+            <a:miter lim="800000"/>
+            <a:headEnd/>
+            <a:tailEnd/>
+          </a:ln>
+          <a:extLst>
+            <a:ext uri="{AF507438-7753-43E0-B8FC-AC1667EBCBE1}">
+              <a14:hiddenEffects xmlns:a14="http://schemas.microsoft.com/office/drawing/2010/main">
+                <a:effectLst>
+                  <a:outerShdw blurRad="63500" dist="38099" dir="2700000" algn="ctr" rotWithShape="0">
+                    <a:srgbClr val="000000">
+                      <a:alpha val="74997"/>
+                    </a:srgbClr>
+                  </a:outerShdw>
+                </a:effectLst>
+              </a14:hiddenEffects>
+            </a:ext>
+          </a:extLst>
+        </p:spPr>
+      </p:sp>
+      <p:sp>
+        <p:nvSpPr>
+          <p:cNvPr id="13314" name="Text Box 2"/>
+          <p:cNvSpPr txBox="1">
+            <a:spLocks noGrp="1" noChangeArrowheads="1"/>
+          </p:cNvSpPr>
+          <p:nvPr>
+            <p:ph type="body" idx="1"/>
+          </p:nvPr>
+        </p:nvSpPr>
+        <p:spPr>
+          <a:xfrm>
+            <a:off x="755650" y="5078413"/>
+            <a:ext cx="6048375" cy="4811712"/>
+          </a:xfrm>
+          <a:extLst>
+            <a:ext uri="{AF507438-7753-43E0-B8FC-AC1667EBCBE1}">
+              <a14:hiddenEffects xmlns:a14="http://schemas.microsoft.com/office/drawing/2010/main">
+                <a:effectLst>
+                  <a:outerShdw blurRad="63500" dist="38099" dir="2700000" algn="ctr" rotWithShape="0">
+                    <a:srgbClr val="000000">
+                      <a:alpha val="74997"/>
+                    </a:srgbClr>
+                  </a:outerShdw>
+                </a:effectLst>
+              </a14:hiddenEffects>
+            </a:ext>
+          </a:extLst>
+        </p:spPr>
+        <p:txBody>
+          <a:bodyPr wrap="none" anchor="ctr"/>
+          <a:lstStyle/>
+          <a:p>
+            <a:pPr>
+              <a:buFont typeface="Times New Roman" charset="0"/>
+              <a:buNone/>
+              <a:defRPr/>
+            </a:pPr>
+            <a:endParaRPr lang="en-US" smtClean="0"/>
+          </a:p>
+        </p:txBody>
+      </p:sp>
+    </p:spTree>
+  </p:cSld>
+  <p:clrMapOvr>
+    <a:masterClrMapping/>
+  </p:clrMapOvr>
+</p:notes>
+</file>
+
 <file path=ppt/notesSlides/notesSlide2.xml><?xml version="1.0" encoding="utf-8"?>
 <p:notes xmlns:a="http://schemas.openxmlformats.org/drawingml/2006/main" xmlns:r="http://schemas.openxmlformats.org/officeDocument/2006/relationships" xmlns:p="http://schemas.openxmlformats.org/presentationml/2006/main">
   <p:cSld>
@@ -4639,6 +5425,788 @@
                 <a:defRPr/>
               </a:pPr>
               <a:t>2</a:t>
+            </a:fld>
+            <a:endParaRPr lang="en-US" sz="1400" smtClean="0">
+              <a:solidFill>
+                <a:srgbClr val="000000"/>
+              </a:solidFill>
+              <a:latin typeface="Times New Roman" pitchFamily="18" charset="0"/>
+            </a:endParaRPr>
+          </a:p>
+        </p:txBody>
+      </p:sp>
+      <p:sp>
+        <p:nvSpPr>
+          <p:cNvPr id="13313" name="Text Box 1"/>
+          <p:cNvSpPr txBox="1">
+            <a:spLocks noGrp="1" noRot="1" noChangeAspect="1" noChangeArrowheads="1" noTextEdit="1"/>
+          </p:cNvSpPr>
+          <p:nvPr>
+            <p:ph type="sldImg"/>
+          </p:nvPr>
+        </p:nvSpPr>
+        <p:spPr>
+          <a:xfrm>
+            <a:off x="1106488" y="812800"/>
+            <a:ext cx="5345112" cy="4008438"/>
+          </a:xfrm>
+          <a:solidFill>
+            <a:srgbClr val="FFFFFF"/>
+          </a:solidFill>
+          <a:ln>
+            <a:solidFill>
+              <a:srgbClr val="000000"/>
+            </a:solidFill>
+            <a:miter lim="800000"/>
+            <a:headEnd/>
+            <a:tailEnd/>
+          </a:ln>
+          <a:extLst>
+            <a:ext uri="{AF507438-7753-43E0-B8FC-AC1667EBCBE1}">
+              <a14:hiddenEffects xmlns:a14="http://schemas.microsoft.com/office/drawing/2010/main">
+                <a:effectLst>
+                  <a:outerShdw blurRad="63500" dist="38099" dir="2700000" algn="ctr" rotWithShape="0">
+                    <a:srgbClr val="000000">
+                      <a:alpha val="74997"/>
+                    </a:srgbClr>
+                  </a:outerShdw>
+                </a:effectLst>
+              </a14:hiddenEffects>
+            </a:ext>
+          </a:extLst>
+        </p:spPr>
+      </p:sp>
+      <p:sp>
+        <p:nvSpPr>
+          <p:cNvPr id="13314" name="Text Box 2"/>
+          <p:cNvSpPr txBox="1">
+            <a:spLocks noGrp="1" noChangeArrowheads="1"/>
+          </p:cNvSpPr>
+          <p:nvPr>
+            <p:ph type="body" idx="1"/>
+          </p:nvPr>
+        </p:nvSpPr>
+        <p:spPr>
+          <a:xfrm>
+            <a:off x="755650" y="5078413"/>
+            <a:ext cx="6048375" cy="4811712"/>
+          </a:xfrm>
+          <a:extLst>
+            <a:ext uri="{AF507438-7753-43E0-B8FC-AC1667EBCBE1}">
+              <a14:hiddenEffects xmlns:a14="http://schemas.microsoft.com/office/drawing/2010/main">
+                <a:effectLst>
+                  <a:outerShdw blurRad="63500" dist="38099" dir="2700000" algn="ctr" rotWithShape="0">
+                    <a:srgbClr val="000000">
+                      <a:alpha val="74997"/>
+                    </a:srgbClr>
+                  </a:outerShdw>
+                </a:effectLst>
+              </a14:hiddenEffects>
+            </a:ext>
+          </a:extLst>
+        </p:spPr>
+        <p:txBody>
+          <a:bodyPr wrap="none" anchor="ctr"/>
+          <a:lstStyle/>
+          <a:p>
+            <a:pPr>
+              <a:buFont typeface="Times New Roman" charset="0"/>
+              <a:buNone/>
+              <a:defRPr/>
+            </a:pPr>
+            <a:endParaRPr lang="en-US" smtClean="0"/>
+          </a:p>
+        </p:txBody>
+      </p:sp>
+    </p:spTree>
+  </p:cSld>
+  <p:clrMapOvr>
+    <a:masterClrMapping/>
+  </p:clrMapOvr>
+</p:notes>
+</file>
+
+<file path=ppt/notesSlides/notesSlide20.xml><?xml version="1.0" encoding="utf-8"?>
+<p:notes xmlns:a="http://schemas.openxmlformats.org/drawingml/2006/main" xmlns:r="http://schemas.openxmlformats.org/officeDocument/2006/relationships" xmlns:p="http://schemas.openxmlformats.org/presentationml/2006/main">
+  <p:cSld>
+    <p:bg>
+      <p:bgPr>
+        <a:solidFill>
+          <a:srgbClr val="FFFFFF"/>
+        </a:solidFill>
+        <a:effectLst/>
+      </p:bgPr>
+    </p:bg>
+    <p:spTree>
+      <p:nvGrpSpPr>
+        <p:cNvPr id="1" name=""/>
+        <p:cNvGrpSpPr/>
+        <p:nvPr/>
+      </p:nvGrpSpPr>
+      <p:grpSpPr>
+        <a:xfrm>
+          <a:off x="0" y="0"/>
+          <a:ext cx="0" cy="0"/>
+          <a:chOff x="0" y="0"/>
+          <a:chExt cx="0" cy="0"/>
+        </a:xfrm>
+      </p:grpSpPr>
+      <p:sp>
+        <p:nvSpPr>
+          <p:cNvPr id="7" name="Rectangle 6"/>
+          <p:cNvSpPr txBox="1">
+            <a:spLocks noGrp="1" noChangeArrowheads="1"/>
+          </p:cNvSpPr>
+          <p:nvPr/>
+        </p:nvSpPr>
+        <p:spPr bwMode="auto">
+          <a:xfrm>
+            <a:off x="4278313" y="10156825"/>
+            <a:ext cx="3279775" cy="533400"/>
+          </a:xfrm>
+          <a:prstGeom prst="rect">
+            <a:avLst/>
+          </a:prstGeom>
+          <a:noFill/>
+          <a:extLst>
+            <a:ext uri="{909E8E84-426E-40DD-AFC4-6F175D3DCCD1}">
+              <a14:hiddenFill xmlns:a14="http://schemas.microsoft.com/office/drawing/2010/main">
+                <a:solidFill>
+                  <a:srgbClr val="FFFFFF"/>
+                </a:solidFill>
+              </a14:hiddenFill>
+            </a:ext>
+            <a:ext uri="{91240B29-F687-4F45-9708-019B960494DF}">
+              <a14:hiddenLine xmlns:a14="http://schemas.microsoft.com/office/drawing/2010/main" w="9525">
+                <a:solidFill>
+                  <a:srgbClr val="000000"/>
+                </a:solidFill>
+                <a:round/>
+                <a:headEnd/>
+                <a:tailEnd/>
+              </a14:hiddenLine>
+            </a:ext>
+            <a:ext uri="{AF507438-7753-43E0-B8FC-AC1667EBCBE1}">
+              <a14:hiddenEffects xmlns:a14="http://schemas.microsoft.com/office/drawing/2010/main">
+                <a:effectLst>
+                  <a:outerShdw blurRad="63500" dist="38099" dir="2700000" algn="ctr" rotWithShape="0">
+                    <a:schemeClr val="bg2">
+                      <a:alpha val="74998"/>
+                    </a:schemeClr>
+                  </a:outerShdw>
+                </a:effectLst>
+              </a14:hiddenEffects>
+            </a:ext>
+            <a:ext uri="{FAA26D3D-D897-4be2-8F04-BA451C77F1D7}"/>
+          </a:extLst>
+        </p:spPr>
+        <p:txBody>
+          <a:bodyPr lIns="0" tIns="0" rIns="0" bIns="0" anchor="b"/>
+          <a:lstStyle>
+            <a:lvl1pPr eaLnBrk="0">
+              <a:tabLst>
+                <a:tab pos="723900" algn="l"/>
+                <a:tab pos="1447800" algn="l"/>
+                <a:tab pos="2171700" algn="l"/>
+                <a:tab pos="2895600" algn="l"/>
+              </a:tabLst>
+              <a:defRPr sz="2400">
+                <a:solidFill>
+                  <a:schemeClr val="tx1"/>
+                </a:solidFill>
+                <a:latin typeface="Arial" charset="0"/>
+                <a:ea typeface="ＭＳ Ｐゴシック" pitchFamily="34" charset="-128"/>
+              </a:defRPr>
+            </a:lvl1pPr>
+            <a:lvl2pPr eaLnBrk="0">
+              <a:tabLst>
+                <a:tab pos="723900" algn="l"/>
+                <a:tab pos="1447800" algn="l"/>
+                <a:tab pos="2171700" algn="l"/>
+                <a:tab pos="2895600" algn="l"/>
+              </a:tabLst>
+              <a:defRPr sz="2400">
+                <a:solidFill>
+                  <a:schemeClr val="tx1"/>
+                </a:solidFill>
+                <a:latin typeface="Arial" charset="0"/>
+                <a:ea typeface="ＭＳ Ｐゴシック" pitchFamily="34" charset="-128"/>
+              </a:defRPr>
+            </a:lvl2pPr>
+            <a:lvl3pPr eaLnBrk="0">
+              <a:tabLst>
+                <a:tab pos="723900" algn="l"/>
+                <a:tab pos="1447800" algn="l"/>
+                <a:tab pos="2171700" algn="l"/>
+                <a:tab pos="2895600" algn="l"/>
+              </a:tabLst>
+              <a:defRPr sz="2400">
+                <a:solidFill>
+                  <a:schemeClr val="tx1"/>
+                </a:solidFill>
+                <a:latin typeface="Arial" charset="0"/>
+                <a:ea typeface="ＭＳ Ｐゴシック" pitchFamily="34" charset="-128"/>
+              </a:defRPr>
+            </a:lvl3pPr>
+            <a:lvl4pPr eaLnBrk="0">
+              <a:tabLst>
+                <a:tab pos="723900" algn="l"/>
+                <a:tab pos="1447800" algn="l"/>
+                <a:tab pos="2171700" algn="l"/>
+                <a:tab pos="2895600" algn="l"/>
+              </a:tabLst>
+              <a:defRPr sz="2400">
+                <a:solidFill>
+                  <a:schemeClr val="tx1"/>
+                </a:solidFill>
+                <a:latin typeface="Arial" charset="0"/>
+                <a:ea typeface="ＭＳ Ｐゴシック" pitchFamily="34" charset="-128"/>
+              </a:defRPr>
+            </a:lvl4pPr>
+            <a:lvl5pPr eaLnBrk="0">
+              <a:tabLst>
+                <a:tab pos="723900" algn="l"/>
+                <a:tab pos="1447800" algn="l"/>
+                <a:tab pos="2171700" algn="l"/>
+                <a:tab pos="2895600" algn="l"/>
+              </a:tabLst>
+              <a:defRPr sz="2400">
+                <a:solidFill>
+                  <a:schemeClr val="tx1"/>
+                </a:solidFill>
+                <a:latin typeface="Arial" charset="0"/>
+                <a:ea typeface="ＭＳ Ｐゴシック" pitchFamily="34" charset="-128"/>
+              </a:defRPr>
+            </a:lvl5pPr>
+            <a:lvl6pPr marL="2514600" indent="-228600" defTabSz="449263" eaLnBrk="0" fontAlgn="base" hangingPunct="0">
+              <a:lnSpc>
+                <a:spcPct val="93000"/>
+              </a:lnSpc>
+              <a:spcBef>
+                <a:spcPct val="0"/>
+              </a:spcBef>
+              <a:spcAft>
+                <a:spcPct val="0"/>
+              </a:spcAft>
+              <a:buClr>
+                <a:srgbClr val="000000"/>
+              </a:buClr>
+              <a:buSzPct val="100000"/>
+              <a:buFont typeface="Times New Roman" pitchFamily="18" charset="0"/>
+              <a:tabLst>
+                <a:tab pos="723900" algn="l"/>
+                <a:tab pos="1447800" algn="l"/>
+                <a:tab pos="2171700" algn="l"/>
+                <a:tab pos="2895600" algn="l"/>
+              </a:tabLst>
+              <a:defRPr sz="2400">
+                <a:solidFill>
+                  <a:schemeClr val="tx1"/>
+                </a:solidFill>
+                <a:latin typeface="Arial" charset="0"/>
+                <a:ea typeface="ＭＳ Ｐゴシック" pitchFamily="34" charset="-128"/>
+              </a:defRPr>
+            </a:lvl6pPr>
+            <a:lvl7pPr marL="2971800" indent="-228600" defTabSz="449263" eaLnBrk="0" fontAlgn="base" hangingPunct="0">
+              <a:lnSpc>
+                <a:spcPct val="93000"/>
+              </a:lnSpc>
+              <a:spcBef>
+                <a:spcPct val="0"/>
+              </a:spcBef>
+              <a:spcAft>
+                <a:spcPct val="0"/>
+              </a:spcAft>
+              <a:buClr>
+                <a:srgbClr val="000000"/>
+              </a:buClr>
+              <a:buSzPct val="100000"/>
+              <a:buFont typeface="Times New Roman" pitchFamily="18" charset="0"/>
+              <a:tabLst>
+                <a:tab pos="723900" algn="l"/>
+                <a:tab pos="1447800" algn="l"/>
+                <a:tab pos="2171700" algn="l"/>
+                <a:tab pos="2895600" algn="l"/>
+              </a:tabLst>
+              <a:defRPr sz="2400">
+                <a:solidFill>
+                  <a:schemeClr val="tx1"/>
+                </a:solidFill>
+                <a:latin typeface="Arial" charset="0"/>
+                <a:ea typeface="ＭＳ Ｐゴシック" pitchFamily="34" charset="-128"/>
+              </a:defRPr>
+            </a:lvl7pPr>
+            <a:lvl8pPr marL="3429000" indent="-228600" defTabSz="449263" eaLnBrk="0" fontAlgn="base" hangingPunct="0">
+              <a:lnSpc>
+                <a:spcPct val="93000"/>
+              </a:lnSpc>
+              <a:spcBef>
+                <a:spcPct val="0"/>
+              </a:spcBef>
+              <a:spcAft>
+                <a:spcPct val="0"/>
+              </a:spcAft>
+              <a:buClr>
+                <a:srgbClr val="000000"/>
+              </a:buClr>
+              <a:buSzPct val="100000"/>
+              <a:buFont typeface="Times New Roman" pitchFamily="18" charset="0"/>
+              <a:tabLst>
+                <a:tab pos="723900" algn="l"/>
+                <a:tab pos="1447800" algn="l"/>
+                <a:tab pos="2171700" algn="l"/>
+                <a:tab pos="2895600" algn="l"/>
+              </a:tabLst>
+              <a:defRPr sz="2400">
+                <a:solidFill>
+                  <a:schemeClr val="tx1"/>
+                </a:solidFill>
+                <a:latin typeface="Arial" charset="0"/>
+                <a:ea typeface="ＭＳ Ｐゴシック" pitchFamily="34" charset="-128"/>
+              </a:defRPr>
+            </a:lvl8pPr>
+            <a:lvl9pPr marL="3886200" indent="-228600" defTabSz="449263" eaLnBrk="0" fontAlgn="base" hangingPunct="0">
+              <a:lnSpc>
+                <a:spcPct val="93000"/>
+              </a:lnSpc>
+              <a:spcBef>
+                <a:spcPct val="0"/>
+              </a:spcBef>
+              <a:spcAft>
+                <a:spcPct val="0"/>
+              </a:spcAft>
+              <a:buClr>
+                <a:srgbClr val="000000"/>
+              </a:buClr>
+              <a:buSzPct val="100000"/>
+              <a:buFont typeface="Times New Roman" pitchFamily="18" charset="0"/>
+              <a:tabLst>
+                <a:tab pos="723900" algn="l"/>
+                <a:tab pos="1447800" algn="l"/>
+                <a:tab pos="2171700" algn="l"/>
+                <a:tab pos="2895600" algn="l"/>
+              </a:tabLst>
+              <a:defRPr sz="2400">
+                <a:solidFill>
+                  <a:schemeClr val="tx1"/>
+                </a:solidFill>
+                <a:latin typeface="Arial" charset="0"/>
+                <a:ea typeface="ＭＳ Ｐゴシック" pitchFamily="34" charset="-128"/>
+              </a:defRPr>
+            </a:lvl9pPr>
+          </a:lstStyle>
+          <a:p>
+            <a:pPr algn="r" eaLnBrk="1">
+              <a:lnSpc>
+                <a:spcPct val="95000"/>
+              </a:lnSpc>
+              <a:defRPr/>
+            </a:pPr>
+            <a:fld id="{A8B08A64-C047-4B1F-9BBA-C309D65656D1}" type="slidenum">
+              <a:rPr lang="en-US" sz="1400" smtClean="0">
+                <a:solidFill>
+                  <a:srgbClr val="000000"/>
+                </a:solidFill>
+                <a:latin typeface="Times New Roman" pitchFamily="18" charset="0"/>
+              </a:rPr>
+              <a:pPr algn="r" eaLnBrk="1">
+                <a:lnSpc>
+                  <a:spcPct val="95000"/>
+                </a:lnSpc>
+                <a:defRPr/>
+              </a:pPr>
+              <a:t>20</a:t>
+            </a:fld>
+            <a:endParaRPr lang="en-US" sz="1400" smtClean="0">
+              <a:solidFill>
+                <a:srgbClr val="000000"/>
+              </a:solidFill>
+              <a:latin typeface="Times New Roman" pitchFamily="18" charset="0"/>
+            </a:endParaRPr>
+          </a:p>
+        </p:txBody>
+      </p:sp>
+      <p:sp>
+        <p:nvSpPr>
+          <p:cNvPr id="13313" name="Text Box 1"/>
+          <p:cNvSpPr txBox="1">
+            <a:spLocks noGrp="1" noRot="1" noChangeAspect="1" noChangeArrowheads="1" noTextEdit="1"/>
+          </p:cNvSpPr>
+          <p:nvPr>
+            <p:ph type="sldImg"/>
+          </p:nvPr>
+        </p:nvSpPr>
+        <p:spPr>
+          <a:xfrm>
+            <a:off x="1106488" y="812800"/>
+            <a:ext cx="5345112" cy="4008438"/>
+          </a:xfrm>
+          <a:solidFill>
+            <a:srgbClr val="FFFFFF"/>
+          </a:solidFill>
+          <a:ln>
+            <a:solidFill>
+              <a:srgbClr val="000000"/>
+            </a:solidFill>
+            <a:miter lim="800000"/>
+            <a:headEnd/>
+            <a:tailEnd/>
+          </a:ln>
+          <a:extLst>
+            <a:ext uri="{AF507438-7753-43E0-B8FC-AC1667EBCBE1}">
+              <a14:hiddenEffects xmlns:a14="http://schemas.microsoft.com/office/drawing/2010/main">
+                <a:effectLst>
+                  <a:outerShdw blurRad="63500" dist="38099" dir="2700000" algn="ctr" rotWithShape="0">
+                    <a:srgbClr val="000000">
+                      <a:alpha val="74997"/>
+                    </a:srgbClr>
+                  </a:outerShdw>
+                </a:effectLst>
+              </a14:hiddenEffects>
+            </a:ext>
+          </a:extLst>
+        </p:spPr>
+      </p:sp>
+      <p:sp>
+        <p:nvSpPr>
+          <p:cNvPr id="13314" name="Text Box 2"/>
+          <p:cNvSpPr txBox="1">
+            <a:spLocks noGrp="1" noChangeArrowheads="1"/>
+          </p:cNvSpPr>
+          <p:nvPr>
+            <p:ph type="body" idx="1"/>
+          </p:nvPr>
+        </p:nvSpPr>
+        <p:spPr>
+          <a:xfrm>
+            <a:off x="755650" y="5078413"/>
+            <a:ext cx="6048375" cy="4811712"/>
+          </a:xfrm>
+          <a:extLst>
+            <a:ext uri="{AF507438-7753-43E0-B8FC-AC1667EBCBE1}">
+              <a14:hiddenEffects xmlns:a14="http://schemas.microsoft.com/office/drawing/2010/main">
+                <a:effectLst>
+                  <a:outerShdw blurRad="63500" dist="38099" dir="2700000" algn="ctr" rotWithShape="0">
+                    <a:srgbClr val="000000">
+                      <a:alpha val="74997"/>
+                    </a:srgbClr>
+                  </a:outerShdw>
+                </a:effectLst>
+              </a14:hiddenEffects>
+            </a:ext>
+          </a:extLst>
+        </p:spPr>
+        <p:txBody>
+          <a:bodyPr wrap="none" anchor="ctr"/>
+          <a:lstStyle/>
+          <a:p>
+            <a:pPr>
+              <a:buFont typeface="Times New Roman" charset="0"/>
+              <a:buNone/>
+              <a:defRPr/>
+            </a:pPr>
+            <a:endParaRPr lang="en-US" smtClean="0"/>
+          </a:p>
+        </p:txBody>
+      </p:sp>
+    </p:spTree>
+  </p:cSld>
+  <p:clrMapOvr>
+    <a:masterClrMapping/>
+  </p:clrMapOvr>
+</p:notes>
+</file>
+
+<file path=ppt/notesSlides/notesSlide21.xml><?xml version="1.0" encoding="utf-8"?>
+<p:notes xmlns:a="http://schemas.openxmlformats.org/drawingml/2006/main" xmlns:r="http://schemas.openxmlformats.org/officeDocument/2006/relationships" xmlns:p="http://schemas.openxmlformats.org/presentationml/2006/main">
+  <p:cSld>
+    <p:bg>
+      <p:bgPr>
+        <a:solidFill>
+          <a:srgbClr val="FFFFFF"/>
+        </a:solidFill>
+        <a:effectLst/>
+      </p:bgPr>
+    </p:bg>
+    <p:spTree>
+      <p:nvGrpSpPr>
+        <p:cNvPr id="1" name=""/>
+        <p:cNvGrpSpPr/>
+        <p:nvPr/>
+      </p:nvGrpSpPr>
+      <p:grpSpPr>
+        <a:xfrm>
+          <a:off x="0" y="0"/>
+          <a:ext cx="0" cy="0"/>
+          <a:chOff x="0" y="0"/>
+          <a:chExt cx="0" cy="0"/>
+        </a:xfrm>
+      </p:grpSpPr>
+      <p:sp>
+        <p:nvSpPr>
+          <p:cNvPr id="7" name="Rectangle 6"/>
+          <p:cNvSpPr txBox="1">
+            <a:spLocks noGrp="1" noChangeArrowheads="1"/>
+          </p:cNvSpPr>
+          <p:nvPr/>
+        </p:nvSpPr>
+        <p:spPr bwMode="auto">
+          <a:xfrm>
+            <a:off x="4278313" y="10156825"/>
+            <a:ext cx="3279775" cy="533400"/>
+          </a:xfrm>
+          <a:prstGeom prst="rect">
+            <a:avLst/>
+          </a:prstGeom>
+          <a:noFill/>
+          <a:extLst>
+            <a:ext uri="{909E8E84-426E-40DD-AFC4-6F175D3DCCD1}">
+              <a14:hiddenFill xmlns:a14="http://schemas.microsoft.com/office/drawing/2010/main">
+                <a:solidFill>
+                  <a:srgbClr val="FFFFFF"/>
+                </a:solidFill>
+              </a14:hiddenFill>
+            </a:ext>
+            <a:ext uri="{91240B29-F687-4F45-9708-019B960494DF}">
+              <a14:hiddenLine xmlns:a14="http://schemas.microsoft.com/office/drawing/2010/main" w="9525">
+                <a:solidFill>
+                  <a:srgbClr val="000000"/>
+                </a:solidFill>
+                <a:round/>
+                <a:headEnd/>
+                <a:tailEnd/>
+              </a14:hiddenLine>
+            </a:ext>
+            <a:ext uri="{AF507438-7753-43E0-B8FC-AC1667EBCBE1}">
+              <a14:hiddenEffects xmlns:a14="http://schemas.microsoft.com/office/drawing/2010/main">
+                <a:effectLst>
+                  <a:outerShdw blurRad="63500" dist="38099" dir="2700000" algn="ctr" rotWithShape="0">
+                    <a:schemeClr val="bg2">
+                      <a:alpha val="74998"/>
+                    </a:schemeClr>
+                  </a:outerShdw>
+                </a:effectLst>
+              </a14:hiddenEffects>
+            </a:ext>
+            <a:ext uri="{FAA26D3D-D897-4be2-8F04-BA451C77F1D7}"/>
+          </a:extLst>
+        </p:spPr>
+        <p:txBody>
+          <a:bodyPr lIns="0" tIns="0" rIns="0" bIns="0" anchor="b"/>
+          <a:lstStyle>
+            <a:lvl1pPr eaLnBrk="0">
+              <a:tabLst>
+                <a:tab pos="723900" algn="l"/>
+                <a:tab pos="1447800" algn="l"/>
+                <a:tab pos="2171700" algn="l"/>
+                <a:tab pos="2895600" algn="l"/>
+              </a:tabLst>
+              <a:defRPr sz="2400">
+                <a:solidFill>
+                  <a:schemeClr val="tx1"/>
+                </a:solidFill>
+                <a:latin typeface="Arial" charset="0"/>
+                <a:ea typeface="ＭＳ Ｐゴシック" pitchFamily="34" charset="-128"/>
+              </a:defRPr>
+            </a:lvl1pPr>
+            <a:lvl2pPr eaLnBrk="0">
+              <a:tabLst>
+                <a:tab pos="723900" algn="l"/>
+                <a:tab pos="1447800" algn="l"/>
+                <a:tab pos="2171700" algn="l"/>
+                <a:tab pos="2895600" algn="l"/>
+              </a:tabLst>
+              <a:defRPr sz="2400">
+                <a:solidFill>
+                  <a:schemeClr val="tx1"/>
+                </a:solidFill>
+                <a:latin typeface="Arial" charset="0"/>
+                <a:ea typeface="ＭＳ Ｐゴシック" pitchFamily="34" charset="-128"/>
+              </a:defRPr>
+            </a:lvl2pPr>
+            <a:lvl3pPr eaLnBrk="0">
+              <a:tabLst>
+                <a:tab pos="723900" algn="l"/>
+                <a:tab pos="1447800" algn="l"/>
+                <a:tab pos="2171700" algn="l"/>
+                <a:tab pos="2895600" algn="l"/>
+              </a:tabLst>
+              <a:defRPr sz="2400">
+                <a:solidFill>
+                  <a:schemeClr val="tx1"/>
+                </a:solidFill>
+                <a:latin typeface="Arial" charset="0"/>
+                <a:ea typeface="ＭＳ Ｐゴシック" pitchFamily="34" charset="-128"/>
+              </a:defRPr>
+            </a:lvl3pPr>
+            <a:lvl4pPr eaLnBrk="0">
+              <a:tabLst>
+                <a:tab pos="723900" algn="l"/>
+                <a:tab pos="1447800" algn="l"/>
+                <a:tab pos="2171700" algn="l"/>
+                <a:tab pos="2895600" algn="l"/>
+              </a:tabLst>
+              <a:defRPr sz="2400">
+                <a:solidFill>
+                  <a:schemeClr val="tx1"/>
+                </a:solidFill>
+                <a:latin typeface="Arial" charset="0"/>
+                <a:ea typeface="ＭＳ Ｐゴシック" pitchFamily="34" charset="-128"/>
+              </a:defRPr>
+            </a:lvl4pPr>
+            <a:lvl5pPr eaLnBrk="0">
+              <a:tabLst>
+                <a:tab pos="723900" algn="l"/>
+                <a:tab pos="1447800" algn="l"/>
+                <a:tab pos="2171700" algn="l"/>
+                <a:tab pos="2895600" algn="l"/>
+              </a:tabLst>
+              <a:defRPr sz="2400">
+                <a:solidFill>
+                  <a:schemeClr val="tx1"/>
+                </a:solidFill>
+                <a:latin typeface="Arial" charset="0"/>
+                <a:ea typeface="ＭＳ Ｐゴシック" pitchFamily="34" charset="-128"/>
+              </a:defRPr>
+            </a:lvl5pPr>
+            <a:lvl6pPr marL="2514600" indent="-228600" defTabSz="449263" eaLnBrk="0" fontAlgn="base" hangingPunct="0">
+              <a:lnSpc>
+                <a:spcPct val="93000"/>
+              </a:lnSpc>
+              <a:spcBef>
+                <a:spcPct val="0"/>
+              </a:spcBef>
+              <a:spcAft>
+                <a:spcPct val="0"/>
+              </a:spcAft>
+              <a:buClr>
+                <a:srgbClr val="000000"/>
+              </a:buClr>
+              <a:buSzPct val="100000"/>
+              <a:buFont typeface="Times New Roman" pitchFamily="18" charset="0"/>
+              <a:tabLst>
+                <a:tab pos="723900" algn="l"/>
+                <a:tab pos="1447800" algn="l"/>
+                <a:tab pos="2171700" algn="l"/>
+                <a:tab pos="2895600" algn="l"/>
+              </a:tabLst>
+              <a:defRPr sz="2400">
+                <a:solidFill>
+                  <a:schemeClr val="tx1"/>
+                </a:solidFill>
+                <a:latin typeface="Arial" charset="0"/>
+                <a:ea typeface="ＭＳ Ｐゴシック" pitchFamily="34" charset="-128"/>
+              </a:defRPr>
+            </a:lvl6pPr>
+            <a:lvl7pPr marL="2971800" indent="-228600" defTabSz="449263" eaLnBrk="0" fontAlgn="base" hangingPunct="0">
+              <a:lnSpc>
+                <a:spcPct val="93000"/>
+              </a:lnSpc>
+              <a:spcBef>
+                <a:spcPct val="0"/>
+              </a:spcBef>
+              <a:spcAft>
+                <a:spcPct val="0"/>
+              </a:spcAft>
+              <a:buClr>
+                <a:srgbClr val="000000"/>
+              </a:buClr>
+              <a:buSzPct val="100000"/>
+              <a:buFont typeface="Times New Roman" pitchFamily="18" charset="0"/>
+              <a:tabLst>
+                <a:tab pos="723900" algn="l"/>
+                <a:tab pos="1447800" algn="l"/>
+                <a:tab pos="2171700" algn="l"/>
+                <a:tab pos="2895600" algn="l"/>
+              </a:tabLst>
+              <a:defRPr sz="2400">
+                <a:solidFill>
+                  <a:schemeClr val="tx1"/>
+                </a:solidFill>
+                <a:latin typeface="Arial" charset="0"/>
+                <a:ea typeface="ＭＳ Ｐゴシック" pitchFamily="34" charset="-128"/>
+              </a:defRPr>
+            </a:lvl7pPr>
+            <a:lvl8pPr marL="3429000" indent="-228600" defTabSz="449263" eaLnBrk="0" fontAlgn="base" hangingPunct="0">
+              <a:lnSpc>
+                <a:spcPct val="93000"/>
+              </a:lnSpc>
+              <a:spcBef>
+                <a:spcPct val="0"/>
+              </a:spcBef>
+              <a:spcAft>
+                <a:spcPct val="0"/>
+              </a:spcAft>
+              <a:buClr>
+                <a:srgbClr val="000000"/>
+              </a:buClr>
+              <a:buSzPct val="100000"/>
+              <a:buFont typeface="Times New Roman" pitchFamily="18" charset="0"/>
+              <a:tabLst>
+                <a:tab pos="723900" algn="l"/>
+                <a:tab pos="1447800" algn="l"/>
+                <a:tab pos="2171700" algn="l"/>
+                <a:tab pos="2895600" algn="l"/>
+              </a:tabLst>
+              <a:defRPr sz="2400">
+                <a:solidFill>
+                  <a:schemeClr val="tx1"/>
+                </a:solidFill>
+                <a:latin typeface="Arial" charset="0"/>
+                <a:ea typeface="ＭＳ Ｐゴシック" pitchFamily="34" charset="-128"/>
+              </a:defRPr>
+            </a:lvl8pPr>
+            <a:lvl9pPr marL="3886200" indent="-228600" defTabSz="449263" eaLnBrk="0" fontAlgn="base" hangingPunct="0">
+              <a:lnSpc>
+                <a:spcPct val="93000"/>
+              </a:lnSpc>
+              <a:spcBef>
+                <a:spcPct val="0"/>
+              </a:spcBef>
+              <a:spcAft>
+                <a:spcPct val="0"/>
+              </a:spcAft>
+              <a:buClr>
+                <a:srgbClr val="000000"/>
+              </a:buClr>
+              <a:buSzPct val="100000"/>
+              <a:buFont typeface="Times New Roman" pitchFamily="18" charset="0"/>
+              <a:tabLst>
+                <a:tab pos="723900" algn="l"/>
+                <a:tab pos="1447800" algn="l"/>
+                <a:tab pos="2171700" algn="l"/>
+                <a:tab pos="2895600" algn="l"/>
+              </a:tabLst>
+              <a:defRPr sz="2400">
+                <a:solidFill>
+                  <a:schemeClr val="tx1"/>
+                </a:solidFill>
+                <a:latin typeface="Arial" charset="0"/>
+                <a:ea typeface="ＭＳ Ｐゴシック" pitchFamily="34" charset="-128"/>
+              </a:defRPr>
+            </a:lvl9pPr>
+          </a:lstStyle>
+          <a:p>
+            <a:pPr algn="r" eaLnBrk="1">
+              <a:lnSpc>
+                <a:spcPct val="95000"/>
+              </a:lnSpc>
+              <a:defRPr/>
+            </a:pPr>
+            <a:fld id="{780143D3-B403-48A7-A921-8C28E65A8FBC}" type="slidenum">
+              <a:rPr lang="en-US" sz="1400" smtClean="0">
+                <a:solidFill>
+                  <a:srgbClr val="000000"/>
+                </a:solidFill>
+                <a:latin typeface="Times New Roman" pitchFamily="18" charset="0"/>
+              </a:rPr>
+              <a:pPr algn="r" eaLnBrk="1">
+                <a:lnSpc>
+                  <a:spcPct val="95000"/>
+                </a:lnSpc>
+                <a:defRPr/>
+              </a:pPr>
+              <a:t>21</a:t>
             </a:fld>
             <a:endParaRPr lang="en-US" sz="1400" smtClean="0">
               <a:solidFill>
@@ -12389,11 +13957,6 @@
               </a:rPr>
               <a:t>INTERACTIVE 3D VERSION WITH SOURCE CODE</a:t>
             </a:r>
-            <a:endParaRPr lang="en-US" sz="1800" dirty="0" smtClean="0">
-              <a:solidFill>
-                <a:srgbClr val="808080"/>
-              </a:solidFill>
-            </a:endParaRPr>
           </a:p>
           <a:p>
             <a:pPr algn="ctr" eaLnBrk="1">
@@ -12454,11 +14017,6 @@
               </a:rPr>
               <a:t>: Some Assembly Required</a:t>
             </a:r>
-            <a:endParaRPr lang="en-US" sz="1300" dirty="0" smtClean="0">
-              <a:solidFill>
-                <a:srgbClr val="808080"/>
-              </a:solidFill>
-            </a:endParaRPr>
           </a:p>
         </p:txBody>
       </p:sp>
@@ -12517,6 +14075,73 @@
       </p:grpSpPr>
       <p:sp>
         <p:nvSpPr>
+          <p:cNvPr id="2" name="Rectangle 1"/>
+          <p:cNvSpPr/>
+          <p:nvPr/>
+        </p:nvSpPr>
+        <p:spPr bwMode="auto">
+          <a:xfrm>
+            <a:off x="-1080368" y="3419797"/>
+            <a:ext cx="12961440" cy="3528392"/>
+          </a:xfrm>
+          <a:prstGeom prst="rect">
+            <a:avLst/>
+          </a:prstGeom>
+          <a:solidFill>
+            <a:schemeClr val="bg1"/>
+          </a:solidFill>
+          <a:ln w="9525" cap="flat" cmpd="sng" algn="ctr">
+            <a:solidFill>
+              <a:schemeClr val="tx1"/>
+            </a:solidFill>
+            <a:prstDash val="solid"/>
+            <a:round/>
+            <a:headEnd type="none" w="med" len="med"/>
+            <a:tailEnd type="none" w="med" len="med"/>
+          </a:ln>
+          <a:effectLst/>
+          <a:extLst/>
+        </p:spPr>
+        <p:txBody>
+          <a:bodyPr vert="horz" wrap="square" lIns="91440" tIns="45720" rIns="91440" bIns="45720" numCol="1" rtlCol="0" anchor="t" anchorCtr="0" compatLnSpc="1">
+            <a:prstTxWarp prst="textNoShape">
+              <a:avLst/>
+            </a:prstTxWarp>
+          </a:bodyPr>
+          <a:lstStyle/>
+          <a:p>
+            <a:pPr marL="0" marR="0" indent="0" algn="l" defTabSz="449263" rtl="0" eaLnBrk="1" fontAlgn="base" latinLnBrk="0" hangingPunct="0">
+              <a:lnSpc>
+                <a:spcPct val="93000"/>
+              </a:lnSpc>
+              <a:spcBef>
+                <a:spcPct val="0"/>
+              </a:spcBef>
+              <a:spcAft>
+                <a:spcPct val="0"/>
+              </a:spcAft>
+              <a:buClr>
+                <a:srgbClr val="000000"/>
+              </a:buClr>
+              <a:buSzPct val="100000"/>
+              <a:buFont typeface="Times New Roman" charset="0"/>
+              <a:buNone/>
+              <a:tabLst/>
+            </a:pPr>
+            <a:endParaRPr kumimoji="0" lang="en-MY" sz="1800" b="0" i="0" u="none" strike="noStrike" cap="none" normalizeH="0" baseline="0">
+              <a:ln>
+                <a:noFill/>
+              </a:ln>
+              <a:effectLst/>
+              <a:latin typeface="Arial" charset="0"/>
+              <a:ea typeface="ＭＳ Ｐゴシック" charset="0"/>
+              <a:cs typeface="Arial Unicode MS" charset="0"/>
+            </a:endParaRPr>
+          </a:p>
+        </p:txBody>
+      </p:sp>
+      <p:sp>
+        <p:nvSpPr>
           <p:cNvPr id="3073" name="Text Box 1"/>
           <p:cNvSpPr txBox="1">
             <a:spLocks noChangeArrowheads="1"/>
@@ -12525,7 +14150,7 @@
         </p:nvSpPr>
         <p:spPr bwMode="auto">
           <a:xfrm>
-            <a:off x="1963088" y="4536503"/>
+            <a:off x="1511920" y="3923853"/>
             <a:ext cx="7397704" cy="2555702"/>
           </a:xfrm>
           <a:prstGeom prst="rect">
@@ -13091,8 +14716,8 @@
         </p:blipFill>
         <p:spPr bwMode="auto">
           <a:xfrm>
-            <a:off x="2307934" y="331983"/>
-            <a:ext cx="5324666" cy="3663878"/>
+            <a:off x="3168104" y="395461"/>
+            <a:ext cx="3871987" cy="2664296"/>
           </a:xfrm>
           <a:prstGeom prst="rect">
             <a:avLst/>
@@ -13167,1148 +14792,9 @@
           <a:chExt cx="0" cy="0"/>
         </a:xfrm>
       </p:grpSpPr>
-      <p:sp>
-        <p:nvSpPr>
-          <p:cNvPr id="3073" name="Text Box 1"/>
-          <p:cNvSpPr txBox="1">
-            <a:spLocks noChangeArrowheads="1"/>
-          </p:cNvSpPr>
-          <p:nvPr/>
-        </p:nvSpPr>
-        <p:spPr bwMode="auto">
-          <a:xfrm>
-            <a:off x="287784" y="2699717"/>
-            <a:ext cx="9649072" cy="2555702"/>
-          </a:xfrm>
-          <a:prstGeom prst="rect">
-            <a:avLst/>
-          </a:prstGeom>
-          <a:noFill/>
-          <a:ln>
-            <a:noFill/>
-          </a:ln>
-          <a:effectLst/>
-          <a:extLst>
-            <a:ext uri="{909E8E84-426E-40DD-AFC4-6F175D3DCCD1}">
-              <a14:hiddenFill xmlns:a14="http://schemas.microsoft.com/office/drawing/2010/main">
-                <a:solidFill>
-                  <a:srgbClr val="FFFFFF"/>
-                </a:solidFill>
-              </a14:hiddenFill>
-            </a:ext>
-            <a:ext uri="{91240B29-F687-4F45-9708-019B960494DF}">
-              <a14:hiddenLine xmlns:a14="http://schemas.microsoft.com/office/drawing/2010/main" w="9525">
-                <a:solidFill>
-                  <a:srgbClr val="000000"/>
-                </a:solidFill>
-                <a:round/>
-                <a:headEnd/>
-                <a:tailEnd/>
-              </a14:hiddenLine>
-            </a:ext>
-            <a:ext uri="{AF507438-7753-43E0-B8FC-AC1667EBCBE1}">
-              <a14:hiddenEffects xmlns:a14="http://schemas.microsoft.com/office/drawing/2010/main">
-                <a:effectLst>
-                  <a:outerShdw blurRad="63500" dist="38099" dir="2700000" algn="ctr" rotWithShape="0">
-                    <a:srgbClr val="000000">
-                      <a:alpha val="74998"/>
-                    </a:srgbClr>
-                  </a:outerShdw>
-                </a:effectLst>
-              </a14:hiddenEffects>
-            </a:ext>
-          </a:extLst>
-        </p:spPr>
-        <p:txBody>
-          <a:bodyPr lIns="0" tIns="15876" rIns="0" bIns="0" anchor="ctr"/>
-          <a:lstStyle>
-            <a:lvl1pPr eaLnBrk="0">
-              <a:tabLst>
-                <a:tab pos="723900" algn="l"/>
-                <a:tab pos="1447800" algn="l"/>
-                <a:tab pos="2171700" algn="l"/>
-                <a:tab pos="2895600" algn="l"/>
-                <a:tab pos="3619500" algn="l"/>
-                <a:tab pos="4343400" algn="l"/>
-                <a:tab pos="5067300" algn="l"/>
-                <a:tab pos="5791200" algn="l"/>
-                <a:tab pos="6515100" algn="l"/>
-                <a:tab pos="7239000" algn="l"/>
-                <a:tab pos="7962900" algn="l"/>
-                <a:tab pos="8686800" algn="l"/>
-              </a:tabLst>
-              <a:defRPr sz="2400">
-                <a:solidFill>
-                  <a:schemeClr val="tx1"/>
-                </a:solidFill>
-                <a:latin typeface="Arial" charset="0"/>
-                <a:ea typeface="ＭＳ Ｐゴシック" pitchFamily="34" charset="-128"/>
-              </a:defRPr>
-            </a:lvl1pPr>
-            <a:lvl2pPr eaLnBrk="0">
-              <a:tabLst>
-                <a:tab pos="723900" algn="l"/>
-                <a:tab pos="1447800" algn="l"/>
-                <a:tab pos="2171700" algn="l"/>
-                <a:tab pos="2895600" algn="l"/>
-                <a:tab pos="3619500" algn="l"/>
-                <a:tab pos="4343400" algn="l"/>
-                <a:tab pos="5067300" algn="l"/>
-                <a:tab pos="5791200" algn="l"/>
-                <a:tab pos="6515100" algn="l"/>
-                <a:tab pos="7239000" algn="l"/>
-                <a:tab pos="7962900" algn="l"/>
-                <a:tab pos="8686800" algn="l"/>
-              </a:tabLst>
-              <a:defRPr sz="2400">
-                <a:solidFill>
-                  <a:schemeClr val="tx1"/>
-                </a:solidFill>
-                <a:latin typeface="Arial" charset="0"/>
-                <a:ea typeface="ＭＳ Ｐゴシック" pitchFamily="34" charset="-128"/>
-              </a:defRPr>
-            </a:lvl2pPr>
-            <a:lvl3pPr eaLnBrk="0">
-              <a:tabLst>
-                <a:tab pos="723900" algn="l"/>
-                <a:tab pos="1447800" algn="l"/>
-                <a:tab pos="2171700" algn="l"/>
-                <a:tab pos="2895600" algn="l"/>
-                <a:tab pos="3619500" algn="l"/>
-                <a:tab pos="4343400" algn="l"/>
-                <a:tab pos="5067300" algn="l"/>
-                <a:tab pos="5791200" algn="l"/>
-                <a:tab pos="6515100" algn="l"/>
-                <a:tab pos="7239000" algn="l"/>
-                <a:tab pos="7962900" algn="l"/>
-                <a:tab pos="8686800" algn="l"/>
-              </a:tabLst>
-              <a:defRPr sz="2400">
-                <a:solidFill>
-                  <a:schemeClr val="tx1"/>
-                </a:solidFill>
-                <a:latin typeface="Arial" charset="0"/>
-                <a:ea typeface="ＭＳ Ｐゴシック" pitchFamily="34" charset="-128"/>
-              </a:defRPr>
-            </a:lvl3pPr>
-            <a:lvl4pPr eaLnBrk="0">
-              <a:tabLst>
-                <a:tab pos="723900" algn="l"/>
-                <a:tab pos="1447800" algn="l"/>
-                <a:tab pos="2171700" algn="l"/>
-                <a:tab pos="2895600" algn="l"/>
-                <a:tab pos="3619500" algn="l"/>
-                <a:tab pos="4343400" algn="l"/>
-                <a:tab pos="5067300" algn="l"/>
-                <a:tab pos="5791200" algn="l"/>
-                <a:tab pos="6515100" algn="l"/>
-                <a:tab pos="7239000" algn="l"/>
-                <a:tab pos="7962900" algn="l"/>
-                <a:tab pos="8686800" algn="l"/>
-              </a:tabLst>
-              <a:defRPr sz="2400">
-                <a:solidFill>
-                  <a:schemeClr val="tx1"/>
-                </a:solidFill>
-                <a:latin typeface="Arial" charset="0"/>
-                <a:ea typeface="ＭＳ Ｐゴシック" pitchFamily="34" charset="-128"/>
-              </a:defRPr>
-            </a:lvl4pPr>
-            <a:lvl5pPr eaLnBrk="0">
-              <a:tabLst>
-                <a:tab pos="723900" algn="l"/>
-                <a:tab pos="1447800" algn="l"/>
-                <a:tab pos="2171700" algn="l"/>
-                <a:tab pos="2895600" algn="l"/>
-                <a:tab pos="3619500" algn="l"/>
-                <a:tab pos="4343400" algn="l"/>
-                <a:tab pos="5067300" algn="l"/>
-                <a:tab pos="5791200" algn="l"/>
-                <a:tab pos="6515100" algn="l"/>
-                <a:tab pos="7239000" algn="l"/>
-                <a:tab pos="7962900" algn="l"/>
-                <a:tab pos="8686800" algn="l"/>
-              </a:tabLst>
-              <a:defRPr sz="2400">
-                <a:solidFill>
-                  <a:schemeClr val="tx1"/>
-                </a:solidFill>
-                <a:latin typeface="Arial" charset="0"/>
-                <a:ea typeface="ＭＳ Ｐゴシック" pitchFamily="34" charset="-128"/>
-              </a:defRPr>
-            </a:lvl5pPr>
-            <a:lvl6pPr marL="2514600" indent="-228600" defTabSz="449263" eaLnBrk="0" fontAlgn="base" hangingPunct="0">
-              <a:lnSpc>
-                <a:spcPct val="93000"/>
-              </a:lnSpc>
-              <a:spcBef>
-                <a:spcPct val="0"/>
-              </a:spcBef>
-              <a:spcAft>
-                <a:spcPct val="0"/>
-              </a:spcAft>
-              <a:buClr>
-                <a:srgbClr val="000000"/>
-              </a:buClr>
-              <a:buSzPct val="100000"/>
-              <a:buFont typeface="Times New Roman" pitchFamily="18" charset="0"/>
-              <a:tabLst>
-                <a:tab pos="723900" algn="l"/>
-                <a:tab pos="1447800" algn="l"/>
-                <a:tab pos="2171700" algn="l"/>
-                <a:tab pos="2895600" algn="l"/>
-                <a:tab pos="3619500" algn="l"/>
-                <a:tab pos="4343400" algn="l"/>
-                <a:tab pos="5067300" algn="l"/>
-                <a:tab pos="5791200" algn="l"/>
-                <a:tab pos="6515100" algn="l"/>
-                <a:tab pos="7239000" algn="l"/>
-                <a:tab pos="7962900" algn="l"/>
-                <a:tab pos="8686800" algn="l"/>
-              </a:tabLst>
-              <a:defRPr sz="2400">
-                <a:solidFill>
-                  <a:schemeClr val="tx1"/>
-                </a:solidFill>
-                <a:latin typeface="Arial" charset="0"/>
-                <a:ea typeface="ＭＳ Ｐゴシック" pitchFamily="34" charset="-128"/>
-              </a:defRPr>
-            </a:lvl6pPr>
-            <a:lvl7pPr marL="2971800" indent="-228600" defTabSz="449263" eaLnBrk="0" fontAlgn="base" hangingPunct="0">
-              <a:lnSpc>
-                <a:spcPct val="93000"/>
-              </a:lnSpc>
-              <a:spcBef>
-                <a:spcPct val="0"/>
-              </a:spcBef>
-              <a:spcAft>
-                <a:spcPct val="0"/>
-              </a:spcAft>
-              <a:buClr>
-                <a:srgbClr val="000000"/>
-              </a:buClr>
-              <a:buSzPct val="100000"/>
-              <a:buFont typeface="Times New Roman" pitchFamily="18" charset="0"/>
-              <a:tabLst>
-                <a:tab pos="723900" algn="l"/>
-                <a:tab pos="1447800" algn="l"/>
-                <a:tab pos="2171700" algn="l"/>
-                <a:tab pos="2895600" algn="l"/>
-                <a:tab pos="3619500" algn="l"/>
-                <a:tab pos="4343400" algn="l"/>
-                <a:tab pos="5067300" algn="l"/>
-                <a:tab pos="5791200" algn="l"/>
-                <a:tab pos="6515100" algn="l"/>
-                <a:tab pos="7239000" algn="l"/>
-                <a:tab pos="7962900" algn="l"/>
-                <a:tab pos="8686800" algn="l"/>
-              </a:tabLst>
-              <a:defRPr sz="2400">
-                <a:solidFill>
-                  <a:schemeClr val="tx1"/>
-                </a:solidFill>
-                <a:latin typeface="Arial" charset="0"/>
-                <a:ea typeface="ＭＳ Ｐゴシック" pitchFamily="34" charset="-128"/>
-              </a:defRPr>
-            </a:lvl7pPr>
-            <a:lvl8pPr marL="3429000" indent="-228600" defTabSz="449263" eaLnBrk="0" fontAlgn="base" hangingPunct="0">
-              <a:lnSpc>
-                <a:spcPct val="93000"/>
-              </a:lnSpc>
-              <a:spcBef>
-                <a:spcPct val="0"/>
-              </a:spcBef>
-              <a:spcAft>
-                <a:spcPct val="0"/>
-              </a:spcAft>
-              <a:buClr>
-                <a:srgbClr val="000000"/>
-              </a:buClr>
-              <a:buSzPct val="100000"/>
-              <a:buFont typeface="Times New Roman" pitchFamily="18" charset="0"/>
-              <a:tabLst>
-                <a:tab pos="723900" algn="l"/>
-                <a:tab pos="1447800" algn="l"/>
-                <a:tab pos="2171700" algn="l"/>
-                <a:tab pos="2895600" algn="l"/>
-                <a:tab pos="3619500" algn="l"/>
-                <a:tab pos="4343400" algn="l"/>
-                <a:tab pos="5067300" algn="l"/>
-                <a:tab pos="5791200" algn="l"/>
-                <a:tab pos="6515100" algn="l"/>
-                <a:tab pos="7239000" algn="l"/>
-                <a:tab pos="7962900" algn="l"/>
-                <a:tab pos="8686800" algn="l"/>
-              </a:tabLst>
-              <a:defRPr sz="2400">
-                <a:solidFill>
-                  <a:schemeClr val="tx1"/>
-                </a:solidFill>
-                <a:latin typeface="Arial" charset="0"/>
-                <a:ea typeface="ＭＳ Ｐゴシック" pitchFamily="34" charset="-128"/>
-              </a:defRPr>
-            </a:lvl8pPr>
-            <a:lvl9pPr marL="3886200" indent="-228600" defTabSz="449263" eaLnBrk="0" fontAlgn="base" hangingPunct="0">
-              <a:lnSpc>
-                <a:spcPct val="93000"/>
-              </a:lnSpc>
-              <a:spcBef>
-                <a:spcPct val="0"/>
-              </a:spcBef>
-              <a:spcAft>
-                <a:spcPct val="0"/>
-              </a:spcAft>
-              <a:buClr>
-                <a:srgbClr val="000000"/>
-              </a:buClr>
-              <a:buSzPct val="100000"/>
-              <a:buFont typeface="Times New Roman" pitchFamily="18" charset="0"/>
-              <a:tabLst>
-                <a:tab pos="723900" algn="l"/>
-                <a:tab pos="1447800" algn="l"/>
-                <a:tab pos="2171700" algn="l"/>
-                <a:tab pos="2895600" algn="l"/>
-                <a:tab pos="3619500" algn="l"/>
-                <a:tab pos="4343400" algn="l"/>
-                <a:tab pos="5067300" algn="l"/>
-                <a:tab pos="5791200" algn="l"/>
-                <a:tab pos="6515100" algn="l"/>
-                <a:tab pos="7239000" algn="l"/>
-                <a:tab pos="7962900" algn="l"/>
-                <a:tab pos="8686800" algn="l"/>
-              </a:tabLst>
-              <a:defRPr sz="2400">
-                <a:solidFill>
-                  <a:schemeClr val="tx1"/>
-                </a:solidFill>
-                <a:latin typeface="Arial" charset="0"/>
-                <a:ea typeface="ＭＳ Ｐゴシック" pitchFamily="34" charset="-128"/>
-              </a:defRPr>
-            </a:lvl9pPr>
-          </a:lstStyle>
-          <a:p>
-            <a:pPr eaLnBrk="1">
-              <a:defRPr/>
-            </a:pPr>
-            <a:r>
-              <a:rPr lang="en-US" sz="1800" b="1" dirty="0">
-                <a:solidFill>
-                  <a:srgbClr val="808080"/>
-                </a:solidFill>
-                <a:latin typeface="Courier Final Draft" pitchFamily="49" charset="0"/>
-              </a:rPr>
-              <a:t>$p = $_POST;</a:t>
-            </a:r>
-          </a:p>
-          <a:p>
-            <a:pPr eaLnBrk="1">
-              <a:defRPr/>
-            </a:pPr>
-            <a:r>
-              <a:rPr lang="en-US" sz="1800" b="1" dirty="0" smtClean="0">
-                <a:solidFill>
-                  <a:srgbClr val="808080"/>
-                </a:solidFill>
-                <a:latin typeface="Courier Final Draft" pitchFamily="49" charset="0"/>
-              </a:rPr>
-              <a:t>$</a:t>
-            </a:r>
-            <a:r>
-              <a:rPr lang="en-US" sz="1800" b="1" dirty="0">
-                <a:solidFill>
-                  <a:srgbClr val="808080"/>
-                </a:solidFill>
-                <a:latin typeface="Courier Final Draft" pitchFamily="49" charset="0"/>
-              </a:rPr>
-              <a:t>m = new Mongo</a:t>
-            </a:r>
-            <a:r>
-              <a:rPr lang="en-US" sz="1800" b="1" dirty="0" smtClean="0">
-                <a:solidFill>
-                  <a:srgbClr val="808080"/>
-                </a:solidFill>
-                <a:latin typeface="Courier Final Draft" pitchFamily="49" charset="0"/>
-              </a:rPr>
-              <a:t>();</a:t>
-            </a:r>
-            <a:endParaRPr lang="en-US" sz="1800" b="1" dirty="0">
-              <a:solidFill>
-                <a:srgbClr val="808080"/>
-              </a:solidFill>
-              <a:latin typeface="Courier Final Draft" pitchFamily="49" charset="0"/>
-            </a:endParaRPr>
-          </a:p>
-          <a:p>
-            <a:pPr eaLnBrk="1">
-              <a:defRPr/>
-            </a:pPr>
-            <a:r>
-              <a:rPr lang="en-US" sz="1800" b="1" dirty="0">
-                <a:solidFill>
-                  <a:srgbClr val="808080"/>
-                </a:solidFill>
-                <a:latin typeface="Courier Final Draft" pitchFamily="49" charset="0"/>
-              </a:rPr>
-              <a:t>$</a:t>
-            </a:r>
-            <a:r>
-              <a:rPr lang="en-US" sz="1800" b="1" dirty="0" err="1">
-                <a:solidFill>
-                  <a:srgbClr val="808080"/>
-                </a:solidFill>
-                <a:latin typeface="Courier Final Draft" pitchFamily="49" charset="0"/>
-              </a:rPr>
-              <a:t>db</a:t>
-            </a:r>
-            <a:r>
-              <a:rPr lang="en-US" sz="1800" b="1" dirty="0">
-                <a:solidFill>
-                  <a:srgbClr val="808080"/>
-                </a:solidFill>
-                <a:latin typeface="Courier Final Draft" pitchFamily="49" charset="0"/>
-              </a:rPr>
-              <a:t> = $m-&gt;</a:t>
-            </a:r>
-            <a:r>
-              <a:rPr lang="en-US" sz="1800" b="1" dirty="0" err="1">
-                <a:solidFill>
-                  <a:srgbClr val="808080"/>
-                </a:solidFill>
-                <a:latin typeface="Courier Final Draft" pitchFamily="49" charset="0"/>
-              </a:rPr>
-              <a:t>selectDB</a:t>
-            </a:r>
-            <a:r>
-              <a:rPr lang="en-US" sz="1800" b="1" dirty="0">
-                <a:solidFill>
-                  <a:srgbClr val="808080"/>
-                </a:solidFill>
-                <a:latin typeface="Courier Final Draft" pitchFamily="49" charset="0"/>
-              </a:rPr>
-              <a:t>('</a:t>
-            </a:r>
-            <a:r>
-              <a:rPr lang="en-US" sz="1800" b="1" dirty="0" err="1">
-                <a:solidFill>
-                  <a:srgbClr val="808080"/>
-                </a:solidFill>
-                <a:latin typeface="Courier Final Draft" pitchFamily="49" charset="0"/>
-              </a:rPr>
-              <a:t>klmug_json</a:t>
-            </a:r>
-            <a:r>
-              <a:rPr lang="en-US" sz="1800" b="1" dirty="0">
-                <a:solidFill>
-                  <a:srgbClr val="808080"/>
-                </a:solidFill>
-                <a:latin typeface="Courier Final Draft" pitchFamily="49" charset="0"/>
-              </a:rPr>
-              <a:t>');</a:t>
-            </a:r>
-          </a:p>
-          <a:p>
-            <a:pPr eaLnBrk="1">
-              <a:defRPr/>
-            </a:pPr>
-            <a:r>
-              <a:rPr lang="en-US" sz="1800" b="1" dirty="0">
-                <a:solidFill>
-                  <a:srgbClr val="808080"/>
-                </a:solidFill>
-                <a:latin typeface="Courier Final Draft" pitchFamily="49" charset="0"/>
-              </a:rPr>
-              <a:t>$collection = new </a:t>
-            </a:r>
-            <a:r>
-              <a:rPr lang="en-US" sz="1800" b="1" dirty="0" err="1">
-                <a:solidFill>
-                  <a:srgbClr val="808080"/>
-                </a:solidFill>
-                <a:latin typeface="Courier Final Draft" pitchFamily="49" charset="0"/>
-              </a:rPr>
-              <a:t>MongoCollection</a:t>
-            </a:r>
-            <a:r>
-              <a:rPr lang="en-US" sz="1800" b="1" dirty="0">
-                <a:solidFill>
-                  <a:srgbClr val="808080"/>
-                </a:solidFill>
-                <a:latin typeface="Courier Final Draft" pitchFamily="49" charset="0"/>
-              </a:rPr>
-              <a:t>($</a:t>
-            </a:r>
-            <a:r>
-              <a:rPr lang="en-US" sz="1800" b="1" dirty="0" err="1">
-                <a:solidFill>
-                  <a:srgbClr val="808080"/>
-                </a:solidFill>
-                <a:latin typeface="Courier Final Draft" pitchFamily="49" charset="0"/>
-              </a:rPr>
-              <a:t>db</a:t>
-            </a:r>
-            <a:r>
-              <a:rPr lang="en-US" sz="1800" b="1" dirty="0">
-                <a:solidFill>
-                  <a:srgbClr val="808080"/>
-                </a:solidFill>
-                <a:latin typeface="Courier Final Draft" pitchFamily="49" charset="0"/>
-              </a:rPr>
-              <a:t>, 'posts');</a:t>
-            </a:r>
-          </a:p>
-          <a:p>
-            <a:pPr eaLnBrk="1">
-              <a:defRPr/>
-            </a:pPr>
-            <a:r>
-              <a:rPr lang="en-US" sz="1800" b="1" dirty="0">
-                <a:solidFill>
-                  <a:srgbClr val="808080"/>
-                </a:solidFill>
-                <a:latin typeface="Courier Final Draft" pitchFamily="49" charset="0"/>
-              </a:rPr>
-              <a:t>$collection-&gt;</a:t>
-            </a:r>
-            <a:r>
-              <a:rPr lang="en-US" sz="1800" b="1" dirty="0" err="1">
-                <a:solidFill>
-                  <a:srgbClr val="808080"/>
-                </a:solidFill>
-                <a:latin typeface="Courier Final Draft" pitchFamily="49" charset="0"/>
-              </a:rPr>
-              <a:t>ensureIndex</a:t>
-            </a:r>
-            <a:r>
-              <a:rPr lang="en-US" sz="1800" b="1" dirty="0">
-                <a:solidFill>
-                  <a:srgbClr val="808080"/>
-                </a:solidFill>
-                <a:latin typeface="Courier Final Draft" pitchFamily="49" charset="0"/>
-              </a:rPr>
-              <a:t>(array('slug'=&gt;1), array('unique'=&gt;true</a:t>
-            </a:r>
-            <a:r>
-              <a:rPr lang="en-US" sz="1800" b="1" dirty="0" smtClean="0">
-                <a:solidFill>
-                  <a:srgbClr val="808080"/>
-                </a:solidFill>
-                <a:latin typeface="Courier Final Draft" pitchFamily="49" charset="0"/>
-              </a:rPr>
-              <a:t>));</a:t>
-            </a:r>
-          </a:p>
-          <a:p>
-            <a:pPr eaLnBrk="1">
-              <a:defRPr/>
-            </a:pPr>
-            <a:endParaRPr lang="en-US" sz="1800" b="1" dirty="0" smtClean="0">
-              <a:solidFill>
-                <a:srgbClr val="808080"/>
-              </a:solidFill>
-              <a:latin typeface="Courier Final Draft" pitchFamily="49" charset="0"/>
-            </a:endParaRPr>
-          </a:p>
-          <a:p>
-            <a:pPr eaLnBrk="1">
-              <a:defRPr/>
-            </a:pPr>
-            <a:r>
-              <a:rPr lang="en-US" sz="1800" b="1" dirty="0" smtClean="0">
-                <a:solidFill>
-                  <a:srgbClr val="808080"/>
-                </a:solidFill>
-                <a:latin typeface="Courier Final Draft" pitchFamily="49" charset="0"/>
-              </a:rPr>
-              <a:t>if(</a:t>
-            </a:r>
-            <a:r>
-              <a:rPr lang="en-US" sz="1800" b="1" dirty="0" err="1" smtClean="0">
-                <a:solidFill>
-                  <a:srgbClr val="808080"/>
-                </a:solidFill>
-                <a:latin typeface="Courier Final Draft" pitchFamily="49" charset="0"/>
-              </a:rPr>
-              <a:t>isset</a:t>
-            </a:r>
-            <a:r>
-              <a:rPr lang="en-US" sz="1800" b="1" dirty="0" smtClean="0">
-                <a:solidFill>
-                  <a:srgbClr val="808080"/>
-                </a:solidFill>
-                <a:latin typeface="Courier Final Draft" pitchFamily="49" charset="0"/>
-              </a:rPr>
-              <a:t>($p[‘s’])){ $slug = $p[‘s’]; }else{ $slug = ‘hello-world’; }</a:t>
-            </a:r>
-            <a:endParaRPr lang="en-US" sz="1800" b="1" dirty="0">
-              <a:solidFill>
-                <a:srgbClr val="808080"/>
-              </a:solidFill>
-              <a:latin typeface="Courier Final Draft" pitchFamily="49" charset="0"/>
-            </a:endParaRPr>
-          </a:p>
-          <a:p>
-            <a:pPr eaLnBrk="1">
-              <a:defRPr/>
-            </a:pPr>
-            <a:endParaRPr lang="en-US" sz="1800" b="1" dirty="0">
-              <a:solidFill>
-                <a:srgbClr val="808080"/>
-              </a:solidFill>
-              <a:latin typeface="Courier Final Draft" pitchFamily="49" charset="0"/>
-            </a:endParaRPr>
-          </a:p>
-          <a:p>
-            <a:pPr eaLnBrk="1">
-              <a:defRPr/>
-            </a:pPr>
-            <a:r>
-              <a:rPr lang="en-US" sz="1800" b="1" dirty="0">
-                <a:solidFill>
-                  <a:srgbClr val="808080"/>
-                </a:solidFill>
-                <a:latin typeface="Courier Final Draft" pitchFamily="49" charset="0"/>
-              </a:rPr>
-              <a:t>$post = array(</a:t>
-            </a:r>
-          </a:p>
-          <a:p>
-            <a:pPr eaLnBrk="1">
-              <a:defRPr/>
-            </a:pPr>
-            <a:r>
-              <a:rPr lang="en-US" sz="1800" b="1" dirty="0">
-                <a:solidFill>
-                  <a:srgbClr val="808080"/>
-                </a:solidFill>
-                <a:latin typeface="Courier Final Draft" pitchFamily="49" charset="0"/>
-              </a:rPr>
-              <a:t>  "title" 		=&gt; "Hello World",</a:t>
-            </a:r>
-          </a:p>
-          <a:p>
-            <a:pPr eaLnBrk="1">
-              <a:defRPr/>
-            </a:pPr>
-            <a:r>
-              <a:rPr lang="en-US" sz="1800" b="1" dirty="0">
-                <a:solidFill>
-                  <a:srgbClr val="808080"/>
-                </a:solidFill>
-                <a:latin typeface="Courier Final Draft" pitchFamily="49" charset="0"/>
-              </a:rPr>
-              <a:t>  "published" 	=&gt; new MongoDate(</a:t>
-            </a:r>
-            <a:r>
-              <a:rPr lang="en-US" sz="1800" b="1" dirty="0" err="1">
-                <a:solidFill>
-                  <a:srgbClr val="808080"/>
-                </a:solidFill>
-                <a:latin typeface="Courier Final Draft" pitchFamily="49" charset="0"/>
-              </a:rPr>
-              <a:t>strtotime</a:t>
-            </a:r>
-            <a:r>
-              <a:rPr lang="en-US" sz="1800" b="1" dirty="0">
-                <a:solidFill>
-                  <a:srgbClr val="808080"/>
-                </a:solidFill>
-                <a:latin typeface="Courier Final Draft" pitchFamily="49" charset="0"/>
-              </a:rPr>
-              <a:t>("today")),</a:t>
-            </a:r>
-          </a:p>
-          <a:p>
-            <a:pPr eaLnBrk="1">
-              <a:defRPr/>
-            </a:pPr>
-            <a:r>
-              <a:rPr lang="en-US" sz="1800" b="1" dirty="0">
-                <a:solidFill>
-                  <a:srgbClr val="808080"/>
-                </a:solidFill>
-                <a:latin typeface="Courier Final Draft" pitchFamily="49" charset="0"/>
-              </a:rPr>
-              <a:t>  "slug" 		=&gt; </a:t>
-            </a:r>
-            <a:r>
-              <a:rPr lang="en-US" sz="1800" b="1" dirty="0" smtClean="0">
-                <a:solidFill>
-                  <a:srgbClr val="808080"/>
-                </a:solidFill>
-                <a:latin typeface="Courier Final Draft" pitchFamily="49" charset="0"/>
-              </a:rPr>
-              <a:t>$slug,</a:t>
-            </a:r>
-            <a:endParaRPr lang="en-US" sz="1800" b="1" dirty="0">
-              <a:solidFill>
-                <a:srgbClr val="808080"/>
-              </a:solidFill>
-              <a:latin typeface="Courier Final Draft" pitchFamily="49" charset="0"/>
-            </a:endParaRPr>
-          </a:p>
-          <a:p>
-            <a:pPr eaLnBrk="1">
-              <a:defRPr/>
-            </a:pPr>
-            <a:r>
-              <a:rPr lang="en-US" sz="1800" b="1" dirty="0">
-                <a:solidFill>
-                  <a:srgbClr val="808080"/>
-                </a:solidFill>
-                <a:latin typeface="Courier Final Draft" pitchFamily="49" charset="0"/>
-              </a:rPr>
-              <a:t>  "content" 	=&gt; "&lt;p&gt;Hello </a:t>
-            </a:r>
-            <a:r>
-              <a:rPr lang="en-US" sz="1800" b="1" dirty="0" smtClean="0">
-                <a:solidFill>
-                  <a:srgbClr val="808080"/>
-                </a:solidFill>
-                <a:latin typeface="Courier Final Draft" pitchFamily="49" charset="0"/>
-              </a:rPr>
-              <a:t>&lt;a </a:t>
-            </a:r>
-            <a:r>
-              <a:rPr lang="en-US" sz="1800" b="1" dirty="0" err="1" smtClean="0">
-                <a:solidFill>
-                  <a:srgbClr val="808080"/>
-                </a:solidFill>
-                <a:latin typeface="Courier Final Draft" pitchFamily="49" charset="0"/>
-              </a:rPr>
-              <a:t>href</a:t>
-            </a:r>
-            <a:r>
-              <a:rPr lang="en-US" sz="1800" b="1" dirty="0" smtClean="0">
-                <a:solidFill>
-                  <a:srgbClr val="808080"/>
-                </a:solidFill>
-                <a:latin typeface="Courier Final Draft" pitchFamily="49" charset="0"/>
-              </a:rPr>
-              <a:t>=‘#’&gt;JSON&lt;/a&gt; World</a:t>
-            </a:r>
-            <a:r>
-              <a:rPr lang="en-US" sz="1800" b="1" dirty="0">
-                <a:solidFill>
-                  <a:srgbClr val="808080"/>
-                </a:solidFill>
-                <a:latin typeface="Courier Final Draft" pitchFamily="49" charset="0"/>
-              </a:rPr>
-              <a:t>&lt;/p&gt;",</a:t>
-            </a:r>
-          </a:p>
-          <a:p>
-            <a:pPr eaLnBrk="1">
-              <a:defRPr/>
-            </a:pPr>
-            <a:r>
-              <a:rPr lang="en-US" sz="1800" b="1" dirty="0">
-                <a:solidFill>
-                  <a:srgbClr val="808080"/>
-                </a:solidFill>
-                <a:latin typeface="Courier Final Draft" pitchFamily="49" charset="0"/>
-              </a:rPr>
-              <a:t>  "tags" 		=&gt; array("categories","test","</a:t>
-            </a:r>
-            <a:r>
-              <a:rPr lang="en-US" sz="1800" b="1" dirty="0" err="1">
-                <a:solidFill>
-                  <a:srgbClr val="808080"/>
-                </a:solidFill>
-                <a:latin typeface="Courier Final Draft" pitchFamily="49" charset="0"/>
-              </a:rPr>
-              <a:t>etc</a:t>
-            </a:r>
-            <a:r>
-              <a:rPr lang="en-US" sz="1800" b="1" dirty="0">
-                <a:solidFill>
-                  <a:srgbClr val="808080"/>
-                </a:solidFill>
-                <a:latin typeface="Courier Final Draft" pitchFamily="49" charset="0"/>
-              </a:rPr>
-              <a:t>")</a:t>
-            </a:r>
-          </a:p>
-          <a:p>
-            <a:pPr eaLnBrk="1">
-              <a:defRPr/>
-            </a:pPr>
-            <a:r>
-              <a:rPr lang="en-US" sz="1800" b="1" dirty="0">
-                <a:solidFill>
-                  <a:srgbClr val="808080"/>
-                </a:solidFill>
-                <a:latin typeface="Courier Final Draft" pitchFamily="49" charset="0"/>
-              </a:rPr>
-              <a:t>);</a:t>
-            </a:r>
-          </a:p>
-          <a:p>
-            <a:pPr eaLnBrk="1">
-              <a:defRPr/>
-            </a:pPr>
-            <a:endParaRPr lang="en-US" sz="1800" b="1" dirty="0">
-              <a:solidFill>
-                <a:srgbClr val="808080"/>
-              </a:solidFill>
-              <a:latin typeface="Courier Final Draft" pitchFamily="49" charset="0"/>
-            </a:endParaRPr>
-          </a:p>
-          <a:p>
-            <a:pPr eaLnBrk="1">
-              <a:defRPr/>
-            </a:pPr>
-            <a:r>
-              <a:rPr lang="en-US" sz="1800" b="1" dirty="0">
-                <a:solidFill>
-                  <a:srgbClr val="808080"/>
-                </a:solidFill>
-                <a:latin typeface="Courier Final Draft" pitchFamily="49" charset="0"/>
-              </a:rPr>
-              <a:t>$success = $collection-&gt;insert($post); // insert stores as array</a:t>
-            </a:r>
-          </a:p>
-          <a:p>
-            <a:pPr eaLnBrk="1">
-              <a:defRPr/>
-            </a:pPr>
-            <a:endParaRPr lang="en-US" sz="1800" b="1" dirty="0">
-              <a:solidFill>
-                <a:srgbClr val="808080"/>
-              </a:solidFill>
-              <a:latin typeface="Courier Final Draft" pitchFamily="49" charset="0"/>
-            </a:endParaRPr>
-          </a:p>
-          <a:p>
-            <a:pPr eaLnBrk="1">
-              <a:defRPr/>
-            </a:pPr>
-            <a:r>
-              <a:rPr lang="en-US" sz="1800" b="1" dirty="0">
-                <a:solidFill>
-                  <a:srgbClr val="808080"/>
-                </a:solidFill>
-                <a:latin typeface="Courier Final Draft" pitchFamily="49" charset="0"/>
-              </a:rPr>
-              <a:t>if($success){</a:t>
-            </a:r>
-          </a:p>
-          <a:p>
-            <a:pPr eaLnBrk="1">
-              <a:defRPr/>
-            </a:pPr>
-            <a:endParaRPr lang="en-US" sz="1800" b="1" dirty="0">
-              <a:solidFill>
-                <a:srgbClr val="808080"/>
-              </a:solidFill>
-              <a:latin typeface="Courier Final Draft" pitchFamily="49" charset="0"/>
-            </a:endParaRPr>
-          </a:p>
-          <a:p>
-            <a:pPr eaLnBrk="1">
-              <a:defRPr/>
-            </a:pPr>
-            <a:r>
-              <a:rPr lang="en-US" sz="1800" b="1" dirty="0" smtClean="0">
-                <a:solidFill>
-                  <a:srgbClr val="808080"/>
-                </a:solidFill>
-                <a:latin typeface="Courier Final Draft" pitchFamily="49" charset="0"/>
-              </a:rPr>
-              <a:t>  $</a:t>
-            </a:r>
-            <a:r>
-              <a:rPr lang="en-US" sz="1800" b="1" dirty="0">
-                <a:solidFill>
-                  <a:srgbClr val="808080"/>
-                </a:solidFill>
-                <a:latin typeface="Courier Final Draft" pitchFamily="49" charset="0"/>
-              </a:rPr>
-              <a:t>results = $collection-&gt;</a:t>
-            </a:r>
-            <a:r>
-              <a:rPr lang="en-US" sz="1800" b="1" dirty="0" err="1" smtClean="0">
-                <a:solidFill>
-                  <a:srgbClr val="808080"/>
-                </a:solidFill>
-                <a:latin typeface="Courier Final Draft" pitchFamily="49" charset="0"/>
-              </a:rPr>
-              <a:t>findOne</a:t>
-            </a:r>
-            <a:r>
-              <a:rPr lang="en-US" sz="1800" b="1" dirty="0" smtClean="0">
-                <a:solidFill>
-                  <a:srgbClr val="808080"/>
-                </a:solidFill>
-                <a:latin typeface="Courier Final Draft" pitchFamily="49" charset="0"/>
-              </a:rPr>
-              <a:t>(array</a:t>
-            </a:r>
-            <a:r>
-              <a:rPr lang="en-US" sz="1800" b="1" dirty="0">
-                <a:solidFill>
-                  <a:srgbClr val="808080"/>
-                </a:solidFill>
-                <a:latin typeface="Courier Final Draft" pitchFamily="49" charset="0"/>
-              </a:rPr>
-              <a:t>("slug"=&gt;'hello-world</a:t>
-            </a:r>
-            <a:r>
-              <a:rPr lang="en-US" sz="1800" b="1" dirty="0" smtClean="0">
-                <a:solidFill>
-                  <a:srgbClr val="808080"/>
-                </a:solidFill>
-                <a:latin typeface="Courier Final Draft" pitchFamily="49" charset="0"/>
-              </a:rPr>
-              <a:t>')); </a:t>
-            </a:r>
-          </a:p>
-          <a:p>
-            <a:pPr eaLnBrk="1">
-              <a:defRPr/>
-            </a:pPr>
-            <a:r>
-              <a:rPr lang="en-US" sz="1800" b="1" dirty="0">
-                <a:solidFill>
-                  <a:srgbClr val="808080"/>
-                </a:solidFill>
-                <a:latin typeface="Courier Final Draft" pitchFamily="49" charset="0"/>
-              </a:rPr>
-              <a:t> </a:t>
-            </a:r>
-            <a:r>
-              <a:rPr lang="en-US" sz="1800" b="1" dirty="0" smtClean="0">
-                <a:solidFill>
-                  <a:srgbClr val="808080"/>
-                </a:solidFill>
-                <a:latin typeface="Courier Final Draft" pitchFamily="49" charset="0"/>
-              </a:rPr>
-              <a:t> // Please note </a:t>
-            </a:r>
-            <a:r>
-              <a:rPr lang="en-US" sz="1800" b="1" dirty="0" err="1" smtClean="0">
-                <a:solidFill>
-                  <a:srgbClr val="808080"/>
-                </a:solidFill>
-                <a:latin typeface="Courier Final Draft" pitchFamily="49" charset="0"/>
-              </a:rPr>
-              <a:t>findOne</a:t>
-            </a:r>
-            <a:r>
-              <a:rPr lang="en-US" sz="1800" b="1" dirty="0" smtClean="0">
-                <a:solidFill>
-                  <a:srgbClr val="808080"/>
-                </a:solidFill>
-                <a:latin typeface="Courier Final Draft" pitchFamily="49" charset="0"/>
-              </a:rPr>
-              <a:t> returns array so no need to cycle</a:t>
-            </a:r>
-            <a:endParaRPr lang="en-US" sz="1800" b="1" dirty="0">
-              <a:solidFill>
-                <a:srgbClr val="808080"/>
-              </a:solidFill>
-              <a:latin typeface="Courier Final Draft" pitchFamily="49" charset="0"/>
-            </a:endParaRPr>
-          </a:p>
-          <a:p>
-            <a:pPr eaLnBrk="1">
-              <a:defRPr/>
-            </a:pPr>
-            <a:r>
-              <a:rPr lang="en-US" sz="1800" b="1" dirty="0" smtClean="0">
-                <a:solidFill>
-                  <a:srgbClr val="808080"/>
-                </a:solidFill>
-                <a:latin typeface="Courier Final Draft" pitchFamily="49" charset="0"/>
-              </a:rPr>
-              <a:t>  </a:t>
-            </a:r>
-          </a:p>
-          <a:p>
-            <a:pPr eaLnBrk="1">
-              <a:defRPr/>
-            </a:pPr>
-            <a:r>
-              <a:rPr lang="en-US" sz="1800" b="1" dirty="0">
-                <a:solidFill>
-                  <a:srgbClr val="808080"/>
-                </a:solidFill>
-                <a:latin typeface="Courier Final Draft" pitchFamily="49" charset="0"/>
-              </a:rPr>
-              <a:t> </a:t>
-            </a:r>
-            <a:r>
-              <a:rPr lang="en-US" sz="1800" b="1" dirty="0" smtClean="0">
-                <a:solidFill>
-                  <a:srgbClr val="808080"/>
-                </a:solidFill>
-                <a:latin typeface="Courier Final Draft" pitchFamily="49" charset="0"/>
-              </a:rPr>
-              <a:t> if(</a:t>
-            </a:r>
-            <a:r>
-              <a:rPr lang="en-US" sz="1800" b="1" dirty="0" err="1" smtClean="0">
-                <a:solidFill>
-                  <a:srgbClr val="808080"/>
-                </a:solidFill>
-                <a:latin typeface="Courier Final Draft" pitchFamily="49" charset="0"/>
-              </a:rPr>
-              <a:t>isset</a:t>
-            </a:r>
-            <a:r>
-              <a:rPr lang="en-US" sz="1800" b="1" dirty="0" smtClean="0">
-                <a:solidFill>
-                  <a:srgbClr val="808080"/>
-                </a:solidFill>
-                <a:latin typeface="Courier Final Draft" pitchFamily="49" charset="0"/>
-              </a:rPr>
-              <a:t>($_POST[‘slug’])) </a:t>
-            </a:r>
-            <a:r>
-              <a:rPr lang="en-US" sz="1800" b="1" dirty="0">
-                <a:solidFill>
-                  <a:srgbClr val="808080"/>
-                </a:solidFill>
-                <a:latin typeface="Courier Final Draft" pitchFamily="49" charset="0"/>
-              </a:rPr>
-              <a:t>echo </a:t>
-            </a:r>
-            <a:r>
-              <a:rPr lang="en-US" sz="1800" b="1" dirty="0" err="1">
-                <a:solidFill>
-                  <a:srgbClr val="808080"/>
-                </a:solidFill>
-                <a:latin typeface="Courier Final Draft" pitchFamily="49" charset="0"/>
-              </a:rPr>
-              <a:t>json_encode</a:t>
-            </a:r>
-            <a:r>
-              <a:rPr lang="en-US" sz="1800" b="1" dirty="0">
-                <a:solidFill>
-                  <a:srgbClr val="808080"/>
-                </a:solidFill>
-                <a:latin typeface="Courier Final Draft" pitchFamily="49" charset="0"/>
-              </a:rPr>
-              <a:t>($results</a:t>
-            </a:r>
-            <a:r>
-              <a:rPr lang="en-US" sz="1800" b="1" dirty="0" smtClean="0">
-                <a:solidFill>
-                  <a:srgbClr val="808080"/>
-                </a:solidFill>
-                <a:latin typeface="Courier Final Draft" pitchFamily="49" charset="0"/>
-              </a:rPr>
-              <a:t>);</a:t>
-            </a:r>
-          </a:p>
-          <a:p>
-            <a:pPr eaLnBrk="1">
-              <a:defRPr/>
-            </a:pPr>
-            <a:r>
-              <a:rPr lang="en-US" sz="1800" b="1" dirty="0">
-                <a:solidFill>
-                  <a:srgbClr val="808080"/>
-                </a:solidFill>
-                <a:latin typeface="Courier Final Draft" pitchFamily="49" charset="0"/>
-              </a:rPr>
-              <a:t> </a:t>
-            </a:r>
-            <a:r>
-              <a:rPr lang="en-US" sz="1800" b="1" dirty="0" smtClean="0">
-                <a:solidFill>
-                  <a:srgbClr val="808080"/>
-                </a:solidFill>
-                <a:latin typeface="Courier Final Draft" pitchFamily="49" charset="0"/>
-              </a:rPr>
-              <a:t> else </a:t>
-            </a:r>
-            <a:r>
-              <a:rPr lang="en-US" sz="1800" b="1" dirty="0" err="1" smtClean="0">
-                <a:solidFill>
-                  <a:srgbClr val="808080"/>
-                </a:solidFill>
-                <a:latin typeface="Courier Final Draft" pitchFamily="49" charset="0"/>
-              </a:rPr>
-              <a:t>var_dump</a:t>
-            </a:r>
-            <a:r>
-              <a:rPr lang="en-US" sz="1800" b="1" dirty="0" smtClean="0">
-                <a:solidFill>
-                  <a:srgbClr val="808080"/>
-                </a:solidFill>
-                <a:latin typeface="Courier Final Draft" pitchFamily="49" charset="0"/>
-              </a:rPr>
-              <a:t>($</a:t>
-            </a:r>
-            <a:r>
-              <a:rPr lang="en-US" sz="1800" b="1" dirty="0">
-                <a:solidFill>
-                  <a:srgbClr val="808080"/>
-                </a:solidFill>
-                <a:latin typeface="Courier Final Draft" pitchFamily="49" charset="0"/>
-              </a:rPr>
-              <a:t>results</a:t>
-            </a:r>
-            <a:r>
-              <a:rPr lang="en-US" sz="1800" b="1" dirty="0" smtClean="0">
-                <a:solidFill>
-                  <a:srgbClr val="808080"/>
-                </a:solidFill>
-                <a:latin typeface="Courier Final Draft" pitchFamily="49" charset="0"/>
-              </a:rPr>
-              <a:t>);</a:t>
-            </a:r>
-          </a:p>
-          <a:p>
-            <a:pPr eaLnBrk="1">
-              <a:defRPr/>
-            </a:pPr>
-            <a:endParaRPr lang="en-US" sz="1800" b="1" dirty="0">
-              <a:solidFill>
-                <a:srgbClr val="808080"/>
-              </a:solidFill>
-              <a:latin typeface="Courier Final Draft" pitchFamily="49" charset="0"/>
-            </a:endParaRPr>
-          </a:p>
-          <a:p>
-            <a:pPr eaLnBrk="1">
-              <a:defRPr/>
-            </a:pPr>
-            <a:r>
-              <a:rPr lang="en-US" sz="1800" b="1" dirty="0" smtClean="0">
-                <a:solidFill>
-                  <a:srgbClr val="808080"/>
-                </a:solidFill>
-                <a:latin typeface="Courier Final Draft" pitchFamily="49" charset="0"/>
-              </a:rPr>
-              <a:t>}</a:t>
-            </a:r>
-            <a:endParaRPr lang="en-US" sz="1800" b="1" dirty="0">
-              <a:solidFill>
-                <a:srgbClr val="808080"/>
-              </a:solidFill>
-              <a:latin typeface="Courier Final Draft" pitchFamily="49" charset="0"/>
-            </a:endParaRPr>
-          </a:p>
-          <a:p>
-            <a:pPr eaLnBrk="1">
-              <a:defRPr/>
-            </a:pPr>
-            <a:r>
-              <a:rPr lang="en-US" sz="1800" b="1" dirty="0">
-                <a:solidFill>
-                  <a:srgbClr val="808080"/>
-                </a:solidFill>
-                <a:latin typeface="Courier Final Draft" pitchFamily="49" charset="0"/>
-              </a:rPr>
-              <a:t>	</a:t>
-            </a:r>
-          </a:p>
-        </p:txBody>
-      </p:sp>
       <p:pic>
         <p:nvPicPr>
-          <p:cNvPr id="5" name="Picture 4" descr="D:\PRESENTATION_MATERIAL\LOGOS\banner_mongo-db-huge-logo.png"/>
+          <p:cNvPr id="1027" name="Picture 3"/>
           <p:cNvPicPr>
             <a:picLocks noChangeAspect="1" noChangeArrowheads="1"/>
           </p:cNvPicPr>
@@ -14329,34 +14815,124 @@
         </p:blipFill>
         <p:spPr bwMode="auto">
           <a:xfrm>
-            <a:off x="5256336" y="147717"/>
-            <a:ext cx="2497847" cy="805758"/>
+            <a:off x="-72256" y="-36587"/>
+            <a:ext cx="10245408" cy="8062094"/>
           </a:xfrm>
           <a:prstGeom prst="rect">
             <a:avLst/>
           </a:prstGeom>
           <a:noFill/>
+          <a:ln>
+            <a:noFill/>
+          </a:ln>
+          <a:effectLst/>
           <a:extLst>
             <a:ext uri="{909E8E84-426E-40DD-AFC4-6F175D3DCCD1}">
               <a14:hiddenFill xmlns:a14="http://schemas.microsoft.com/office/drawing/2010/main">
                 <a:solidFill>
-                  <a:srgbClr val="FFFFFF"/>
+                  <a:schemeClr val="accent1"/>
                 </a:solidFill>
               </a14:hiddenFill>
+            </a:ext>
+            <a:ext uri="{91240B29-F687-4F45-9708-019B960494DF}">
+              <a14:hiddenLine xmlns:a14="http://schemas.microsoft.com/office/drawing/2010/main" w="9525">
+                <a:solidFill>
+                  <a:schemeClr val="tx1"/>
+                </a:solidFill>
+                <a:miter lim="800000"/>
+                <a:headEnd/>
+                <a:tailEnd/>
+              </a14:hiddenLine>
+            </a:ext>
+            <a:ext uri="{AF507438-7753-43E0-B8FC-AC1667EBCBE1}">
+              <a14:hiddenEffects xmlns:a14="http://schemas.microsoft.com/office/drawing/2010/main">
+                <a:effectLst>
+                  <a:outerShdw dist="35921" dir="2700000" algn="ctr" rotWithShape="0">
+                    <a:schemeClr val="bg2"/>
+                  </a:outerShdw>
+                </a:effectLst>
+              </a14:hiddenEffects>
             </a:ext>
           </a:extLst>
         </p:spPr>
       </p:pic>
       <p:sp>
         <p:nvSpPr>
-          <p:cNvPr id="6" name="TextBox 5"/>
+          <p:cNvPr id="8" name="Rectangle 7"/>
+          <p:cNvSpPr/>
+          <p:nvPr/>
+        </p:nvSpPr>
+        <p:spPr bwMode="auto">
+          <a:xfrm>
+            <a:off x="-1080368" y="6372125"/>
+            <a:ext cx="12961440" cy="720080"/>
+          </a:xfrm>
+          <a:prstGeom prst="rect">
+            <a:avLst/>
+          </a:prstGeom>
+          <a:solidFill>
+            <a:schemeClr val="bg1"/>
+          </a:solidFill>
+          <a:ln w="9525" cap="flat" cmpd="sng" algn="ctr">
+            <a:solidFill>
+              <a:schemeClr val="tx1"/>
+            </a:solidFill>
+            <a:prstDash val="solid"/>
+            <a:round/>
+            <a:headEnd type="none" w="med" len="med"/>
+            <a:tailEnd type="none" w="med" len="med"/>
+          </a:ln>
+          <a:effectLst/>
+          <a:extLst/>
+        </p:spPr>
+        <p:txBody>
+          <a:bodyPr vert="horz" wrap="square" lIns="91440" tIns="45720" rIns="91440" bIns="45720" numCol="1" rtlCol="0" anchor="t" anchorCtr="0" compatLnSpc="1">
+            <a:prstTxWarp prst="textNoShape">
+              <a:avLst/>
+            </a:prstTxWarp>
+          </a:bodyPr>
+          <a:lstStyle/>
+          <a:p>
+            <a:pPr marL="0" marR="0" indent="0" algn="l" defTabSz="449263" rtl="0" eaLnBrk="1" fontAlgn="base" latinLnBrk="0" hangingPunct="0">
+              <a:lnSpc>
+                <a:spcPct val="93000"/>
+              </a:lnSpc>
+              <a:spcBef>
+                <a:spcPct val="0"/>
+              </a:spcBef>
+              <a:spcAft>
+                <a:spcPct val="0"/>
+              </a:spcAft>
+              <a:buClr>
+                <a:srgbClr val="000000"/>
+              </a:buClr>
+              <a:buSzPct val="100000"/>
+              <a:buFont typeface="Times New Roman" charset="0"/>
+              <a:buNone/>
+              <a:tabLst/>
+            </a:pPr>
+            <a:endParaRPr kumimoji="0" lang="en-MY" sz="1800" b="0" i="0" u="none" strike="noStrike" cap="none" normalizeH="0" baseline="0">
+              <a:ln>
+                <a:noFill/>
+              </a:ln>
+              <a:effectLst/>
+              <a:latin typeface="Arial" charset="0"/>
+              <a:ea typeface="ＭＳ Ｐゴシック" charset="0"/>
+              <a:cs typeface="Arial Unicode MS" charset="0"/>
+            </a:endParaRPr>
+          </a:p>
+        </p:txBody>
+      </p:sp>
+      <p:sp>
+        <p:nvSpPr>
+          <p:cNvPr id="3" name="TextBox 2"/>
           <p:cNvSpPr txBox="1"/>
           <p:nvPr/>
         </p:nvSpPr>
         <p:spPr>
           <a:xfrm>
-            <a:off x="8064648" y="514552"/>
-            <a:ext cx="1680909" cy="384965"/>
+            <a:off x="1002698" y="6516141"/>
+            <a:ext cx="8052524" cy="464423"/>
           </a:xfrm>
           <a:prstGeom prst="rect">
             <a:avLst/>
@@ -14369,18 +14945,25 @@
           </a:bodyPr>
           <a:lstStyle/>
           <a:p>
+            <a:pPr algn="ctr"/>
             <a:r>
-              <a:rPr lang="en-US" b="1" dirty="0" smtClean="0"/>
-              <a:t>PHP &amp; jQuery</a:t>
+              <a:rPr lang="en-US" sz="2600" dirty="0" smtClean="0"/>
+              <a:t>SOURCE CODE AVAILABLE – </a:t>
             </a:r>
-            <a:endParaRPr lang="en-MY" b="1" dirty="0"/>
+            <a:r>
+              <a:rPr lang="en-US" sz="2600" dirty="0" smtClean="0">
+                <a:hlinkClick r:id="rId4"/>
+              </a:rPr>
+              <a:t>http://r1.my/klmug/11/</a:t>
+            </a:r>
+            <a:endParaRPr lang="en-MY" sz="2600" dirty="0"/>
           </a:p>
         </p:txBody>
       </p:sp>
     </p:spTree>
     <p:extLst>
       <p:ext uri="{BB962C8B-B14F-4D97-AF65-F5344CB8AC3E}">
-        <p14:creationId xmlns:p14="http://schemas.microsoft.com/office/powerpoint/2010/main" val="2041872430"/>
+        <p14:creationId xmlns:p14="http://schemas.microsoft.com/office/powerpoint/2010/main" val="3889219677"/>
       </p:ext>
     </p:extLst>
   </p:cSld>
@@ -14437,175 +15020,42 @@
       </p:grpSpPr>
       <p:sp>
         <p:nvSpPr>
-          <p:cNvPr id="3073" name="Text Box 1"/>
-          <p:cNvSpPr txBox="1">
-            <a:spLocks noChangeArrowheads="1"/>
-          </p:cNvSpPr>
+          <p:cNvPr id="3" name="Rectangle 2"/>
+          <p:cNvSpPr/>
           <p:nvPr/>
         </p:nvSpPr>
         <p:spPr bwMode="auto">
           <a:xfrm>
-            <a:off x="287784" y="2808311"/>
-            <a:ext cx="9649072" cy="2555702"/>
+            <a:off x="-144264" y="-108595"/>
+            <a:ext cx="10369152" cy="7776864"/>
           </a:xfrm>
           <a:prstGeom prst="rect">
             <a:avLst/>
           </a:prstGeom>
-          <a:noFill/>
-          <a:ln>
-            <a:noFill/>
+          <a:solidFill>
+            <a:srgbClr val="FAFAFA"/>
+          </a:solidFill>
+          <a:ln w="9525" cap="flat" cmpd="sng" algn="ctr">
+            <a:solidFill>
+              <a:schemeClr val="tx1"/>
+            </a:solidFill>
+            <a:prstDash val="solid"/>
+            <a:round/>
+            <a:headEnd type="none" w="med" len="med"/>
+            <a:tailEnd type="none" w="med" len="med"/>
           </a:ln>
           <a:effectLst/>
-          <a:extLst>
-            <a:ext uri="{909E8E84-426E-40DD-AFC4-6F175D3DCCD1}">
-              <a14:hiddenFill xmlns:a14="http://schemas.microsoft.com/office/drawing/2010/main">
-                <a:solidFill>
-                  <a:srgbClr val="FFFFFF"/>
-                </a:solidFill>
-              </a14:hiddenFill>
-            </a:ext>
-            <a:ext uri="{91240B29-F687-4F45-9708-019B960494DF}">
-              <a14:hiddenLine xmlns:a14="http://schemas.microsoft.com/office/drawing/2010/main" w="9525">
-                <a:solidFill>
-                  <a:srgbClr val="000000"/>
-                </a:solidFill>
-                <a:round/>
-                <a:headEnd/>
-                <a:tailEnd/>
-              </a14:hiddenLine>
-            </a:ext>
-            <a:ext uri="{AF507438-7753-43E0-B8FC-AC1667EBCBE1}">
-              <a14:hiddenEffects xmlns:a14="http://schemas.microsoft.com/office/drawing/2010/main">
-                <a:effectLst>
-                  <a:outerShdw blurRad="63500" dist="38099" dir="2700000" algn="ctr" rotWithShape="0">
-                    <a:srgbClr val="000000">
-                      <a:alpha val="74998"/>
-                    </a:srgbClr>
-                  </a:outerShdw>
-                </a:effectLst>
-              </a14:hiddenEffects>
-            </a:ext>
-          </a:extLst>
+          <a:extLst/>
         </p:spPr>
         <p:txBody>
-          <a:bodyPr lIns="0" tIns="15876" rIns="0" bIns="0" anchor="ctr"/>
-          <a:lstStyle>
-            <a:lvl1pPr eaLnBrk="0">
-              <a:tabLst>
-                <a:tab pos="723900" algn="l"/>
-                <a:tab pos="1447800" algn="l"/>
-                <a:tab pos="2171700" algn="l"/>
-                <a:tab pos="2895600" algn="l"/>
-                <a:tab pos="3619500" algn="l"/>
-                <a:tab pos="4343400" algn="l"/>
-                <a:tab pos="5067300" algn="l"/>
-                <a:tab pos="5791200" algn="l"/>
-                <a:tab pos="6515100" algn="l"/>
-                <a:tab pos="7239000" algn="l"/>
-                <a:tab pos="7962900" algn="l"/>
-                <a:tab pos="8686800" algn="l"/>
-              </a:tabLst>
-              <a:defRPr sz="2400">
-                <a:solidFill>
-                  <a:schemeClr val="tx1"/>
-                </a:solidFill>
-                <a:latin typeface="Arial" charset="0"/>
-                <a:ea typeface="ＭＳ Ｐゴシック" pitchFamily="34" charset="-128"/>
-              </a:defRPr>
-            </a:lvl1pPr>
-            <a:lvl2pPr eaLnBrk="0">
-              <a:tabLst>
-                <a:tab pos="723900" algn="l"/>
-                <a:tab pos="1447800" algn="l"/>
-                <a:tab pos="2171700" algn="l"/>
-                <a:tab pos="2895600" algn="l"/>
-                <a:tab pos="3619500" algn="l"/>
-                <a:tab pos="4343400" algn="l"/>
-                <a:tab pos="5067300" algn="l"/>
-                <a:tab pos="5791200" algn="l"/>
-                <a:tab pos="6515100" algn="l"/>
-                <a:tab pos="7239000" algn="l"/>
-                <a:tab pos="7962900" algn="l"/>
-                <a:tab pos="8686800" algn="l"/>
-              </a:tabLst>
-              <a:defRPr sz="2400">
-                <a:solidFill>
-                  <a:schemeClr val="tx1"/>
-                </a:solidFill>
-                <a:latin typeface="Arial" charset="0"/>
-                <a:ea typeface="ＭＳ Ｐゴシック" pitchFamily="34" charset="-128"/>
-              </a:defRPr>
-            </a:lvl2pPr>
-            <a:lvl3pPr eaLnBrk="0">
-              <a:tabLst>
-                <a:tab pos="723900" algn="l"/>
-                <a:tab pos="1447800" algn="l"/>
-                <a:tab pos="2171700" algn="l"/>
-                <a:tab pos="2895600" algn="l"/>
-                <a:tab pos="3619500" algn="l"/>
-                <a:tab pos="4343400" algn="l"/>
-                <a:tab pos="5067300" algn="l"/>
-                <a:tab pos="5791200" algn="l"/>
-                <a:tab pos="6515100" algn="l"/>
-                <a:tab pos="7239000" algn="l"/>
-                <a:tab pos="7962900" algn="l"/>
-                <a:tab pos="8686800" algn="l"/>
-              </a:tabLst>
-              <a:defRPr sz="2400">
-                <a:solidFill>
-                  <a:schemeClr val="tx1"/>
-                </a:solidFill>
-                <a:latin typeface="Arial" charset="0"/>
-                <a:ea typeface="ＭＳ Ｐゴシック" pitchFamily="34" charset="-128"/>
-              </a:defRPr>
-            </a:lvl3pPr>
-            <a:lvl4pPr eaLnBrk="0">
-              <a:tabLst>
-                <a:tab pos="723900" algn="l"/>
-                <a:tab pos="1447800" algn="l"/>
-                <a:tab pos="2171700" algn="l"/>
-                <a:tab pos="2895600" algn="l"/>
-                <a:tab pos="3619500" algn="l"/>
-                <a:tab pos="4343400" algn="l"/>
-                <a:tab pos="5067300" algn="l"/>
-                <a:tab pos="5791200" algn="l"/>
-                <a:tab pos="6515100" algn="l"/>
-                <a:tab pos="7239000" algn="l"/>
-                <a:tab pos="7962900" algn="l"/>
-                <a:tab pos="8686800" algn="l"/>
-              </a:tabLst>
-              <a:defRPr sz="2400">
-                <a:solidFill>
-                  <a:schemeClr val="tx1"/>
-                </a:solidFill>
-                <a:latin typeface="Arial" charset="0"/>
-                <a:ea typeface="ＭＳ Ｐゴシック" pitchFamily="34" charset="-128"/>
-              </a:defRPr>
-            </a:lvl4pPr>
-            <a:lvl5pPr eaLnBrk="0">
-              <a:tabLst>
-                <a:tab pos="723900" algn="l"/>
-                <a:tab pos="1447800" algn="l"/>
-                <a:tab pos="2171700" algn="l"/>
-                <a:tab pos="2895600" algn="l"/>
-                <a:tab pos="3619500" algn="l"/>
-                <a:tab pos="4343400" algn="l"/>
-                <a:tab pos="5067300" algn="l"/>
-                <a:tab pos="5791200" algn="l"/>
-                <a:tab pos="6515100" algn="l"/>
-                <a:tab pos="7239000" algn="l"/>
-                <a:tab pos="7962900" algn="l"/>
-                <a:tab pos="8686800" algn="l"/>
-              </a:tabLst>
-              <a:defRPr sz="2400">
-                <a:solidFill>
-                  <a:schemeClr val="tx1"/>
-                </a:solidFill>
-                <a:latin typeface="Arial" charset="0"/>
-                <a:ea typeface="ＭＳ Ｐゴシック" pitchFamily="34" charset="-128"/>
-              </a:defRPr>
-            </a:lvl5pPr>
-            <a:lvl6pPr marL="2514600" indent="-228600" defTabSz="449263" eaLnBrk="0" fontAlgn="base" hangingPunct="0">
+          <a:bodyPr vert="horz" wrap="square" lIns="91440" tIns="45720" rIns="91440" bIns="45720" numCol="1" rtlCol="0" anchor="t" anchorCtr="0" compatLnSpc="1">
+            <a:prstTxWarp prst="textNoShape">
+              <a:avLst/>
+            </a:prstTxWarp>
+          </a:bodyPr>
+          <a:lstStyle/>
+          <a:p>
+            <a:pPr marL="0" marR="0" indent="0" algn="l" defTabSz="449263" rtl="0" eaLnBrk="1" fontAlgn="base" latinLnBrk="0" hangingPunct="0">
               <a:lnSpc>
                 <a:spcPct val="93000"/>
               </a:lnSpc>
@@ -14619,665 +15069,25 @@
                 <a:srgbClr val="000000"/>
               </a:buClr>
               <a:buSzPct val="100000"/>
-              <a:buFont typeface="Times New Roman" pitchFamily="18" charset="0"/>
-              <a:tabLst>
-                <a:tab pos="723900" algn="l"/>
-                <a:tab pos="1447800" algn="l"/>
-                <a:tab pos="2171700" algn="l"/>
-                <a:tab pos="2895600" algn="l"/>
-                <a:tab pos="3619500" algn="l"/>
-                <a:tab pos="4343400" algn="l"/>
-                <a:tab pos="5067300" algn="l"/>
-                <a:tab pos="5791200" algn="l"/>
-                <a:tab pos="6515100" algn="l"/>
-                <a:tab pos="7239000" algn="l"/>
-                <a:tab pos="7962900" algn="l"/>
-                <a:tab pos="8686800" algn="l"/>
-              </a:tabLst>
-              <a:defRPr sz="2400">
-                <a:solidFill>
-                  <a:schemeClr val="tx1"/>
-                </a:solidFill>
-                <a:latin typeface="Arial" charset="0"/>
-                <a:ea typeface="ＭＳ Ｐゴシック" pitchFamily="34" charset="-128"/>
-              </a:defRPr>
-            </a:lvl6pPr>
-            <a:lvl7pPr marL="2971800" indent="-228600" defTabSz="449263" eaLnBrk="0" fontAlgn="base" hangingPunct="0">
-              <a:lnSpc>
-                <a:spcPct val="93000"/>
-              </a:lnSpc>
-              <a:spcBef>
-                <a:spcPct val="0"/>
-              </a:spcBef>
-              <a:spcAft>
-                <a:spcPct val="0"/>
-              </a:spcAft>
-              <a:buClr>
-                <a:srgbClr val="000000"/>
-              </a:buClr>
-              <a:buSzPct val="100000"/>
-              <a:buFont typeface="Times New Roman" pitchFamily="18" charset="0"/>
-              <a:tabLst>
-                <a:tab pos="723900" algn="l"/>
-                <a:tab pos="1447800" algn="l"/>
-                <a:tab pos="2171700" algn="l"/>
-                <a:tab pos="2895600" algn="l"/>
-                <a:tab pos="3619500" algn="l"/>
-                <a:tab pos="4343400" algn="l"/>
-                <a:tab pos="5067300" algn="l"/>
-                <a:tab pos="5791200" algn="l"/>
-                <a:tab pos="6515100" algn="l"/>
-                <a:tab pos="7239000" algn="l"/>
-                <a:tab pos="7962900" algn="l"/>
-                <a:tab pos="8686800" algn="l"/>
-              </a:tabLst>
-              <a:defRPr sz="2400">
-                <a:solidFill>
-                  <a:schemeClr val="tx1"/>
-                </a:solidFill>
-                <a:latin typeface="Arial" charset="0"/>
-                <a:ea typeface="ＭＳ Ｐゴシック" pitchFamily="34" charset="-128"/>
-              </a:defRPr>
-            </a:lvl7pPr>
-            <a:lvl8pPr marL="3429000" indent="-228600" defTabSz="449263" eaLnBrk="0" fontAlgn="base" hangingPunct="0">
-              <a:lnSpc>
-                <a:spcPct val="93000"/>
-              </a:lnSpc>
-              <a:spcBef>
-                <a:spcPct val="0"/>
-              </a:spcBef>
-              <a:spcAft>
-                <a:spcPct val="0"/>
-              </a:spcAft>
-              <a:buClr>
-                <a:srgbClr val="000000"/>
-              </a:buClr>
-              <a:buSzPct val="100000"/>
-              <a:buFont typeface="Times New Roman" pitchFamily="18" charset="0"/>
-              <a:tabLst>
-                <a:tab pos="723900" algn="l"/>
-                <a:tab pos="1447800" algn="l"/>
-                <a:tab pos="2171700" algn="l"/>
-                <a:tab pos="2895600" algn="l"/>
-                <a:tab pos="3619500" algn="l"/>
-                <a:tab pos="4343400" algn="l"/>
-                <a:tab pos="5067300" algn="l"/>
-                <a:tab pos="5791200" algn="l"/>
-                <a:tab pos="6515100" algn="l"/>
-                <a:tab pos="7239000" algn="l"/>
-                <a:tab pos="7962900" algn="l"/>
-                <a:tab pos="8686800" algn="l"/>
-              </a:tabLst>
-              <a:defRPr sz="2400">
-                <a:solidFill>
-                  <a:schemeClr val="tx1"/>
-                </a:solidFill>
-                <a:latin typeface="Arial" charset="0"/>
-                <a:ea typeface="ＭＳ Ｐゴシック" pitchFamily="34" charset="-128"/>
-              </a:defRPr>
-            </a:lvl8pPr>
-            <a:lvl9pPr marL="3886200" indent="-228600" defTabSz="449263" eaLnBrk="0" fontAlgn="base" hangingPunct="0">
-              <a:lnSpc>
-                <a:spcPct val="93000"/>
-              </a:lnSpc>
-              <a:spcBef>
-                <a:spcPct val="0"/>
-              </a:spcBef>
-              <a:spcAft>
-                <a:spcPct val="0"/>
-              </a:spcAft>
-              <a:buClr>
-                <a:srgbClr val="000000"/>
-              </a:buClr>
-              <a:buSzPct val="100000"/>
-              <a:buFont typeface="Times New Roman" pitchFamily="18" charset="0"/>
-              <a:tabLst>
-                <a:tab pos="723900" algn="l"/>
-                <a:tab pos="1447800" algn="l"/>
-                <a:tab pos="2171700" algn="l"/>
-                <a:tab pos="2895600" algn="l"/>
-                <a:tab pos="3619500" algn="l"/>
-                <a:tab pos="4343400" algn="l"/>
-                <a:tab pos="5067300" algn="l"/>
-                <a:tab pos="5791200" algn="l"/>
-                <a:tab pos="6515100" algn="l"/>
-                <a:tab pos="7239000" algn="l"/>
-                <a:tab pos="7962900" algn="l"/>
-                <a:tab pos="8686800" algn="l"/>
-              </a:tabLst>
-              <a:defRPr sz="2400">
-                <a:solidFill>
-                  <a:schemeClr val="tx1"/>
-                </a:solidFill>
-                <a:latin typeface="Arial" charset="0"/>
-                <a:ea typeface="ＭＳ Ｐゴシック" pitchFamily="34" charset="-128"/>
-              </a:defRPr>
-            </a:lvl9pPr>
-          </a:lstStyle>
-          <a:p>
-            <a:pPr eaLnBrk="1">
-              <a:defRPr/>
+              <a:buFont typeface="Times New Roman" charset="0"/>
+              <a:buNone/>
+              <a:tabLst/>
             </a:pPr>
-            <a:r>
-              <a:rPr lang="en-US" sz="1800" b="1" u="sng" dirty="0" smtClean="0"/>
-              <a:t>VAR DUMPED RESULTS</a:t>
-            </a:r>
-          </a:p>
-          <a:p>
-            <a:pPr eaLnBrk="1">
-              <a:defRPr/>
-            </a:pPr>
-            <a:endParaRPr lang="en-MY" sz="1800" b="1" u="sng" dirty="0" smtClean="0"/>
-          </a:p>
-          <a:p>
-            <a:pPr eaLnBrk="1">
-              <a:defRPr/>
-            </a:pPr>
-            <a:r>
-              <a:rPr lang="en-MY" sz="1800" b="1" dirty="0" smtClean="0"/>
-              <a:t>array</a:t>
-            </a:r>
-            <a:r>
-              <a:rPr lang="en-MY" sz="1800" dirty="0" smtClean="0"/>
-              <a:t> </a:t>
-            </a:r>
-          </a:p>
-          <a:p>
-            <a:pPr eaLnBrk="1">
-              <a:defRPr/>
-            </a:pPr>
-            <a:r>
-              <a:rPr lang="en-MY" sz="1800" dirty="0" smtClean="0"/>
-              <a:t>    '_</a:t>
-            </a:r>
-            <a:r>
-              <a:rPr lang="en-MY" sz="1800" dirty="0"/>
-              <a:t>id' =&gt; </a:t>
-            </a:r>
-            <a:endParaRPr lang="en-MY" sz="1800" dirty="0" smtClean="0"/>
-          </a:p>
-          <a:p>
-            <a:pPr eaLnBrk="1">
-              <a:defRPr/>
-            </a:pPr>
-            <a:r>
-              <a:rPr lang="en-MY" sz="1800" b="1" dirty="0" smtClean="0"/>
-              <a:t>        object</a:t>
-            </a:r>
-            <a:r>
-              <a:rPr lang="en-MY" sz="1800" dirty="0" smtClean="0"/>
-              <a:t>(</a:t>
-            </a:r>
-            <a:r>
-              <a:rPr lang="en-MY" sz="1800" i="1" dirty="0" err="1" smtClean="0"/>
-              <a:t>MongoId</a:t>
-            </a:r>
-            <a:r>
-              <a:rPr lang="en-MY" sz="1800" dirty="0"/>
-              <a:t>)[</a:t>
-            </a:r>
-            <a:r>
-              <a:rPr lang="en-MY" sz="1800" i="1" dirty="0"/>
-              <a:t>8</a:t>
-            </a:r>
-            <a:r>
-              <a:rPr lang="en-MY" sz="1800" dirty="0"/>
-              <a:t>] </a:t>
-            </a:r>
-            <a:endParaRPr lang="en-MY" sz="1800" dirty="0" smtClean="0"/>
-          </a:p>
-          <a:p>
-            <a:pPr eaLnBrk="1">
-              <a:defRPr/>
-            </a:pPr>
-            <a:r>
-              <a:rPr lang="en-MY" sz="1800" i="1" dirty="0" smtClean="0"/>
-              <a:t>            public</a:t>
-            </a:r>
-            <a:r>
-              <a:rPr lang="en-MY" sz="1800" dirty="0" smtClean="0"/>
-              <a:t> </a:t>
-            </a:r>
-            <a:r>
-              <a:rPr lang="en-MY" sz="1800" dirty="0"/>
-              <a:t>'$id' =&gt; string '5099abd60a43b53015000064' </a:t>
-            </a:r>
-            <a:r>
-              <a:rPr lang="en-MY" sz="1800" i="1" dirty="0"/>
-              <a:t>(length=24)</a:t>
-            </a:r>
-            <a:r>
-              <a:rPr lang="en-MY" sz="1800" dirty="0"/>
-              <a:t> </a:t>
-            </a:r>
-            <a:endParaRPr lang="en-MY" sz="1800" dirty="0" smtClean="0"/>
-          </a:p>
-          <a:p>
-            <a:pPr eaLnBrk="1">
-              <a:defRPr/>
-            </a:pPr>
-            <a:r>
-              <a:rPr lang="en-MY" sz="1800" dirty="0" smtClean="0"/>
-              <a:t>                'title</a:t>
-            </a:r>
-            <a:r>
-              <a:rPr lang="en-MY" sz="1800" dirty="0"/>
-              <a:t>' =&gt; string 'Hello World' </a:t>
-            </a:r>
-            <a:r>
-              <a:rPr lang="en-MY" sz="1800" i="1" dirty="0"/>
-              <a:t>(length=11)</a:t>
-            </a:r>
-            <a:r>
-              <a:rPr lang="en-MY" sz="1800" dirty="0"/>
-              <a:t> </a:t>
-            </a:r>
-            <a:endParaRPr lang="en-MY" sz="1800" dirty="0" smtClean="0"/>
-          </a:p>
-          <a:p>
-            <a:pPr eaLnBrk="1">
-              <a:defRPr/>
-            </a:pPr>
-            <a:r>
-              <a:rPr lang="en-MY" sz="1800" dirty="0" smtClean="0"/>
-              <a:t>    'published</a:t>
-            </a:r>
-            <a:r>
-              <a:rPr lang="en-MY" sz="1800" dirty="0"/>
-              <a:t>' =&gt; </a:t>
-            </a:r>
-            <a:endParaRPr lang="en-MY" sz="1800" dirty="0" smtClean="0"/>
-          </a:p>
-          <a:p>
-            <a:pPr eaLnBrk="1">
-              <a:defRPr/>
-            </a:pPr>
-            <a:r>
-              <a:rPr lang="en-MY" sz="1800" b="1" dirty="0" smtClean="0"/>
-              <a:t>        object</a:t>
-            </a:r>
-            <a:r>
-              <a:rPr lang="en-MY" sz="1800" dirty="0" smtClean="0"/>
-              <a:t>(</a:t>
-            </a:r>
-            <a:r>
-              <a:rPr lang="en-MY" sz="1800" i="1" dirty="0" smtClean="0"/>
-              <a:t>MongoDate</a:t>
-            </a:r>
-            <a:r>
-              <a:rPr lang="en-MY" sz="1800" dirty="0"/>
-              <a:t>)[</a:t>
-            </a:r>
-            <a:r>
-              <a:rPr lang="en-MY" sz="1800" i="1" dirty="0"/>
-              <a:t>9</a:t>
-            </a:r>
-            <a:r>
-              <a:rPr lang="en-MY" sz="1800" dirty="0"/>
-              <a:t>] </a:t>
-            </a:r>
-            <a:endParaRPr lang="en-MY" sz="1800" dirty="0" smtClean="0"/>
-          </a:p>
-          <a:p>
-            <a:pPr eaLnBrk="1">
-              <a:defRPr/>
-            </a:pPr>
-            <a:r>
-              <a:rPr lang="en-MY" sz="1800" i="1" dirty="0" smtClean="0"/>
-              <a:t>            public</a:t>
-            </a:r>
-            <a:r>
-              <a:rPr lang="en-MY" sz="1800" dirty="0" smtClean="0"/>
-              <a:t> </a:t>
-            </a:r>
-            <a:r>
-              <a:rPr lang="en-MY" sz="1800" dirty="0"/>
-              <a:t>'sec' =&gt; </a:t>
-            </a:r>
-            <a:r>
-              <a:rPr lang="en-MY" sz="1800" dirty="0" err="1"/>
-              <a:t>int</a:t>
-            </a:r>
-            <a:r>
-              <a:rPr lang="en-MY" sz="1800" dirty="0"/>
-              <a:t> 1352246400 </a:t>
-            </a:r>
-            <a:endParaRPr lang="en-MY" sz="1800" dirty="0" smtClean="0"/>
-          </a:p>
-          <a:p>
-            <a:pPr eaLnBrk="1">
-              <a:defRPr/>
-            </a:pPr>
-            <a:r>
-              <a:rPr lang="en-MY" sz="1800" i="1" dirty="0"/>
-              <a:t>	</a:t>
-            </a:r>
-            <a:r>
-              <a:rPr lang="en-MY" sz="1800" i="1" dirty="0" smtClean="0"/>
-              <a:t>public</a:t>
-            </a:r>
-            <a:r>
-              <a:rPr lang="en-MY" sz="1800" dirty="0" smtClean="0"/>
-              <a:t> </a:t>
-            </a:r>
-            <a:r>
-              <a:rPr lang="en-MY" sz="1800" dirty="0"/>
-              <a:t>'</a:t>
-            </a:r>
-            <a:r>
-              <a:rPr lang="en-MY" sz="1800" dirty="0" err="1"/>
-              <a:t>usec</a:t>
-            </a:r>
-            <a:r>
-              <a:rPr lang="en-MY" sz="1800" dirty="0"/>
-              <a:t>' =&gt; </a:t>
-            </a:r>
-            <a:r>
-              <a:rPr lang="en-MY" sz="1800" dirty="0" err="1"/>
-              <a:t>int</a:t>
-            </a:r>
-            <a:r>
-              <a:rPr lang="en-MY" sz="1800" dirty="0"/>
-              <a:t> 0 </a:t>
-            </a:r>
-            <a:endParaRPr lang="en-MY" sz="1800" dirty="0" smtClean="0"/>
-          </a:p>
-          <a:p>
-            <a:pPr eaLnBrk="1">
-              <a:defRPr/>
-            </a:pPr>
-            <a:r>
-              <a:rPr lang="en-MY" sz="1800" dirty="0" smtClean="0"/>
-              <a:t>    'slug</a:t>
-            </a:r>
-            <a:r>
-              <a:rPr lang="en-MY" sz="1800" dirty="0"/>
-              <a:t>' =&gt; string 'hello-world' </a:t>
-            </a:r>
-            <a:r>
-              <a:rPr lang="en-MY" sz="1800" i="1" dirty="0"/>
-              <a:t>(length=11)</a:t>
-            </a:r>
-            <a:r>
-              <a:rPr lang="en-MY" sz="1800" dirty="0"/>
-              <a:t> </a:t>
-            </a:r>
-            <a:endParaRPr lang="en-MY" sz="1800" dirty="0" smtClean="0"/>
-          </a:p>
-          <a:p>
-            <a:pPr eaLnBrk="1">
-              <a:defRPr/>
-            </a:pPr>
-            <a:r>
-              <a:rPr lang="en-MY" sz="1800" dirty="0" smtClean="0"/>
-              <a:t>    'content</a:t>
-            </a:r>
-            <a:r>
-              <a:rPr lang="en-MY" sz="1800" dirty="0"/>
-              <a:t>' =&gt; string '&lt;p&gt;Hello </a:t>
-            </a:r>
-            <a:r>
-              <a:rPr lang="en-MY" sz="1800" dirty="0" smtClean="0"/>
-              <a:t>&lt;a </a:t>
-            </a:r>
-            <a:r>
-              <a:rPr lang="en-MY" sz="1800" dirty="0" err="1" smtClean="0"/>
-              <a:t>href</a:t>
-            </a:r>
-            <a:r>
-              <a:rPr lang="en-MY" sz="1800" dirty="0" smtClean="0"/>
-              <a:t>=“#”&gt;JSON&lt;/a&gt; World</a:t>
-            </a:r>
-            <a:r>
-              <a:rPr lang="en-MY" sz="1800" dirty="0"/>
-              <a:t>&lt;/p&gt;' </a:t>
-            </a:r>
-            <a:r>
-              <a:rPr lang="en-MY" sz="1800" i="1" dirty="0"/>
-              <a:t>(</a:t>
-            </a:r>
-            <a:r>
-              <a:rPr lang="en-MY" sz="1800" i="1" dirty="0" smtClean="0"/>
-              <a:t>length=39)</a:t>
-            </a:r>
-            <a:r>
-              <a:rPr lang="en-MY" sz="1800" dirty="0" smtClean="0"/>
-              <a:t> </a:t>
-            </a:r>
-          </a:p>
-          <a:p>
-            <a:pPr eaLnBrk="1">
-              <a:defRPr/>
-            </a:pPr>
-            <a:r>
-              <a:rPr lang="en-MY" sz="1800" dirty="0" smtClean="0"/>
-              <a:t>    'tags</a:t>
-            </a:r>
-            <a:r>
-              <a:rPr lang="en-MY" sz="1800" dirty="0"/>
-              <a:t>' =&gt; </a:t>
-            </a:r>
-            <a:endParaRPr lang="en-MY" sz="1800" dirty="0" smtClean="0"/>
-          </a:p>
-          <a:p>
-            <a:pPr eaLnBrk="1">
-              <a:defRPr/>
-            </a:pPr>
-            <a:r>
-              <a:rPr lang="en-MY" sz="1800" b="1" dirty="0" smtClean="0"/>
-              <a:t>        array</a:t>
-            </a:r>
-            <a:r>
-              <a:rPr lang="en-MY" sz="1800" dirty="0" smtClean="0"/>
-              <a:t> </a:t>
-            </a:r>
-          </a:p>
-          <a:p>
-            <a:pPr eaLnBrk="1">
-              <a:defRPr/>
-            </a:pPr>
-            <a:r>
-              <a:rPr lang="en-MY" sz="1800" dirty="0" smtClean="0"/>
-              <a:t>            0 </a:t>
-            </a:r>
-            <a:r>
-              <a:rPr lang="en-MY" sz="1800" dirty="0"/>
-              <a:t>=&gt; string 'categories' </a:t>
-            </a:r>
-            <a:r>
-              <a:rPr lang="en-MY" sz="1800" i="1" dirty="0"/>
-              <a:t>(length=10)</a:t>
-            </a:r>
-            <a:r>
-              <a:rPr lang="en-MY" sz="1800" dirty="0"/>
-              <a:t> </a:t>
-            </a:r>
-            <a:endParaRPr lang="en-MY" sz="1800" dirty="0" smtClean="0"/>
-          </a:p>
-          <a:p>
-            <a:pPr eaLnBrk="1">
-              <a:defRPr/>
-            </a:pPr>
-            <a:r>
-              <a:rPr lang="en-MY" sz="1800" dirty="0" smtClean="0"/>
-              <a:t>            1 </a:t>
-            </a:r>
-            <a:r>
-              <a:rPr lang="en-MY" sz="1800" dirty="0"/>
-              <a:t>=&gt; string 'test' </a:t>
-            </a:r>
-            <a:r>
-              <a:rPr lang="en-MY" sz="1800" i="1" dirty="0"/>
-              <a:t>(length=4)</a:t>
-            </a:r>
-            <a:r>
-              <a:rPr lang="en-MY" sz="1800" dirty="0"/>
-              <a:t> </a:t>
-            </a:r>
-            <a:endParaRPr lang="en-MY" sz="1800" dirty="0" smtClean="0"/>
-          </a:p>
-          <a:p>
-            <a:pPr eaLnBrk="1">
-              <a:defRPr/>
-            </a:pPr>
-            <a:r>
-              <a:rPr lang="en-MY" sz="1800" dirty="0"/>
-              <a:t>	</a:t>
-            </a:r>
-            <a:r>
-              <a:rPr lang="en-MY" sz="1800" dirty="0" smtClean="0"/>
-              <a:t> 2 </a:t>
-            </a:r>
-            <a:r>
-              <a:rPr lang="en-MY" sz="1800" dirty="0"/>
-              <a:t>=&gt; string '</a:t>
-            </a:r>
-            <a:r>
-              <a:rPr lang="en-MY" sz="1800" dirty="0" err="1"/>
-              <a:t>etc</a:t>
-            </a:r>
-            <a:r>
-              <a:rPr lang="en-MY" sz="1800" dirty="0"/>
-              <a:t>' </a:t>
-            </a:r>
-            <a:r>
-              <a:rPr lang="en-MY" sz="1800" i="1" dirty="0"/>
-              <a:t>(length=3</a:t>
-            </a:r>
-            <a:r>
-              <a:rPr lang="en-MY" sz="1800" i="1" dirty="0" smtClean="0"/>
-              <a:t>)</a:t>
-            </a:r>
-          </a:p>
-          <a:p>
-            <a:pPr eaLnBrk="1">
-              <a:defRPr/>
-            </a:pPr>
-            <a:endParaRPr lang="en-US" sz="1800" i="1" dirty="0"/>
-          </a:p>
-          <a:p>
-            <a:pPr eaLnBrk="1">
-              <a:defRPr/>
-            </a:pPr>
-            <a:endParaRPr lang="en-MY" sz="1800" i="1" dirty="0" smtClean="0"/>
-          </a:p>
-          <a:p>
-            <a:pPr eaLnBrk="1">
-              <a:defRPr/>
-            </a:pPr>
-            <a:endParaRPr lang="en-MY" sz="1800" b="1" i="1" dirty="0">
-              <a:solidFill>
-                <a:srgbClr val="808080"/>
-              </a:solidFill>
-              <a:latin typeface="Courier Final Draft" pitchFamily="49" charset="0"/>
-            </a:endParaRPr>
-          </a:p>
-          <a:p>
-            <a:pPr eaLnBrk="1">
-              <a:defRPr/>
-            </a:pPr>
-            <a:r>
-              <a:rPr lang="en-US" sz="1800" b="1" u="sng" dirty="0" smtClean="0"/>
-              <a:t>JSON RESULTS</a:t>
-            </a:r>
-            <a:r>
-              <a:rPr lang="en-US" sz="1800" u="sng" dirty="0" smtClean="0"/>
-              <a:t> (as string)</a:t>
-            </a:r>
-            <a:endParaRPr lang="en-US" sz="1800" u="sng" dirty="0"/>
-          </a:p>
-          <a:p>
-            <a:pPr eaLnBrk="1">
-              <a:defRPr/>
-            </a:pPr>
-            <a:endParaRPr lang="en-MY" sz="1800" b="1" u="sng" dirty="0"/>
-          </a:p>
-          <a:p>
-            <a:r>
-              <a:rPr lang="en-MY" sz="1800" dirty="0"/>
-              <a:t>{"_id":{"$id":"5099abd60a43b53015000064"},"</a:t>
-            </a:r>
-            <a:r>
-              <a:rPr lang="en-MY" sz="1800" dirty="0" err="1"/>
-              <a:t>title":"Hello</a:t>
-            </a:r>
-            <a:r>
-              <a:rPr lang="en-MY" sz="1800" dirty="0"/>
-              <a:t> </a:t>
-            </a:r>
-            <a:r>
-              <a:rPr lang="en-MY" sz="1800" dirty="0" err="1"/>
-              <a:t>World","published</a:t>
-            </a:r>
-            <a:r>
-              <a:rPr lang="en-MY" sz="1800" dirty="0"/>
-              <a:t>":{"sec":1352246400,"usec":0},"</a:t>
-            </a:r>
-            <a:r>
-              <a:rPr lang="en-MY" sz="1800" dirty="0" err="1"/>
-              <a:t>slug":"hello-world","content</a:t>
-            </a:r>
-            <a:r>
-              <a:rPr lang="en-MY" sz="1800" dirty="0" smtClean="0"/>
-              <a:t>":“&lt;p&gt;Hello </a:t>
-            </a:r>
-            <a:r>
-              <a:rPr lang="en-MY" sz="1800" dirty="0"/>
-              <a:t>World</a:t>
-            </a:r>
-            <a:r>
-              <a:rPr lang="en-MY" sz="1800" dirty="0" smtClean="0"/>
-              <a:t>&lt;/</a:t>
-            </a:r>
-            <a:r>
-              <a:rPr lang="en-MY" sz="1800" dirty="0"/>
-              <a:t>p&gt;","tags":["categories","test","</a:t>
-            </a:r>
-            <a:r>
-              <a:rPr lang="en-MY" sz="1800" dirty="0" err="1"/>
-              <a:t>etc</a:t>
-            </a:r>
-            <a:r>
-              <a:rPr lang="en-MY" sz="1800" dirty="0"/>
-              <a:t>"]}</a:t>
-            </a:r>
-          </a:p>
-          <a:p>
-            <a:pPr eaLnBrk="1">
-              <a:defRPr/>
-            </a:pPr>
-            <a:r>
-              <a:rPr lang="en-US" sz="1800" b="1" dirty="0">
-                <a:solidFill>
-                  <a:srgbClr val="808080"/>
-                </a:solidFill>
-                <a:latin typeface="Courier Final Draft" pitchFamily="49" charset="0"/>
-              </a:rPr>
-              <a:t>	</a:t>
-            </a:r>
-            <a:endParaRPr lang="en-US" sz="1800" b="1" dirty="0" smtClean="0">
-              <a:solidFill>
-                <a:srgbClr val="808080"/>
-              </a:solidFill>
-              <a:latin typeface="Courier Final Draft" pitchFamily="49" charset="0"/>
-            </a:endParaRPr>
-          </a:p>
-          <a:p>
-            <a:pPr eaLnBrk="1">
-              <a:defRPr/>
-            </a:pPr>
-            <a:endParaRPr lang="en-US" sz="1800" b="1" dirty="0">
-              <a:solidFill>
-                <a:srgbClr val="808080"/>
-              </a:solidFill>
-              <a:latin typeface="Courier Final Draft" pitchFamily="49" charset="0"/>
+            <a:endParaRPr kumimoji="0" lang="en-MY" sz="1800" b="0" i="0" u="none" strike="noStrike" cap="none" normalizeH="0" baseline="0">
+              <a:ln>
+                <a:noFill/>
+              </a:ln>
+              <a:effectLst/>
+              <a:latin typeface="Arial" charset="0"/>
+              <a:ea typeface="ＭＳ Ｐゴシック" charset="0"/>
+              <a:cs typeface="Arial Unicode MS" charset="0"/>
             </a:endParaRPr>
           </a:p>
         </p:txBody>
       </p:sp>
       <p:pic>
         <p:nvPicPr>
-          <p:cNvPr id="4" name="Picture 3" descr="D:\PRESENTATION_MATERIAL\LOGOS\banner_mongo-db-huge-logo.png"/>
+          <p:cNvPr id="2051" name="Picture 3"/>
           <p:cNvPicPr>
             <a:picLocks noChangeAspect="1" noChangeArrowheads="1"/>
           </p:cNvPicPr>
@@ -15298,58 +15108,51 @@
         </p:blipFill>
         <p:spPr bwMode="auto">
           <a:xfrm>
-            <a:off x="5256336" y="147717"/>
-            <a:ext cx="2497847" cy="805758"/>
+            <a:off x="2054225" y="508000"/>
+            <a:ext cx="5972175" cy="6542088"/>
           </a:xfrm>
           <a:prstGeom prst="rect">
             <a:avLst/>
           </a:prstGeom>
           <a:noFill/>
+          <a:ln>
+            <a:noFill/>
+          </a:ln>
+          <a:effectLst/>
           <a:extLst>
             <a:ext uri="{909E8E84-426E-40DD-AFC4-6F175D3DCCD1}">
               <a14:hiddenFill xmlns:a14="http://schemas.microsoft.com/office/drawing/2010/main">
                 <a:solidFill>
-                  <a:srgbClr val="FFFFFF"/>
+                  <a:schemeClr val="accent1"/>
                 </a:solidFill>
               </a14:hiddenFill>
+            </a:ext>
+            <a:ext uri="{91240B29-F687-4F45-9708-019B960494DF}">
+              <a14:hiddenLine xmlns:a14="http://schemas.microsoft.com/office/drawing/2010/main" w="9525">
+                <a:solidFill>
+                  <a:schemeClr val="tx1"/>
+                </a:solidFill>
+                <a:miter lim="800000"/>
+                <a:headEnd/>
+                <a:tailEnd/>
+              </a14:hiddenLine>
+            </a:ext>
+            <a:ext uri="{AF507438-7753-43E0-B8FC-AC1667EBCBE1}">
+              <a14:hiddenEffects xmlns:a14="http://schemas.microsoft.com/office/drawing/2010/main">
+                <a:effectLst>
+                  <a:outerShdw dist="35921" dir="2700000" algn="ctr" rotWithShape="0">
+                    <a:schemeClr val="bg2"/>
+                  </a:outerShdw>
+                </a:effectLst>
+              </a14:hiddenEffects>
             </a:ext>
           </a:extLst>
         </p:spPr>
       </p:pic>
-      <p:sp>
-        <p:nvSpPr>
-          <p:cNvPr id="2" name="TextBox 1"/>
-          <p:cNvSpPr txBox="1"/>
-          <p:nvPr/>
-        </p:nvSpPr>
-        <p:spPr>
-          <a:xfrm>
-            <a:off x="8064648" y="514552"/>
-            <a:ext cx="1680909" cy="384965"/>
-          </a:xfrm>
-          <a:prstGeom prst="rect">
-            <a:avLst/>
-          </a:prstGeom>
-          <a:noFill/>
-        </p:spPr>
-        <p:txBody>
-          <a:bodyPr wrap="none" rtlCol="0">
-            <a:spAutoFit/>
-          </a:bodyPr>
-          <a:lstStyle/>
-          <a:p>
-            <a:r>
-              <a:rPr lang="en-US" b="1" dirty="0" smtClean="0"/>
-              <a:t>PHP &amp; jQuery</a:t>
-            </a:r>
-            <a:endParaRPr lang="en-MY" b="1" dirty="0"/>
-          </a:p>
-        </p:txBody>
-      </p:sp>
     </p:spTree>
     <p:extLst>
       <p:ext uri="{BB962C8B-B14F-4D97-AF65-F5344CB8AC3E}">
-        <p14:creationId xmlns:p14="http://schemas.microsoft.com/office/powerpoint/2010/main" val="2089293303"/>
+        <p14:creationId xmlns:p14="http://schemas.microsoft.com/office/powerpoint/2010/main" val="3889219677"/>
       </p:ext>
     </p:extLst>
   </p:cSld>
@@ -15406,175 +15209,42 @@
       </p:grpSpPr>
       <p:sp>
         <p:nvSpPr>
-          <p:cNvPr id="3073" name="Text Box 1"/>
-          <p:cNvSpPr txBox="1">
-            <a:spLocks noChangeArrowheads="1"/>
-          </p:cNvSpPr>
+          <p:cNvPr id="3" name="Rectangle 2"/>
+          <p:cNvSpPr/>
           <p:nvPr/>
         </p:nvSpPr>
         <p:spPr bwMode="auto">
           <a:xfrm>
-            <a:off x="287784" y="3024335"/>
-            <a:ext cx="9649072" cy="2555702"/>
+            <a:off x="-144264" y="-108595"/>
+            <a:ext cx="10369152" cy="7776864"/>
           </a:xfrm>
           <a:prstGeom prst="rect">
             <a:avLst/>
           </a:prstGeom>
-          <a:noFill/>
-          <a:ln>
-            <a:noFill/>
+          <a:solidFill>
+            <a:srgbClr val="FAFAFA"/>
+          </a:solidFill>
+          <a:ln w="9525" cap="flat" cmpd="sng" algn="ctr">
+            <a:solidFill>
+              <a:schemeClr val="tx1"/>
+            </a:solidFill>
+            <a:prstDash val="solid"/>
+            <a:round/>
+            <a:headEnd type="none" w="med" len="med"/>
+            <a:tailEnd type="none" w="med" len="med"/>
           </a:ln>
           <a:effectLst/>
-          <a:extLst>
-            <a:ext uri="{909E8E84-426E-40DD-AFC4-6F175D3DCCD1}">
-              <a14:hiddenFill xmlns:a14="http://schemas.microsoft.com/office/drawing/2010/main">
-                <a:solidFill>
-                  <a:srgbClr val="FFFFFF"/>
-                </a:solidFill>
-              </a14:hiddenFill>
-            </a:ext>
-            <a:ext uri="{91240B29-F687-4F45-9708-019B960494DF}">
-              <a14:hiddenLine xmlns:a14="http://schemas.microsoft.com/office/drawing/2010/main" w="9525">
-                <a:solidFill>
-                  <a:srgbClr val="000000"/>
-                </a:solidFill>
-                <a:round/>
-                <a:headEnd/>
-                <a:tailEnd/>
-              </a14:hiddenLine>
-            </a:ext>
-            <a:ext uri="{AF507438-7753-43E0-B8FC-AC1667EBCBE1}">
-              <a14:hiddenEffects xmlns:a14="http://schemas.microsoft.com/office/drawing/2010/main">
-                <a:effectLst>
-                  <a:outerShdw blurRad="63500" dist="38099" dir="2700000" algn="ctr" rotWithShape="0">
-                    <a:srgbClr val="000000">
-                      <a:alpha val="74998"/>
-                    </a:srgbClr>
-                  </a:outerShdw>
-                </a:effectLst>
-              </a14:hiddenEffects>
-            </a:ext>
-          </a:extLst>
+          <a:extLst/>
         </p:spPr>
         <p:txBody>
-          <a:bodyPr lIns="0" tIns="15876" rIns="0" bIns="0" anchor="ctr"/>
-          <a:lstStyle>
-            <a:lvl1pPr eaLnBrk="0">
-              <a:tabLst>
-                <a:tab pos="723900" algn="l"/>
-                <a:tab pos="1447800" algn="l"/>
-                <a:tab pos="2171700" algn="l"/>
-                <a:tab pos="2895600" algn="l"/>
-                <a:tab pos="3619500" algn="l"/>
-                <a:tab pos="4343400" algn="l"/>
-                <a:tab pos="5067300" algn="l"/>
-                <a:tab pos="5791200" algn="l"/>
-                <a:tab pos="6515100" algn="l"/>
-                <a:tab pos="7239000" algn="l"/>
-                <a:tab pos="7962900" algn="l"/>
-                <a:tab pos="8686800" algn="l"/>
-              </a:tabLst>
-              <a:defRPr sz="2400">
-                <a:solidFill>
-                  <a:schemeClr val="tx1"/>
-                </a:solidFill>
-                <a:latin typeface="Arial" charset="0"/>
-                <a:ea typeface="ＭＳ Ｐゴシック" pitchFamily="34" charset="-128"/>
-              </a:defRPr>
-            </a:lvl1pPr>
-            <a:lvl2pPr eaLnBrk="0">
-              <a:tabLst>
-                <a:tab pos="723900" algn="l"/>
-                <a:tab pos="1447800" algn="l"/>
-                <a:tab pos="2171700" algn="l"/>
-                <a:tab pos="2895600" algn="l"/>
-                <a:tab pos="3619500" algn="l"/>
-                <a:tab pos="4343400" algn="l"/>
-                <a:tab pos="5067300" algn="l"/>
-                <a:tab pos="5791200" algn="l"/>
-                <a:tab pos="6515100" algn="l"/>
-                <a:tab pos="7239000" algn="l"/>
-                <a:tab pos="7962900" algn="l"/>
-                <a:tab pos="8686800" algn="l"/>
-              </a:tabLst>
-              <a:defRPr sz="2400">
-                <a:solidFill>
-                  <a:schemeClr val="tx1"/>
-                </a:solidFill>
-                <a:latin typeface="Arial" charset="0"/>
-                <a:ea typeface="ＭＳ Ｐゴシック" pitchFamily="34" charset="-128"/>
-              </a:defRPr>
-            </a:lvl2pPr>
-            <a:lvl3pPr eaLnBrk="0">
-              <a:tabLst>
-                <a:tab pos="723900" algn="l"/>
-                <a:tab pos="1447800" algn="l"/>
-                <a:tab pos="2171700" algn="l"/>
-                <a:tab pos="2895600" algn="l"/>
-                <a:tab pos="3619500" algn="l"/>
-                <a:tab pos="4343400" algn="l"/>
-                <a:tab pos="5067300" algn="l"/>
-                <a:tab pos="5791200" algn="l"/>
-                <a:tab pos="6515100" algn="l"/>
-                <a:tab pos="7239000" algn="l"/>
-                <a:tab pos="7962900" algn="l"/>
-                <a:tab pos="8686800" algn="l"/>
-              </a:tabLst>
-              <a:defRPr sz="2400">
-                <a:solidFill>
-                  <a:schemeClr val="tx1"/>
-                </a:solidFill>
-                <a:latin typeface="Arial" charset="0"/>
-                <a:ea typeface="ＭＳ Ｐゴシック" pitchFamily="34" charset="-128"/>
-              </a:defRPr>
-            </a:lvl3pPr>
-            <a:lvl4pPr eaLnBrk="0">
-              <a:tabLst>
-                <a:tab pos="723900" algn="l"/>
-                <a:tab pos="1447800" algn="l"/>
-                <a:tab pos="2171700" algn="l"/>
-                <a:tab pos="2895600" algn="l"/>
-                <a:tab pos="3619500" algn="l"/>
-                <a:tab pos="4343400" algn="l"/>
-                <a:tab pos="5067300" algn="l"/>
-                <a:tab pos="5791200" algn="l"/>
-                <a:tab pos="6515100" algn="l"/>
-                <a:tab pos="7239000" algn="l"/>
-                <a:tab pos="7962900" algn="l"/>
-                <a:tab pos="8686800" algn="l"/>
-              </a:tabLst>
-              <a:defRPr sz="2400">
-                <a:solidFill>
-                  <a:schemeClr val="tx1"/>
-                </a:solidFill>
-                <a:latin typeface="Arial" charset="0"/>
-                <a:ea typeface="ＭＳ Ｐゴシック" pitchFamily="34" charset="-128"/>
-              </a:defRPr>
-            </a:lvl4pPr>
-            <a:lvl5pPr eaLnBrk="0">
-              <a:tabLst>
-                <a:tab pos="723900" algn="l"/>
-                <a:tab pos="1447800" algn="l"/>
-                <a:tab pos="2171700" algn="l"/>
-                <a:tab pos="2895600" algn="l"/>
-                <a:tab pos="3619500" algn="l"/>
-                <a:tab pos="4343400" algn="l"/>
-                <a:tab pos="5067300" algn="l"/>
-                <a:tab pos="5791200" algn="l"/>
-                <a:tab pos="6515100" algn="l"/>
-                <a:tab pos="7239000" algn="l"/>
-                <a:tab pos="7962900" algn="l"/>
-                <a:tab pos="8686800" algn="l"/>
-              </a:tabLst>
-              <a:defRPr sz="2400">
-                <a:solidFill>
-                  <a:schemeClr val="tx1"/>
-                </a:solidFill>
-                <a:latin typeface="Arial" charset="0"/>
-                <a:ea typeface="ＭＳ Ｐゴシック" pitchFamily="34" charset="-128"/>
-              </a:defRPr>
-            </a:lvl5pPr>
-            <a:lvl6pPr marL="2514600" indent="-228600" defTabSz="449263" eaLnBrk="0" fontAlgn="base" hangingPunct="0">
+          <a:bodyPr vert="horz" wrap="square" lIns="91440" tIns="45720" rIns="91440" bIns="45720" numCol="1" rtlCol="0" anchor="t" anchorCtr="0" compatLnSpc="1">
+            <a:prstTxWarp prst="textNoShape">
+              <a:avLst/>
+            </a:prstTxWarp>
+          </a:bodyPr>
+          <a:lstStyle/>
+          <a:p>
+            <a:pPr marL="0" marR="0" indent="0" algn="l" defTabSz="449263" rtl="0" eaLnBrk="1" fontAlgn="base" latinLnBrk="0" hangingPunct="0">
               <a:lnSpc>
                 <a:spcPct val="93000"/>
               </a:lnSpc>
@@ -15588,934 +15258,25 @@
                 <a:srgbClr val="000000"/>
               </a:buClr>
               <a:buSzPct val="100000"/>
-              <a:buFont typeface="Times New Roman" pitchFamily="18" charset="0"/>
-              <a:tabLst>
-                <a:tab pos="723900" algn="l"/>
-                <a:tab pos="1447800" algn="l"/>
-                <a:tab pos="2171700" algn="l"/>
-                <a:tab pos="2895600" algn="l"/>
-                <a:tab pos="3619500" algn="l"/>
-                <a:tab pos="4343400" algn="l"/>
-                <a:tab pos="5067300" algn="l"/>
-                <a:tab pos="5791200" algn="l"/>
-                <a:tab pos="6515100" algn="l"/>
-                <a:tab pos="7239000" algn="l"/>
-                <a:tab pos="7962900" algn="l"/>
-                <a:tab pos="8686800" algn="l"/>
-              </a:tabLst>
-              <a:defRPr sz="2400">
-                <a:solidFill>
-                  <a:schemeClr val="tx1"/>
-                </a:solidFill>
-                <a:latin typeface="Arial" charset="0"/>
-                <a:ea typeface="ＭＳ Ｐゴシック" pitchFamily="34" charset="-128"/>
-              </a:defRPr>
-            </a:lvl6pPr>
-            <a:lvl7pPr marL="2971800" indent="-228600" defTabSz="449263" eaLnBrk="0" fontAlgn="base" hangingPunct="0">
-              <a:lnSpc>
-                <a:spcPct val="93000"/>
-              </a:lnSpc>
-              <a:spcBef>
-                <a:spcPct val="0"/>
-              </a:spcBef>
-              <a:spcAft>
-                <a:spcPct val="0"/>
-              </a:spcAft>
-              <a:buClr>
-                <a:srgbClr val="000000"/>
-              </a:buClr>
-              <a:buSzPct val="100000"/>
-              <a:buFont typeface="Times New Roman" pitchFamily="18" charset="0"/>
-              <a:tabLst>
-                <a:tab pos="723900" algn="l"/>
-                <a:tab pos="1447800" algn="l"/>
-                <a:tab pos="2171700" algn="l"/>
-                <a:tab pos="2895600" algn="l"/>
-                <a:tab pos="3619500" algn="l"/>
-                <a:tab pos="4343400" algn="l"/>
-                <a:tab pos="5067300" algn="l"/>
-                <a:tab pos="5791200" algn="l"/>
-                <a:tab pos="6515100" algn="l"/>
-                <a:tab pos="7239000" algn="l"/>
-                <a:tab pos="7962900" algn="l"/>
-                <a:tab pos="8686800" algn="l"/>
-              </a:tabLst>
-              <a:defRPr sz="2400">
-                <a:solidFill>
-                  <a:schemeClr val="tx1"/>
-                </a:solidFill>
-                <a:latin typeface="Arial" charset="0"/>
-                <a:ea typeface="ＭＳ Ｐゴシック" pitchFamily="34" charset="-128"/>
-              </a:defRPr>
-            </a:lvl7pPr>
-            <a:lvl8pPr marL="3429000" indent="-228600" defTabSz="449263" eaLnBrk="0" fontAlgn="base" hangingPunct="0">
-              <a:lnSpc>
-                <a:spcPct val="93000"/>
-              </a:lnSpc>
-              <a:spcBef>
-                <a:spcPct val="0"/>
-              </a:spcBef>
-              <a:spcAft>
-                <a:spcPct val="0"/>
-              </a:spcAft>
-              <a:buClr>
-                <a:srgbClr val="000000"/>
-              </a:buClr>
-              <a:buSzPct val="100000"/>
-              <a:buFont typeface="Times New Roman" pitchFamily="18" charset="0"/>
-              <a:tabLst>
-                <a:tab pos="723900" algn="l"/>
-                <a:tab pos="1447800" algn="l"/>
-                <a:tab pos="2171700" algn="l"/>
-                <a:tab pos="2895600" algn="l"/>
-                <a:tab pos="3619500" algn="l"/>
-                <a:tab pos="4343400" algn="l"/>
-                <a:tab pos="5067300" algn="l"/>
-                <a:tab pos="5791200" algn="l"/>
-                <a:tab pos="6515100" algn="l"/>
-                <a:tab pos="7239000" algn="l"/>
-                <a:tab pos="7962900" algn="l"/>
-                <a:tab pos="8686800" algn="l"/>
-              </a:tabLst>
-              <a:defRPr sz="2400">
-                <a:solidFill>
-                  <a:schemeClr val="tx1"/>
-                </a:solidFill>
-                <a:latin typeface="Arial" charset="0"/>
-                <a:ea typeface="ＭＳ Ｐゴシック" pitchFamily="34" charset="-128"/>
-              </a:defRPr>
-            </a:lvl8pPr>
-            <a:lvl9pPr marL="3886200" indent="-228600" defTabSz="449263" eaLnBrk="0" fontAlgn="base" hangingPunct="0">
-              <a:lnSpc>
-                <a:spcPct val="93000"/>
-              </a:lnSpc>
-              <a:spcBef>
-                <a:spcPct val="0"/>
-              </a:spcBef>
-              <a:spcAft>
-                <a:spcPct val="0"/>
-              </a:spcAft>
-              <a:buClr>
-                <a:srgbClr val="000000"/>
-              </a:buClr>
-              <a:buSzPct val="100000"/>
-              <a:buFont typeface="Times New Roman" pitchFamily="18" charset="0"/>
-              <a:tabLst>
-                <a:tab pos="723900" algn="l"/>
-                <a:tab pos="1447800" algn="l"/>
-                <a:tab pos="2171700" algn="l"/>
-                <a:tab pos="2895600" algn="l"/>
-                <a:tab pos="3619500" algn="l"/>
-                <a:tab pos="4343400" algn="l"/>
-                <a:tab pos="5067300" algn="l"/>
-                <a:tab pos="5791200" algn="l"/>
-                <a:tab pos="6515100" algn="l"/>
-                <a:tab pos="7239000" algn="l"/>
-                <a:tab pos="7962900" algn="l"/>
-                <a:tab pos="8686800" algn="l"/>
-              </a:tabLst>
-              <a:defRPr sz="2400">
-                <a:solidFill>
-                  <a:schemeClr val="tx1"/>
-                </a:solidFill>
-                <a:latin typeface="Arial" charset="0"/>
-                <a:ea typeface="ＭＳ Ｐゴシック" pitchFamily="34" charset="-128"/>
-              </a:defRPr>
-            </a:lvl9pPr>
-          </a:lstStyle>
-          <a:p>
-            <a:pPr eaLnBrk="1">
-              <a:defRPr/>
+              <a:buFont typeface="Times New Roman" charset="0"/>
+              <a:buNone/>
+              <a:tabLst/>
             </a:pPr>
-            <a:r>
-              <a:rPr lang="en-US" sz="1800" b="1" dirty="0" smtClean="0">
-                <a:solidFill>
-                  <a:srgbClr val="808080"/>
-                </a:solidFill>
-                <a:latin typeface="Courier Final Draft" pitchFamily="49" charset="0"/>
-              </a:rPr>
-              <a:t>&lt;script&gt;</a:t>
-            </a:r>
-          </a:p>
-          <a:p>
-            <a:pPr eaLnBrk="1">
-              <a:defRPr/>
-            </a:pPr>
-            <a:r>
-              <a:rPr lang="en-US" sz="1800" b="1" dirty="0" smtClean="0">
-                <a:solidFill>
-                  <a:srgbClr val="808080"/>
-                </a:solidFill>
-                <a:latin typeface="Courier Final Draft" pitchFamily="49" charset="0"/>
-              </a:rPr>
-              <a:t>$(</a:t>
-            </a:r>
-            <a:r>
-              <a:rPr lang="en-US" sz="1800" b="1" dirty="0">
-                <a:solidFill>
-                  <a:srgbClr val="808080"/>
-                </a:solidFill>
-                <a:latin typeface="Courier Final Draft" pitchFamily="49" charset="0"/>
-              </a:rPr>
-              <a:t>document).ready(function</a:t>
-            </a:r>
-            <a:r>
-              <a:rPr lang="en-US" sz="1800" b="1" dirty="0" smtClean="0">
-                <a:solidFill>
-                  <a:srgbClr val="808080"/>
-                </a:solidFill>
-                <a:latin typeface="Courier Final Draft" pitchFamily="49" charset="0"/>
-              </a:rPr>
-              <a:t>(){</a:t>
-            </a:r>
-          </a:p>
-          <a:p>
-            <a:pPr eaLnBrk="1">
-              <a:defRPr/>
-            </a:pPr>
-            <a:endParaRPr lang="en-US" sz="1800" b="1" dirty="0">
-              <a:solidFill>
-                <a:srgbClr val="808080"/>
-              </a:solidFill>
-              <a:latin typeface="Courier Final Draft" pitchFamily="49" charset="0"/>
-            </a:endParaRPr>
-          </a:p>
-          <a:p>
-            <a:pPr eaLnBrk="1">
-              <a:defRPr/>
-            </a:pPr>
-            <a:r>
-              <a:rPr lang="en-US" sz="1800" b="1" dirty="0" smtClean="0">
-                <a:solidFill>
-                  <a:srgbClr val="808080"/>
-                </a:solidFill>
-                <a:latin typeface="Courier Final Draft" pitchFamily="49" charset="0"/>
-              </a:rPr>
-              <a:t>    $.</a:t>
-            </a:r>
-            <a:r>
-              <a:rPr lang="en-US" sz="1800" b="1" dirty="0" err="1">
-                <a:solidFill>
-                  <a:srgbClr val="808080"/>
-                </a:solidFill>
-                <a:latin typeface="Courier Final Draft" pitchFamily="49" charset="0"/>
-              </a:rPr>
-              <a:t>ajax</a:t>
-            </a:r>
-            <a:r>
-              <a:rPr lang="en-US" sz="1800" b="1" dirty="0">
-                <a:solidFill>
-                  <a:srgbClr val="808080"/>
-                </a:solidFill>
-                <a:latin typeface="Courier Final Draft" pitchFamily="49" charset="0"/>
-              </a:rPr>
-              <a:t>({</a:t>
-            </a:r>
-          </a:p>
-          <a:p>
-            <a:pPr eaLnBrk="1">
-              <a:defRPr/>
-            </a:pPr>
-            <a:r>
-              <a:rPr lang="en-US" sz="1800" b="1" dirty="0" smtClean="0">
-                <a:solidFill>
-                  <a:srgbClr val="808080"/>
-                </a:solidFill>
-                <a:latin typeface="Courier Final Draft" pitchFamily="49" charset="0"/>
-              </a:rPr>
-              <a:t>      url</a:t>
-            </a:r>
-            <a:r>
-              <a:rPr lang="en-US" sz="1800" b="1" dirty="0">
-                <a:solidFill>
-                  <a:srgbClr val="808080"/>
-                </a:solidFill>
-                <a:latin typeface="Courier Final Draft" pitchFamily="49" charset="0"/>
-              </a:rPr>
-              <a:t>: '</a:t>
-            </a:r>
-            <a:r>
-              <a:rPr lang="en-US" sz="1800" b="1" dirty="0" err="1">
-                <a:solidFill>
-                  <a:srgbClr val="808080"/>
-                </a:solidFill>
-                <a:latin typeface="Courier Final Draft" pitchFamily="49" charset="0"/>
-              </a:rPr>
-              <a:t>index.php</a:t>
-            </a:r>
-            <a:r>
-              <a:rPr lang="en-US" sz="1800" b="1" dirty="0">
-                <a:solidFill>
-                  <a:srgbClr val="808080"/>
-                </a:solidFill>
-                <a:latin typeface="Courier Final Draft" pitchFamily="49" charset="0"/>
-              </a:rPr>
-              <a:t>',</a:t>
-            </a:r>
-          </a:p>
-          <a:p>
-            <a:pPr eaLnBrk="1">
-              <a:defRPr/>
-            </a:pPr>
-            <a:r>
-              <a:rPr lang="en-US" sz="1800" b="1" dirty="0" smtClean="0">
-                <a:solidFill>
-                  <a:srgbClr val="808080"/>
-                </a:solidFill>
-                <a:latin typeface="Courier Final Draft" pitchFamily="49" charset="0"/>
-              </a:rPr>
-              <a:t>      </a:t>
-            </a:r>
-            <a:r>
-              <a:rPr lang="en-US" sz="1800" b="1" dirty="0" err="1" smtClean="0">
-                <a:solidFill>
-                  <a:srgbClr val="808080"/>
-                </a:solidFill>
-                <a:latin typeface="Courier Final Draft" pitchFamily="49" charset="0"/>
-              </a:rPr>
-              <a:t>dataType</a:t>
-            </a:r>
-            <a:r>
-              <a:rPr lang="en-US" sz="1800" b="1" dirty="0">
-                <a:solidFill>
-                  <a:srgbClr val="808080"/>
-                </a:solidFill>
-                <a:latin typeface="Courier Final Draft" pitchFamily="49" charset="0"/>
-              </a:rPr>
-              <a:t>: 'JSON',</a:t>
-            </a:r>
-          </a:p>
-          <a:p>
-            <a:pPr eaLnBrk="1">
-              <a:defRPr/>
-            </a:pPr>
-            <a:r>
-              <a:rPr lang="en-US" sz="1800" b="1" dirty="0" smtClean="0">
-                <a:solidFill>
-                  <a:srgbClr val="808080"/>
-                </a:solidFill>
-                <a:latin typeface="Courier Final Draft" pitchFamily="49" charset="0"/>
-              </a:rPr>
-              <a:t>      type</a:t>
-            </a:r>
-            <a:r>
-              <a:rPr lang="en-US" sz="1800" b="1" dirty="0">
-                <a:solidFill>
-                  <a:srgbClr val="808080"/>
-                </a:solidFill>
-                <a:latin typeface="Courier Final Draft" pitchFamily="49" charset="0"/>
-              </a:rPr>
-              <a:t>: 'POST',</a:t>
-            </a:r>
-          </a:p>
-          <a:p>
-            <a:pPr eaLnBrk="1">
-              <a:defRPr/>
-            </a:pPr>
-            <a:r>
-              <a:rPr lang="en-US" sz="1800" b="1" dirty="0" smtClean="0">
-                <a:solidFill>
-                  <a:srgbClr val="808080"/>
-                </a:solidFill>
-                <a:latin typeface="Courier Final Draft" pitchFamily="49" charset="0"/>
-              </a:rPr>
-              <a:t>      data</a:t>
-            </a:r>
-            <a:r>
-              <a:rPr lang="en-US" sz="1800" b="1" dirty="0">
-                <a:solidFill>
-                  <a:srgbClr val="808080"/>
-                </a:solidFill>
-                <a:latin typeface="Courier Final Draft" pitchFamily="49" charset="0"/>
-              </a:rPr>
-              <a:t>: {</a:t>
-            </a:r>
-          </a:p>
-          <a:p>
-            <a:pPr eaLnBrk="1">
-              <a:defRPr/>
-            </a:pPr>
-            <a:r>
-              <a:rPr lang="en-US" sz="1800" b="1" dirty="0" smtClean="0">
-                <a:solidFill>
-                  <a:srgbClr val="808080"/>
-                </a:solidFill>
-                <a:latin typeface="Courier Final Draft" pitchFamily="49" charset="0"/>
-              </a:rPr>
-              <a:t>        s</a:t>
-            </a:r>
-            <a:r>
-              <a:rPr lang="en-US" sz="1800" b="1" dirty="0">
-                <a:solidFill>
-                  <a:srgbClr val="808080"/>
-                </a:solidFill>
-                <a:latin typeface="Courier Final Draft" pitchFamily="49" charset="0"/>
-              </a:rPr>
-              <a:t>: 'hello-world'</a:t>
-            </a:r>
-          </a:p>
-          <a:p>
-            <a:pPr eaLnBrk="1">
-              <a:defRPr/>
-            </a:pPr>
-            <a:r>
-              <a:rPr lang="en-US" sz="1800" b="1" dirty="0" smtClean="0">
-                <a:solidFill>
-                  <a:srgbClr val="808080"/>
-                </a:solidFill>
-                <a:latin typeface="Courier Final Draft" pitchFamily="49" charset="0"/>
-              </a:rPr>
-              <a:t>      },</a:t>
-            </a:r>
-            <a:endParaRPr lang="en-US" sz="1800" b="1" dirty="0">
-              <a:solidFill>
-                <a:srgbClr val="808080"/>
-              </a:solidFill>
-              <a:latin typeface="Courier Final Draft" pitchFamily="49" charset="0"/>
-            </a:endParaRPr>
-          </a:p>
-          <a:p>
-            <a:pPr eaLnBrk="1">
-              <a:defRPr/>
-            </a:pPr>
-            <a:r>
-              <a:rPr lang="en-US" sz="1800" b="1" dirty="0" smtClean="0">
-                <a:solidFill>
-                  <a:srgbClr val="808080"/>
-                </a:solidFill>
-                <a:latin typeface="Courier Final Draft" pitchFamily="49" charset="0"/>
-              </a:rPr>
-              <a:t>      success</a:t>
-            </a:r>
-            <a:r>
-              <a:rPr lang="en-US" sz="1800" b="1" dirty="0">
-                <a:solidFill>
-                  <a:srgbClr val="808080"/>
-                </a:solidFill>
-                <a:latin typeface="Courier Final Draft" pitchFamily="49" charset="0"/>
-              </a:rPr>
-              <a:t>: function(results){</a:t>
-            </a:r>
-          </a:p>
-          <a:p>
-            <a:pPr eaLnBrk="1">
-              <a:defRPr/>
-            </a:pPr>
-            <a:r>
-              <a:rPr lang="en-US" sz="1800" b="1" dirty="0" smtClean="0">
-                <a:solidFill>
-                  <a:srgbClr val="808080"/>
-                </a:solidFill>
-                <a:latin typeface="Courier Final Draft" pitchFamily="49" charset="0"/>
-              </a:rPr>
-              <a:t>        </a:t>
-            </a:r>
-            <a:r>
-              <a:rPr lang="en-US" sz="1800" b="1" dirty="0" err="1" smtClean="0">
-                <a:solidFill>
-                  <a:srgbClr val="808080"/>
-                </a:solidFill>
-                <a:latin typeface="Courier Final Draft" pitchFamily="49" charset="0"/>
-              </a:rPr>
-              <a:t>var</a:t>
-            </a:r>
-            <a:r>
-              <a:rPr lang="en-US" sz="1800" b="1" dirty="0" smtClean="0">
-                <a:solidFill>
-                  <a:srgbClr val="808080"/>
-                </a:solidFill>
-                <a:latin typeface="Courier Final Draft" pitchFamily="49" charset="0"/>
-              </a:rPr>
-              <a:t> </a:t>
-            </a:r>
-            <a:r>
-              <a:rPr lang="en-US" sz="1800" b="1" dirty="0">
-                <a:solidFill>
-                  <a:srgbClr val="808080"/>
-                </a:solidFill>
-                <a:latin typeface="Courier Final Draft" pitchFamily="49" charset="0"/>
-              </a:rPr>
-              <a:t>source		= $("#handlebar-content").html();</a:t>
-            </a:r>
-          </a:p>
-          <a:p>
-            <a:pPr eaLnBrk="1">
-              <a:defRPr/>
-            </a:pPr>
-            <a:r>
-              <a:rPr lang="en-US" sz="1800" b="1" dirty="0" smtClean="0">
-                <a:solidFill>
-                  <a:srgbClr val="808080"/>
-                </a:solidFill>
-                <a:latin typeface="Courier Final Draft" pitchFamily="49" charset="0"/>
-              </a:rPr>
-              <a:t>        </a:t>
-            </a:r>
-            <a:r>
-              <a:rPr lang="en-US" sz="1800" b="1" dirty="0" err="1" smtClean="0">
-                <a:solidFill>
-                  <a:srgbClr val="808080"/>
-                </a:solidFill>
-                <a:latin typeface="Courier Final Draft" pitchFamily="49" charset="0"/>
-              </a:rPr>
-              <a:t>var</a:t>
-            </a:r>
-            <a:r>
-              <a:rPr lang="en-US" sz="1800" b="1" dirty="0" smtClean="0">
-                <a:solidFill>
-                  <a:srgbClr val="808080"/>
-                </a:solidFill>
-                <a:latin typeface="Courier Final Draft" pitchFamily="49" charset="0"/>
-              </a:rPr>
-              <a:t> </a:t>
-            </a:r>
-            <a:r>
-              <a:rPr lang="en-US" sz="1800" b="1" dirty="0">
-                <a:solidFill>
-                  <a:srgbClr val="808080"/>
-                </a:solidFill>
-                <a:latin typeface="Courier Final Draft" pitchFamily="49" charset="0"/>
-              </a:rPr>
-              <a:t>template	</a:t>
-            </a:r>
-            <a:r>
-              <a:rPr lang="en-US" sz="1800" b="1" dirty="0" smtClean="0">
-                <a:solidFill>
-                  <a:srgbClr val="808080"/>
-                </a:solidFill>
-                <a:latin typeface="Courier Final Draft" pitchFamily="49" charset="0"/>
-              </a:rPr>
-              <a:t>	= </a:t>
-            </a:r>
-            <a:r>
-              <a:rPr lang="en-US" sz="1800" b="1" dirty="0" err="1">
-                <a:solidFill>
-                  <a:srgbClr val="808080"/>
-                </a:solidFill>
-                <a:latin typeface="Courier Final Draft" pitchFamily="49" charset="0"/>
-              </a:rPr>
-              <a:t>Handlebars.compile</a:t>
-            </a:r>
-            <a:r>
-              <a:rPr lang="en-US" sz="1800" b="1" dirty="0">
-                <a:solidFill>
-                  <a:srgbClr val="808080"/>
-                </a:solidFill>
-                <a:latin typeface="Courier Final Draft" pitchFamily="49" charset="0"/>
-              </a:rPr>
-              <a:t>(source);</a:t>
-            </a:r>
-          </a:p>
-          <a:p>
-            <a:pPr eaLnBrk="1">
-              <a:defRPr/>
-            </a:pPr>
-            <a:r>
-              <a:rPr lang="en-US" sz="1800" b="1" dirty="0" smtClean="0">
-                <a:solidFill>
-                  <a:srgbClr val="808080"/>
-                </a:solidFill>
-                <a:latin typeface="Courier Final Draft" pitchFamily="49" charset="0"/>
-              </a:rPr>
-              <a:t>        </a:t>
-            </a:r>
-            <a:r>
-              <a:rPr lang="en-US" sz="1800" b="1" dirty="0" err="1" smtClean="0">
-                <a:solidFill>
-                  <a:srgbClr val="808080"/>
-                </a:solidFill>
-                <a:latin typeface="Courier Final Draft" pitchFamily="49" charset="0"/>
-              </a:rPr>
-              <a:t>var</a:t>
-            </a:r>
-            <a:r>
-              <a:rPr lang="en-US" sz="1800" b="1" dirty="0" smtClean="0">
-                <a:solidFill>
-                  <a:srgbClr val="808080"/>
-                </a:solidFill>
-                <a:latin typeface="Courier Final Draft" pitchFamily="49" charset="0"/>
-              </a:rPr>
-              <a:t> </a:t>
-            </a:r>
-            <a:r>
-              <a:rPr lang="en-US" sz="1800" b="1" dirty="0">
-                <a:solidFill>
-                  <a:srgbClr val="808080"/>
-                </a:solidFill>
-                <a:latin typeface="Courier Final Draft" pitchFamily="49" charset="0"/>
-              </a:rPr>
-              <a:t>html		= template(results);</a:t>
-            </a:r>
-          </a:p>
-          <a:p>
-            <a:pPr eaLnBrk="1">
-              <a:defRPr/>
-            </a:pPr>
-            <a:r>
-              <a:rPr lang="en-US" sz="1800" b="1" dirty="0">
-                <a:solidFill>
-                  <a:srgbClr val="808080"/>
-                </a:solidFill>
-                <a:latin typeface="Courier Final Draft" pitchFamily="49" charset="0"/>
-              </a:rPr>
-              <a:t> </a:t>
-            </a:r>
-            <a:r>
-              <a:rPr lang="en-US" sz="1800" b="1" dirty="0" smtClean="0">
-                <a:solidFill>
-                  <a:srgbClr val="808080"/>
-                </a:solidFill>
-                <a:latin typeface="Courier Final Draft" pitchFamily="49" charset="0"/>
-              </a:rPr>
-              <a:t>       $('#</a:t>
-            </a:r>
-            <a:r>
-              <a:rPr lang="en-US" sz="1800" b="1" dirty="0">
-                <a:solidFill>
-                  <a:srgbClr val="808080"/>
-                </a:solidFill>
-                <a:latin typeface="Courier Final Draft" pitchFamily="49" charset="0"/>
-              </a:rPr>
-              <a:t>handlebar-content').html(html);</a:t>
-            </a:r>
-          </a:p>
-          <a:p>
-            <a:pPr eaLnBrk="1">
-              <a:defRPr/>
-            </a:pPr>
-            <a:r>
-              <a:rPr lang="en-US" sz="1800" b="1" dirty="0" smtClean="0">
-                <a:solidFill>
-                  <a:srgbClr val="808080"/>
-                </a:solidFill>
-                <a:latin typeface="Courier Final Draft" pitchFamily="49" charset="0"/>
-              </a:rPr>
-              <a:t>        $('#</a:t>
-            </a:r>
-            <a:r>
-              <a:rPr lang="en-US" sz="1800" b="1" dirty="0">
-                <a:solidFill>
-                  <a:srgbClr val="808080"/>
-                </a:solidFill>
-                <a:latin typeface="Courier Final Draft" pitchFamily="49" charset="0"/>
-              </a:rPr>
-              <a:t>handlebar-content').find('</a:t>
-            </a:r>
-            <a:r>
-              <a:rPr lang="en-US" sz="1800" b="1" dirty="0" err="1">
-                <a:solidFill>
-                  <a:srgbClr val="808080"/>
-                </a:solidFill>
-                <a:latin typeface="Courier Final Draft" pitchFamily="49" charset="0"/>
-              </a:rPr>
-              <a:t>p.temp</a:t>
-            </a:r>
-            <a:r>
-              <a:rPr lang="en-US" sz="1800" b="1" dirty="0">
-                <a:solidFill>
-                  <a:srgbClr val="808080"/>
-                </a:solidFill>
-                <a:latin typeface="Courier Final Draft" pitchFamily="49" charset="0"/>
-              </a:rPr>
-              <a:t> span').remove</a:t>
-            </a:r>
-            <a:r>
-              <a:rPr lang="en-US" sz="1800" b="1" dirty="0" smtClean="0">
-                <a:solidFill>
-                  <a:srgbClr val="808080"/>
-                </a:solidFill>
-                <a:latin typeface="Courier Final Draft" pitchFamily="49" charset="0"/>
-              </a:rPr>
-              <a:t>();</a:t>
-            </a:r>
-            <a:r>
-              <a:rPr lang="en-US" sz="1800" b="1" dirty="0">
-                <a:solidFill>
-                  <a:srgbClr val="808080"/>
-                </a:solidFill>
-                <a:latin typeface="Courier Final Draft" pitchFamily="49" charset="0"/>
-              </a:rPr>
-              <a:t>		</a:t>
-            </a:r>
-            <a:r>
-              <a:rPr lang="en-US" sz="1800" b="1" dirty="0" smtClean="0">
-                <a:solidFill>
-                  <a:srgbClr val="808080"/>
-                </a:solidFill>
-                <a:latin typeface="Courier Final Draft" pitchFamily="49" charset="0"/>
-              </a:rPr>
-              <a:t>  </a:t>
-            </a:r>
-          </a:p>
-          <a:p>
-            <a:pPr eaLnBrk="1">
-              <a:defRPr/>
-            </a:pPr>
-            <a:r>
-              <a:rPr lang="en-US" sz="1800" b="1" dirty="0">
-                <a:solidFill>
-                  <a:srgbClr val="808080"/>
-                </a:solidFill>
-                <a:latin typeface="Courier Final Draft" pitchFamily="49" charset="0"/>
-              </a:rPr>
-              <a:t> </a:t>
-            </a:r>
-            <a:r>
-              <a:rPr lang="en-US" sz="1800" b="1" dirty="0" smtClean="0">
-                <a:solidFill>
-                  <a:srgbClr val="808080"/>
-                </a:solidFill>
-                <a:latin typeface="Courier Final Draft" pitchFamily="49" charset="0"/>
-              </a:rPr>
-              <a:t>     }</a:t>
-            </a:r>
-            <a:endParaRPr lang="en-US" sz="1800" b="1" dirty="0">
-              <a:solidFill>
-                <a:srgbClr val="808080"/>
-              </a:solidFill>
-              <a:latin typeface="Courier Final Draft" pitchFamily="49" charset="0"/>
-            </a:endParaRPr>
-          </a:p>
-          <a:p>
-            <a:pPr eaLnBrk="1">
-              <a:defRPr/>
-            </a:pPr>
-            <a:r>
-              <a:rPr lang="en-US" sz="1800" b="1" dirty="0" smtClean="0">
-                <a:solidFill>
-                  <a:srgbClr val="808080"/>
-                </a:solidFill>
-                <a:latin typeface="Courier Final Draft" pitchFamily="49" charset="0"/>
-              </a:rPr>
-              <a:t>    });</a:t>
-            </a:r>
-          </a:p>
-          <a:p>
-            <a:pPr eaLnBrk="1">
-              <a:defRPr/>
-            </a:pPr>
-            <a:endParaRPr lang="en-US" sz="1800" b="1" dirty="0">
-              <a:solidFill>
-                <a:srgbClr val="808080"/>
-              </a:solidFill>
-              <a:latin typeface="Courier Final Draft" pitchFamily="49" charset="0"/>
-            </a:endParaRPr>
-          </a:p>
-          <a:p>
-            <a:pPr eaLnBrk="1">
-              <a:defRPr/>
-            </a:pPr>
-            <a:r>
-              <a:rPr lang="en-US" sz="1800" b="1" dirty="0" smtClean="0">
-                <a:solidFill>
-                  <a:srgbClr val="808080"/>
-                </a:solidFill>
-                <a:latin typeface="Courier Final Draft" pitchFamily="49" charset="0"/>
-              </a:rPr>
-              <a:t>});</a:t>
-            </a:r>
-            <a:r>
-              <a:rPr lang="en-US" sz="1800" b="1" dirty="0">
-                <a:solidFill>
-                  <a:srgbClr val="808080"/>
-                </a:solidFill>
-                <a:latin typeface="Courier Final Draft" pitchFamily="49" charset="0"/>
-              </a:rPr>
-              <a:t>	</a:t>
-            </a:r>
-            <a:endParaRPr lang="en-US" sz="1800" b="1" dirty="0" smtClean="0">
-              <a:solidFill>
-                <a:srgbClr val="808080"/>
-              </a:solidFill>
-              <a:latin typeface="Courier Final Draft" pitchFamily="49" charset="0"/>
-            </a:endParaRPr>
-          </a:p>
-          <a:p>
-            <a:pPr eaLnBrk="1">
-              <a:defRPr/>
-            </a:pPr>
-            <a:r>
-              <a:rPr lang="en-US" sz="1800" b="1" dirty="0" smtClean="0">
-                <a:solidFill>
-                  <a:srgbClr val="808080"/>
-                </a:solidFill>
-                <a:latin typeface="Courier Final Draft" pitchFamily="49" charset="0"/>
-              </a:rPr>
-              <a:t>&lt;/script&gt;</a:t>
-            </a:r>
-          </a:p>
-          <a:p>
-            <a:pPr eaLnBrk="1">
-              <a:defRPr/>
-            </a:pPr>
-            <a:endParaRPr lang="en-US" sz="1800" b="1" dirty="0" smtClean="0">
-              <a:solidFill>
-                <a:srgbClr val="808080"/>
-              </a:solidFill>
-              <a:latin typeface="Courier Final Draft" pitchFamily="49" charset="0"/>
-            </a:endParaRPr>
-          </a:p>
-          <a:p>
-            <a:pPr eaLnBrk="1">
-              <a:defRPr/>
-            </a:pPr>
-            <a:endParaRPr lang="en-US" sz="1800" b="1" dirty="0">
-              <a:solidFill>
-                <a:srgbClr val="808080"/>
-              </a:solidFill>
-              <a:latin typeface="Courier Final Draft" pitchFamily="49" charset="0"/>
-            </a:endParaRPr>
-          </a:p>
-          <a:p>
-            <a:pPr eaLnBrk="1">
-              <a:defRPr/>
-            </a:pPr>
-            <a:r>
-              <a:rPr lang="en-US" sz="1800" b="1" dirty="0">
-                <a:solidFill>
-                  <a:srgbClr val="808080"/>
-                </a:solidFill>
-                <a:latin typeface="Courier Final Draft" pitchFamily="49" charset="0"/>
-              </a:rPr>
-              <a:t>&lt;div id="handlebar-content"&gt;</a:t>
-            </a:r>
-          </a:p>
-          <a:p>
-            <a:pPr eaLnBrk="1">
-              <a:defRPr/>
-            </a:pPr>
-            <a:r>
-              <a:rPr lang="en-US" sz="1800" b="1" dirty="0" smtClean="0">
-                <a:solidFill>
-                  <a:srgbClr val="808080"/>
-                </a:solidFill>
-                <a:latin typeface="Courier Final Draft" pitchFamily="49" charset="0"/>
-              </a:rPr>
-              <a:t>  &lt;</a:t>
-            </a:r>
-            <a:r>
-              <a:rPr lang="en-US" sz="1800" b="1" dirty="0">
-                <a:solidFill>
-                  <a:srgbClr val="808080"/>
-                </a:solidFill>
-                <a:latin typeface="Courier Final Draft" pitchFamily="49" charset="0"/>
-              </a:rPr>
-              <a:t>h1&gt;{{title}}&lt;/h1&gt;</a:t>
-            </a:r>
-          </a:p>
-          <a:p>
-            <a:pPr eaLnBrk="1">
-              <a:defRPr/>
-            </a:pPr>
-            <a:r>
-              <a:rPr lang="en-US" sz="1800" b="1" dirty="0" smtClean="0">
-                <a:solidFill>
-                  <a:srgbClr val="808080"/>
-                </a:solidFill>
-                <a:latin typeface="Courier Final Draft" pitchFamily="49" charset="0"/>
-              </a:rPr>
-              <a:t>  {{{</a:t>
-            </a:r>
-            <a:r>
-              <a:rPr lang="en-US" sz="1800" b="1" dirty="0">
-                <a:solidFill>
-                  <a:srgbClr val="808080"/>
-                </a:solidFill>
-                <a:latin typeface="Courier Final Draft" pitchFamily="49" charset="0"/>
-              </a:rPr>
-              <a:t>content</a:t>
-            </a:r>
-            <a:r>
-              <a:rPr lang="en-US" sz="1800" b="1" dirty="0" smtClean="0">
-                <a:solidFill>
-                  <a:srgbClr val="808080"/>
-                </a:solidFill>
-                <a:latin typeface="Courier Final Draft" pitchFamily="49" charset="0"/>
-              </a:rPr>
-              <a:t>}}}</a:t>
-            </a:r>
-          </a:p>
-          <a:p>
-            <a:pPr eaLnBrk="1">
-              <a:defRPr/>
-            </a:pPr>
-            <a:r>
-              <a:rPr lang="en-US" sz="1800" b="1" dirty="0" smtClean="0">
-                <a:solidFill>
-                  <a:srgbClr val="808080"/>
-                </a:solidFill>
-                <a:latin typeface="Courier Final Draft" pitchFamily="49" charset="0"/>
-              </a:rPr>
-              <a:t>&lt;/</a:t>
-            </a:r>
-            <a:r>
-              <a:rPr lang="en-US" sz="1800" b="1" dirty="0">
-                <a:solidFill>
-                  <a:srgbClr val="808080"/>
-                </a:solidFill>
-                <a:latin typeface="Courier Final Draft" pitchFamily="49" charset="0"/>
-              </a:rPr>
-              <a:t>div</a:t>
-            </a:r>
-            <a:r>
-              <a:rPr lang="en-US" sz="1800" b="1" dirty="0" smtClean="0">
-                <a:solidFill>
-                  <a:srgbClr val="808080"/>
-                </a:solidFill>
-                <a:latin typeface="Courier Final Draft" pitchFamily="49" charset="0"/>
-              </a:rPr>
-              <a:t>&gt;</a:t>
-            </a:r>
-          </a:p>
-          <a:p>
-            <a:pPr eaLnBrk="1">
-              <a:defRPr/>
-            </a:pPr>
-            <a:endParaRPr lang="en-US" sz="1800" b="1" dirty="0">
-              <a:solidFill>
-                <a:srgbClr val="808080"/>
-              </a:solidFill>
-              <a:latin typeface="Courier Final Draft" pitchFamily="49" charset="0"/>
-            </a:endParaRPr>
-          </a:p>
-          <a:p>
-            <a:pPr eaLnBrk="1">
-              <a:defRPr/>
-            </a:pPr>
-            <a:endParaRPr lang="en-US" sz="1800" b="1" dirty="0" smtClean="0">
-              <a:solidFill>
-                <a:srgbClr val="808080"/>
-              </a:solidFill>
-              <a:latin typeface="Courier Final Draft" pitchFamily="49" charset="0"/>
-            </a:endParaRPr>
-          </a:p>
-          <a:p>
-            <a:pPr eaLnBrk="1">
-              <a:defRPr/>
-            </a:pPr>
-            <a:endParaRPr lang="en-US" sz="1800" b="1" dirty="0" smtClean="0">
-              <a:solidFill>
-                <a:srgbClr val="808080"/>
-              </a:solidFill>
-              <a:latin typeface="Courier Final Draft" pitchFamily="49" charset="0"/>
-            </a:endParaRPr>
-          </a:p>
-          <a:p>
-            <a:pPr eaLnBrk="1">
-              <a:defRPr/>
-            </a:pPr>
-            <a:endParaRPr lang="en-US" sz="1800" b="1" dirty="0">
-              <a:solidFill>
-                <a:srgbClr val="808080"/>
-              </a:solidFill>
-              <a:latin typeface="Courier Final Draft" pitchFamily="49" charset="0"/>
+            <a:endParaRPr kumimoji="0" lang="en-MY" sz="1800" b="0" i="0" u="none" strike="noStrike" cap="none" normalizeH="0" baseline="0">
+              <a:ln>
+                <a:noFill/>
+              </a:ln>
+              <a:effectLst/>
+              <a:latin typeface="Arial" charset="0"/>
+              <a:ea typeface="ＭＳ Ｐゴシック" charset="0"/>
+              <a:cs typeface="Arial Unicode MS" charset="0"/>
             </a:endParaRPr>
           </a:p>
         </p:txBody>
       </p:sp>
       <p:pic>
         <p:nvPicPr>
-          <p:cNvPr id="5" name="Picture 4" descr="D:\PRESENTATION_MATERIAL\LOGOS\banner_mongo-db-huge-logo.png"/>
+          <p:cNvPr id="3074" name="Picture 2"/>
           <p:cNvPicPr>
             <a:picLocks noChangeAspect="1" noChangeArrowheads="1"/>
           </p:cNvPicPr>
@@ -16536,58 +15297,51 @@
         </p:blipFill>
         <p:spPr bwMode="auto">
           <a:xfrm>
-            <a:off x="5256336" y="147717"/>
-            <a:ext cx="2497847" cy="805758"/>
+            <a:off x="2073275" y="198438"/>
+            <a:ext cx="5934075" cy="7161212"/>
           </a:xfrm>
           <a:prstGeom prst="rect">
             <a:avLst/>
           </a:prstGeom>
           <a:noFill/>
+          <a:ln>
+            <a:noFill/>
+          </a:ln>
+          <a:effectLst/>
           <a:extLst>
             <a:ext uri="{909E8E84-426E-40DD-AFC4-6F175D3DCCD1}">
               <a14:hiddenFill xmlns:a14="http://schemas.microsoft.com/office/drawing/2010/main">
                 <a:solidFill>
-                  <a:srgbClr val="FFFFFF"/>
+                  <a:schemeClr val="accent1"/>
                 </a:solidFill>
               </a14:hiddenFill>
+            </a:ext>
+            <a:ext uri="{91240B29-F687-4F45-9708-019B960494DF}">
+              <a14:hiddenLine xmlns:a14="http://schemas.microsoft.com/office/drawing/2010/main" w="9525">
+                <a:solidFill>
+                  <a:schemeClr val="tx1"/>
+                </a:solidFill>
+                <a:miter lim="800000"/>
+                <a:headEnd/>
+                <a:tailEnd/>
+              </a14:hiddenLine>
+            </a:ext>
+            <a:ext uri="{AF507438-7753-43E0-B8FC-AC1667EBCBE1}">
+              <a14:hiddenEffects xmlns:a14="http://schemas.microsoft.com/office/drawing/2010/main">
+                <a:effectLst>
+                  <a:outerShdw dist="35921" dir="2700000" algn="ctr" rotWithShape="0">
+                    <a:schemeClr val="bg2"/>
+                  </a:outerShdw>
+                </a:effectLst>
+              </a14:hiddenEffects>
             </a:ext>
           </a:extLst>
         </p:spPr>
       </p:pic>
-      <p:sp>
-        <p:nvSpPr>
-          <p:cNvPr id="6" name="TextBox 5"/>
-          <p:cNvSpPr txBox="1"/>
-          <p:nvPr/>
-        </p:nvSpPr>
-        <p:spPr>
-          <a:xfrm>
-            <a:off x="8064648" y="514552"/>
-            <a:ext cx="1680909" cy="384965"/>
-          </a:xfrm>
-          <a:prstGeom prst="rect">
-            <a:avLst/>
-          </a:prstGeom>
-          <a:noFill/>
-        </p:spPr>
-        <p:txBody>
-          <a:bodyPr wrap="none" rtlCol="0">
-            <a:spAutoFit/>
-          </a:bodyPr>
-          <a:lstStyle/>
-          <a:p>
-            <a:r>
-              <a:rPr lang="en-US" b="1" dirty="0" smtClean="0"/>
-              <a:t>PHP &amp; jQuery</a:t>
-            </a:r>
-            <a:endParaRPr lang="en-MY" b="1" dirty="0"/>
-          </a:p>
-        </p:txBody>
-      </p:sp>
     </p:spTree>
     <p:extLst>
       <p:ext uri="{BB962C8B-B14F-4D97-AF65-F5344CB8AC3E}">
-        <p14:creationId xmlns:p14="http://schemas.microsoft.com/office/powerpoint/2010/main" val="2563221971"/>
+        <p14:creationId xmlns:p14="http://schemas.microsoft.com/office/powerpoint/2010/main" val="763136010"/>
       </p:ext>
     </p:extLst>
   </p:cSld>
@@ -16642,9 +15396,76 @@
           <a:chExt cx="0" cy="0"/>
         </a:xfrm>
       </p:grpSpPr>
+      <p:sp>
+        <p:nvSpPr>
+          <p:cNvPr id="3" name="Rectangle 2"/>
+          <p:cNvSpPr/>
+          <p:nvPr/>
+        </p:nvSpPr>
+        <p:spPr bwMode="auto">
+          <a:xfrm>
+            <a:off x="-144264" y="-108595"/>
+            <a:ext cx="10369152" cy="7776864"/>
+          </a:xfrm>
+          <a:prstGeom prst="rect">
+            <a:avLst/>
+          </a:prstGeom>
+          <a:solidFill>
+            <a:srgbClr val="FAFAFA"/>
+          </a:solidFill>
+          <a:ln w="9525" cap="flat" cmpd="sng" algn="ctr">
+            <a:solidFill>
+              <a:schemeClr val="tx1"/>
+            </a:solidFill>
+            <a:prstDash val="solid"/>
+            <a:round/>
+            <a:headEnd type="none" w="med" len="med"/>
+            <a:tailEnd type="none" w="med" len="med"/>
+          </a:ln>
+          <a:effectLst/>
+          <a:extLst/>
+        </p:spPr>
+        <p:txBody>
+          <a:bodyPr vert="horz" wrap="square" lIns="91440" tIns="45720" rIns="91440" bIns="45720" numCol="1" rtlCol="0" anchor="t" anchorCtr="0" compatLnSpc="1">
+            <a:prstTxWarp prst="textNoShape">
+              <a:avLst/>
+            </a:prstTxWarp>
+          </a:bodyPr>
+          <a:lstStyle/>
+          <a:p>
+            <a:pPr marL="0" marR="0" indent="0" algn="l" defTabSz="449263" rtl="0" eaLnBrk="1" fontAlgn="base" latinLnBrk="0" hangingPunct="0">
+              <a:lnSpc>
+                <a:spcPct val="93000"/>
+              </a:lnSpc>
+              <a:spcBef>
+                <a:spcPct val="0"/>
+              </a:spcBef>
+              <a:spcAft>
+                <a:spcPct val="0"/>
+              </a:spcAft>
+              <a:buClr>
+                <a:srgbClr val="000000"/>
+              </a:buClr>
+              <a:buSzPct val="100000"/>
+              <a:buFont typeface="Times New Roman" charset="0"/>
+              <a:buNone/>
+              <a:tabLst/>
+            </a:pPr>
+            <a:endParaRPr kumimoji="0" lang="en-MY" sz="1800" b="0" i="0" u="none" strike="noStrike" cap="none" normalizeH="0" baseline="0">
+              <a:ln>
+                <a:noFill/>
+              </a:ln>
+              <a:effectLst/>
+              <a:latin typeface="Arial" charset="0"/>
+              <a:ea typeface="ＭＳ Ｐゴシック" charset="0"/>
+              <a:cs typeface="Arial Unicode MS" charset="0"/>
+            </a:endParaRPr>
+          </a:p>
+        </p:txBody>
+      </p:sp>
       <p:pic>
         <p:nvPicPr>
-          <p:cNvPr id="5" name="Picture 4" descr="D:\PRESENTATION_MATERIAL\LOGOS\banner_mongo-db-huge-logo.png"/>
+          <p:cNvPr id="4098" name="Picture 2"/>
           <p:cNvPicPr>
             <a:picLocks noChangeAspect="1" noChangeArrowheads="1"/>
           </p:cNvPicPr>
@@ -16665,258 +15486,51 @@
         </p:blipFill>
         <p:spPr bwMode="auto">
           <a:xfrm>
-            <a:off x="5256336" y="147717"/>
-            <a:ext cx="2497847" cy="805758"/>
+            <a:off x="2120900" y="841375"/>
+            <a:ext cx="5838825" cy="5876925"/>
           </a:xfrm>
           <a:prstGeom prst="rect">
             <a:avLst/>
           </a:prstGeom>
           <a:noFill/>
+          <a:ln>
+            <a:noFill/>
+          </a:ln>
+          <a:effectLst/>
           <a:extLst>
             <a:ext uri="{909E8E84-426E-40DD-AFC4-6F175D3DCCD1}">
               <a14:hiddenFill xmlns:a14="http://schemas.microsoft.com/office/drawing/2010/main">
                 <a:solidFill>
-                  <a:srgbClr val="FFFFFF"/>
+                  <a:schemeClr val="accent1"/>
                 </a:solidFill>
               </a14:hiddenFill>
             </a:ext>
-          </a:extLst>
-        </p:spPr>
-      </p:pic>
-      <p:sp>
-        <p:nvSpPr>
-          <p:cNvPr id="6" name="TextBox 5"/>
-          <p:cNvSpPr txBox="1"/>
-          <p:nvPr/>
-        </p:nvSpPr>
-        <p:spPr>
-          <a:xfrm>
-            <a:off x="8064648" y="514552"/>
-            <a:ext cx="1680909" cy="384965"/>
-          </a:xfrm>
-          <a:prstGeom prst="rect">
-            <a:avLst/>
-          </a:prstGeom>
-          <a:noFill/>
-        </p:spPr>
-        <p:txBody>
-          <a:bodyPr wrap="none" rtlCol="0">
-            <a:spAutoFit/>
-          </a:bodyPr>
-          <a:lstStyle/>
-          <a:p>
-            <a:r>
-              <a:rPr lang="en-US" b="1" dirty="0" smtClean="0"/>
-              <a:t>PHP &amp; jQuery</a:t>
-            </a:r>
-            <a:endParaRPr lang="en-MY" b="1" dirty="0"/>
-          </a:p>
-        </p:txBody>
-      </p:sp>
-      <p:pic>
-        <p:nvPicPr>
-          <p:cNvPr id="6146" name="Picture 2" descr="D:\PRESENTATION_MATERIAL\JSON\example.jpg"/>
-          <p:cNvPicPr>
-            <a:picLocks noChangeAspect="1" noChangeArrowheads="1"/>
-          </p:cNvPicPr>
-          <p:nvPr/>
-        </p:nvPicPr>
-        <p:blipFill>
-          <a:blip r:embed="rId4">
-            <a:extLst>
-              <a:ext uri="{28A0092B-C50C-407E-A947-70E740481C1C}">
-                <a14:useLocalDpi xmlns:a14="http://schemas.microsoft.com/office/drawing/2010/main" val="0"/>
-              </a:ext>
-            </a:extLst>
-          </a:blip>
-          <a:srcRect/>
-          <a:stretch>
-            <a:fillRect/>
-          </a:stretch>
-        </p:blipFill>
-        <p:spPr bwMode="auto">
-          <a:xfrm>
-            <a:off x="3744168" y="1294531"/>
-            <a:ext cx="5924550" cy="5581650"/>
-          </a:xfrm>
-          <a:prstGeom prst="rect">
-            <a:avLst/>
-          </a:prstGeom>
-          <a:noFill/>
-          <a:extLst>
-            <a:ext uri="{909E8E84-426E-40DD-AFC4-6F175D3DCCD1}">
-              <a14:hiddenFill xmlns:a14="http://schemas.microsoft.com/office/drawing/2010/main">
-                <a:solidFill>
-                  <a:srgbClr val="FFFFFF"/>
-                </a:solidFill>
-              </a14:hiddenFill>
+            <a:ext uri="{91240B29-F687-4F45-9708-019B960494DF}">
+              <a14:hiddenLine xmlns:a14="http://schemas.microsoft.com/office/drawing/2010/main" w="9525">
+                <a:solidFill>
+                  <a:schemeClr val="tx1"/>
+                </a:solidFill>
+                <a:miter lim="800000"/>
+                <a:headEnd/>
+                <a:tailEnd/>
+              </a14:hiddenLine>
             </a:ext>
-          </a:extLst>
-        </p:spPr>
-      </p:pic>
-      <p:sp>
-        <p:nvSpPr>
-          <p:cNvPr id="2" name="TextBox 1"/>
-          <p:cNvSpPr txBox="1"/>
-          <p:nvPr/>
-        </p:nvSpPr>
-        <p:spPr>
-          <a:xfrm>
-            <a:off x="359792" y="1403573"/>
-            <a:ext cx="3024336" cy="3384324"/>
-          </a:xfrm>
-          <a:prstGeom prst="rect">
-            <a:avLst/>
-          </a:prstGeom>
-          <a:noFill/>
-        </p:spPr>
-        <p:txBody>
-          <a:bodyPr wrap="square" rtlCol="0">
-            <a:spAutoFit/>
-          </a:bodyPr>
-          <a:lstStyle/>
-          <a:p>
-            <a:r>
-              <a:rPr lang="en-US" dirty="0" smtClean="0"/>
-              <a:t>This source code / example is also available on GitHub:</a:t>
-            </a:r>
-          </a:p>
-          <a:p>
-            <a:endParaRPr lang="en-US" dirty="0"/>
-          </a:p>
-          <a:p>
-            <a:r>
-              <a:rPr lang="en-MY" sz="1400" dirty="0">
-                <a:hlinkClick r:id="rId5"/>
-              </a:rPr>
-              <a:t>https://</a:t>
-            </a:r>
-            <a:r>
-              <a:rPr lang="en-MY" sz="1400" dirty="0" smtClean="0">
-                <a:hlinkClick r:id="rId5"/>
-              </a:rPr>
-              <a:t>github.com/r1dotmy/klmugs</a:t>
-            </a:r>
-            <a:endParaRPr lang="en-MY" sz="1400" dirty="0" smtClean="0"/>
-          </a:p>
-          <a:p>
-            <a:endParaRPr lang="en-US" dirty="0" smtClean="0"/>
-          </a:p>
-          <a:p>
-            <a:r>
-              <a:rPr lang="en-US" dirty="0" smtClean="0"/>
-              <a:t>It uses CDNJS to serve jQuery and Handlebars.js</a:t>
-            </a:r>
-          </a:p>
-          <a:p>
-            <a:endParaRPr lang="en-US" dirty="0"/>
-          </a:p>
-          <a:p>
-            <a:r>
-              <a:rPr lang="en-US" dirty="0" smtClean="0"/>
-              <a:t>If a POST request comes in, it echoes logic as JSON</a:t>
-            </a:r>
-          </a:p>
-          <a:p>
-            <a:endParaRPr lang="en-US" dirty="0"/>
-          </a:p>
-          <a:p>
-            <a:r>
-              <a:rPr lang="en-US" dirty="0" smtClean="0"/>
-              <a:t>jQuery fetches content via AJAX and updates DOM</a:t>
-            </a:r>
-            <a:endParaRPr lang="en-MY" dirty="0"/>
-          </a:p>
-        </p:txBody>
-      </p:sp>
-      <p:sp>
-        <p:nvSpPr>
-          <p:cNvPr id="3" name="Bent Arrow 2"/>
-          <p:cNvSpPr/>
-          <p:nvPr/>
-        </p:nvSpPr>
-        <p:spPr bwMode="auto">
-          <a:xfrm rot="10800000" flipH="1">
-            <a:off x="1511920" y="4931965"/>
-            <a:ext cx="1224136" cy="1728192"/>
-          </a:xfrm>
-          <a:prstGeom prst="bentArrow">
-            <a:avLst>
-              <a:gd name="adj1" fmla="val 25000"/>
-              <a:gd name="adj2" fmla="val 24222"/>
-              <a:gd name="adj3" fmla="val 25000"/>
-              <a:gd name="adj4" fmla="val 43750"/>
-            </a:avLst>
-          </a:prstGeom>
-          <a:solidFill>
-            <a:srgbClr val="00B8FF"/>
-          </a:solidFill>
-          <a:ln w="9525" cap="flat" cmpd="sng" algn="ctr">
-            <a:solidFill>
-              <a:schemeClr val="tx1"/>
-            </a:solidFill>
-            <a:prstDash val="solid"/>
-            <a:round/>
-            <a:headEnd type="none" w="med" len="med"/>
-            <a:tailEnd type="none" w="med" len="med"/>
-          </a:ln>
-          <a:effectLst/>
-          <a:extLst>
             <a:ext uri="{AF507438-7753-43E0-B8FC-AC1667EBCBE1}">
               <a14:hiddenEffects xmlns:a14="http://schemas.microsoft.com/office/drawing/2010/main">
                 <a:effectLst>
-                  <a:outerShdw blurRad="63500" dist="38099" dir="2700000" algn="ctr" rotWithShape="0">
-                    <a:schemeClr val="bg2">
-                      <a:alpha val="74998"/>
-                    </a:schemeClr>
+                  <a:outerShdw dist="35921" dir="2700000" algn="ctr" rotWithShape="0">
+                    <a:schemeClr val="bg2"/>
                   </a:outerShdw>
                 </a:effectLst>
               </a14:hiddenEffects>
             </a:ext>
           </a:extLst>
         </p:spPr>
-        <p:txBody>
-          <a:bodyPr vert="horz" wrap="square" lIns="91440" tIns="45720" rIns="91440" bIns="45720" numCol="1" rtlCol="0" anchor="t" anchorCtr="0" compatLnSpc="1">
-            <a:prstTxWarp prst="textNoShape">
-              <a:avLst/>
-            </a:prstTxWarp>
-          </a:bodyPr>
-          <a:lstStyle/>
-          <a:p>
-            <a:pPr marL="0" marR="0" indent="0" algn="l" defTabSz="449263" rtl="0" eaLnBrk="1" fontAlgn="base" latinLnBrk="0" hangingPunct="0">
-              <a:lnSpc>
-                <a:spcPct val="93000"/>
-              </a:lnSpc>
-              <a:spcBef>
-                <a:spcPct val="0"/>
-              </a:spcBef>
-              <a:spcAft>
-                <a:spcPct val="0"/>
-              </a:spcAft>
-              <a:buClr>
-                <a:srgbClr val="000000"/>
-              </a:buClr>
-              <a:buSzPct val="100000"/>
-              <a:buFont typeface="Times New Roman" charset="0"/>
-              <a:buNone/>
-              <a:tabLst/>
-            </a:pPr>
-            <a:endParaRPr kumimoji="0" lang="en-MY" sz="1800" b="0" i="0" u="none" strike="noStrike" cap="none" normalizeH="0" baseline="0">
-              <a:ln>
-                <a:noFill/>
-              </a:ln>
-              <a:effectLst/>
-              <a:latin typeface="Arial" charset="0"/>
-              <a:ea typeface="ＭＳ Ｐゴシック" charset="0"/>
-              <a:cs typeface="Arial Unicode MS" charset="0"/>
-            </a:endParaRPr>
-          </a:p>
-        </p:txBody>
-      </p:sp>
+      </p:pic>
     </p:spTree>
     <p:extLst>
       <p:ext uri="{BB962C8B-B14F-4D97-AF65-F5344CB8AC3E}">
-        <p14:creationId xmlns:p14="http://schemas.microsoft.com/office/powerpoint/2010/main" val="2975887027"/>
+        <p14:creationId xmlns:p14="http://schemas.microsoft.com/office/powerpoint/2010/main" val="3034030988"/>
       </p:ext>
     </p:extLst>
   </p:cSld>
@@ -16973,175 +15587,42 @@
       </p:grpSpPr>
       <p:sp>
         <p:nvSpPr>
-          <p:cNvPr id="3073" name="Text Box 1"/>
-          <p:cNvSpPr txBox="1">
-            <a:spLocks noChangeArrowheads="1"/>
-          </p:cNvSpPr>
+          <p:cNvPr id="3" name="Rectangle 2"/>
+          <p:cNvSpPr/>
           <p:nvPr/>
         </p:nvSpPr>
         <p:spPr bwMode="auto">
           <a:xfrm>
-            <a:off x="287784" y="3168351"/>
-            <a:ext cx="9649072" cy="2555702"/>
+            <a:off x="-144264" y="-108595"/>
+            <a:ext cx="10369152" cy="7776864"/>
           </a:xfrm>
           <a:prstGeom prst="rect">
             <a:avLst/>
           </a:prstGeom>
-          <a:noFill/>
-          <a:ln>
-            <a:noFill/>
+          <a:solidFill>
+            <a:srgbClr val="FAFAFA"/>
+          </a:solidFill>
+          <a:ln w="9525" cap="flat" cmpd="sng" algn="ctr">
+            <a:solidFill>
+              <a:schemeClr val="tx1"/>
+            </a:solidFill>
+            <a:prstDash val="solid"/>
+            <a:round/>
+            <a:headEnd type="none" w="med" len="med"/>
+            <a:tailEnd type="none" w="med" len="med"/>
           </a:ln>
           <a:effectLst/>
-          <a:extLst>
-            <a:ext uri="{909E8E84-426E-40DD-AFC4-6F175D3DCCD1}">
-              <a14:hiddenFill xmlns:a14="http://schemas.microsoft.com/office/drawing/2010/main">
-                <a:solidFill>
-                  <a:srgbClr val="FFFFFF"/>
-                </a:solidFill>
-              </a14:hiddenFill>
-            </a:ext>
-            <a:ext uri="{91240B29-F687-4F45-9708-019B960494DF}">
-              <a14:hiddenLine xmlns:a14="http://schemas.microsoft.com/office/drawing/2010/main" w="9525">
-                <a:solidFill>
-                  <a:srgbClr val="000000"/>
-                </a:solidFill>
-                <a:round/>
-                <a:headEnd/>
-                <a:tailEnd/>
-              </a14:hiddenLine>
-            </a:ext>
-            <a:ext uri="{AF507438-7753-43E0-B8FC-AC1667EBCBE1}">
-              <a14:hiddenEffects xmlns:a14="http://schemas.microsoft.com/office/drawing/2010/main">
-                <a:effectLst>
-                  <a:outerShdw blurRad="63500" dist="38099" dir="2700000" algn="ctr" rotWithShape="0">
-                    <a:srgbClr val="000000">
-                      <a:alpha val="74998"/>
-                    </a:srgbClr>
-                  </a:outerShdw>
-                </a:effectLst>
-              </a14:hiddenEffects>
-            </a:ext>
-          </a:extLst>
+          <a:extLst/>
         </p:spPr>
         <p:txBody>
-          <a:bodyPr lIns="0" tIns="15876" rIns="0" bIns="0" anchor="ctr"/>
-          <a:lstStyle>
-            <a:lvl1pPr eaLnBrk="0">
-              <a:tabLst>
-                <a:tab pos="723900" algn="l"/>
-                <a:tab pos="1447800" algn="l"/>
-                <a:tab pos="2171700" algn="l"/>
-                <a:tab pos="2895600" algn="l"/>
-                <a:tab pos="3619500" algn="l"/>
-                <a:tab pos="4343400" algn="l"/>
-                <a:tab pos="5067300" algn="l"/>
-                <a:tab pos="5791200" algn="l"/>
-                <a:tab pos="6515100" algn="l"/>
-                <a:tab pos="7239000" algn="l"/>
-                <a:tab pos="7962900" algn="l"/>
-                <a:tab pos="8686800" algn="l"/>
-              </a:tabLst>
-              <a:defRPr sz="2400">
-                <a:solidFill>
-                  <a:schemeClr val="tx1"/>
-                </a:solidFill>
-                <a:latin typeface="Arial" charset="0"/>
-                <a:ea typeface="ＭＳ Ｐゴシック" pitchFamily="34" charset="-128"/>
-              </a:defRPr>
-            </a:lvl1pPr>
-            <a:lvl2pPr eaLnBrk="0">
-              <a:tabLst>
-                <a:tab pos="723900" algn="l"/>
-                <a:tab pos="1447800" algn="l"/>
-                <a:tab pos="2171700" algn="l"/>
-                <a:tab pos="2895600" algn="l"/>
-                <a:tab pos="3619500" algn="l"/>
-                <a:tab pos="4343400" algn="l"/>
-                <a:tab pos="5067300" algn="l"/>
-                <a:tab pos="5791200" algn="l"/>
-                <a:tab pos="6515100" algn="l"/>
-                <a:tab pos="7239000" algn="l"/>
-                <a:tab pos="7962900" algn="l"/>
-                <a:tab pos="8686800" algn="l"/>
-              </a:tabLst>
-              <a:defRPr sz="2400">
-                <a:solidFill>
-                  <a:schemeClr val="tx1"/>
-                </a:solidFill>
-                <a:latin typeface="Arial" charset="0"/>
-                <a:ea typeface="ＭＳ Ｐゴシック" pitchFamily="34" charset="-128"/>
-              </a:defRPr>
-            </a:lvl2pPr>
-            <a:lvl3pPr eaLnBrk="0">
-              <a:tabLst>
-                <a:tab pos="723900" algn="l"/>
-                <a:tab pos="1447800" algn="l"/>
-                <a:tab pos="2171700" algn="l"/>
-                <a:tab pos="2895600" algn="l"/>
-                <a:tab pos="3619500" algn="l"/>
-                <a:tab pos="4343400" algn="l"/>
-                <a:tab pos="5067300" algn="l"/>
-                <a:tab pos="5791200" algn="l"/>
-                <a:tab pos="6515100" algn="l"/>
-                <a:tab pos="7239000" algn="l"/>
-                <a:tab pos="7962900" algn="l"/>
-                <a:tab pos="8686800" algn="l"/>
-              </a:tabLst>
-              <a:defRPr sz="2400">
-                <a:solidFill>
-                  <a:schemeClr val="tx1"/>
-                </a:solidFill>
-                <a:latin typeface="Arial" charset="0"/>
-                <a:ea typeface="ＭＳ Ｐゴシック" pitchFamily="34" charset="-128"/>
-              </a:defRPr>
-            </a:lvl3pPr>
-            <a:lvl4pPr eaLnBrk="0">
-              <a:tabLst>
-                <a:tab pos="723900" algn="l"/>
-                <a:tab pos="1447800" algn="l"/>
-                <a:tab pos="2171700" algn="l"/>
-                <a:tab pos="2895600" algn="l"/>
-                <a:tab pos="3619500" algn="l"/>
-                <a:tab pos="4343400" algn="l"/>
-                <a:tab pos="5067300" algn="l"/>
-                <a:tab pos="5791200" algn="l"/>
-                <a:tab pos="6515100" algn="l"/>
-                <a:tab pos="7239000" algn="l"/>
-                <a:tab pos="7962900" algn="l"/>
-                <a:tab pos="8686800" algn="l"/>
-              </a:tabLst>
-              <a:defRPr sz="2400">
-                <a:solidFill>
-                  <a:schemeClr val="tx1"/>
-                </a:solidFill>
-                <a:latin typeface="Arial" charset="0"/>
-                <a:ea typeface="ＭＳ Ｐゴシック" pitchFamily="34" charset="-128"/>
-              </a:defRPr>
-            </a:lvl4pPr>
-            <a:lvl5pPr eaLnBrk="0">
-              <a:tabLst>
-                <a:tab pos="723900" algn="l"/>
-                <a:tab pos="1447800" algn="l"/>
-                <a:tab pos="2171700" algn="l"/>
-                <a:tab pos="2895600" algn="l"/>
-                <a:tab pos="3619500" algn="l"/>
-                <a:tab pos="4343400" algn="l"/>
-                <a:tab pos="5067300" algn="l"/>
-                <a:tab pos="5791200" algn="l"/>
-                <a:tab pos="6515100" algn="l"/>
-                <a:tab pos="7239000" algn="l"/>
-                <a:tab pos="7962900" algn="l"/>
-                <a:tab pos="8686800" algn="l"/>
-              </a:tabLst>
-              <a:defRPr sz="2400">
-                <a:solidFill>
-                  <a:schemeClr val="tx1"/>
-                </a:solidFill>
-                <a:latin typeface="Arial" charset="0"/>
-                <a:ea typeface="ＭＳ Ｐゴシック" pitchFamily="34" charset="-128"/>
-              </a:defRPr>
-            </a:lvl5pPr>
-            <a:lvl6pPr marL="2514600" indent="-228600" defTabSz="449263" eaLnBrk="0" fontAlgn="base" hangingPunct="0">
+          <a:bodyPr vert="horz" wrap="square" lIns="91440" tIns="45720" rIns="91440" bIns="45720" numCol="1" rtlCol="0" anchor="t" anchorCtr="0" compatLnSpc="1">
+            <a:prstTxWarp prst="textNoShape">
+              <a:avLst/>
+            </a:prstTxWarp>
+          </a:bodyPr>
+          <a:lstStyle/>
+          <a:p>
+            <a:pPr marL="0" marR="0" indent="0" algn="l" defTabSz="449263" rtl="0" eaLnBrk="1" fontAlgn="base" latinLnBrk="0" hangingPunct="0">
               <a:lnSpc>
                 <a:spcPct val="93000"/>
               </a:lnSpc>
@@ -17155,844 +15636,25 @@
                 <a:srgbClr val="000000"/>
               </a:buClr>
               <a:buSzPct val="100000"/>
-              <a:buFont typeface="Times New Roman" pitchFamily="18" charset="0"/>
-              <a:tabLst>
-                <a:tab pos="723900" algn="l"/>
-                <a:tab pos="1447800" algn="l"/>
-                <a:tab pos="2171700" algn="l"/>
-                <a:tab pos="2895600" algn="l"/>
-                <a:tab pos="3619500" algn="l"/>
-                <a:tab pos="4343400" algn="l"/>
-                <a:tab pos="5067300" algn="l"/>
-                <a:tab pos="5791200" algn="l"/>
-                <a:tab pos="6515100" algn="l"/>
-                <a:tab pos="7239000" algn="l"/>
-                <a:tab pos="7962900" algn="l"/>
-                <a:tab pos="8686800" algn="l"/>
-              </a:tabLst>
-              <a:defRPr sz="2400">
-                <a:solidFill>
-                  <a:schemeClr val="tx1"/>
-                </a:solidFill>
-                <a:latin typeface="Arial" charset="0"/>
-                <a:ea typeface="ＭＳ Ｐゴシック" pitchFamily="34" charset="-128"/>
-              </a:defRPr>
-            </a:lvl6pPr>
-            <a:lvl7pPr marL="2971800" indent="-228600" defTabSz="449263" eaLnBrk="0" fontAlgn="base" hangingPunct="0">
-              <a:lnSpc>
-                <a:spcPct val="93000"/>
-              </a:lnSpc>
-              <a:spcBef>
-                <a:spcPct val="0"/>
-              </a:spcBef>
-              <a:spcAft>
-                <a:spcPct val="0"/>
-              </a:spcAft>
-              <a:buClr>
-                <a:srgbClr val="000000"/>
-              </a:buClr>
-              <a:buSzPct val="100000"/>
-              <a:buFont typeface="Times New Roman" pitchFamily="18" charset="0"/>
-              <a:tabLst>
-                <a:tab pos="723900" algn="l"/>
-                <a:tab pos="1447800" algn="l"/>
-                <a:tab pos="2171700" algn="l"/>
-                <a:tab pos="2895600" algn="l"/>
-                <a:tab pos="3619500" algn="l"/>
-                <a:tab pos="4343400" algn="l"/>
-                <a:tab pos="5067300" algn="l"/>
-                <a:tab pos="5791200" algn="l"/>
-                <a:tab pos="6515100" algn="l"/>
-                <a:tab pos="7239000" algn="l"/>
-                <a:tab pos="7962900" algn="l"/>
-                <a:tab pos="8686800" algn="l"/>
-              </a:tabLst>
-              <a:defRPr sz="2400">
-                <a:solidFill>
-                  <a:schemeClr val="tx1"/>
-                </a:solidFill>
-                <a:latin typeface="Arial" charset="0"/>
-                <a:ea typeface="ＭＳ Ｐゴシック" pitchFamily="34" charset="-128"/>
-              </a:defRPr>
-            </a:lvl7pPr>
-            <a:lvl8pPr marL="3429000" indent="-228600" defTabSz="449263" eaLnBrk="0" fontAlgn="base" hangingPunct="0">
-              <a:lnSpc>
-                <a:spcPct val="93000"/>
-              </a:lnSpc>
-              <a:spcBef>
-                <a:spcPct val="0"/>
-              </a:spcBef>
-              <a:spcAft>
-                <a:spcPct val="0"/>
-              </a:spcAft>
-              <a:buClr>
-                <a:srgbClr val="000000"/>
-              </a:buClr>
-              <a:buSzPct val="100000"/>
-              <a:buFont typeface="Times New Roman" pitchFamily="18" charset="0"/>
-              <a:tabLst>
-                <a:tab pos="723900" algn="l"/>
-                <a:tab pos="1447800" algn="l"/>
-                <a:tab pos="2171700" algn="l"/>
-                <a:tab pos="2895600" algn="l"/>
-                <a:tab pos="3619500" algn="l"/>
-                <a:tab pos="4343400" algn="l"/>
-                <a:tab pos="5067300" algn="l"/>
-                <a:tab pos="5791200" algn="l"/>
-                <a:tab pos="6515100" algn="l"/>
-                <a:tab pos="7239000" algn="l"/>
-                <a:tab pos="7962900" algn="l"/>
-                <a:tab pos="8686800" algn="l"/>
-              </a:tabLst>
-              <a:defRPr sz="2400">
-                <a:solidFill>
-                  <a:schemeClr val="tx1"/>
-                </a:solidFill>
-                <a:latin typeface="Arial" charset="0"/>
-                <a:ea typeface="ＭＳ Ｐゴシック" pitchFamily="34" charset="-128"/>
-              </a:defRPr>
-            </a:lvl8pPr>
-            <a:lvl9pPr marL="3886200" indent="-228600" defTabSz="449263" eaLnBrk="0" fontAlgn="base" hangingPunct="0">
-              <a:lnSpc>
-                <a:spcPct val="93000"/>
-              </a:lnSpc>
-              <a:spcBef>
-                <a:spcPct val="0"/>
-              </a:spcBef>
-              <a:spcAft>
-                <a:spcPct val="0"/>
-              </a:spcAft>
-              <a:buClr>
-                <a:srgbClr val="000000"/>
-              </a:buClr>
-              <a:buSzPct val="100000"/>
-              <a:buFont typeface="Times New Roman" pitchFamily="18" charset="0"/>
-              <a:tabLst>
-                <a:tab pos="723900" algn="l"/>
-                <a:tab pos="1447800" algn="l"/>
-                <a:tab pos="2171700" algn="l"/>
-                <a:tab pos="2895600" algn="l"/>
-                <a:tab pos="3619500" algn="l"/>
-                <a:tab pos="4343400" algn="l"/>
-                <a:tab pos="5067300" algn="l"/>
-                <a:tab pos="5791200" algn="l"/>
-                <a:tab pos="6515100" algn="l"/>
-                <a:tab pos="7239000" algn="l"/>
-                <a:tab pos="7962900" algn="l"/>
-                <a:tab pos="8686800" algn="l"/>
-              </a:tabLst>
-              <a:defRPr sz="2400">
-                <a:solidFill>
-                  <a:schemeClr val="tx1"/>
-                </a:solidFill>
-                <a:latin typeface="Arial" charset="0"/>
-                <a:ea typeface="ＭＳ Ｐゴシック" pitchFamily="34" charset="-128"/>
-              </a:defRPr>
-            </a:lvl9pPr>
-          </a:lstStyle>
-          <a:p>
-            <a:pPr eaLnBrk="1">
-              <a:defRPr/>
+              <a:buFont typeface="Times New Roman" charset="0"/>
+              <a:buNone/>
+              <a:tabLst/>
             </a:pPr>
-            <a:r>
-              <a:rPr lang="en-US" sz="1800" b="1" dirty="0" smtClean="0">
-                <a:solidFill>
-                  <a:srgbClr val="808080"/>
-                </a:solidFill>
-                <a:latin typeface="Courier Final Draft" pitchFamily="49" charset="0"/>
-              </a:rPr>
-              <a:t>&lt;html </a:t>
-            </a:r>
-            <a:r>
-              <a:rPr lang="en-US" sz="1800" b="1" dirty="0" err="1" smtClean="0">
-                <a:solidFill>
-                  <a:srgbClr val="808080"/>
-                </a:solidFill>
-                <a:latin typeface="Courier Final Draft" pitchFamily="49" charset="0"/>
-              </a:rPr>
-              <a:t>ng</a:t>
-            </a:r>
-            <a:r>
-              <a:rPr lang="en-US" sz="1800" b="1" dirty="0" smtClean="0">
-                <a:solidFill>
-                  <a:srgbClr val="808080"/>
-                </a:solidFill>
-                <a:latin typeface="Courier Final Draft" pitchFamily="49" charset="0"/>
-              </a:rPr>
-              <a:t>-app&gt;</a:t>
-            </a:r>
-          </a:p>
-          <a:p>
-            <a:pPr eaLnBrk="1">
-              <a:defRPr/>
-            </a:pPr>
-            <a:r>
-              <a:rPr lang="en-US" sz="1800" b="1" dirty="0" smtClean="0">
-                <a:solidFill>
-                  <a:srgbClr val="808080"/>
-                </a:solidFill>
-                <a:latin typeface="Courier Final Draft" pitchFamily="49" charset="0"/>
-              </a:rPr>
-              <a:t>&lt;head&gt;&lt;script</a:t>
-            </a:r>
-            <a:r>
-              <a:rPr lang="en-US" sz="1800" b="1" dirty="0">
-                <a:solidFill>
-                  <a:srgbClr val="808080"/>
-                </a:solidFill>
-                <a:latin typeface="Courier Final Draft" pitchFamily="49" charset="0"/>
-              </a:rPr>
-              <a:t>&gt;</a:t>
-            </a:r>
-          </a:p>
-          <a:p>
-            <a:pPr eaLnBrk="1">
-              <a:defRPr/>
-            </a:pPr>
-            <a:endParaRPr lang="en-US" sz="1800" b="1" dirty="0">
-              <a:solidFill>
-                <a:srgbClr val="808080"/>
-              </a:solidFill>
-              <a:latin typeface="Courier Final Draft" pitchFamily="49" charset="0"/>
-            </a:endParaRPr>
-          </a:p>
-          <a:p>
-            <a:pPr eaLnBrk="1">
-              <a:defRPr/>
-            </a:pPr>
-            <a:r>
-              <a:rPr lang="en-US" sz="1800" b="1" dirty="0">
-                <a:solidFill>
-                  <a:srgbClr val="808080"/>
-                </a:solidFill>
-                <a:latin typeface="Courier Final Draft" pitchFamily="49" charset="0"/>
-              </a:rPr>
-              <a:t>    function </a:t>
-            </a:r>
-            <a:r>
-              <a:rPr lang="en-US" sz="1800" b="1" dirty="0" err="1">
-                <a:solidFill>
-                  <a:srgbClr val="808080"/>
-                </a:solidFill>
-                <a:latin typeface="Courier Final Draft" pitchFamily="49" charset="0"/>
-              </a:rPr>
-              <a:t>AngularBlog</a:t>
-            </a:r>
-            <a:r>
-              <a:rPr lang="en-US" sz="1800" b="1" dirty="0">
-                <a:solidFill>
-                  <a:srgbClr val="808080"/>
-                </a:solidFill>
-                <a:latin typeface="Courier Final Draft" pitchFamily="49" charset="0"/>
-              </a:rPr>
-              <a:t>($scope) {</a:t>
-            </a:r>
-          </a:p>
-          <a:p>
-            <a:pPr eaLnBrk="1">
-              <a:defRPr/>
-            </a:pPr>
-            <a:r>
-              <a:rPr lang="en-US" sz="1800" b="1" dirty="0">
-                <a:solidFill>
-                  <a:srgbClr val="808080"/>
-                </a:solidFill>
-                <a:latin typeface="Courier Final Draft" pitchFamily="49" charset="0"/>
-              </a:rPr>
-              <a:t>		$</a:t>
-            </a:r>
-            <a:r>
-              <a:rPr lang="en-US" sz="1800" b="1" dirty="0" err="1">
-                <a:solidFill>
-                  <a:srgbClr val="808080"/>
-                </a:solidFill>
-                <a:latin typeface="Courier Final Draft" pitchFamily="49" charset="0"/>
-              </a:rPr>
-              <a:t>scope.posts</a:t>
-            </a:r>
-            <a:r>
-              <a:rPr lang="en-US" sz="1800" b="1" dirty="0">
-                <a:solidFill>
-                  <a:srgbClr val="808080"/>
-                </a:solidFill>
-                <a:latin typeface="Courier Final Draft" pitchFamily="49" charset="0"/>
-              </a:rPr>
-              <a:t> = [];</a:t>
-            </a:r>
-          </a:p>
-          <a:p>
-            <a:pPr eaLnBrk="1">
-              <a:defRPr/>
-            </a:pPr>
-            <a:r>
-              <a:rPr lang="en-US" sz="1800" b="1" dirty="0">
-                <a:solidFill>
-                  <a:srgbClr val="808080"/>
-                </a:solidFill>
-                <a:latin typeface="Courier Final Draft" pitchFamily="49" charset="0"/>
-              </a:rPr>
-              <a:t>		&lt;?</a:t>
-            </a:r>
-            <a:r>
-              <a:rPr lang="en-US" sz="1800" b="1" dirty="0" err="1">
-                <a:solidFill>
-                  <a:srgbClr val="808080"/>
-                </a:solidFill>
-                <a:latin typeface="Courier Final Draft" pitchFamily="49" charset="0"/>
-              </a:rPr>
-              <a:t>php</a:t>
-            </a:r>
-            <a:r>
-              <a:rPr lang="en-US" sz="1800" b="1" dirty="0">
-                <a:solidFill>
-                  <a:srgbClr val="808080"/>
-                </a:solidFill>
-                <a:latin typeface="Courier Final Draft" pitchFamily="49" charset="0"/>
-              </a:rPr>
-              <a:t> </a:t>
-            </a:r>
-            <a:r>
-              <a:rPr lang="en-US" sz="1800" b="1" dirty="0" err="1">
-                <a:solidFill>
-                  <a:srgbClr val="808080"/>
-                </a:solidFill>
-                <a:latin typeface="Courier Final Draft" pitchFamily="49" charset="0"/>
-              </a:rPr>
-              <a:t>foreach</a:t>
-            </a:r>
-            <a:r>
-              <a:rPr lang="en-US" sz="1800" b="1" dirty="0">
-                <a:solidFill>
-                  <a:srgbClr val="808080"/>
-                </a:solidFill>
-                <a:latin typeface="Courier Final Draft" pitchFamily="49" charset="0"/>
-              </a:rPr>
-              <a:t>($results as $result){ ?&gt;</a:t>
-            </a:r>
-          </a:p>
-          <a:p>
-            <a:pPr eaLnBrk="1">
-              <a:defRPr/>
-            </a:pPr>
-            <a:endParaRPr lang="en-US" sz="1800" b="1" dirty="0">
-              <a:solidFill>
-                <a:srgbClr val="808080"/>
-              </a:solidFill>
-              <a:latin typeface="Courier Final Draft" pitchFamily="49" charset="0"/>
-            </a:endParaRPr>
-          </a:p>
-          <a:p>
-            <a:pPr eaLnBrk="1">
-              <a:defRPr/>
-            </a:pPr>
-            <a:r>
-              <a:rPr lang="en-US" sz="1800" b="1" dirty="0">
-                <a:solidFill>
-                  <a:srgbClr val="808080"/>
-                </a:solidFill>
-                <a:latin typeface="Courier Final Draft" pitchFamily="49" charset="0"/>
-              </a:rPr>
-              <a:t>			$</a:t>
-            </a:r>
-            <a:r>
-              <a:rPr lang="en-US" sz="1800" b="1" dirty="0" err="1">
-                <a:solidFill>
-                  <a:srgbClr val="808080"/>
-                </a:solidFill>
-                <a:latin typeface="Courier Final Draft" pitchFamily="49" charset="0"/>
-              </a:rPr>
-              <a:t>scope.posts.push</a:t>
-            </a:r>
-            <a:r>
-              <a:rPr lang="en-US" sz="1800" b="1" dirty="0">
-                <a:solidFill>
-                  <a:srgbClr val="808080"/>
-                </a:solidFill>
-                <a:latin typeface="Courier Final Draft" pitchFamily="49" charset="0"/>
-              </a:rPr>
-              <a:t>({</a:t>
-            </a:r>
-          </a:p>
-          <a:p>
-            <a:pPr eaLnBrk="1">
-              <a:defRPr/>
-            </a:pPr>
-            <a:r>
-              <a:rPr lang="en-US" sz="1800" b="1" dirty="0">
-                <a:solidFill>
-                  <a:srgbClr val="808080"/>
-                </a:solidFill>
-                <a:latin typeface="Courier Final Draft" pitchFamily="49" charset="0"/>
-              </a:rPr>
-              <a:t>				title: "&lt;?</a:t>
-            </a:r>
-            <a:r>
-              <a:rPr lang="en-US" sz="1800" b="1" dirty="0" err="1">
-                <a:solidFill>
-                  <a:srgbClr val="808080"/>
-                </a:solidFill>
-                <a:latin typeface="Courier Final Draft" pitchFamily="49" charset="0"/>
-              </a:rPr>
-              <a:t>php</a:t>
-            </a:r>
-            <a:r>
-              <a:rPr lang="en-US" sz="1800" b="1" dirty="0">
-                <a:solidFill>
-                  <a:srgbClr val="808080"/>
-                </a:solidFill>
-                <a:latin typeface="Courier Final Draft" pitchFamily="49" charset="0"/>
-              </a:rPr>
-              <a:t> echo $result['title']; ?&gt;",</a:t>
-            </a:r>
-          </a:p>
-          <a:p>
-            <a:pPr eaLnBrk="1">
-              <a:defRPr/>
-            </a:pPr>
-            <a:r>
-              <a:rPr lang="en-US" sz="1800" b="1" dirty="0">
-                <a:solidFill>
-                  <a:srgbClr val="808080"/>
-                </a:solidFill>
-                <a:latin typeface="Courier Final Draft" pitchFamily="49" charset="0"/>
-              </a:rPr>
-              <a:t>				content: "&lt;?</a:t>
-            </a:r>
-            <a:r>
-              <a:rPr lang="en-US" sz="1800" b="1" dirty="0" err="1">
-                <a:solidFill>
-                  <a:srgbClr val="808080"/>
-                </a:solidFill>
-                <a:latin typeface="Courier Final Draft" pitchFamily="49" charset="0"/>
-              </a:rPr>
-              <a:t>php</a:t>
-            </a:r>
-            <a:r>
-              <a:rPr lang="en-US" sz="1800" b="1" dirty="0">
-                <a:solidFill>
-                  <a:srgbClr val="808080"/>
-                </a:solidFill>
-                <a:latin typeface="Courier Final Draft" pitchFamily="49" charset="0"/>
-              </a:rPr>
-              <a:t> echo $result['content']; ?&gt;"</a:t>
-            </a:r>
-          </a:p>
-          <a:p>
-            <a:pPr eaLnBrk="1">
-              <a:defRPr/>
-            </a:pPr>
-            <a:r>
-              <a:rPr lang="en-US" sz="1800" b="1" dirty="0">
-                <a:solidFill>
-                  <a:srgbClr val="808080"/>
-                </a:solidFill>
-                <a:latin typeface="Courier Final Draft" pitchFamily="49" charset="0"/>
-              </a:rPr>
-              <a:t>			});</a:t>
-            </a:r>
-          </a:p>
-          <a:p>
-            <a:pPr eaLnBrk="1">
-              <a:defRPr/>
-            </a:pPr>
-            <a:endParaRPr lang="en-US" sz="1800" b="1" dirty="0">
-              <a:solidFill>
-                <a:srgbClr val="808080"/>
-              </a:solidFill>
-              <a:latin typeface="Courier Final Draft" pitchFamily="49" charset="0"/>
-            </a:endParaRPr>
-          </a:p>
-          <a:p>
-            <a:pPr eaLnBrk="1">
-              <a:defRPr/>
-            </a:pPr>
-            <a:r>
-              <a:rPr lang="en-US" sz="1800" b="1" dirty="0">
-                <a:solidFill>
-                  <a:srgbClr val="808080"/>
-                </a:solidFill>
-                <a:latin typeface="Courier Final Draft" pitchFamily="49" charset="0"/>
-              </a:rPr>
-              <a:t>		&lt;?</a:t>
-            </a:r>
-            <a:r>
-              <a:rPr lang="en-US" sz="1800" b="1" dirty="0" err="1">
-                <a:solidFill>
-                  <a:srgbClr val="808080"/>
-                </a:solidFill>
-                <a:latin typeface="Courier Final Draft" pitchFamily="49" charset="0"/>
-              </a:rPr>
-              <a:t>php</a:t>
-            </a:r>
-            <a:r>
-              <a:rPr lang="en-US" sz="1800" b="1" dirty="0">
-                <a:solidFill>
-                  <a:srgbClr val="808080"/>
-                </a:solidFill>
-                <a:latin typeface="Courier Final Draft" pitchFamily="49" charset="0"/>
-              </a:rPr>
-              <a:t> } ?&gt;</a:t>
-            </a:r>
-          </a:p>
-          <a:p>
-            <a:pPr eaLnBrk="1">
-              <a:defRPr/>
-            </a:pPr>
-            <a:r>
-              <a:rPr lang="en-US" sz="1800" b="1" dirty="0">
-                <a:solidFill>
-                  <a:srgbClr val="808080"/>
-                </a:solidFill>
-                <a:latin typeface="Courier Final Draft" pitchFamily="49" charset="0"/>
-              </a:rPr>
-              <a:t>    };</a:t>
-            </a:r>
-          </a:p>
-          <a:p>
-            <a:pPr eaLnBrk="1">
-              <a:defRPr/>
-            </a:pPr>
-            <a:endParaRPr lang="en-US" sz="1800" b="1" dirty="0">
-              <a:solidFill>
-                <a:srgbClr val="808080"/>
-              </a:solidFill>
-              <a:latin typeface="Courier Final Draft" pitchFamily="49" charset="0"/>
-            </a:endParaRPr>
-          </a:p>
-          <a:p>
-            <a:pPr eaLnBrk="1">
-              <a:defRPr/>
-            </a:pPr>
-            <a:r>
-              <a:rPr lang="en-US" sz="1800" b="1" dirty="0">
-                <a:solidFill>
-                  <a:srgbClr val="808080"/>
-                </a:solidFill>
-                <a:latin typeface="Courier Final Draft" pitchFamily="49" charset="0"/>
-              </a:rPr>
-              <a:t>&lt;/script</a:t>
-            </a:r>
-            <a:r>
-              <a:rPr lang="en-US" sz="1800" b="1" dirty="0" smtClean="0">
-                <a:solidFill>
-                  <a:srgbClr val="808080"/>
-                </a:solidFill>
-                <a:latin typeface="Courier Final Draft" pitchFamily="49" charset="0"/>
-              </a:rPr>
-              <a:t>&gt;&lt;/head&gt;</a:t>
-            </a:r>
-          </a:p>
-          <a:p>
-            <a:pPr eaLnBrk="1">
-              <a:defRPr/>
-            </a:pPr>
-            <a:r>
-              <a:rPr lang="en-US" sz="1800" b="1" dirty="0" smtClean="0">
-                <a:solidFill>
-                  <a:srgbClr val="808080"/>
-                </a:solidFill>
-                <a:latin typeface="Courier Final Draft" pitchFamily="49" charset="0"/>
-              </a:rPr>
-              <a:t>&lt;body&gt;</a:t>
-            </a:r>
-          </a:p>
-          <a:p>
-            <a:pPr eaLnBrk="1">
-              <a:defRPr/>
-            </a:pPr>
-            <a:endParaRPr lang="en-US" sz="1800" b="1" dirty="0">
-              <a:solidFill>
-                <a:srgbClr val="808080"/>
-              </a:solidFill>
-              <a:latin typeface="Courier Final Draft" pitchFamily="49" charset="0"/>
-            </a:endParaRPr>
-          </a:p>
-          <a:p>
-            <a:pPr eaLnBrk="1">
-              <a:defRPr/>
-            </a:pPr>
-            <a:r>
-              <a:rPr lang="en-US" sz="1800" b="1" dirty="0" smtClean="0">
-                <a:solidFill>
-                  <a:srgbClr val="808080"/>
-                </a:solidFill>
-                <a:latin typeface="Courier Final Draft" pitchFamily="49" charset="0"/>
-              </a:rPr>
-              <a:t>	&lt;</a:t>
-            </a:r>
-            <a:r>
-              <a:rPr lang="en-US" sz="1800" b="1" dirty="0">
-                <a:solidFill>
-                  <a:srgbClr val="808080"/>
-                </a:solidFill>
-                <a:latin typeface="Courier Final Draft" pitchFamily="49" charset="0"/>
-              </a:rPr>
-              <a:t>div </a:t>
-            </a:r>
-            <a:r>
-              <a:rPr lang="en-US" sz="1800" b="1" dirty="0" err="1">
-                <a:solidFill>
-                  <a:srgbClr val="808080"/>
-                </a:solidFill>
-                <a:latin typeface="Courier Final Draft" pitchFamily="49" charset="0"/>
-              </a:rPr>
-              <a:t>ng</a:t>
-            </a:r>
-            <a:r>
-              <a:rPr lang="en-US" sz="1800" b="1" dirty="0">
-                <a:solidFill>
-                  <a:srgbClr val="808080"/>
-                </a:solidFill>
-                <a:latin typeface="Courier Final Draft" pitchFamily="49" charset="0"/>
-              </a:rPr>
-              <a:t>-controller="</a:t>
-            </a:r>
-            <a:r>
-              <a:rPr lang="en-US" sz="1800" b="1" dirty="0" err="1">
-                <a:solidFill>
-                  <a:srgbClr val="808080"/>
-                </a:solidFill>
-                <a:latin typeface="Courier Final Draft" pitchFamily="49" charset="0"/>
-              </a:rPr>
-              <a:t>AngularBlog</a:t>
-            </a:r>
-            <a:r>
-              <a:rPr lang="en-US" sz="1800" b="1" dirty="0">
-                <a:solidFill>
-                  <a:srgbClr val="808080"/>
-                </a:solidFill>
-                <a:latin typeface="Courier Final Draft" pitchFamily="49" charset="0"/>
-              </a:rPr>
-              <a:t>"&gt;</a:t>
-            </a:r>
-          </a:p>
-          <a:p>
-            <a:pPr eaLnBrk="1">
-              <a:defRPr/>
-            </a:pPr>
-            <a:r>
-              <a:rPr lang="en-US" sz="1800" b="1" dirty="0">
-                <a:solidFill>
-                  <a:srgbClr val="808080"/>
-                </a:solidFill>
-                <a:latin typeface="Courier Final Draft" pitchFamily="49" charset="0"/>
-              </a:rPr>
-              <a:t>		&lt;div class="entry" </a:t>
-            </a:r>
-            <a:r>
-              <a:rPr lang="en-US" sz="1800" b="1" dirty="0" err="1">
-                <a:solidFill>
-                  <a:srgbClr val="808080"/>
-                </a:solidFill>
-                <a:latin typeface="Courier Final Draft" pitchFamily="49" charset="0"/>
-              </a:rPr>
-              <a:t>ng</a:t>
-            </a:r>
-            <a:r>
-              <a:rPr lang="en-US" sz="1800" b="1" dirty="0">
-                <a:solidFill>
-                  <a:srgbClr val="808080"/>
-                </a:solidFill>
-                <a:latin typeface="Courier Final Draft" pitchFamily="49" charset="0"/>
-              </a:rPr>
-              <a:t>-repeat="post in posts"&gt;</a:t>
-            </a:r>
-          </a:p>
-          <a:p>
-            <a:pPr eaLnBrk="1">
-              <a:defRPr/>
-            </a:pPr>
-            <a:r>
-              <a:rPr lang="en-US" sz="1800" b="1" dirty="0">
-                <a:solidFill>
-                  <a:srgbClr val="808080"/>
-                </a:solidFill>
-                <a:latin typeface="Courier Final Draft" pitchFamily="49" charset="0"/>
-              </a:rPr>
-              <a:t>			&lt;h1&gt;{{</a:t>
-            </a:r>
-            <a:r>
-              <a:rPr lang="en-US" sz="1800" b="1" dirty="0" err="1">
-                <a:solidFill>
-                  <a:srgbClr val="808080"/>
-                </a:solidFill>
-                <a:latin typeface="Courier Final Draft" pitchFamily="49" charset="0"/>
-              </a:rPr>
-              <a:t>post.title</a:t>
-            </a:r>
-            <a:r>
-              <a:rPr lang="en-US" sz="1800" b="1" dirty="0">
-                <a:solidFill>
-                  <a:srgbClr val="808080"/>
-                </a:solidFill>
-                <a:latin typeface="Courier Final Draft" pitchFamily="49" charset="0"/>
-              </a:rPr>
-              <a:t>}}&lt;/h1&gt;</a:t>
-            </a:r>
-          </a:p>
-          <a:p>
-            <a:pPr eaLnBrk="1">
-              <a:defRPr/>
-            </a:pPr>
-            <a:r>
-              <a:rPr lang="en-US" sz="1800" b="1" dirty="0">
-                <a:solidFill>
-                  <a:srgbClr val="808080"/>
-                </a:solidFill>
-                <a:latin typeface="Courier Final Draft" pitchFamily="49" charset="0"/>
-              </a:rPr>
-              <a:t>			&lt;div </a:t>
-            </a:r>
-            <a:r>
-              <a:rPr lang="en-US" sz="1800" b="1" dirty="0" err="1">
-                <a:solidFill>
-                  <a:srgbClr val="808080"/>
-                </a:solidFill>
-                <a:latin typeface="Courier Final Draft" pitchFamily="49" charset="0"/>
-              </a:rPr>
-              <a:t>ng</a:t>
-            </a:r>
-            <a:r>
-              <a:rPr lang="en-US" sz="1800" b="1" dirty="0">
-                <a:solidFill>
-                  <a:srgbClr val="808080"/>
-                </a:solidFill>
-                <a:latin typeface="Courier Final Draft" pitchFamily="49" charset="0"/>
-              </a:rPr>
-              <a:t>-bind-html-unsafe="</a:t>
-            </a:r>
-            <a:r>
-              <a:rPr lang="en-US" sz="1800" b="1" dirty="0" err="1">
-                <a:solidFill>
-                  <a:srgbClr val="808080"/>
-                </a:solidFill>
-                <a:latin typeface="Courier Final Draft" pitchFamily="49" charset="0"/>
-              </a:rPr>
-              <a:t>post.content</a:t>
-            </a:r>
-            <a:r>
-              <a:rPr lang="en-US" sz="1800" b="1" dirty="0">
-                <a:solidFill>
-                  <a:srgbClr val="808080"/>
-                </a:solidFill>
-                <a:latin typeface="Courier Final Draft" pitchFamily="49" charset="0"/>
-              </a:rPr>
-              <a:t>"&gt;&lt;/div&gt;</a:t>
-            </a:r>
-          </a:p>
-          <a:p>
-            <a:pPr eaLnBrk="1">
-              <a:defRPr/>
-            </a:pPr>
-            <a:r>
-              <a:rPr lang="en-US" sz="1800" b="1" dirty="0">
-                <a:solidFill>
-                  <a:srgbClr val="808080"/>
-                </a:solidFill>
-                <a:latin typeface="Courier Final Draft" pitchFamily="49" charset="0"/>
-              </a:rPr>
-              <a:t>		&lt;/div&gt;</a:t>
-            </a:r>
-          </a:p>
-          <a:p>
-            <a:pPr eaLnBrk="1">
-              <a:defRPr/>
-            </a:pPr>
-            <a:r>
-              <a:rPr lang="en-US" sz="1800" b="1" dirty="0">
-                <a:solidFill>
-                  <a:srgbClr val="808080"/>
-                </a:solidFill>
-                <a:latin typeface="Courier Final Draft" pitchFamily="49" charset="0"/>
-              </a:rPr>
-              <a:t>	&lt;/div&gt;</a:t>
-            </a:r>
-          </a:p>
-          <a:p>
-            <a:pPr eaLnBrk="1">
-              <a:defRPr/>
-            </a:pPr>
-            <a:endParaRPr lang="en-US" sz="1800" b="1" dirty="0" smtClean="0">
-              <a:solidFill>
-                <a:srgbClr val="808080"/>
-              </a:solidFill>
-              <a:latin typeface="Courier Final Draft" pitchFamily="49" charset="0"/>
-            </a:endParaRPr>
-          </a:p>
-          <a:p>
-            <a:pPr eaLnBrk="1">
-              <a:defRPr/>
-            </a:pPr>
-            <a:r>
-              <a:rPr lang="en-US" sz="1800" b="1" dirty="0" smtClean="0">
-                <a:solidFill>
-                  <a:srgbClr val="808080"/>
-                </a:solidFill>
-                <a:latin typeface="Courier Final Draft" pitchFamily="49" charset="0"/>
-              </a:rPr>
-              <a:t>&lt;/body&gt;</a:t>
-            </a:r>
-          </a:p>
-          <a:p>
-            <a:pPr eaLnBrk="1">
-              <a:defRPr/>
-            </a:pPr>
-            <a:endParaRPr lang="en-US" sz="1800" b="1" dirty="0">
-              <a:solidFill>
-                <a:srgbClr val="808080"/>
-              </a:solidFill>
-              <a:latin typeface="Courier Final Draft" pitchFamily="49" charset="0"/>
-            </a:endParaRPr>
-          </a:p>
-          <a:p>
-            <a:pPr eaLnBrk="1">
-              <a:defRPr/>
-            </a:pPr>
-            <a:endParaRPr lang="en-US" sz="1800" b="1" dirty="0">
-              <a:solidFill>
-                <a:srgbClr val="808080"/>
-              </a:solidFill>
-              <a:latin typeface="Courier Final Draft" pitchFamily="49" charset="0"/>
-            </a:endParaRPr>
-          </a:p>
-          <a:p>
-            <a:pPr eaLnBrk="1">
-              <a:defRPr/>
-            </a:pPr>
-            <a:endParaRPr lang="en-US" sz="1800" b="1" dirty="0" smtClean="0">
-              <a:solidFill>
-                <a:srgbClr val="808080"/>
-              </a:solidFill>
-              <a:latin typeface="Courier Final Draft" pitchFamily="49" charset="0"/>
-            </a:endParaRPr>
-          </a:p>
-          <a:p>
-            <a:pPr eaLnBrk="1">
-              <a:defRPr/>
-            </a:pPr>
-            <a:endParaRPr lang="en-US" sz="1800" b="1" dirty="0" smtClean="0">
-              <a:solidFill>
-                <a:srgbClr val="808080"/>
-              </a:solidFill>
-              <a:latin typeface="Courier Final Draft" pitchFamily="49" charset="0"/>
-            </a:endParaRPr>
-          </a:p>
-          <a:p>
-            <a:pPr eaLnBrk="1">
-              <a:defRPr/>
-            </a:pPr>
-            <a:endParaRPr lang="en-US" sz="1800" b="1" dirty="0">
-              <a:solidFill>
-                <a:srgbClr val="808080"/>
-              </a:solidFill>
-              <a:latin typeface="Courier Final Draft" pitchFamily="49" charset="0"/>
+            <a:endParaRPr kumimoji="0" lang="en-MY" sz="1800" b="0" i="0" u="none" strike="noStrike" cap="none" normalizeH="0" baseline="0">
+              <a:ln>
+                <a:noFill/>
+              </a:ln>
+              <a:effectLst/>
+              <a:latin typeface="Arial" charset="0"/>
+              <a:ea typeface="ＭＳ Ｐゴシック" charset="0"/>
+              <a:cs typeface="Arial Unicode MS" charset="0"/>
             </a:endParaRPr>
           </a:p>
         </p:txBody>
       </p:sp>
       <p:pic>
         <p:nvPicPr>
-          <p:cNvPr id="5" name="Picture 4" descr="D:\PRESENTATION_MATERIAL\LOGOS\banner_mongo-db-huge-logo.png"/>
+          <p:cNvPr id="5123" name="Picture 3"/>
           <p:cNvPicPr>
             <a:picLocks noChangeAspect="1" noChangeArrowheads="1"/>
           </p:cNvPicPr>
@@ -18013,62 +15675,51 @@
         </p:blipFill>
         <p:spPr bwMode="auto">
           <a:xfrm>
-            <a:off x="4824288" y="147717"/>
-            <a:ext cx="2497847" cy="805758"/>
+            <a:off x="1958975" y="1084263"/>
+            <a:ext cx="6162675" cy="5391150"/>
           </a:xfrm>
           <a:prstGeom prst="rect">
             <a:avLst/>
           </a:prstGeom>
           <a:noFill/>
+          <a:ln>
+            <a:noFill/>
+          </a:ln>
+          <a:effectLst/>
           <a:extLst>
             <a:ext uri="{909E8E84-426E-40DD-AFC4-6F175D3DCCD1}">
               <a14:hiddenFill xmlns:a14="http://schemas.microsoft.com/office/drawing/2010/main">
                 <a:solidFill>
-                  <a:srgbClr val="FFFFFF"/>
+                  <a:schemeClr val="accent1"/>
                 </a:solidFill>
               </a14:hiddenFill>
+            </a:ext>
+            <a:ext uri="{91240B29-F687-4F45-9708-019B960494DF}">
+              <a14:hiddenLine xmlns:a14="http://schemas.microsoft.com/office/drawing/2010/main" w="9525">
+                <a:solidFill>
+                  <a:schemeClr val="tx1"/>
+                </a:solidFill>
+                <a:miter lim="800000"/>
+                <a:headEnd/>
+                <a:tailEnd/>
+              </a14:hiddenLine>
+            </a:ext>
+            <a:ext uri="{AF507438-7753-43E0-B8FC-AC1667EBCBE1}">
+              <a14:hiddenEffects xmlns:a14="http://schemas.microsoft.com/office/drawing/2010/main">
+                <a:effectLst>
+                  <a:outerShdw dist="35921" dir="2700000" algn="ctr" rotWithShape="0">
+                    <a:schemeClr val="bg2"/>
+                  </a:outerShdw>
+                </a:effectLst>
+              </a14:hiddenEffects>
             </a:ext>
           </a:extLst>
         </p:spPr>
       </p:pic>
-      <p:sp>
-        <p:nvSpPr>
-          <p:cNvPr id="6" name="TextBox 5"/>
-          <p:cNvSpPr txBox="1"/>
-          <p:nvPr/>
-        </p:nvSpPr>
-        <p:spPr>
-          <a:xfrm>
-            <a:off x="7632600" y="514552"/>
-            <a:ext cx="2095510" cy="349968"/>
-          </a:xfrm>
-          <a:prstGeom prst="rect">
-            <a:avLst/>
-          </a:prstGeom>
-          <a:noFill/>
-        </p:spPr>
-        <p:txBody>
-          <a:bodyPr wrap="none" rtlCol="0">
-            <a:spAutoFit/>
-          </a:bodyPr>
-          <a:lstStyle/>
-          <a:p>
-            <a:r>
-              <a:rPr lang="en-US" b="1" dirty="0" smtClean="0"/>
-              <a:t>PHP &amp; </a:t>
-            </a:r>
-            <a:r>
-              <a:rPr lang="en-US" b="1" dirty="0" err="1" smtClean="0"/>
-              <a:t>AngularJS</a:t>
-            </a:r>
-            <a:endParaRPr lang="en-MY" b="1" dirty="0"/>
-          </a:p>
-        </p:txBody>
-      </p:sp>
     </p:spTree>
     <p:extLst>
       <p:ext uri="{BB962C8B-B14F-4D97-AF65-F5344CB8AC3E}">
-        <p14:creationId xmlns:p14="http://schemas.microsoft.com/office/powerpoint/2010/main" val="1934635169"/>
+        <p14:creationId xmlns:p14="http://schemas.microsoft.com/office/powerpoint/2010/main" val="2642026736"/>
       </p:ext>
     </p:extLst>
   </p:cSld>
@@ -18123,9 +15774,76 @@
           <a:chExt cx="0" cy="0"/>
         </a:xfrm>
       </p:grpSpPr>
+      <p:sp>
+        <p:nvSpPr>
+          <p:cNvPr id="3" name="Rectangle 2"/>
+          <p:cNvSpPr/>
+          <p:nvPr/>
+        </p:nvSpPr>
+        <p:spPr bwMode="auto">
+          <a:xfrm>
+            <a:off x="-144264" y="-108595"/>
+            <a:ext cx="10369152" cy="7776864"/>
+          </a:xfrm>
+          <a:prstGeom prst="rect">
+            <a:avLst/>
+          </a:prstGeom>
+          <a:solidFill>
+            <a:srgbClr val="FAFAFA"/>
+          </a:solidFill>
+          <a:ln w="9525" cap="flat" cmpd="sng" algn="ctr">
+            <a:solidFill>
+              <a:schemeClr val="tx1"/>
+            </a:solidFill>
+            <a:prstDash val="solid"/>
+            <a:round/>
+            <a:headEnd type="none" w="med" len="med"/>
+            <a:tailEnd type="none" w="med" len="med"/>
+          </a:ln>
+          <a:effectLst/>
+          <a:extLst/>
+        </p:spPr>
+        <p:txBody>
+          <a:bodyPr vert="horz" wrap="square" lIns="91440" tIns="45720" rIns="91440" bIns="45720" numCol="1" rtlCol="0" anchor="t" anchorCtr="0" compatLnSpc="1">
+            <a:prstTxWarp prst="textNoShape">
+              <a:avLst/>
+            </a:prstTxWarp>
+          </a:bodyPr>
+          <a:lstStyle/>
+          <a:p>
+            <a:pPr marL="0" marR="0" indent="0" algn="l" defTabSz="449263" rtl="0" eaLnBrk="1" fontAlgn="base" latinLnBrk="0" hangingPunct="0">
+              <a:lnSpc>
+                <a:spcPct val="93000"/>
+              </a:lnSpc>
+              <a:spcBef>
+                <a:spcPct val="0"/>
+              </a:spcBef>
+              <a:spcAft>
+                <a:spcPct val="0"/>
+              </a:spcAft>
+              <a:buClr>
+                <a:srgbClr val="000000"/>
+              </a:buClr>
+              <a:buSzPct val="100000"/>
+              <a:buFont typeface="Times New Roman" charset="0"/>
+              <a:buNone/>
+              <a:tabLst/>
+            </a:pPr>
+            <a:endParaRPr kumimoji="0" lang="en-MY" sz="1800" b="0" i="0" u="none" strike="noStrike" cap="none" normalizeH="0" baseline="0">
+              <a:ln>
+                <a:noFill/>
+              </a:ln>
+              <a:effectLst/>
+              <a:latin typeface="Arial" charset="0"/>
+              <a:ea typeface="ＭＳ Ｐゴシック" charset="0"/>
+              <a:cs typeface="Arial Unicode MS" charset="0"/>
+            </a:endParaRPr>
+          </a:p>
+        </p:txBody>
+      </p:sp>
       <p:pic>
         <p:nvPicPr>
-          <p:cNvPr id="5" name="Picture 4" descr="D:\PRESENTATION_MATERIAL\LOGOS\banner_mongo-db-huge-logo.png"/>
+          <p:cNvPr id="6146" name="Picture 2"/>
           <p:cNvPicPr>
             <a:picLocks noChangeAspect="1" noChangeArrowheads="1"/>
           </p:cNvPicPr>
@@ -18146,241 +15864,43 @@
         </p:blipFill>
         <p:spPr bwMode="auto">
           <a:xfrm>
-            <a:off x="5256336" y="147717"/>
-            <a:ext cx="2497847" cy="805758"/>
+            <a:off x="2087563" y="579438"/>
+            <a:ext cx="5905500" cy="6399212"/>
           </a:xfrm>
           <a:prstGeom prst="rect">
             <a:avLst/>
           </a:prstGeom>
           <a:noFill/>
+          <a:ln>
+            <a:noFill/>
+          </a:ln>
+          <a:effectLst/>
           <a:extLst>
             <a:ext uri="{909E8E84-426E-40DD-AFC4-6F175D3DCCD1}">
               <a14:hiddenFill xmlns:a14="http://schemas.microsoft.com/office/drawing/2010/main">
                 <a:solidFill>
-                  <a:srgbClr val="FFFFFF"/>
+                  <a:schemeClr val="accent1"/>
                 </a:solidFill>
               </a14:hiddenFill>
             </a:ext>
-          </a:extLst>
-        </p:spPr>
-      </p:pic>
-      <p:sp>
-        <p:nvSpPr>
-          <p:cNvPr id="6" name="TextBox 5"/>
-          <p:cNvSpPr txBox="1"/>
-          <p:nvPr/>
-        </p:nvSpPr>
-        <p:spPr>
-          <a:xfrm>
-            <a:off x="8064648" y="514552"/>
-            <a:ext cx="1680909" cy="384965"/>
-          </a:xfrm>
-          <a:prstGeom prst="rect">
-            <a:avLst/>
-          </a:prstGeom>
-          <a:noFill/>
-        </p:spPr>
-        <p:txBody>
-          <a:bodyPr wrap="none" rtlCol="0">
-            <a:spAutoFit/>
-          </a:bodyPr>
-          <a:lstStyle/>
-          <a:p>
-            <a:r>
-              <a:rPr lang="en-US" b="1" dirty="0" smtClean="0"/>
-              <a:t>PHP &amp; jQuery</a:t>
-            </a:r>
-            <a:endParaRPr lang="en-MY" b="1" dirty="0"/>
-          </a:p>
-        </p:txBody>
-      </p:sp>
-      <p:sp>
-        <p:nvSpPr>
-          <p:cNvPr id="2" name="TextBox 1"/>
-          <p:cNvSpPr txBox="1"/>
-          <p:nvPr/>
-        </p:nvSpPr>
-        <p:spPr>
-          <a:xfrm>
-            <a:off x="359792" y="395461"/>
-            <a:ext cx="3024336" cy="2353786"/>
-          </a:xfrm>
-          <a:prstGeom prst="rect">
-            <a:avLst/>
-          </a:prstGeom>
-          <a:noFill/>
-        </p:spPr>
-        <p:txBody>
-          <a:bodyPr wrap="square" rtlCol="0">
-            <a:spAutoFit/>
-          </a:bodyPr>
-          <a:lstStyle/>
-          <a:p>
-            <a:r>
-              <a:rPr lang="en-US" dirty="0" smtClean="0"/>
-              <a:t>This source code / example is also available on GitHub:</a:t>
-            </a:r>
-          </a:p>
-          <a:p>
-            <a:endParaRPr lang="en-US" dirty="0"/>
-          </a:p>
-          <a:p>
-            <a:r>
-              <a:rPr lang="en-MY" sz="1400" dirty="0">
-                <a:hlinkClick r:id="rId4"/>
-              </a:rPr>
-              <a:t>https://</a:t>
-            </a:r>
-            <a:r>
-              <a:rPr lang="en-MY" sz="1400" dirty="0" smtClean="0">
-                <a:hlinkClick r:id="rId4"/>
-              </a:rPr>
-              <a:t>github.com/r1dotmy/klmugs</a:t>
-            </a:r>
-            <a:endParaRPr lang="en-MY" sz="1400" dirty="0" smtClean="0"/>
-          </a:p>
-          <a:p>
-            <a:endParaRPr lang="en-US" dirty="0" smtClean="0"/>
-          </a:p>
-          <a:p>
-            <a:r>
-              <a:rPr lang="en-US" dirty="0" smtClean="0"/>
-              <a:t>It uses CDNJS to serve Angular.js</a:t>
-            </a:r>
-          </a:p>
-          <a:p>
-            <a:endParaRPr lang="en-US" dirty="0"/>
-          </a:p>
-          <a:p>
-            <a:r>
-              <a:rPr lang="en-US" dirty="0" smtClean="0"/>
-              <a:t>An array of posts results in:</a:t>
-            </a:r>
-            <a:endParaRPr lang="en-MY" dirty="0"/>
-          </a:p>
-        </p:txBody>
-      </p:sp>
-      <p:sp>
-        <p:nvSpPr>
-          <p:cNvPr id="3" name="Bent Arrow 2"/>
-          <p:cNvSpPr/>
-          <p:nvPr/>
-        </p:nvSpPr>
-        <p:spPr bwMode="auto">
-          <a:xfrm rot="10800000" flipH="1">
-            <a:off x="1511920" y="2987749"/>
-            <a:ext cx="1224136" cy="1728192"/>
-          </a:xfrm>
-          <a:prstGeom prst="bentArrow">
-            <a:avLst>
-              <a:gd name="adj1" fmla="val 25000"/>
-              <a:gd name="adj2" fmla="val 24222"/>
-              <a:gd name="adj3" fmla="val 25000"/>
-              <a:gd name="adj4" fmla="val 43750"/>
-            </a:avLst>
-          </a:prstGeom>
-          <a:solidFill>
-            <a:srgbClr val="00B8FF"/>
-          </a:solidFill>
-          <a:ln w="9525" cap="flat" cmpd="sng" algn="ctr">
-            <a:solidFill>
-              <a:schemeClr val="tx1"/>
-            </a:solidFill>
-            <a:prstDash val="solid"/>
-            <a:round/>
-            <a:headEnd type="none" w="med" len="med"/>
-            <a:tailEnd type="none" w="med" len="med"/>
-          </a:ln>
-          <a:effectLst/>
-          <a:extLst>
+            <a:ext uri="{91240B29-F687-4F45-9708-019B960494DF}">
+              <a14:hiddenLine xmlns:a14="http://schemas.microsoft.com/office/drawing/2010/main" w="9525">
+                <a:solidFill>
+                  <a:schemeClr val="tx1"/>
+                </a:solidFill>
+                <a:miter lim="800000"/>
+                <a:headEnd/>
+                <a:tailEnd/>
+              </a14:hiddenLine>
+            </a:ext>
             <a:ext uri="{AF507438-7753-43E0-B8FC-AC1667EBCBE1}">
               <a14:hiddenEffects xmlns:a14="http://schemas.microsoft.com/office/drawing/2010/main">
                 <a:effectLst>
-                  <a:outerShdw blurRad="63500" dist="38099" dir="2700000" algn="ctr" rotWithShape="0">
-                    <a:schemeClr val="bg2">
-                      <a:alpha val="74998"/>
-                    </a:schemeClr>
+                  <a:outerShdw dist="35921" dir="2700000" algn="ctr" rotWithShape="0">
+                    <a:schemeClr val="bg2"/>
                   </a:outerShdw>
                 </a:effectLst>
               </a14:hiddenEffects>
-            </a:ext>
-          </a:extLst>
-        </p:spPr>
-        <p:txBody>
-          <a:bodyPr vert="horz" wrap="square" lIns="91440" tIns="45720" rIns="91440" bIns="45720" numCol="1" rtlCol="0" anchor="t" anchorCtr="0" compatLnSpc="1">
-            <a:prstTxWarp prst="textNoShape">
-              <a:avLst/>
-            </a:prstTxWarp>
-          </a:bodyPr>
-          <a:lstStyle/>
-          <a:p>
-            <a:pPr marL="0" marR="0" indent="0" algn="l" defTabSz="449263" rtl="0" eaLnBrk="1" fontAlgn="base" latinLnBrk="0" hangingPunct="0">
-              <a:lnSpc>
-                <a:spcPct val="93000"/>
-              </a:lnSpc>
-              <a:spcBef>
-                <a:spcPct val="0"/>
-              </a:spcBef>
-              <a:spcAft>
-                <a:spcPct val="0"/>
-              </a:spcAft>
-              <a:buClr>
-                <a:srgbClr val="000000"/>
-              </a:buClr>
-              <a:buSzPct val="100000"/>
-              <a:buFont typeface="Times New Roman" charset="0"/>
-              <a:buNone/>
-              <a:tabLst/>
-            </a:pPr>
-            <a:endParaRPr kumimoji="0" lang="en-MY" sz="1800" b="0" i="0" u="none" strike="noStrike" cap="none" normalizeH="0" baseline="0">
-              <a:ln>
-                <a:noFill/>
-              </a:ln>
-              <a:effectLst/>
-              <a:latin typeface="Arial" charset="0"/>
-              <a:ea typeface="ＭＳ Ｐゴシック" charset="0"/>
-              <a:cs typeface="Arial Unicode MS" charset="0"/>
-            </a:endParaRPr>
-          </a:p>
-        </p:txBody>
-      </p:sp>
-      <p:pic>
-        <p:nvPicPr>
-          <p:cNvPr id="7170" name="Picture 2" descr="D:\PRESENTATION_MATERIAL\JSON\example2.jpg"/>
-          <p:cNvPicPr>
-            <a:picLocks noChangeAspect="1" noChangeArrowheads="1"/>
-          </p:cNvPicPr>
-          <p:nvPr/>
-        </p:nvPicPr>
-        <p:blipFill>
-          <a:blip r:embed="rId5">
-            <a:extLst>
-              <a:ext uri="{28A0092B-C50C-407E-A947-70E740481C1C}">
-                <a14:useLocalDpi xmlns:a14="http://schemas.microsoft.com/office/drawing/2010/main" val="0"/>
-              </a:ext>
-            </a:extLst>
-          </a:blip>
-          <a:srcRect/>
-          <a:stretch>
-            <a:fillRect/>
-          </a:stretch>
-        </p:blipFill>
-        <p:spPr bwMode="auto">
-          <a:xfrm>
-            <a:off x="4032200" y="1691605"/>
-            <a:ext cx="5562600" cy="4629150"/>
-          </a:xfrm>
-          <a:prstGeom prst="rect">
-            <a:avLst/>
-          </a:prstGeom>
-          <a:noFill/>
-          <a:extLst>
-            <a:ext uri="{909E8E84-426E-40DD-AFC4-6F175D3DCCD1}">
-              <a14:hiddenFill xmlns:a14="http://schemas.microsoft.com/office/drawing/2010/main">
-                <a:solidFill>
-                  <a:srgbClr val="FFFFFF"/>
-                </a:solidFill>
-              </a14:hiddenFill>
             </a:ext>
           </a:extLst>
         </p:spPr>
@@ -18388,7 +15908,7 @@
     </p:spTree>
     <p:extLst>
       <p:ext uri="{BB962C8B-B14F-4D97-AF65-F5344CB8AC3E}">
-        <p14:creationId xmlns:p14="http://schemas.microsoft.com/office/powerpoint/2010/main" val="2971809167"/>
+        <p14:creationId xmlns:p14="http://schemas.microsoft.com/office/powerpoint/2010/main" val="1604832987"/>
       </p:ext>
     </p:extLst>
   </p:cSld>
@@ -18445,175 +15965,42 @@
       </p:grpSpPr>
       <p:sp>
         <p:nvSpPr>
-          <p:cNvPr id="3073" name="Text Box 1"/>
-          <p:cNvSpPr txBox="1">
-            <a:spLocks noChangeArrowheads="1"/>
-          </p:cNvSpPr>
+          <p:cNvPr id="3" name="Rectangle 2"/>
+          <p:cNvSpPr/>
           <p:nvPr/>
         </p:nvSpPr>
         <p:spPr bwMode="auto">
           <a:xfrm>
-            <a:off x="577850" y="6084093"/>
-            <a:ext cx="9070975" cy="1512887"/>
+            <a:off x="-144264" y="-108595"/>
+            <a:ext cx="10369152" cy="7776864"/>
           </a:xfrm>
           <a:prstGeom prst="rect">
             <a:avLst/>
           </a:prstGeom>
-          <a:noFill/>
-          <a:ln>
-            <a:noFill/>
+          <a:solidFill>
+            <a:srgbClr val="FAFAFA"/>
+          </a:solidFill>
+          <a:ln w="9525" cap="flat" cmpd="sng" algn="ctr">
+            <a:solidFill>
+              <a:schemeClr val="tx1"/>
+            </a:solidFill>
+            <a:prstDash val="solid"/>
+            <a:round/>
+            <a:headEnd type="none" w="med" len="med"/>
+            <a:tailEnd type="none" w="med" len="med"/>
           </a:ln>
           <a:effectLst/>
-          <a:extLst>
-            <a:ext uri="{909E8E84-426E-40DD-AFC4-6F175D3DCCD1}">
-              <a14:hiddenFill xmlns:a14="http://schemas.microsoft.com/office/drawing/2010/main">
-                <a:solidFill>
-                  <a:srgbClr val="FFFFFF"/>
-                </a:solidFill>
-              </a14:hiddenFill>
-            </a:ext>
-            <a:ext uri="{91240B29-F687-4F45-9708-019B960494DF}">
-              <a14:hiddenLine xmlns:a14="http://schemas.microsoft.com/office/drawing/2010/main" w="9525">
-                <a:solidFill>
-                  <a:srgbClr val="000000"/>
-                </a:solidFill>
-                <a:round/>
-                <a:headEnd/>
-                <a:tailEnd/>
-              </a14:hiddenLine>
-            </a:ext>
-            <a:ext uri="{AF507438-7753-43E0-B8FC-AC1667EBCBE1}">
-              <a14:hiddenEffects xmlns:a14="http://schemas.microsoft.com/office/drawing/2010/main">
-                <a:effectLst>
-                  <a:outerShdw blurRad="63500" dist="38099" dir="2700000" algn="ctr" rotWithShape="0">
-                    <a:srgbClr val="000000">
-                      <a:alpha val="74998"/>
-                    </a:srgbClr>
-                  </a:outerShdw>
-                </a:effectLst>
-              </a14:hiddenEffects>
-            </a:ext>
-          </a:extLst>
+          <a:extLst/>
         </p:spPr>
         <p:txBody>
-          <a:bodyPr lIns="0" tIns="15876" rIns="0" bIns="0" anchor="ctr"/>
-          <a:lstStyle>
-            <a:lvl1pPr eaLnBrk="0">
-              <a:tabLst>
-                <a:tab pos="723900" algn="l"/>
-                <a:tab pos="1447800" algn="l"/>
-                <a:tab pos="2171700" algn="l"/>
-                <a:tab pos="2895600" algn="l"/>
-                <a:tab pos="3619500" algn="l"/>
-                <a:tab pos="4343400" algn="l"/>
-                <a:tab pos="5067300" algn="l"/>
-                <a:tab pos="5791200" algn="l"/>
-                <a:tab pos="6515100" algn="l"/>
-                <a:tab pos="7239000" algn="l"/>
-                <a:tab pos="7962900" algn="l"/>
-                <a:tab pos="8686800" algn="l"/>
-              </a:tabLst>
-              <a:defRPr sz="2400">
-                <a:solidFill>
-                  <a:schemeClr val="tx1"/>
-                </a:solidFill>
-                <a:latin typeface="Arial" charset="0"/>
-                <a:ea typeface="ＭＳ Ｐゴシック" pitchFamily="34" charset="-128"/>
-              </a:defRPr>
-            </a:lvl1pPr>
-            <a:lvl2pPr eaLnBrk="0">
-              <a:tabLst>
-                <a:tab pos="723900" algn="l"/>
-                <a:tab pos="1447800" algn="l"/>
-                <a:tab pos="2171700" algn="l"/>
-                <a:tab pos="2895600" algn="l"/>
-                <a:tab pos="3619500" algn="l"/>
-                <a:tab pos="4343400" algn="l"/>
-                <a:tab pos="5067300" algn="l"/>
-                <a:tab pos="5791200" algn="l"/>
-                <a:tab pos="6515100" algn="l"/>
-                <a:tab pos="7239000" algn="l"/>
-                <a:tab pos="7962900" algn="l"/>
-                <a:tab pos="8686800" algn="l"/>
-              </a:tabLst>
-              <a:defRPr sz="2400">
-                <a:solidFill>
-                  <a:schemeClr val="tx1"/>
-                </a:solidFill>
-                <a:latin typeface="Arial" charset="0"/>
-                <a:ea typeface="ＭＳ Ｐゴシック" pitchFamily="34" charset="-128"/>
-              </a:defRPr>
-            </a:lvl2pPr>
-            <a:lvl3pPr eaLnBrk="0">
-              <a:tabLst>
-                <a:tab pos="723900" algn="l"/>
-                <a:tab pos="1447800" algn="l"/>
-                <a:tab pos="2171700" algn="l"/>
-                <a:tab pos="2895600" algn="l"/>
-                <a:tab pos="3619500" algn="l"/>
-                <a:tab pos="4343400" algn="l"/>
-                <a:tab pos="5067300" algn="l"/>
-                <a:tab pos="5791200" algn="l"/>
-                <a:tab pos="6515100" algn="l"/>
-                <a:tab pos="7239000" algn="l"/>
-                <a:tab pos="7962900" algn="l"/>
-                <a:tab pos="8686800" algn="l"/>
-              </a:tabLst>
-              <a:defRPr sz="2400">
-                <a:solidFill>
-                  <a:schemeClr val="tx1"/>
-                </a:solidFill>
-                <a:latin typeface="Arial" charset="0"/>
-                <a:ea typeface="ＭＳ Ｐゴシック" pitchFamily="34" charset="-128"/>
-              </a:defRPr>
-            </a:lvl3pPr>
-            <a:lvl4pPr eaLnBrk="0">
-              <a:tabLst>
-                <a:tab pos="723900" algn="l"/>
-                <a:tab pos="1447800" algn="l"/>
-                <a:tab pos="2171700" algn="l"/>
-                <a:tab pos="2895600" algn="l"/>
-                <a:tab pos="3619500" algn="l"/>
-                <a:tab pos="4343400" algn="l"/>
-                <a:tab pos="5067300" algn="l"/>
-                <a:tab pos="5791200" algn="l"/>
-                <a:tab pos="6515100" algn="l"/>
-                <a:tab pos="7239000" algn="l"/>
-                <a:tab pos="7962900" algn="l"/>
-                <a:tab pos="8686800" algn="l"/>
-              </a:tabLst>
-              <a:defRPr sz="2400">
-                <a:solidFill>
-                  <a:schemeClr val="tx1"/>
-                </a:solidFill>
-                <a:latin typeface="Arial" charset="0"/>
-                <a:ea typeface="ＭＳ Ｐゴシック" pitchFamily="34" charset="-128"/>
-              </a:defRPr>
-            </a:lvl4pPr>
-            <a:lvl5pPr eaLnBrk="0">
-              <a:tabLst>
-                <a:tab pos="723900" algn="l"/>
-                <a:tab pos="1447800" algn="l"/>
-                <a:tab pos="2171700" algn="l"/>
-                <a:tab pos="2895600" algn="l"/>
-                <a:tab pos="3619500" algn="l"/>
-                <a:tab pos="4343400" algn="l"/>
-                <a:tab pos="5067300" algn="l"/>
-                <a:tab pos="5791200" algn="l"/>
-                <a:tab pos="6515100" algn="l"/>
-                <a:tab pos="7239000" algn="l"/>
-                <a:tab pos="7962900" algn="l"/>
-                <a:tab pos="8686800" algn="l"/>
-              </a:tabLst>
-              <a:defRPr sz="2400">
-                <a:solidFill>
-                  <a:schemeClr val="tx1"/>
-                </a:solidFill>
-                <a:latin typeface="Arial" charset="0"/>
-                <a:ea typeface="ＭＳ Ｐゴシック" pitchFamily="34" charset="-128"/>
-              </a:defRPr>
-            </a:lvl5pPr>
-            <a:lvl6pPr marL="2514600" indent="-228600" defTabSz="449263" eaLnBrk="0" fontAlgn="base" hangingPunct="0">
+          <a:bodyPr vert="horz" wrap="square" lIns="91440" tIns="45720" rIns="91440" bIns="45720" numCol="1" rtlCol="0" anchor="t" anchorCtr="0" compatLnSpc="1">
+            <a:prstTxWarp prst="textNoShape">
+              <a:avLst/>
+            </a:prstTxWarp>
+          </a:bodyPr>
+          <a:lstStyle/>
+          <a:p>
+            <a:pPr marL="0" marR="0" indent="0" algn="l" defTabSz="449263" rtl="0" eaLnBrk="1" fontAlgn="base" latinLnBrk="0" hangingPunct="0">
               <a:lnSpc>
                 <a:spcPct val="93000"/>
               </a:lnSpc>
@@ -18627,614 +16014,32 @@
                 <a:srgbClr val="000000"/>
               </a:buClr>
               <a:buSzPct val="100000"/>
-              <a:buFont typeface="Times New Roman" pitchFamily="18" charset="0"/>
-              <a:tabLst>
-                <a:tab pos="723900" algn="l"/>
-                <a:tab pos="1447800" algn="l"/>
-                <a:tab pos="2171700" algn="l"/>
-                <a:tab pos="2895600" algn="l"/>
-                <a:tab pos="3619500" algn="l"/>
-                <a:tab pos="4343400" algn="l"/>
-                <a:tab pos="5067300" algn="l"/>
-                <a:tab pos="5791200" algn="l"/>
-                <a:tab pos="6515100" algn="l"/>
-                <a:tab pos="7239000" algn="l"/>
-                <a:tab pos="7962900" algn="l"/>
-                <a:tab pos="8686800" algn="l"/>
-              </a:tabLst>
-              <a:defRPr sz="2400">
-                <a:solidFill>
-                  <a:schemeClr val="tx1"/>
-                </a:solidFill>
-                <a:latin typeface="Arial" charset="0"/>
-                <a:ea typeface="ＭＳ Ｐゴシック" pitchFamily="34" charset="-128"/>
-              </a:defRPr>
-            </a:lvl6pPr>
-            <a:lvl7pPr marL="2971800" indent="-228600" defTabSz="449263" eaLnBrk="0" fontAlgn="base" hangingPunct="0">
-              <a:lnSpc>
-                <a:spcPct val="93000"/>
-              </a:lnSpc>
-              <a:spcBef>
-                <a:spcPct val="0"/>
-              </a:spcBef>
-              <a:spcAft>
-                <a:spcPct val="0"/>
-              </a:spcAft>
-              <a:buClr>
-                <a:srgbClr val="000000"/>
-              </a:buClr>
-              <a:buSzPct val="100000"/>
-              <a:buFont typeface="Times New Roman" pitchFamily="18" charset="0"/>
-              <a:tabLst>
-                <a:tab pos="723900" algn="l"/>
-                <a:tab pos="1447800" algn="l"/>
-                <a:tab pos="2171700" algn="l"/>
-                <a:tab pos="2895600" algn="l"/>
-                <a:tab pos="3619500" algn="l"/>
-                <a:tab pos="4343400" algn="l"/>
-                <a:tab pos="5067300" algn="l"/>
-                <a:tab pos="5791200" algn="l"/>
-                <a:tab pos="6515100" algn="l"/>
-                <a:tab pos="7239000" algn="l"/>
-                <a:tab pos="7962900" algn="l"/>
-                <a:tab pos="8686800" algn="l"/>
-              </a:tabLst>
-              <a:defRPr sz="2400">
-                <a:solidFill>
-                  <a:schemeClr val="tx1"/>
-                </a:solidFill>
-                <a:latin typeface="Arial" charset="0"/>
-                <a:ea typeface="ＭＳ Ｐゴシック" pitchFamily="34" charset="-128"/>
-              </a:defRPr>
-            </a:lvl7pPr>
-            <a:lvl8pPr marL="3429000" indent="-228600" defTabSz="449263" eaLnBrk="0" fontAlgn="base" hangingPunct="0">
-              <a:lnSpc>
-                <a:spcPct val="93000"/>
-              </a:lnSpc>
-              <a:spcBef>
-                <a:spcPct val="0"/>
-              </a:spcBef>
-              <a:spcAft>
-                <a:spcPct val="0"/>
-              </a:spcAft>
-              <a:buClr>
-                <a:srgbClr val="000000"/>
-              </a:buClr>
-              <a:buSzPct val="100000"/>
-              <a:buFont typeface="Times New Roman" pitchFamily="18" charset="0"/>
-              <a:tabLst>
-                <a:tab pos="723900" algn="l"/>
-                <a:tab pos="1447800" algn="l"/>
-                <a:tab pos="2171700" algn="l"/>
-                <a:tab pos="2895600" algn="l"/>
-                <a:tab pos="3619500" algn="l"/>
-                <a:tab pos="4343400" algn="l"/>
-                <a:tab pos="5067300" algn="l"/>
-                <a:tab pos="5791200" algn="l"/>
-                <a:tab pos="6515100" algn="l"/>
-                <a:tab pos="7239000" algn="l"/>
-                <a:tab pos="7962900" algn="l"/>
-                <a:tab pos="8686800" algn="l"/>
-              </a:tabLst>
-              <a:defRPr sz="2400">
-                <a:solidFill>
-                  <a:schemeClr val="tx1"/>
-                </a:solidFill>
-                <a:latin typeface="Arial" charset="0"/>
-                <a:ea typeface="ＭＳ Ｐゴシック" pitchFamily="34" charset="-128"/>
-              </a:defRPr>
-            </a:lvl8pPr>
-            <a:lvl9pPr marL="3886200" indent="-228600" defTabSz="449263" eaLnBrk="0" fontAlgn="base" hangingPunct="0">
-              <a:lnSpc>
-                <a:spcPct val="93000"/>
-              </a:lnSpc>
-              <a:spcBef>
-                <a:spcPct val="0"/>
-              </a:spcBef>
-              <a:spcAft>
-                <a:spcPct val="0"/>
-              </a:spcAft>
-              <a:buClr>
-                <a:srgbClr val="000000"/>
-              </a:buClr>
-              <a:buSzPct val="100000"/>
-              <a:buFont typeface="Times New Roman" pitchFamily="18" charset="0"/>
-              <a:tabLst>
-                <a:tab pos="723900" algn="l"/>
-                <a:tab pos="1447800" algn="l"/>
-                <a:tab pos="2171700" algn="l"/>
-                <a:tab pos="2895600" algn="l"/>
-                <a:tab pos="3619500" algn="l"/>
-                <a:tab pos="4343400" algn="l"/>
-                <a:tab pos="5067300" algn="l"/>
-                <a:tab pos="5791200" algn="l"/>
-                <a:tab pos="6515100" algn="l"/>
-                <a:tab pos="7239000" algn="l"/>
-                <a:tab pos="7962900" algn="l"/>
-                <a:tab pos="8686800" algn="l"/>
-              </a:tabLst>
-              <a:defRPr sz="2400">
-                <a:solidFill>
-                  <a:schemeClr val="tx1"/>
-                </a:solidFill>
-                <a:latin typeface="Arial" charset="0"/>
-                <a:ea typeface="ＭＳ Ｐゴシック" pitchFamily="34" charset="-128"/>
-              </a:defRPr>
-            </a:lvl9pPr>
-          </a:lstStyle>
-          <a:p>
-            <a:pPr algn="ctr" eaLnBrk="1">
-              <a:defRPr/>
+              <a:buFont typeface="Times New Roman" charset="0"/>
+              <a:buNone/>
+              <a:tabLst/>
             </a:pPr>
-            <a:r>
-              <a:rPr lang="en-US" sz="1800" b="1" dirty="0" smtClean="0">
-                <a:solidFill>
-                  <a:srgbClr val="808080"/>
-                </a:solidFill>
-              </a:rPr>
-              <a:t>-- or stalk me on twitter --</a:t>
-            </a:r>
-          </a:p>
-          <a:p>
-            <a:pPr algn="ctr" eaLnBrk="1">
-              <a:defRPr/>
-            </a:pPr>
-            <a:endParaRPr lang="en-US" sz="1800" dirty="0" smtClean="0">
-              <a:solidFill>
-                <a:srgbClr val="808080"/>
-              </a:solidFill>
-            </a:endParaRPr>
-          </a:p>
-          <a:p>
-            <a:pPr algn="ctr" eaLnBrk="1">
-              <a:defRPr/>
-            </a:pPr>
-            <a:r>
-              <a:rPr lang="en-US" sz="1800" b="1" dirty="0" smtClean="0">
-                <a:solidFill>
-                  <a:srgbClr val="0066FF"/>
-                </a:solidFill>
-                <a:hlinkClick r:id="rId3"/>
-              </a:rPr>
-              <a:t>@m_smalley</a:t>
-            </a:r>
-            <a:endParaRPr lang="en-US" sz="1800" b="1" dirty="0" smtClean="0">
-              <a:solidFill>
-                <a:srgbClr val="0066FF"/>
-              </a:solidFill>
-            </a:endParaRPr>
-          </a:p>
-          <a:p>
-            <a:pPr algn="ctr" eaLnBrk="1">
-              <a:defRPr/>
-            </a:pPr>
-            <a:endParaRPr lang="en-US" sz="1800" b="1" dirty="0" smtClean="0">
-              <a:solidFill>
-                <a:srgbClr val="808080"/>
-              </a:solidFill>
-            </a:endParaRPr>
-          </a:p>
-        </p:txBody>
-      </p:sp>
-      <p:sp>
-        <p:nvSpPr>
-          <p:cNvPr id="2" name="Text Box 1"/>
-          <p:cNvSpPr txBox="1">
-            <a:spLocks noChangeArrowheads="1"/>
-          </p:cNvSpPr>
-          <p:nvPr/>
-        </p:nvSpPr>
-        <p:spPr bwMode="auto">
-          <a:xfrm>
-            <a:off x="431800" y="179388"/>
-            <a:ext cx="9142413" cy="3097212"/>
-          </a:xfrm>
-          <a:prstGeom prst="rect">
-            <a:avLst/>
-          </a:prstGeom>
-          <a:noFill/>
-          <a:ln>
-            <a:noFill/>
-          </a:ln>
-          <a:effectLst/>
-          <a:extLst>
-            <a:ext uri="{909E8E84-426E-40DD-AFC4-6F175D3DCCD1}">
-              <a14:hiddenFill xmlns:a14="http://schemas.microsoft.com/office/drawing/2010/main">
-                <a:solidFill>
-                  <a:srgbClr val="FFFFFF"/>
-                </a:solidFill>
-              </a14:hiddenFill>
-            </a:ext>
-            <a:ext uri="{91240B29-F687-4F45-9708-019B960494DF}">
-              <a14:hiddenLine xmlns:a14="http://schemas.microsoft.com/office/drawing/2010/main" w="9525">
-                <a:solidFill>
-                  <a:srgbClr val="000000"/>
-                </a:solidFill>
-                <a:round/>
-                <a:headEnd/>
-                <a:tailEnd/>
-              </a14:hiddenLine>
-            </a:ext>
-            <a:ext uri="{AF507438-7753-43E0-B8FC-AC1667EBCBE1}">
-              <a14:hiddenEffects xmlns:a14="http://schemas.microsoft.com/office/drawing/2010/main">
-                <a:effectLst>
-                  <a:outerShdw blurRad="63500" dist="38099" dir="2700000" algn="ctr" rotWithShape="0">
-                    <a:srgbClr val="000000">
-                      <a:alpha val="74998"/>
-                    </a:srgbClr>
-                  </a:outerShdw>
-                </a:effectLst>
-              </a14:hiddenEffects>
-            </a:ext>
-          </a:extLst>
-        </p:spPr>
-        <p:txBody>
-          <a:bodyPr lIns="0" tIns="15876" rIns="0" bIns="0" anchor="ctr"/>
-          <a:lstStyle>
-            <a:lvl1pPr eaLnBrk="0">
-              <a:tabLst>
-                <a:tab pos="723900" algn="l"/>
-                <a:tab pos="1447800" algn="l"/>
-                <a:tab pos="2171700" algn="l"/>
-                <a:tab pos="2895600" algn="l"/>
-                <a:tab pos="3619500" algn="l"/>
-                <a:tab pos="4343400" algn="l"/>
-                <a:tab pos="5067300" algn="l"/>
-                <a:tab pos="5791200" algn="l"/>
-                <a:tab pos="6515100" algn="l"/>
-                <a:tab pos="7239000" algn="l"/>
-                <a:tab pos="7962900" algn="l"/>
-                <a:tab pos="8686800" algn="l"/>
-              </a:tabLst>
-              <a:defRPr sz="2400">
-                <a:solidFill>
-                  <a:schemeClr val="tx1"/>
-                </a:solidFill>
-                <a:latin typeface="Arial" charset="0"/>
-                <a:ea typeface="ＭＳ Ｐゴシック" pitchFamily="34" charset="-128"/>
-              </a:defRPr>
-            </a:lvl1pPr>
-            <a:lvl2pPr eaLnBrk="0">
-              <a:tabLst>
-                <a:tab pos="723900" algn="l"/>
-                <a:tab pos="1447800" algn="l"/>
-                <a:tab pos="2171700" algn="l"/>
-                <a:tab pos="2895600" algn="l"/>
-                <a:tab pos="3619500" algn="l"/>
-                <a:tab pos="4343400" algn="l"/>
-                <a:tab pos="5067300" algn="l"/>
-                <a:tab pos="5791200" algn="l"/>
-                <a:tab pos="6515100" algn="l"/>
-                <a:tab pos="7239000" algn="l"/>
-                <a:tab pos="7962900" algn="l"/>
-                <a:tab pos="8686800" algn="l"/>
-              </a:tabLst>
-              <a:defRPr sz="2400">
-                <a:solidFill>
-                  <a:schemeClr val="tx1"/>
-                </a:solidFill>
-                <a:latin typeface="Arial" charset="0"/>
-                <a:ea typeface="ＭＳ Ｐゴシック" pitchFamily="34" charset="-128"/>
-              </a:defRPr>
-            </a:lvl2pPr>
-            <a:lvl3pPr eaLnBrk="0">
-              <a:tabLst>
-                <a:tab pos="723900" algn="l"/>
-                <a:tab pos="1447800" algn="l"/>
-                <a:tab pos="2171700" algn="l"/>
-                <a:tab pos="2895600" algn="l"/>
-                <a:tab pos="3619500" algn="l"/>
-                <a:tab pos="4343400" algn="l"/>
-                <a:tab pos="5067300" algn="l"/>
-                <a:tab pos="5791200" algn="l"/>
-                <a:tab pos="6515100" algn="l"/>
-                <a:tab pos="7239000" algn="l"/>
-                <a:tab pos="7962900" algn="l"/>
-                <a:tab pos="8686800" algn="l"/>
-              </a:tabLst>
-              <a:defRPr sz="2400">
-                <a:solidFill>
-                  <a:schemeClr val="tx1"/>
-                </a:solidFill>
-                <a:latin typeface="Arial" charset="0"/>
-                <a:ea typeface="ＭＳ Ｐゴシック" pitchFamily="34" charset="-128"/>
-              </a:defRPr>
-            </a:lvl3pPr>
-            <a:lvl4pPr eaLnBrk="0">
-              <a:tabLst>
-                <a:tab pos="723900" algn="l"/>
-                <a:tab pos="1447800" algn="l"/>
-                <a:tab pos="2171700" algn="l"/>
-                <a:tab pos="2895600" algn="l"/>
-                <a:tab pos="3619500" algn="l"/>
-                <a:tab pos="4343400" algn="l"/>
-                <a:tab pos="5067300" algn="l"/>
-                <a:tab pos="5791200" algn="l"/>
-                <a:tab pos="6515100" algn="l"/>
-                <a:tab pos="7239000" algn="l"/>
-                <a:tab pos="7962900" algn="l"/>
-                <a:tab pos="8686800" algn="l"/>
-              </a:tabLst>
-              <a:defRPr sz="2400">
-                <a:solidFill>
-                  <a:schemeClr val="tx1"/>
-                </a:solidFill>
-                <a:latin typeface="Arial" charset="0"/>
-                <a:ea typeface="ＭＳ Ｐゴシック" pitchFamily="34" charset="-128"/>
-              </a:defRPr>
-            </a:lvl4pPr>
-            <a:lvl5pPr eaLnBrk="0">
-              <a:tabLst>
-                <a:tab pos="723900" algn="l"/>
-                <a:tab pos="1447800" algn="l"/>
-                <a:tab pos="2171700" algn="l"/>
-                <a:tab pos="2895600" algn="l"/>
-                <a:tab pos="3619500" algn="l"/>
-                <a:tab pos="4343400" algn="l"/>
-                <a:tab pos="5067300" algn="l"/>
-                <a:tab pos="5791200" algn="l"/>
-                <a:tab pos="6515100" algn="l"/>
-                <a:tab pos="7239000" algn="l"/>
-                <a:tab pos="7962900" algn="l"/>
-                <a:tab pos="8686800" algn="l"/>
-              </a:tabLst>
-              <a:defRPr sz="2400">
-                <a:solidFill>
-                  <a:schemeClr val="tx1"/>
-                </a:solidFill>
-                <a:latin typeface="Arial" charset="0"/>
-                <a:ea typeface="ＭＳ Ｐゴシック" pitchFamily="34" charset="-128"/>
-              </a:defRPr>
-            </a:lvl5pPr>
-            <a:lvl6pPr marL="2514600" indent="-228600" defTabSz="449263" eaLnBrk="0" fontAlgn="base" hangingPunct="0">
-              <a:lnSpc>
-                <a:spcPct val="93000"/>
-              </a:lnSpc>
-              <a:spcBef>
-                <a:spcPct val="0"/>
-              </a:spcBef>
-              <a:spcAft>
-                <a:spcPct val="0"/>
-              </a:spcAft>
-              <a:buClr>
-                <a:srgbClr val="000000"/>
-              </a:buClr>
-              <a:buSzPct val="100000"/>
-              <a:buFont typeface="Times New Roman" pitchFamily="18" charset="0"/>
-              <a:tabLst>
-                <a:tab pos="723900" algn="l"/>
-                <a:tab pos="1447800" algn="l"/>
-                <a:tab pos="2171700" algn="l"/>
-                <a:tab pos="2895600" algn="l"/>
-                <a:tab pos="3619500" algn="l"/>
-                <a:tab pos="4343400" algn="l"/>
-                <a:tab pos="5067300" algn="l"/>
-                <a:tab pos="5791200" algn="l"/>
-                <a:tab pos="6515100" algn="l"/>
-                <a:tab pos="7239000" algn="l"/>
-                <a:tab pos="7962900" algn="l"/>
-                <a:tab pos="8686800" algn="l"/>
-              </a:tabLst>
-              <a:defRPr sz="2400">
-                <a:solidFill>
-                  <a:schemeClr val="tx1"/>
-                </a:solidFill>
-                <a:latin typeface="Arial" charset="0"/>
-                <a:ea typeface="ＭＳ Ｐゴシック" pitchFamily="34" charset="-128"/>
-              </a:defRPr>
-            </a:lvl6pPr>
-            <a:lvl7pPr marL="2971800" indent="-228600" defTabSz="449263" eaLnBrk="0" fontAlgn="base" hangingPunct="0">
-              <a:lnSpc>
-                <a:spcPct val="93000"/>
-              </a:lnSpc>
-              <a:spcBef>
-                <a:spcPct val="0"/>
-              </a:spcBef>
-              <a:spcAft>
-                <a:spcPct val="0"/>
-              </a:spcAft>
-              <a:buClr>
-                <a:srgbClr val="000000"/>
-              </a:buClr>
-              <a:buSzPct val="100000"/>
-              <a:buFont typeface="Times New Roman" pitchFamily="18" charset="0"/>
-              <a:tabLst>
-                <a:tab pos="723900" algn="l"/>
-                <a:tab pos="1447800" algn="l"/>
-                <a:tab pos="2171700" algn="l"/>
-                <a:tab pos="2895600" algn="l"/>
-                <a:tab pos="3619500" algn="l"/>
-                <a:tab pos="4343400" algn="l"/>
-                <a:tab pos="5067300" algn="l"/>
-                <a:tab pos="5791200" algn="l"/>
-                <a:tab pos="6515100" algn="l"/>
-                <a:tab pos="7239000" algn="l"/>
-                <a:tab pos="7962900" algn="l"/>
-                <a:tab pos="8686800" algn="l"/>
-              </a:tabLst>
-              <a:defRPr sz="2400">
-                <a:solidFill>
-                  <a:schemeClr val="tx1"/>
-                </a:solidFill>
-                <a:latin typeface="Arial" charset="0"/>
-                <a:ea typeface="ＭＳ Ｐゴシック" pitchFamily="34" charset="-128"/>
-              </a:defRPr>
-            </a:lvl7pPr>
-            <a:lvl8pPr marL="3429000" indent="-228600" defTabSz="449263" eaLnBrk="0" fontAlgn="base" hangingPunct="0">
-              <a:lnSpc>
-                <a:spcPct val="93000"/>
-              </a:lnSpc>
-              <a:spcBef>
-                <a:spcPct val="0"/>
-              </a:spcBef>
-              <a:spcAft>
-                <a:spcPct val="0"/>
-              </a:spcAft>
-              <a:buClr>
-                <a:srgbClr val="000000"/>
-              </a:buClr>
-              <a:buSzPct val="100000"/>
-              <a:buFont typeface="Times New Roman" pitchFamily="18" charset="0"/>
-              <a:tabLst>
-                <a:tab pos="723900" algn="l"/>
-                <a:tab pos="1447800" algn="l"/>
-                <a:tab pos="2171700" algn="l"/>
-                <a:tab pos="2895600" algn="l"/>
-                <a:tab pos="3619500" algn="l"/>
-                <a:tab pos="4343400" algn="l"/>
-                <a:tab pos="5067300" algn="l"/>
-                <a:tab pos="5791200" algn="l"/>
-                <a:tab pos="6515100" algn="l"/>
-                <a:tab pos="7239000" algn="l"/>
-                <a:tab pos="7962900" algn="l"/>
-                <a:tab pos="8686800" algn="l"/>
-              </a:tabLst>
-              <a:defRPr sz="2400">
-                <a:solidFill>
-                  <a:schemeClr val="tx1"/>
-                </a:solidFill>
-                <a:latin typeface="Arial" charset="0"/>
-                <a:ea typeface="ＭＳ Ｐゴシック" pitchFamily="34" charset="-128"/>
-              </a:defRPr>
-            </a:lvl8pPr>
-            <a:lvl9pPr marL="3886200" indent="-228600" defTabSz="449263" eaLnBrk="0" fontAlgn="base" hangingPunct="0">
-              <a:lnSpc>
-                <a:spcPct val="93000"/>
-              </a:lnSpc>
-              <a:spcBef>
-                <a:spcPct val="0"/>
-              </a:spcBef>
-              <a:spcAft>
-                <a:spcPct val="0"/>
-              </a:spcAft>
-              <a:buClr>
-                <a:srgbClr val="000000"/>
-              </a:buClr>
-              <a:buSzPct val="100000"/>
-              <a:buFont typeface="Times New Roman" pitchFamily="18" charset="0"/>
-              <a:tabLst>
-                <a:tab pos="723900" algn="l"/>
-                <a:tab pos="1447800" algn="l"/>
-                <a:tab pos="2171700" algn="l"/>
-                <a:tab pos="2895600" algn="l"/>
-                <a:tab pos="3619500" algn="l"/>
-                <a:tab pos="4343400" algn="l"/>
-                <a:tab pos="5067300" algn="l"/>
-                <a:tab pos="5791200" algn="l"/>
-                <a:tab pos="6515100" algn="l"/>
-                <a:tab pos="7239000" algn="l"/>
-                <a:tab pos="7962900" algn="l"/>
-                <a:tab pos="8686800" algn="l"/>
-              </a:tabLst>
-              <a:defRPr sz="2400">
-                <a:solidFill>
-                  <a:schemeClr val="tx1"/>
-                </a:solidFill>
-                <a:latin typeface="Arial" charset="0"/>
-                <a:ea typeface="ＭＳ Ｐゴシック" pitchFamily="34" charset="-128"/>
-              </a:defRPr>
-            </a:lvl9pPr>
-          </a:lstStyle>
-          <a:p>
-            <a:pPr algn="ctr" eaLnBrk="1">
-              <a:defRPr/>
-            </a:pPr>
-            <a:r>
-              <a:rPr lang="en-US" sz="1800" dirty="0" smtClean="0">
-                <a:solidFill>
-                  <a:srgbClr val="808080"/>
-                </a:solidFill>
-              </a:rPr>
-              <a:t>LEARN MORE ABOUT</a:t>
-            </a:r>
-          </a:p>
-          <a:p>
-            <a:pPr algn="ctr" eaLnBrk="1">
-              <a:defRPr/>
-            </a:pPr>
-            <a:r>
-              <a:rPr lang="en-US" sz="4400" b="1" dirty="0" smtClean="0">
-                <a:solidFill>
-                  <a:srgbClr val="808080"/>
-                </a:solidFill>
-              </a:rPr>
-              <a:t>MongoDB</a:t>
-            </a:r>
-          </a:p>
-          <a:p>
-            <a:pPr algn="ctr" eaLnBrk="1">
-              <a:defRPr/>
-            </a:pPr>
-            <a:endParaRPr lang="en-US" sz="3200" b="1" dirty="0" smtClean="0">
-              <a:solidFill>
-                <a:srgbClr val="808080"/>
-              </a:solidFill>
-            </a:endParaRPr>
-          </a:p>
-          <a:p>
-            <a:pPr algn="ctr" eaLnBrk="1">
-              <a:defRPr/>
-            </a:pPr>
-            <a:r>
-              <a:rPr lang="en-US" sz="3200" dirty="0" smtClean="0">
-                <a:solidFill>
-                  <a:srgbClr val="808080"/>
-                </a:solidFill>
-              </a:rPr>
-              <a:t>Kuala Lumpur MongoDB User-Group:</a:t>
-            </a:r>
-          </a:p>
-          <a:p>
-            <a:pPr algn="ctr" eaLnBrk="1">
-              <a:defRPr/>
-            </a:pPr>
-            <a:r>
-              <a:rPr lang="en-US" sz="3200" b="1" dirty="0" smtClean="0">
-                <a:solidFill>
-                  <a:srgbClr val="808080"/>
-                </a:solidFill>
-                <a:hlinkClick r:id="rId4"/>
-              </a:rPr>
-              <a:t>http://facebook.com/groups/klmug/</a:t>
-            </a:r>
-            <a:endParaRPr lang="en-US" sz="3200" b="1" dirty="0" smtClean="0">
-              <a:solidFill>
-                <a:srgbClr val="808080"/>
-              </a:solidFill>
-            </a:endParaRPr>
-          </a:p>
-          <a:p>
-            <a:pPr algn="ctr" eaLnBrk="1">
-              <a:defRPr/>
-            </a:pPr>
-            <a:endParaRPr lang="en-US" sz="1800" b="1" dirty="0" smtClean="0">
-              <a:solidFill>
-                <a:srgbClr val="808080"/>
-              </a:solidFill>
-            </a:endParaRPr>
-          </a:p>
-          <a:p>
-            <a:pPr algn="ctr" eaLnBrk="1">
-              <a:defRPr/>
-            </a:pPr>
-            <a:endParaRPr lang="en-US" sz="1800" b="1" dirty="0" smtClean="0">
-              <a:solidFill>
-                <a:srgbClr val="808080"/>
-              </a:solidFill>
+            <a:endParaRPr kumimoji="0" lang="en-MY" sz="1800" b="0" i="0" u="none" strike="noStrike" cap="none" normalizeH="0" baseline="0">
+              <a:ln>
+                <a:noFill/>
+              </a:ln>
+              <a:effectLst/>
+              <a:latin typeface="Arial" charset="0"/>
+              <a:ea typeface="ＭＳ Ｐゴシック" charset="0"/>
+              <a:cs typeface="Arial Unicode MS" charset="0"/>
             </a:endParaRPr>
           </a:p>
         </p:txBody>
       </p:sp>
       <p:pic>
         <p:nvPicPr>
-          <p:cNvPr id="32772" name="Picture 5" descr="mongo-badge"/>
+          <p:cNvPr id="7170" name="Picture 2"/>
           <p:cNvPicPr>
             <a:picLocks noChangeAspect="1" noChangeArrowheads="1"/>
           </p:cNvPicPr>
           <p:nvPr/>
         </p:nvPicPr>
         <p:blipFill>
-          <a:blip r:embed="rId5">
+          <a:blip r:embed="rId3">
             <a:extLst>
               <a:ext uri="{28A0092B-C50C-407E-A947-70E740481C1C}">
                 <a14:useLocalDpi xmlns:a14="http://schemas.microsoft.com/office/drawing/2010/main" val="0"/>
@@ -19248,8 +16053,8 @@
         </p:blipFill>
         <p:spPr bwMode="auto">
           <a:xfrm>
-            <a:off x="3671888" y="2915741"/>
-            <a:ext cx="2857500" cy="2857500"/>
+            <a:off x="1978025" y="1536700"/>
+            <a:ext cx="6124575" cy="4486275"/>
           </a:xfrm>
           <a:prstGeom prst="rect">
             <a:avLst/>
@@ -19258,28 +16063,485 @@
           <a:ln>
             <a:noFill/>
           </a:ln>
+          <a:effectLst/>
           <a:extLst>
             <a:ext uri="{909E8E84-426E-40DD-AFC4-6F175D3DCCD1}">
               <a14:hiddenFill xmlns:a14="http://schemas.microsoft.com/office/drawing/2010/main">
                 <a:solidFill>
-                  <a:srgbClr val="FFFFFF"/>
+                  <a:schemeClr val="accent1"/>
                 </a:solidFill>
               </a14:hiddenFill>
             </a:ext>
             <a:ext uri="{91240B29-F687-4F45-9708-019B960494DF}">
               <a14:hiddenLine xmlns:a14="http://schemas.microsoft.com/office/drawing/2010/main" w="9525">
                 <a:solidFill>
-                  <a:srgbClr val="000000"/>
+                  <a:schemeClr val="tx1"/>
                 </a:solidFill>
                 <a:miter lim="800000"/>
                 <a:headEnd/>
                 <a:tailEnd/>
               </a14:hiddenLine>
             </a:ext>
+            <a:ext uri="{AF507438-7753-43E0-B8FC-AC1667EBCBE1}">
+              <a14:hiddenEffects xmlns:a14="http://schemas.microsoft.com/office/drawing/2010/main">
+                <a:effectLst>
+                  <a:outerShdw dist="35921" dir="2700000" algn="ctr" rotWithShape="0">
+                    <a:schemeClr val="bg2"/>
+                  </a:outerShdw>
+                </a:effectLst>
+              </a14:hiddenEffects>
+            </a:ext>
           </a:extLst>
         </p:spPr>
       </p:pic>
     </p:spTree>
+    <p:extLst>
+      <p:ext uri="{BB962C8B-B14F-4D97-AF65-F5344CB8AC3E}">
+        <p14:creationId xmlns:p14="http://schemas.microsoft.com/office/powerpoint/2010/main" val="625057893"/>
+      </p:ext>
+    </p:extLst>
+  </p:cSld>
+  <p:clrMapOvr>
+    <a:masterClrMapping/>
+  </p:clrMapOvr>
+  <p:transition spd="med"/>
+  <p:timing>
+    <p:tnLst>
+      <p:par>
+        <p:cTn id="1" dur="indefinite" restart="never" nodeType="tmRoot">
+          <p:childTnLst>
+            <p:seq concurrent="1" nextAc="seek">
+              <p:cTn id="2" dur="0" nodeType="mainSeq"/>
+              <p:prevCondLst>
+                <p:cond evt="onPrev" delay="0">
+                  <p:tgtEl>
+                    <p:sldTgt/>
+                  </p:tgtEl>
+                </p:cond>
+              </p:prevCondLst>
+              <p:nextCondLst>
+                <p:cond evt="onNext" delay="0">
+                  <p:tgtEl>
+                    <p:sldTgt/>
+                  </p:tgtEl>
+                </p:cond>
+              </p:nextCondLst>
+            </p:seq>
+          </p:childTnLst>
+        </p:cTn>
+      </p:par>
+    </p:tnLst>
+  </p:timing>
+</p:sld>
+</file>
+
+<file path=ppt/slides/slide18.xml><?xml version="1.0" encoding="utf-8"?>
+<p:sld xmlns:a="http://schemas.openxmlformats.org/drawingml/2006/main" xmlns:r="http://schemas.openxmlformats.org/officeDocument/2006/relationships" xmlns:p="http://schemas.openxmlformats.org/presentationml/2006/main">
+  <p:cSld>
+    <p:spTree>
+      <p:nvGrpSpPr>
+        <p:cNvPr id="1" name=""/>
+        <p:cNvGrpSpPr/>
+        <p:nvPr/>
+      </p:nvGrpSpPr>
+      <p:grpSpPr>
+        <a:xfrm>
+          <a:off x="0" y="0"/>
+          <a:ext cx="0" cy="0"/>
+          <a:chOff x="0" y="0"/>
+          <a:chExt cx="0" cy="0"/>
+        </a:xfrm>
+      </p:grpSpPr>
+      <p:sp>
+        <p:nvSpPr>
+          <p:cNvPr id="3" name="Rectangle 2"/>
+          <p:cNvSpPr/>
+          <p:nvPr/>
+        </p:nvSpPr>
+        <p:spPr bwMode="auto">
+          <a:xfrm>
+            <a:off x="-144264" y="-108595"/>
+            <a:ext cx="10369152" cy="7776864"/>
+          </a:xfrm>
+          <a:prstGeom prst="rect">
+            <a:avLst/>
+          </a:prstGeom>
+          <a:solidFill>
+            <a:srgbClr val="FAFAFA"/>
+          </a:solidFill>
+          <a:ln w="9525" cap="flat" cmpd="sng" algn="ctr">
+            <a:solidFill>
+              <a:schemeClr val="tx1"/>
+            </a:solidFill>
+            <a:prstDash val="solid"/>
+            <a:round/>
+            <a:headEnd type="none" w="med" len="med"/>
+            <a:tailEnd type="none" w="med" len="med"/>
+          </a:ln>
+          <a:effectLst/>
+          <a:extLst/>
+        </p:spPr>
+        <p:txBody>
+          <a:bodyPr vert="horz" wrap="square" lIns="91440" tIns="45720" rIns="91440" bIns="45720" numCol="1" rtlCol="0" anchor="t" anchorCtr="0" compatLnSpc="1">
+            <a:prstTxWarp prst="textNoShape">
+              <a:avLst/>
+            </a:prstTxWarp>
+          </a:bodyPr>
+          <a:lstStyle/>
+          <a:p>
+            <a:pPr marL="0" marR="0" indent="0" algn="l" defTabSz="449263" rtl="0" eaLnBrk="1" fontAlgn="base" latinLnBrk="0" hangingPunct="0">
+              <a:lnSpc>
+                <a:spcPct val="93000"/>
+              </a:lnSpc>
+              <a:spcBef>
+                <a:spcPct val="0"/>
+              </a:spcBef>
+              <a:spcAft>
+                <a:spcPct val="0"/>
+              </a:spcAft>
+              <a:buClr>
+                <a:srgbClr val="000000"/>
+              </a:buClr>
+              <a:buSzPct val="100000"/>
+              <a:buFont typeface="Times New Roman" charset="0"/>
+              <a:buNone/>
+              <a:tabLst/>
+            </a:pPr>
+            <a:endParaRPr kumimoji="0" lang="en-MY" sz="1800" b="0" i="0" u="none" strike="noStrike" cap="none" normalizeH="0" baseline="0">
+              <a:ln>
+                <a:noFill/>
+              </a:ln>
+              <a:effectLst/>
+              <a:latin typeface="Arial" charset="0"/>
+              <a:ea typeface="ＭＳ Ｐゴシック" charset="0"/>
+              <a:cs typeface="Arial Unicode MS" charset="0"/>
+            </a:endParaRPr>
+          </a:p>
+        </p:txBody>
+      </p:sp>
+      <p:pic>
+        <p:nvPicPr>
+          <p:cNvPr id="8194" name="Picture 2"/>
+          <p:cNvPicPr>
+            <a:picLocks noChangeAspect="1" noChangeArrowheads="1"/>
+          </p:cNvPicPr>
+          <p:nvPr/>
+        </p:nvPicPr>
+        <p:blipFill>
+          <a:blip r:embed="rId3">
+            <a:extLst>
+              <a:ext uri="{28A0092B-C50C-407E-A947-70E740481C1C}">
+                <a14:useLocalDpi xmlns:a14="http://schemas.microsoft.com/office/drawing/2010/main" val="0"/>
+              </a:ext>
+            </a:extLst>
+          </a:blip>
+          <a:srcRect/>
+          <a:stretch>
+            <a:fillRect/>
+          </a:stretch>
+        </p:blipFill>
+        <p:spPr bwMode="auto">
+          <a:xfrm>
+            <a:off x="2082800" y="955675"/>
+            <a:ext cx="5915025" cy="5648325"/>
+          </a:xfrm>
+          <a:prstGeom prst="rect">
+            <a:avLst/>
+          </a:prstGeom>
+          <a:noFill/>
+          <a:ln>
+            <a:noFill/>
+          </a:ln>
+          <a:effectLst/>
+          <a:extLst>
+            <a:ext uri="{909E8E84-426E-40DD-AFC4-6F175D3DCCD1}">
+              <a14:hiddenFill xmlns:a14="http://schemas.microsoft.com/office/drawing/2010/main">
+                <a:solidFill>
+                  <a:schemeClr val="accent1"/>
+                </a:solidFill>
+              </a14:hiddenFill>
+            </a:ext>
+            <a:ext uri="{91240B29-F687-4F45-9708-019B960494DF}">
+              <a14:hiddenLine xmlns:a14="http://schemas.microsoft.com/office/drawing/2010/main" w="9525">
+                <a:solidFill>
+                  <a:schemeClr val="tx1"/>
+                </a:solidFill>
+                <a:miter lim="800000"/>
+                <a:headEnd/>
+                <a:tailEnd/>
+              </a14:hiddenLine>
+            </a:ext>
+            <a:ext uri="{AF507438-7753-43E0-B8FC-AC1667EBCBE1}">
+              <a14:hiddenEffects xmlns:a14="http://schemas.microsoft.com/office/drawing/2010/main">
+                <a:effectLst>
+                  <a:outerShdw dist="35921" dir="2700000" algn="ctr" rotWithShape="0">
+                    <a:schemeClr val="bg2"/>
+                  </a:outerShdw>
+                </a:effectLst>
+              </a14:hiddenEffects>
+            </a:ext>
+          </a:extLst>
+        </p:spPr>
+      </p:pic>
+    </p:spTree>
+    <p:extLst>
+      <p:ext uri="{BB962C8B-B14F-4D97-AF65-F5344CB8AC3E}">
+        <p14:creationId xmlns:p14="http://schemas.microsoft.com/office/powerpoint/2010/main" val="167928973"/>
+      </p:ext>
+    </p:extLst>
+  </p:cSld>
+  <p:clrMapOvr>
+    <a:masterClrMapping/>
+  </p:clrMapOvr>
+  <p:transition spd="med"/>
+  <p:timing>
+    <p:tnLst>
+      <p:par>
+        <p:cTn id="1" dur="indefinite" restart="never" nodeType="tmRoot">
+          <p:childTnLst>
+            <p:seq concurrent="1" nextAc="seek">
+              <p:cTn id="2" dur="0" nodeType="mainSeq"/>
+              <p:prevCondLst>
+                <p:cond evt="onPrev" delay="0">
+                  <p:tgtEl>
+                    <p:sldTgt/>
+                  </p:tgtEl>
+                </p:cond>
+              </p:prevCondLst>
+              <p:nextCondLst>
+                <p:cond evt="onNext" delay="0">
+                  <p:tgtEl>
+                    <p:sldTgt/>
+                  </p:tgtEl>
+                </p:cond>
+              </p:nextCondLst>
+            </p:seq>
+          </p:childTnLst>
+        </p:cTn>
+      </p:par>
+    </p:tnLst>
+  </p:timing>
+</p:sld>
+</file>
+
+<file path=ppt/slides/slide19.xml><?xml version="1.0" encoding="utf-8"?>
+<p:sld xmlns:a="http://schemas.openxmlformats.org/drawingml/2006/main" xmlns:r="http://schemas.openxmlformats.org/officeDocument/2006/relationships" xmlns:p="http://schemas.openxmlformats.org/presentationml/2006/main">
+  <p:cSld>
+    <p:spTree>
+      <p:nvGrpSpPr>
+        <p:cNvPr id="1" name=""/>
+        <p:cNvGrpSpPr/>
+        <p:nvPr/>
+      </p:nvGrpSpPr>
+      <p:grpSpPr>
+        <a:xfrm>
+          <a:off x="0" y="0"/>
+          <a:ext cx="0" cy="0"/>
+          <a:chOff x="0" y="0"/>
+          <a:chExt cx="0" cy="0"/>
+        </a:xfrm>
+      </p:grpSpPr>
+      <p:sp>
+        <p:nvSpPr>
+          <p:cNvPr id="3" name="Rectangle 2"/>
+          <p:cNvSpPr/>
+          <p:nvPr/>
+        </p:nvSpPr>
+        <p:spPr bwMode="auto">
+          <a:xfrm>
+            <a:off x="-144264" y="-108595"/>
+            <a:ext cx="10369152" cy="7776864"/>
+          </a:xfrm>
+          <a:prstGeom prst="rect">
+            <a:avLst/>
+          </a:prstGeom>
+          <a:solidFill>
+            <a:srgbClr val="FAFAFA"/>
+          </a:solidFill>
+          <a:ln w="9525" cap="flat" cmpd="sng" algn="ctr">
+            <a:solidFill>
+              <a:schemeClr val="tx1"/>
+            </a:solidFill>
+            <a:prstDash val="solid"/>
+            <a:round/>
+            <a:headEnd type="none" w="med" len="med"/>
+            <a:tailEnd type="none" w="med" len="med"/>
+          </a:ln>
+          <a:effectLst/>
+          <a:extLst/>
+        </p:spPr>
+        <p:txBody>
+          <a:bodyPr vert="horz" wrap="square" lIns="91440" tIns="45720" rIns="91440" bIns="45720" numCol="1" rtlCol="0" anchor="t" anchorCtr="0" compatLnSpc="1">
+            <a:prstTxWarp prst="textNoShape">
+              <a:avLst/>
+            </a:prstTxWarp>
+          </a:bodyPr>
+          <a:lstStyle/>
+          <a:p>
+            <a:pPr marL="0" marR="0" indent="0" algn="l" defTabSz="449263" rtl="0" eaLnBrk="1" fontAlgn="base" latinLnBrk="0" hangingPunct="0">
+              <a:lnSpc>
+                <a:spcPct val="93000"/>
+              </a:lnSpc>
+              <a:spcBef>
+                <a:spcPct val="0"/>
+              </a:spcBef>
+              <a:spcAft>
+                <a:spcPct val="0"/>
+              </a:spcAft>
+              <a:buClr>
+                <a:srgbClr val="000000"/>
+              </a:buClr>
+              <a:buSzPct val="100000"/>
+              <a:buFont typeface="Times New Roman" charset="0"/>
+              <a:buNone/>
+              <a:tabLst/>
+            </a:pPr>
+            <a:endParaRPr kumimoji="0" lang="en-MY" sz="1800" b="0" i="0" u="none" strike="noStrike" cap="none" normalizeH="0" baseline="0">
+              <a:ln>
+                <a:noFill/>
+              </a:ln>
+              <a:effectLst/>
+              <a:latin typeface="Arial" charset="0"/>
+              <a:ea typeface="ＭＳ Ｐゴシック" charset="0"/>
+              <a:cs typeface="Arial Unicode MS" charset="0"/>
+            </a:endParaRPr>
+          </a:p>
+        </p:txBody>
+      </p:sp>
+      <p:pic>
+        <p:nvPicPr>
+          <p:cNvPr id="9218" name="Picture 2"/>
+          <p:cNvPicPr>
+            <a:picLocks noChangeAspect="1" noChangeArrowheads="1"/>
+          </p:cNvPicPr>
+          <p:nvPr/>
+        </p:nvPicPr>
+        <p:blipFill>
+          <a:blip r:embed="rId3">
+            <a:extLst>
+              <a:ext uri="{28A0092B-C50C-407E-A947-70E740481C1C}">
+                <a14:useLocalDpi xmlns:a14="http://schemas.microsoft.com/office/drawing/2010/main" val="0"/>
+              </a:ext>
+            </a:extLst>
+          </a:blip>
+          <a:srcRect/>
+          <a:stretch>
+            <a:fillRect/>
+          </a:stretch>
+        </p:blipFill>
+        <p:spPr bwMode="auto">
+          <a:xfrm>
+            <a:off x="1997075" y="874713"/>
+            <a:ext cx="6086475" cy="5810250"/>
+          </a:xfrm>
+          <a:prstGeom prst="rect">
+            <a:avLst/>
+          </a:prstGeom>
+          <a:noFill/>
+          <a:ln>
+            <a:noFill/>
+          </a:ln>
+          <a:effectLst/>
+          <a:extLst>
+            <a:ext uri="{909E8E84-426E-40DD-AFC4-6F175D3DCCD1}">
+              <a14:hiddenFill xmlns:a14="http://schemas.microsoft.com/office/drawing/2010/main">
+                <a:solidFill>
+                  <a:schemeClr val="accent1"/>
+                </a:solidFill>
+              </a14:hiddenFill>
+            </a:ext>
+            <a:ext uri="{91240B29-F687-4F45-9708-019B960494DF}">
+              <a14:hiddenLine xmlns:a14="http://schemas.microsoft.com/office/drawing/2010/main" w="9525">
+                <a:solidFill>
+                  <a:schemeClr val="tx1"/>
+                </a:solidFill>
+                <a:miter lim="800000"/>
+                <a:headEnd/>
+                <a:tailEnd/>
+              </a14:hiddenLine>
+            </a:ext>
+            <a:ext uri="{AF507438-7753-43E0-B8FC-AC1667EBCBE1}">
+              <a14:hiddenEffects xmlns:a14="http://schemas.microsoft.com/office/drawing/2010/main">
+                <a:effectLst>
+                  <a:outerShdw dist="35921" dir="2700000" algn="ctr" rotWithShape="0">
+                    <a:schemeClr val="bg2"/>
+                  </a:outerShdw>
+                </a:effectLst>
+              </a14:hiddenEffects>
+            </a:ext>
+          </a:extLst>
+        </p:spPr>
+      </p:pic>
+      <p:pic>
+        <p:nvPicPr>
+          <p:cNvPr id="9219" name="Picture 3"/>
+          <p:cNvPicPr>
+            <a:picLocks noChangeAspect="1" noChangeArrowheads="1"/>
+          </p:cNvPicPr>
+          <p:nvPr/>
+        </p:nvPicPr>
+        <p:blipFill>
+          <a:blip r:embed="rId4">
+            <a:extLst>
+              <a:ext uri="{28A0092B-C50C-407E-A947-70E740481C1C}">
+                <a14:useLocalDpi xmlns:a14="http://schemas.microsoft.com/office/drawing/2010/main" val="0"/>
+              </a:ext>
+            </a:extLst>
+          </a:blip>
+          <a:srcRect/>
+          <a:stretch>
+            <a:fillRect/>
+          </a:stretch>
+        </p:blipFill>
+        <p:spPr bwMode="auto">
+          <a:xfrm>
+            <a:off x="2154237" y="3955007"/>
+            <a:ext cx="5772150" cy="2657475"/>
+          </a:xfrm>
+          <a:prstGeom prst="rect">
+            <a:avLst/>
+          </a:prstGeom>
+          <a:noFill/>
+          <a:ln>
+            <a:noFill/>
+          </a:ln>
+          <a:effectLst/>
+          <a:extLst>
+            <a:ext uri="{909E8E84-426E-40DD-AFC4-6F175D3DCCD1}">
+              <a14:hiddenFill xmlns:a14="http://schemas.microsoft.com/office/drawing/2010/main">
+                <a:solidFill>
+                  <a:schemeClr val="accent1"/>
+                </a:solidFill>
+              </a14:hiddenFill>
+            </a:ext>
+            <a:ext uri="{91240B29-F687-4F45-9708-019B960494DF}">
+              <a14:hiddenLine xmlns:a14="http://schemas.microsoft.com/office/drawing/2010/main" w="9525">
+                <a:solidFill>
+                  <a:schemeClr val="tx1"/>
+                </a:solidFill>
+                <a:miter lim="800000"/>
+                <a:headEnd/>
+                <a:tailEnd/>
+              </a14:hiddenLine>
+            </a:ext>
+            <a:ext uri="{AF507438-7753-43E0-B8FC-AC1667EBCBE1}">
+              <a14:hiddenEffects xmlns:a14="http://schemas.microsoft.com/office/drawing/2010/main">
+                <a:effectLst>
+                  <a:outerShdw dist="35921" dir="2700000" algn="ctr" rotWithShape="0">
+                    <a:schemeClr val="bg2"/>
+                  </a:outerShdw>
+                </a:effectLst>
+              </a14:hiddenEffects>
+            </a:ext>
+          </a:extLst>
+        </p:spPr>
+      </p:pic>
+    </p:spTree>
+    <p:extLst>
+      <p:ext uri="{BB962C8B-B14F-4D97-AF65-F5344CB8AC3E}">
+        <p14:creationId xmlns:p14="http://schemas.microsoft.com/office/powerpoint/2010/main" val="2750595030"/>
+      </p:ext>
+    </p:extLst>
   </p:cSld>
   <p:clrMapOvr>
     <a:masterClrMapping/>
@@ -19760,21 +17022,8 @@
                   <a:schemeClr val="bg1"/>
                 </a:solidFill>
               </a:rPr>
-              <a:t>NOT </a:t>
+              <a:t>NOT THIS JASON</a:t>
             </a:r>
-            <a:r>
-              <a:rPr lang="en-US" sz="3600" b="1" dirty="0" smtClean="0">
-                <a:solidFill>
-                  <a:schemeClr val="bg1"/>
-                </a:solidFill>
-              </a:rPr>
-              <a:t>THIS JASON</a:t>
-            </a:r>
-            <a:endParaRPr lang="en-US" sz="3600" b="1" dirty="0" smtClean="0">
-              <a:solidFill>
-                <a:schemeClr val="bg1"/>
-              </a:solidFill>
-            </a:endParaRPr>
           </a:p>
           <a:p>
             <a:pPr algn="ctr" eaLnBrk="1">
@@ -19798,6 +17047,1084 @@
           </a:p>
         </p:txBody>
       </p:sp>
+    </p:spTree>
+  </p:cSld>
+  <p:clrMapOvr>
+    <a:masterClrMapping/>
+  </p:clrMapOvr>
+  <p:transition spd="med"/>
+  <p:timing>
+    <p:tnLst>
+      <p:par>
+        <p:cTn id="1" dur="indefinite" restart="never" nodeType="tmRoot">
+          <p:childTnLst>
+            <p:seq concurrent="1" nextAc="seek">
+              <p:cTn id="2" dur="0" nodeType="mainSeq"/>
+              <p:prevCondLst>
+                <p:cond evt="onPrev" delay="0">
+                  <p:tgtEl>
+                    <p:sldTgt/>
+                  </p:tgtEl>
+                </p:cond>
+              </p:prevCondLst>
+              <p:nextCondLst>
+                <p:cond evt="onNext" delay="0">
+                  <p:tgtEl>
+                    <p:sldTgt/>
+                  </p:tgtEl>
+                </p:cond>
+              </p:nextCondLst>
+            </p:seq>
+          </p:childTnLst>
+        </p:cTn>
+      </p:par>
+    </p:tnLst>
+  </p:timing>
+</p:sld>
+</file>
+
+<file path=ppt/slides/slide20.xml><?xml version="1.0" encoding="utf-8"?>
+<p:sld xmlns:a="http://schemas.openxmlformats.org/drawingml/2006/main" xmlns:r="http://schemas.openxmlformats.org/officeDocument/2006/relationships" xmlns:p="http://schemas.openxmlformats.org/presentationml/2006/main">
+  <p:cSld>
+    <p:spTree>
+      <p:nvGrpSpPr>
+        <p:cNvPr id="1" name=""/>
+        <p:cNvGrpSpPr/>
+        <p:nvPr/>
+      </p:nvGrpSpPr>
+      <p:grpSpPr>
+        <a:xfrm>
+          <a:off x="0" y="0"/>
+          <a:ext cx="0" cy="0"/>
+          <a:chOff x="0" y="0"/>
+          <a:chExt cx="0" cy="0"/>
+        </a:xfrm>
+      </p:grpSpPr>
+      <p:sp>
+        <p:nvSpPr>
+          <p:cNvPr id="3" name="Rectangle 2"/>
+          <p:cNvSpPr/>
+          <p:nvPr/>
+        </p:nvSpPr>
+        <p:spPr bwMode="auto">
+          <a:xfrm>
+            <a:off x="-144264" y="-108595"/>
+            <a:ext cx="10369152" cy="7776864"/>
+          </a:xfrm>
+          <a:prstGeom prst="rect">
+            <a:avLst/>
+          </a:prstGeom>
+          <a:solidFill>
+            <a:srgbClr val="FAFAFA"/>
+          </a:solidFill>
+          <a:ln w="9525" cap="flat" cmpd="sng" algn="ctr">
+            <a:solidFill>
+              <a:schemeClr val="tx1"/>
+            </a:solidFill>
+            <a:prstDash val="solid"/>
+            <a:round/>
+            <a:headEnd type="none" w="med" len="med"/>
+            <a:tailEnd type="none" w="med" len="med"/>
+          </a:ln>
+          <a:effectLst/>
+          <a:extLst/>
+        </p:spPr>
+        <p:txBody>
+          <a:bodyPr vert="horz" wrap="square" lIns="91440" tIns="45720" rIns="91440" bIns="45720" numCol="1" rtlCol="0" anchor="t" anchorCtr="0" compatLnSpc="1">
+            <a:prstTxWarp prst="textNoShape">
+              <a:avLst/>
+            </a:prstTxWarp>
+          </a:bodyPr>
+          <a:lstStyle/>
+          <a:p>
+            <a:pPr marL="0" marR="0" indent="0" algn="l" defTabSz="449263" rtl="0" eaLnBrk="1" fontAlgn="base" latinLnBrk="0" hangingPunct="0">
+              <a:lnSpc>
+                <a:spcPct val="93000"/>
+              </a:lnSpc>
+              <a:spcBef>
+                <a:spcPct val="0"/>
+              </a:spcBef>
+              <a:spcAft>
+                <a:spcPct val="0"/>
+              </a:spcAft>
+              <a:buClr>
+                <a:srgbClr val="000000"/>
+              </a:buClr>
+              <a:buSzPct val="100000"/>
+              <a:buFont typeface="Times New Roman" charset="0"/>
+              <a:buNone/>
+              <a:tabLst/>
+            </a:pPr>
+            <a:endParaRPr kumimoji="0" lang="en-MY" sz="1800" b="0" i="0" u="none" strike="noStrike" cap="none" normalizeH="0" baseline="0">
+              <a:ln>
+                <a:noFill/>
+              </a:ln>
+              <a:effectLst/>
+              <a:latin typeface="Arial" charset="0"/>
+              <a:ea typeface="ＭＳ Ｐゴシック" charset="0"/>
+              <a:cs typeface="Arial Unicode MS" charset="0"/>
+            </a:endParaRPr>
+          </a:p>
+        </p:txBody>
+      </p:sp>
+      <p:pic>
+        <p:nvPicPr>
+          <p:cNvPr id="10243" name="Picture 3"/>
+          <p:cNvPicPr>
+            <a:picLocks noChangeAspect="1" noChangeArrowheads="1"/>
+          </p:cNvPicPr>
+          <p:nvPr/>
+        </p:nvPicPr>
+        <p:blipFill>
+          <a:blip r:embed="rId3">
+            <a:extLst>
+              <a:ext uri="{28A0092B-C50C-407E-A947-70E740481C1C}">
+                <a14:useLocalDpi xmlns:a14="http://schemas.microsoft.com/office/drawing/2010/main" val="0"/>
+              </a:ext>
+            </a:extLst>
+          </a:blip>
+          <a:srcRect/>
+          <a:stretch>
+            <a:fillRect/>
+          </a:stretch>
+        </p:blipFill>
+        <p:spPr bwMode="auto">
+          <a:xfrm>
+            <a:off x="2044700" y="622300"/>
+            <a:ext cx="5991225" cy="6315075"/>
+          </a:xfrm>
+          <a:prstGeom prst="rect">
+            <a:avLst/>
+          </a:prstGeom>
+          <a:noFill/>
+          <a:ln>
+            <a:noFill/>
+          </a:ln>
+          <a:effectLst/>
+          <a:extLst>
+            <a:ext uri="{909E8E84-426E-40DD-AFC4-6F175D3DCCD1}">
+              <a14:hiddenFill xmlns:a14="http://schemas.microsoft.com/office/drawing/2010/main">
+                <a:solidFill>
+                  <a:schemeClr val="accent1"/>
+                </a:solidFill>
+              </a14:hiddenFill>
+            </a:ext>
+            <a:ext uri="{91240B29-F687-4F45-9708-019B960494DF}">
+              <a14:hiddenLine xmlns:a14="http://schemas.microsoft.com/office/drawing/2010/main" w="9525">
+                <a:solidFill>
+                  <a:schemeClr val="tx1"/>
+                </a:solidFill>
+                <a:miter lim="800000"/>
+                <a:headEnd/>
+                <a:tailEnd/>
+              </a14:hiddenLine>
+            </a:ext>
+            <a:ext uri="{AF507438-7753-43E0-B8FC-AC1667EBCBE1}">
+              <a14:hiddenEffects xmlns:a14="http://schemas.microsoft.com/office/drawing/2010/main">
+                <a:effectLst>
+                  <a:outerShdw dist="35921" dir="2700000" algn="ctr" rotWithShape="0">
+                    <a:schemeClr val="bg2"/>
+                  </a:outerShdw>
+                </a:effectLst>
+              </a14:hiddenEffects>
+            </a:ext>
+          </a:extLst>
+        </p:spPr>
+      </p:pic>
+    </p:spTree>
+    <p:extLst>
+      <p:ext uri="{BB962C8B-B14F-4D97-AF65-F5344CB8AC3E}">
+        <p14:creationId xmlns:p14="http://schemas.microsoft.com/office/powerpoint/2010/main" val="2618991179"/>
+      </p:ext>
+    </p:extLst>
+  </p:cSld>
+  <p:clrMapOvr>
+    <a:masterClrMapping/>
+  </p:clrMapOvr>
+  <p:transition spd="med"/>
+  <p:timing>
+    <p:tnLst>
+      <p:par>
+        <p:cTn id="1" dur="indefinite" restart="never" nodeType="tmRoot">
+          <p:childTnLst>
+            <p:seq concurrent="1" nextAc="seek">
+              <p:cTn id="2" dur="0" nodeType="mainSeq"/>
+              <p:prevCondLst>
+                <p:cond evt="onPrev" delay="0">
+                  <p:tgtEl>
+                    <p:sldTgt/>
+                  </p:tgtEl>
+                </p:cond>
+              </p:prevCondLst>
+              <p:nextCondLst>
+                <p:cond evt="onNext" delay="0">
+                  <p:tgtEl>
+                    <p:sldTgt/>
+                  </p:tgtEl>
+                </p:cond>
+              </p:nextCondLst>
+            </p:seq>
+          </p:childTnLst>
+        </p:cTn>
+      </p:par>
+    </p:tnLst>
+  </p:timing>
+</p:sld>
+</file>
+
+<file path=ppt/slides/slide21.xml><?xml version="1.0" encoding="utf-8"?>
+<p:sld xmlns:a="http://schemas.openxmlformats.org/drawingml/2006/main" xmlns:r="http://schemas.openxmlformats.org/officeDocument/2006/relationships" xmlns:p="http://schemas.openxmlformats.org/presentationml/2006/main">
+  <p:cSld>
+    <p:spTree>
+      <p:nvGrpSpPr>
+        <p:cNvPr id="1" name=""/>
+        <p:cNvGrpSpPr/>
+        <p:nvPr/>
+      </p:nvGrpSpPr>
+      <p:grpSpPr>
+        <a:xfrm>
+          <a:off x="0" y="0"/>
+          <a:ext cx="0" cy="0"/>
+          <a:chOff x="0" y="0"/>
+          <a:chExt cx="0" cy="0"/>
+        </a:xfrm>
+      </p:grpSpPr>
+      <p:sp>
+        <p:nvSpPr>
+          <p:cNvPr id="3073" name="Text Box 1"/>
+          <p:cNvSpPr txBox="1">
+            <a:spLocks noChangeArrowheads="1"/>
+          </p:cNvSpPr>
+          <p:nvPr/>
+        </p:nvSpPr>
+        <p:spPr bwMode="auto">
+          <a:xfrm>
+            <a:off x="577850" y="6084093"/>
+            <a:ext cx="9070975" cy="1512887"/>
+          </a:xfrm>
+          <a:prstGeom prst="rect">
+            <a:avLst/>
+          </a:prstGeom>
+          <a:noFill/>
+          <a:ln>
+            <a:noFill/>
+          </a:ln>
+          <a:effectLst/>
+          <a:extLst>
+            <a:ext uri="{909E8E84-426E-40DD-AFC4-6F175D3DCCD1}">
+              <a14:hiddenFill xmlns:a14="http://schemas.microsoft.com/office/drawing/2010/main">
+                <a:solidFill>
+                  <a:srgbClr val="FFFFFF"/>
+                </a:solidFill>
+              </a14:hiddenFill>
+            </a:ext>
+            <a:ext uri="{91240B29-F687-4F45-9708-019B960494DF}">
+              <a14:hiddenLine xmlns:a14="http://schemas.microsoft.com/office/drawing/2010/main" w="9525">
+                <a:solidFill>
+                  <a:srgbClr val="000000"/>
+                </a:solidFill>
+                <a:round/>
+                <a:headEnd/>
+                <a:tailEnd/>
+              </a14:hiddenLine>
+            </a:ext>
+            <a:ext uri="{AF507438-7753-43E0-B8FC-AC1667EBCBE1}">
+              <a14:hiddenEffects xmlns:a14="http://schemas.microsoft.com/office/drawing/2010/main">
+                <a:effectLst>
+                  <a:outerShdw blurRad="63500" dist="38099" dir="2700000" algn="ctr" rotWithShape="0">
+                    <a:srgbClr val="000000">
+                      <a:alpha val="74998"/>
+                    </a:srgbClr>
+                  </a:outerShdw>
+                </a:effectLst>
+              </a14:hiddenEffects>
+            </a:ext>
+          </a:extLst>
+        </p:spPr>
+        <p:txBody>
+          <a:bodyPr lIns="0" tIns="15876" rIns="0" bIns="0" anchor="ctr"/>
+          <a:lstStyle>
+            <a:lvl1pPr eaLnBrk="0">
+              <a:tabLst>
+                <a:tab pos="723900" algn="l"/>
+                <a:tab pos="1447800" algn="l"/>
+                <a:tab pos="2171700" algn="l"/>
+                <a:tab pos="2895600" algn="l"/>
+                <a:tab pos="3619500" algn="l"/>
+                <a:tab pos="4343400" algn="l"/>
+                <a:tab pos="5067300" algn="l"/>
+                <a:tab pos="5791200" algn="l"/>
+                <a:tab pos="6515100" algn="l"/>
+                <a:tab pos="7239000" algn="l"/>
+                <a:tab pos="7962900" algn="l"/>
+                <a:tab pos="8686800" algn="l"/>
+              </a:tabLst>
+              <a:defRPr sz="2400">
+                <a:solidFill>
+                  <a:schemeClr val="tx1"/>
+                </a:solidFill>
+                <a:latin typeface="Arial" charset="0"/>
+                <a:ea typeface="ＭＳ Ｐゴシック" pitchFamily="34" charset="-128"/>
+              </a:defRPr>
+            </a:lvl1pPr>
+            <a:lvl2pPr eaLnBrk="0">
+              <a:tabLst>
+                <a:tab pos="723900" algn="l"/>
+                <a:tab pos="1447800" algn="l"/>
+                <a:tab pos="2171700" algn="l"/>
+                <a:tab pos="2895600" algn="l"/>
+                <a:tab pos="3619500" algn="l"/>
+                <a:tab pos="4343400" algn="l"/>
+                <a:tab pos="5067300" algn="l"/>
+                <a:tab pos="5791200" algn="l"/>
+                <a:tab pos="6515100" algn="l"/>
+                <a:tab pos="7239000" algn="l"/>
+                <a:tab pos="7962900" algn="l"/>
+                <a:tab pos="8686800" algn="l"/>
+              </a:tabLst>
+              <a:defRPr sz="2400">
+                <a:solidFill>
+                  <a:schemeClr val="tx1"/>
+                </a:solidFill>
+                <a:latin typeface="Arial" charset="0"/>
+                <a:ea typeface="ＭＳ Ｐゴシック" pitchFamily="34" charset="-128"/>
+              </a:defRPr>
+            </a:lvl2pPr>
+            <a:lvl3pPr eaLnBrk="0">
+              <a:tabLst>
+                <a:tab pos="723900" algn="l"/>
+                <a:tab pos="1447800" algn="l"/>
+                <a:tab pos="2171700" algn="l"/>
+                <a:tab pos="2895600" algn="l"/>
+                <a:tab pos="3619500" algn="l"/>
+                <a:tab pos="4343400" algn="l"/>
+                <a:tab pos="5067300" algn="l"/>
+                <a:tab pos="5791200" algn="l"/>
+                <a:tab pos="6515100" algn="l"/>
+                <a:tab pos="7239000" algn="l"/>
+                <a:tab pos="7962900" algn="l"/>
+                <a:tab pos="8686800" algn="l"/>
+              </a:tabLst>
+              <a:defRPr sz="2400">
+                <a:solidFill>
+                  <a:schemeClr val="tx1"/>
+                </a:solidFill>
+                <a:latin typeface="Arial" charset="0"/>
+                <a:ea typeface="ＭＳ Ｐゴシック" pitchFamily="34" charset="-128"/>
+              </a:defRPr>
+            </a:lvl3pPr>
+            <a:lvl4pPr eaLnBrk="0">
+              <a:tabLst>
+                <a:tab pos="723900" algn="l"/>
+                <a:tab pos="1447800" algn="l"/>
+                <a:tab pos="2171700" algn="l"/>
+                <a:tab pos="2895600" algn="l"/>
+                <a:tab pos="3619500" algn="l"/>
+                <a:tab pos="4343400" algn="l"/>
+                <a:tab pos="5067300" algn="l"/>
+                <a:tab pos="5791200" algn="l"/>
+                <a:tab pos="6515100" algn="l"/>
+                <a:tab pos="7239000" algn="l"/>
+                <a:tab pos="7962900" algn="l"/>
+                <a:tab pos="8686800" algn="l"/>
+              </a:tabLst>
+              <a:defRPr sz="2400">
+                <a:solidFill>
+                  <a:schemeClr val="tx1"/>
+                </a:solidFill>
+                <a:latin typeface="Arial" charset="0"/>
+                <a:ea typeface="ＭＳ Ｐゴシック" pitchFamily="34" charset="-128"/>
+              </a:defRPr>
+            </a:lvl4pPr>
+            <a:lvl5pPr eaLnBrk="0">
+              <a:tabLst>
+                <a:tab pos="723900" algn="l"/>
+                <a:tab pos="1447800" algn="l"/>
+                <a:tab pos="2171700" algn="l"/>
+                <a:tab pos="2895600" algn="l"/>
+                <a:tab pos="3619500" algn="l"/>
+                <a:tab pos="4343400" algn="l"/>
+                <a:tab pos="5067300" algn="l"/>
+                <a:tab pos="5791200" algn="l"/>
+                <a:tab pos="6515100" algn="l"/>
+                <a:tab pos="7239000" algn="l"/>
+                <a:tab pos="7962900" algn="l"/>
+                <a:tab pos="8686800" algn="l"/>
+              </a:tabLst>
+              <a:defRPr sz="2400">
+                <a:solidFill>
+                  <a:schemeClr val="tx1"/>
+                </a:solidFill>
+                <a:latin typeface="Arial" charset="0"/>
+                <a:ea typeface="ＭＳ Ｐゴシック" pitchFamily="34" charset="-128"/>
+              </a:defRPr>
+            </a:lvl5pPr>
+            <a:lvl6pPr marL="2514600" indent="-228600" defTabSz="449263" eaLnBrk="0" fontAlgn="base" hangingPunct="0">
+              <a:lnSpc>
+                <a:spcPct val="93000"/>
+              </a:lnSpc>
+              <a:spcBef>
+                <a:spcPct val="0"/>
+              </a:spcBef>
+              <a:spcAft>
+                <a:spcPct val="0"/>
+              </a:spcAft>
+              <a:buClr>
+                <a:srgbClr val="000000"/>
+              </a:buClr>
+              <a:buSzPct val="100000"/>
+              <a:buFont typeface="Times New Roman" pitchFamily="18" charset="0"/>
+              <a:tabLst>
+                <a:tab pos="723900" algn="l"/>
+                <a:tab pos="1447800" algn="l"/>
+                <a:tab pos="2171700" algn="l"/>
+                <a:tab pos="2895600" algn="l"/>
+                <a:tab pos="3619500" algn="l"/>
+                <a:tab pos="4343400" algn="l"/>
+                <a:tab pos="5067300" algn="l"/>
+                <a:tab pos="5791200" algn="l"/>
+                <a:tab pos="6515100" algn="l"/>
+                <a:tab pos="7239000" algn="l"/>
+                <a:tab pos="7962900" algn="l"/>
+                <a:tab pos="8686800" algn="l"/>
+              </a:tabLst>
+              <a:defRPr sz="2400">
+                <a:solidFill>
+                  <a:schemeClr val="tx1"/>
+                </a:solidFill>
+                <a:latin typeface="Arial" charset="0"/>
+                <a:ea typeface="ＭＳ Ｐゴシック" pitchFamily="34" charset="-128"/>
+              </a:defRPr>
+            </a:lvl6pPr>
+            <a:lvl7pPr marL="2971800" indent="-228600" defTabSz="449263" eaLnBrk="0" fontAlgn="base" hangingPunct="0">
+              <a:lnSpc>
+                <a:spcPct val="93000"/>
+              </a:lnSpc>
+              <a:spcBef>
+                <a:spcPct val="0"/>
+              </a:spcBef>
+              <a:spcAft>
+                <a:spcPct val="0"/>
+              </a:spcAft>
+              <a:buClr>
+                <a:srgbClr val="000000"/>
+              </a:buClr>
+              <a:buSzPct val="100000"/>
+              <a:buFont typeface="Times New Roman" pitchFamily="18" charset="0"/>
+              <a:tabLst>
+                <a:tab pos="723900" algn="l"/>
+                <a:tab pos="1447800" algn="l"/>
+                <a:tab pos="2171700" algn="l"/>
+                <a:tab pos="2895600" algn="l"/>
+                <a:tab pos="3619500" algn="l"/>
+                <a:tab pos="4343400" algn="l"/>
+                <a:tab pos="5067300" algn="l"/>
+                <a:tab pos="5791200" algn="l"/>
+                <a:tab pos="6515100" algn="l"/>
+                <a:tab pos="7239000" algn="l"/>
+                <a:tab pos="7962900" algn="l"/>
+                <a:tab pos="8686800" algn="l"/>
+              </a:tabLst>
+              <a:defRPr sz="2400">
+                <a:solidFill>
+                  <a:schemeClr val="tx1"/>
+                </a:solidFill>
+                <a:latin typeface="Arial" charset="0"/>
+                <a:ea typeface="ＭＳ Ｐゴシック" pitchFamily="34" charset="-128"/>
+              </a:defRPr>
+            </a:lvl7pPr>
+            <a:lvl8pPr marL="3429000" indent="-228600" defTabSz="449263" eaLnBrk="0" fontAlgn="base" hangingPunct="0">
+              <a:lnSpc>
+                <a:spcPct val="93000"/>
+              </a:lnSpc>
+              <a:spcBef>
+                <a:spcPct val="0"/>
+              </a:spcBef>
+              <a:spcAft>
+                <a:spcPct val="0"/>
+              </a:spcAft>
+              <a:buClr>
+                <a:srgbClr val="000000"/>
+              </a:buClr>
+              <a:buSzPct val="100000"/>
+              <a:buFont typeface="Times New Roman" pitchFamily="18" charset="0"/>
+              <a:tabLst>
+                <a:tab pos="723900" algn="l"/>
+                <a:tab pos="1447800" algn="l"/>
+                <a:tab pos="2171700" algn="l"/>
+                <a:tab pos="2895600" algn="l"/>
+                <a:tab pos="3619500" algn="l"/>
+                <a:tab pos="4343400" algn="l"/>
+                <a:tab pos="5067300" algn="l"/>
+                <a:tab pos="5791200" algn="l"/>
+                <a:tab pos="6515100" algn="l"/>
+                <a:tab pos="7239000" algn="l"/>
+                <a:tab pos="7962900" algn="l"/>
+                <a:tab pos="8686800" algn="l"/>
+              </a:tabLst>
+              <a:defRPr sz="2400">
+                <a:solidFill>
+                  <a:schemeClr val="tx1"/>
+                </a:solidFill>
+                <a:latin typeface="Arial" charset="0"/>
+                <a:ea typeface="ＭＳ Ｐゴシック" pitchFamily="34" charset="-128"/>
+              </a:defRPr>
+            </a:lvl8pPr>
+            <a:lvl9pPr marL="3886200" indent="-228600" defTabSz="449263" eaLnBrk="0" fontAlgn="base" hangingPunct="0">
+              <a:lnSpc>
+                <a:spcPct val="93000"/>
+              </a:lnSpc>
+              <a:spcBef>
+                <a:spcPct val="0"/>
+              </a:spcBef>
+              <a:spcAft>
+                <a:spcPct val="0"/>
+              </a:spcAft>
+              <a:buClr>
+                <a:srgbClr val="000000"/>
+              </a:buClr>
+              <a:buSzPct val="100000"/>
+              <a:buFont typeface="Times New Roman" pitchFamily="18" charset="0"/>
+              <a:tabLst>
+                <a:tab pos="723900" algn="l"/>
+                <a:tab pos="1447800" algn="l"/>
+                <a:tab pos="2171700" algn="l"/>
+                <a:tab pos="2895600" algn="l"/>
+                <a:tab pos="3619500" algn="l"/>
+                <a:tab pos="4343400" algn="l"/>
+                <a:tab pos="5067300" algn="l"/>
+                <a:tab pos="5791200" algn="l"/>
+                <a:tab pos="6515100" algn="l"/>
+                <a:tab pos="7239000" algn="l"/>
+                <a:tab pos="7962900" algn="l"/>
+                <a:tab pos="8686800" algn="l"/>
+              </a:tabLst>
+              <a:defRPr sz="2400">
+                <a:solidFill>
+                  <a:schemeClr val="tx1"/>
+                </a:solidFill>
+                <a:latin typeface="Arial" charset="0"/>
+                <a:ea typeface="ＭＳ Ｐゴシック" pitchFamily="34" charset="-128"/>
+              </a:defRPr>
+            </a:lvl9pPr>
+          </a:lstStyle>
+          <a:p>
+            <a:pPr algn="ctr" eaLnBrk="1">
+              <a:defRPr/>
+            </a:pPr>
+            <a:r>
+              <a:rPr lang="en-US" sz="1800" b="1" dirty="0" smtClean="0">
+                <a:solidFill>
+                  <a:srgbClr val="808080"/>
+                </a:solidFill>
+              </a:rPr>
+              <a:t>-- or stalk me on twitter --</a:t>
+            </a:r>
+          </a:p>
+          <a:p>
+            <a:pPr algn="ctr" eaLnBrk="1">
+              <a:defRPr/>
+            </a:pPr>
+            <a:endParaRPr lang="en-US" sz="1800" dirty="0" smtClean="0">
+              <a:solidFill>
+                <a:srgbClr val="808080"/>
+              </a:solidFill>
+            </a:endParaRPr>
+          </a:p>
+          <a:p>
+            <a:pPr algn="ctr" eaLnBrk="1">
+              <a:defRPr/>
+            </a:pPr>
+            <a:r>
+              <a:rPr lang="en-US" sz="1800" b="1" dirty="0" smtClean="0">
+                <a:solidFill>
+                  <a:srgbClr val="0066FF"/>
+                </a:solidFill>
+                <a:hlinkClick r:id="rId3"/>
+              </a:rPr>
+              <a:t>@m_smalley</a:t>
+            </a:r>
+            <a:endParaRPr lang="en-US" sz="1800" b="1" dirty="0" smtClean="0">
+              <a:solidFill>
+                <a:srgbClr val="0066FF"/>
+              </a:solidFill>
+            </a:endParaRPr>
+          </a:p>
+          <a:p>
+            <a:pPr algn="ctr" eaLnBrk="1">
+              <a:defRPr/>
+            </a:pPr>
+            <a:endParaRPr lang="en-US" sz="1800" b="1" dirty="0" smtClean="0">
+              <a:solidFill>
+                <a:srgbClr val="808080"/>
+              </a:solidFill>
+            </a:endParaRPr>
+          </a:p>
+        </p:txBody>
+      </p:sp>
+      <p:sp>
+        <p:nvSpPr>
+          <p:cNvPr id="2" name="Text Box 1"/>
+          <p:cNvSpPr txBox="1">
+            <a:spLocks noChangeArrowheads="1"/>
+          </p:cNvSpPr>
+          <p:nvPr/>
+        </p:nvSpPr>
+        <p:spPr bwMode="auto">
+          <a:xfrm>
+            <a:off x="431800" y="179388"/>
+            <a:ext cx="9142413" cy="3097212"/>
+          </a:xfrm>
+          <a:prstGeom prst="rect">
+            <a:avLst/>
+          </a:prstGeom>
+          <a:noFill/>
+          <a:ln>
+            <a:noFill/>
+          </a:ln>
+          <a:effectLst/>
+          <a:extLst>
+            <a:ext uri="{909E8E84-426E-40DD-AFC4-6F175D3DCCD1}">
+              <a14:hiddenFill xmlns:a14="http://schemas.microsoft.com/office/drawing/2010/main">
+                <a:solidFill>
+                  <a:srgbClr val="FFFFFF"/>
+                </a:solidFill>
+              </a14:hiddenFill>
+            </a:ext>
+            <a:ext uri="{91240B29-F687-4F45-9708-019B960494DF}">
+              <a14:hiddenLine xmlns:a14="http://schemas.microsoft.com/office/drawing/2010/main" w="9525">
+                <a:solidFill>
+                  <a:srgbClr val="000000"/>
+                </a:solidFill>
+                <a:round/>
+                <a:headEnd/>
+                <a:tailEnd/>
+              </a14:hiddenLine>
+            </a:ext>
+            <a:ext uri="{AF507438-7753-43E0-B8FC-AC1667EBCBE1}">
+              <a14:hiddenEffects xmlns:a14="http://schemas.microsoft.com/office/drawing/2010/main">
+                <a:effectLst>
+                  <a:outerShdw blurRad="63500" dist="38099" dir="2700000" algn="ctr" rotWithShape="0">
+                    <a:srgbClr val="000000">
+                      <a:alpha val="74998"/>
+                    </a:srgbClr>
+                  </a:outerShdw>
+                </a:effectLst>
+              </a14:hiddenEffects>
+            </a:ext>
+          </a:extLst>
+        </p:spPr>
+        <p:txBody>
+          <a:bodyPr lIns="0" tIns="15876" rIns="0" bIns="0" anchor="ctr"/>
+          <a:lstStyle>
+            <a:lvl1pPr eaLnBrk="0">
+              <a:tabLst>
+                <a:tab pos="723900" algn="l"/>
+                <a:tab pos="1447800" algn="l"/>
+                <a:tab pos="2171700" algn="l"/>
+                <a:tab pos="2895600" algn="l"/>
+                <a:tab pos="3619500" algn="l"/>
+                <a:tab pos="4343400" algn="l"/>
+                <a:tab pos="5067300" algn="l"/>
+                <a:tab pos="5791200" algn="l"/>
+                <a:tab pos="6515100" algn="l"/>
+                <a:tab pos="7239000" algn="l"/>
+                <a:tab pos="7962900" algn="l"/>
+                <a:tab pos="8686800" algn="l"/>
+              </a:tabLst>
+              <a:defRPr sz="2400">
+                <a:solidFill>
+                  <a:schemeClr val="tx1"/>
+                </a:solidFill>
+                <a:latin typeface="Arial" charset="0"/>
+                <a:ea typeface="ＭＳ Ｐゴシック" pitchFamily="34" charset="-128"/>
+              </a:defRPr>
+            </a:lvl1pPr>
+            <a:lvl2pPr eaLnBrk="0">
+              <a:tabLst>
+                <a:tab pos="723900" algn="l"/>
+                <a:tab pos="1447800" algn="l"/>
+                <a:tab pos="2171700" algn="l"/>
+                <a:tab pos="2895600" algn="l"/>
+                <a:tab pos="3619500" algn="l"/>
+                <a:tab pos="4343400" algn="l"/>
+                <a:tab pos="5067300" algn="l"/>
+                <a:tab pos="5791200" algn="l"/>
+                <a:tab pos="6515100" algn="l"/>
+                <a:tab pos="7239000" algn="l"/>
+                <a:tab pos="7962900" algn="l"/>
+                <a:tab pos="8686800" algn="l"/>
+              </a:tabLst>
+              <a:defRPr sz="2400">
+                <a:solidFill>
+                  <a:schemeClr val="tx1"/>
+                </a:solidFill>
+                <a:latin typeface="Arial" charset="0"/>
+                <a:ea typeface="ＭＳ Ｐゴシック" pitchFamily="34" charset="-128"/>
+              </a:defRPr>
+            </a:lvl2pPr>
+            <a:lvl3pPr eaLnBrk="0">
+              <a:tabLst>
+                <a:tab pos="723900" algn="l"/>
+                <a:tab pos="1447800" algn="l"/>
+                <a:tab pos="2171700" algn="l"/>
+                <a:tab pos="2895600" algn="l"/>
+                <a:tab pos="3619500" algn="l"/>
+                <a:tab pos="4343400" algn="l"/>
+                <a:tab pos="5067300" algn="l"/>
+                <a:tab pos="5791200" algn="l"/>
+                <a:tab pos="6515100" algn="l"/>
+                <a:tab pos="7239000" algn="l"/>
+                <a:tab pos="7962900" algn="l"/>
+                <a:tab pos="8686800" algn="l"/>
+              </a:tabLst>
+              <a:defRPr sz="2400">
+                <a:solidFill>
+                  <a:schemeClr val="tx1"/>
+                </a:solidFill>
+                <a:latin typeface="Arial" charset="0"/>
+                <a:ea typeface="ＭＳ Ｐゴシック" pitchFamily="34" charset="-128"/>
+              </a:defRPr>
+            </a:lvl3pPr>
+            <a:lvl4pPr eaLnBrk="0">
+              <a:tabLst>
+                <a:tab pos="723900" algn="l"/>
+                <a:tab pos="1447800" algn="l"/>
+                <a:tab pos="2171700" algn="l"/>
+                <a:tab pos="2895600" algn="l"/>
+                <a:tab pos="3619500" algn="l"/>
+                <a:tab pos="4343400" algn="l"/>
+                <a:tab pos="5067300" algn="l"/>
+                <a:tab pos="5791200" algn="l"/>
+                <a:tab pos="6515100" algn="l"/>
+                <a:tab pos="7239000" algn="l"/>
+                <a:tab pos="7962900" algn="l"/>
+                <a:tab pos="8686800" algn="l"/>
+              </a:tabLst>
+              <a:defRPr sz="2400">
+                <a:solidFill>
+                  <a:schemeClr val="tx1"/>
+                </a:solidFill>
+                <a:latin typeface="Arial" charset="0"/>
+                <a:ea typeface="ＭＳ Ｐゴシック" pitchFamily="34" charset="-128"/>
+              </a:defRPr>
+            </a:lvl4pPr>
+            <a:lvl5pPr eaLnBrk="0">
+              <a:tabLst>
+                <a:tab pos="723900" algn="l"/>
+                <a:tab pos="1447800" algn="l"/>
+                <a:tab pos="2171700" algn="l"/>
+                <a:tab pos="2895600" algn="l"/>
+                <a:tab pos="3619500" algn="l"/>
+                <a:tab pos="4343400" algn="l"/>
+                <a:tab pos="5067300" algn="l"/>
+                <a:tab pos="5791200" algn="l"/>
+                <a:tab pos="6515100" algn="l"/>
+                <a:tab pos="7239000" algn="l"/>
+                <a:tab pos="7962900" algn="l"/>
+                <a:tab pos="8686800" algn="l"/>
+              </a:tabLst>
+              <a:defRPr sz="2400">
+                <a:solidFill>
+                  <a:schemeClr val="tx1"/>
+                </a:solidFill>
+                <a:latin typeface="Arial" charset="0"/>
+                <a:ea typeface="ＭＳ Ｐゴシック" pitchFamily="34" charset="-128"/>
+              </a:defRPr>
+            </a:lvl5pPr>
+            <a:lvl6pPr marL="2514600" indent="-228600" defTabSz="449263" eaLnBrk="0" fontAlgn="base" hangingPunct="0">
+              <a:lnSpc>
+                <a:spcPct val="93000"/>
+              </a:lnSpc>
+              <a:spcBef>
+                <a:spcPct val="0"/>
+              </a:spcBef>
+              <a:spcAft>
+                <a:spcPct val="0"/>
+              </a:spcAft>
+              <a:buClr>
+                <a:srgbClr val="000000"/>
+              </a:buClr>
+              <a:buSzPct val="100000"/>
+              <a:buFont typeface="Times New Roman" pitchFamily="18" charset="0"/>
+              <a:tabLst>
+                <a:tab pos="723900" algn="l"/>
+                <a:tab pos="1447800" algn="l"/>
+                <a:tab pos="2171700" algn="l"/>
+                <a:tab pos="2895600" algn="l"/>
+                <a:tab pos="3619500" algn="l"/>
+                <a:tab pos="4343400" algn="l"/>
+                <a:tab pos="5067300" algn="l"/>
+                <a:tab pos="5791200" algn="l"/>
+                <a:tab pos="6515100" algn="l"/>
+                <a:tab pos="7239000" algn="l"/>
+                <a:tab pos="7962900" algn="l"/>
+                <a:tab pos="8686800" algn="l"/>
+              </a:tabLst>
+              <a:defRPr sz="2400">
+                <a:solidFill>
+                  <a:schemeClr val="tx1"/>
+                </a:solidFill>
+                <a:latin typeface="Arial" charset="0"/>
+                <a:ea typeface="ＭＳ Ｐゴシック" pitchFamily="34" charset="-128"/>
+              </a:defRPr>
+            </a:lvl6pPr>
+            <a:lvl7pPr marL="2971800" indent="-228600" defTabSz="449263" eaLnBrk="0" fontAlgn="base" hangingPunct="0">
+              <a:lnSpc>
+                <a:spcPct val="93000"/>
+              </a:lnSpc>
+              <a:spcBef>
+                <a:spcPct val="0"/>
+              </a:spcBef>
+              <a:spcAft>
+                <a:spcPct val="0"/>
+              </a:spcAft>
+              <a:buClr>
+                <a:srgbClr val="000000"/>
+              </a:buClr>
+              <a:buSzPct val="100000"/>
+              <a:buFont typeface="Times New Roman" pitchFamily="18" charset="0"/>
+              <a:tabLst>
+                <a:tab pos="723900" algn="l"/>
+                <a:tab pos="1447800" algn="l"/>
+                <a:tab pos="2171700" algn="l"/>
+                <a:tab pos="2895600" algn="l"/>
+                <a:tab pos="3619500" algn="l"/>
+                <a:tab pos="4343400" algn="l"/>
+                <a:tab pos="5067300" algn="l"/>
+                <a:tab pos="5791200" algn="l"/>
+                <a:tab pos="6515100" algn="l"/>
+                <a:tab pos="7239000" algn="l"/>
+                <a:tab pos="7962900" algn="l"/>
+                <a:tab pos="8686800" algn="l"/>
+              </a:tabLst>
+              <a:defRPr sz="2400">
+                <a:solidFill>
+                  <a:schemeClr val="tx1"/>
+                </a:solidFill>
+                <a:latin typeface="Arial" charset="0"/>
+                <a:ea typeface="ＭＳ Ｐゴシック" pitchFamily="34" charset="-128"/>
+              </a:defRPr>
+            </a:lvl7pPr>
+            <a:lvl8pPr marL="3429000" indent="-228600" defTabSz="449263" eaLnBrk="0" fontAlgn="base" hangingPunct="0">
+              <a:lnSpc>
+                <a:spcPct val="93000"/>
+              </a:lnSpc>
+              <a:spcBef>
+                <a:spcPct val="0"/>
+              </a:spcBef>
+              <a:spcAft>
+                <a:spcPct val="0"/>
+              </a:spcAft>
+              <a:buClr>
+                <a:srgbClr val="000000"/>
+              </a:buClr>
+              <a:buSzPct val="100000"/>
+              <a:buFont typeface="Times New Roman" pitchFamily="18" charset="0"/>
+              <a:tabLst>
+                <a:tab pos="723900" algn="l"/>
+                <a:tab pos="1447800" algn="l"/>
+                <a:tab pos="2171700" algn="l"/>
+                <a:tab pos="2895600" algn="l"/>
+                <a:tab pos="3619500" algn="l"/>
+                <a:tab pos="4343400" algn="l"/>
+                <a:tab pos="5067300" algn="l"/>
+                <a:tab pos="5791200" algn="l"/>
+                <a:tab pos="6515100" algn="l"/>
+                <a:tab pos="7239000" algn="l"/>
+                <a:tab pos="7962900" algn="l"/>
+                <a:tab pos="8686800" algn="l"/>
+              </a:tabLst>
+              <a:defRPr sz="2400">
+                <a:solidFill>
+                  <a:schemeClr val="tx1"/>
+                </a:solidFill>
+                <a:latin typeface="Arial" charset="0"/>
+                <a:ea typeface="ＭＳ Ｐゴシック" pitchFamily="34" charset="-128"/>
+              </a:defRPr>
+            </a:lvl8pPr>
+            <a:lvl9pPr marL="3886200" indent="-228600" defTabSz="449263" eaLnBrk="0" fontAlgn="base" hangingPunct="0">
+              <a:lnSpc>
+                <a:spcPct val="93000"/>
+              </a:lnSpc>
+              <a:spcBef>
+                <a:spcPct val="0"/>
+              </a:spcBef>
+              <a:spcAft>
+                <a:spcPct val="0"/>
+              </a:spcAft>
+              <a:buClr>
+                <a:srgbClr val="000000"/>
+              </a:buClr>
+              <a:buSzPct val="100000"/>
+              <a:buFont typeface="Times New Roman" pitchFamily="18" charset="0"/>
+              <a:tabLst>
+                <a:tab pos="723900" algn="l"/>
+                <a:tab pos="1447800" algn="l"/>
+                <a:tab pos="2171700" algn="l"/>
+                <a:tab pos="2895600" algn="l"/>
+                <a:tab pos="3619500" algn="l"/>
+                <a:tab pos="4343400" algn="l"/>
+                <a:tab pos="5067300" algn="l"/>
+                <a:tab pos="5791200" algn="l"/>
+                <a:tab pos="6515100" algn="l"/>
+                <a:tab pos="7239000" algn="l"/>
+                <a:tab pos="7962900" algn="l"/>
+                <a:tab pos="8686800" algn="l"/>
+              </a:tabLst>
+              <a:defRPr sz="2400">
+                <a:solidFill>
+                  <a:schemeClr val="tx1"/>
+                </a:solidFill>
+                <a:latin typeface="Arial" charset="0"/>
+                <a:ea typeface="ＭＳ Ｐゴシック" pitchFamily="34" charset="-128"/>
+              </a:defRPr>
+            </a:lvl9pPr>
+          </a:lstStyle>
+          <a:p>
+            <a:pPr algn="ctr" eaLnBrk="1">
+              <a:defRPr/>
+            </a:pPr>
+            <a:r>
+              <a:rPr lang="en-US" sz="1800" dirty="0" smtClean="0">
+                <a:solidFill>
+                  <a:srgbClr val="808080"/>
+                </a:solidFill>
+              </a:rPr>
+              <a:t>LEARN MORE ABOUT</a:t>
+            </a:r>
+          </a:p>
+          <a:p>
+            <a:pPr algn="ctr" eaLnBrk="1">
+              <a:defRPr/>
+            </a:pPr>
+            <a:r>
+              <a:rPr lang="en-US" sz="4400" b="1" dirty="0" smtClean="0">
+                <a:solidFill>
+                  <a:srgbClr val="808080"/>
+                </a:solidFill>
+              </a:rPr>
+              <a:t>MongoDB</a:t>
+            </a:r>
+          </a:p>
+          <a:p>
+            <a:pPr algn="ctr" eaLnBrk="1">
+              <a:defRPr/>
+            </a:pPr>
+            <a:endParaRPr lang="en-US" sz="3200" b="1" dirty="0" smtClean="0">
+              <a:solidFill>
+                <a:srgbClr val="808080"/>
+              </a:solidFill>
+            </a:endParaRPr>
+          </a:p>
+          <a:p>
+            <a:pPr algn="ctr" eaLnBrk="1">
+              <a:defRPr/>
+            </a:pPr>
+            <a:r>
+              <a:rPr lang="en-US" sz="3200" dirty="0" smtClean="0">
+                <a:solidFill>
+                  <a:srgbClr val="808080"/>
+                </a:solidFill>
+              </a:rPr>
+              <a:t>Kuala Lumpur MongoDB User-Group:</a:t>
+            </a:r>
+          </a:p>
+          <a:p>
+            <a:pPr algn="ctr" eaLnBrk="1">
+              <a:defRPr/>
+            </a:pPr>
+            <a:r>
+              <a:rPr lang="en-US" sz="3200" b="1" dirty="0" smtClean="0">
+                <a:solidFill>
+                  <a:srgbClr val="808080"/>
+                </a:solidFill>
+                <a:hlinkClick r:id="rId4"/>
+              </a:rPr>
+              <a:t>http://facebook.com/groups/klmug/</a:t>
+            </a:r>
+            <a:endParaRPr lang="en-US" sz="3200" b="1" dirty="0" smtClean="0">
+              <a:solidFill>
+                <a:srgbClr val="808080"/>
+              </a:solidFill>
+            </a:endParaRPr>
+          </a:p>
+          <a:p>
+            <a:pPr algn="ctr" eaLnBrk="1">
+              <a:defRPr/>
+            </a:pPr>
+            <a:endParaRPr lang="en-US" sz="1800" b="1" dirty="0" smtClean="0">
+              <a:solidFill>
+                <a:srgbClr val="808080"/>
+              </a:solidFill>
+            </a:endParaRPr>
+          </a:p>
+          <a:p>
+            <a:pPr algn="ctr" eaLnBrk="1">
+              <a:defRPr/>
+            </a:pPr>
+            <a:endParaRPr lang="en-US" sz="1800" b="1" dirty="0" smtClean="0">
+              <a:solidFill>
+                <a:srgbClr val="808080"/>
+              </a:solidFill>
+            </a:endParaRPr>
+          </a:p>
+        </p:txBody>
+      </p:sp>
+      <p:pic>
+        <p:nvPicPr>
+          <p:cNvPr id="32772" name="Picture 5" descr="mongo-badge"/>
+          <p:cNvPicPr>
+            <a:picLocks noChangeAspect="1" noChangeArrowheads="1"/>
+          </p:cNvPicPr>
+          <p:nvPr/>
+        </p:nvPicPr>
+        <p:blipFill>
+          <a:blip r:embed="rId5">
+            <a:extLst>
+              <a:ext uri="{28A0092B-C50C-407E-A947-70E740481C1C}">
+                <a14:useLocalDpi xmlns:a14="http://schemas.microsoft.com/office/drawing/2010/main" val="0"/>
+              </a:ext>
+            </a:extLst>
+          </a:blip>
+          <a:srcRect/>
+          <a:stretch>
+            <a:fillRect/>
+          </a:stretch>
+        </p:blipFill>
+        <p:spPr bwMode="auto">
+          <a:xfrm>
+            <a:off x="3671888" y="3082577"/>
+            <a:ext cx="2857500" cy="2857500"/>
+          </a:xfrm>
+          <a:prstGeom prst="rect">
+            <a:avLst/>
+          </a:prstGeom>
+          <a:noFill/>
+          <a:ln>
+            <a:noFill/>
+          </a:ln>
+          <a:extLst>
+            <a:ext uri="{909E8E84-426E-40DD-AFC4-6F175D3DCCD1}">
+              <a14:hiddenFill xmlns:a14="http://schemas.microsoft.com/office/drawing/2010/main">
+                <a:solidFill>
+                  <a:srgbClr val="FFFFFF"/>
+                </a:solidFill>
+              </a14:hiddenFill>
+            </a:ext>
+            <a:ext uri="{91240B29-F687-4F45-9708-019B960494DF}">
+              <a14:hiddenLine xmlns:a14="http://schemas.microsoft.com/office/drawing/2010/main" w="9525">
+                <a:solidFill>
+                  <a:srgbClr val="000000"/>
+                </a:solidFill>
+                <a:miter lim="800000"/>
+                <a:headEnd/>
+                <a:tailEnd/>
+              </a14:hiddenLine>
+            </a:ext>
+          </a:extLst>
+        </p:spPr>
+      </p:pic>
     </p:spTree>
   </p:cSld>
   <p:clrMapOvr>
@@ -20279,15 +18606,7 @@
                   <a:schemeClr val="bg1"/>
                 </a:solidFill>
               </a:rPr>
-              <a:t>NOR </a:t>
-            </a:r>
-            <a:r>
-              <a:rPr lang="en-US" sz="3600" b="1" dirty="0" smtClean="0">
-                <a:solidFill>
-                  <a:schemeClr val="bg1"/>
-                </a:solidFill>
-              </a:rPr>
-              <a:t>THESE ARGONAUTS</a:t>
+              <a:t>NOR THESE ARGONAUTS</a:t>
             </a:r>
           </a:p>
           <a:p>
@@ -20305,6 +18624,140 @@
               <a:defRPr/>
             </a:pPr>
             <a:endParaRPr lang="en-US" sz="1800" b="1" dirty="0" smtClean="0">
+              <a:solidFill>
+                <a:schemeClr val="bg1"/>
+              </a:solidFill>
+            </a:endParaRPr>
+          </a:p>
+        </p:txBody>
+      </p:sp>
+      <p:sp>
+        <p:nvSpPr>
+          <p:cNvPr id="2" name="Cloud Callout 1"/>
+          <p:cNvSpPr/>
+          <p:nvPr/>
+        </p:nvSpPr>
+        <p:spPr bwMode="auto">
+          <a:xfrm rot="398706">
+            <a:off x="594952" y="4221294"/>
+            <a:ext cx="2414284" cy="1715412"/>
+          </a:xfrm>
+          <a:prstGeom prst="cloudCallout">
+            <a:avLst>
+              <a:gd name="adj1" fmla="val 87326"/>
+              <a:gd name="adj2" fmla="val 74980"/>
+            </a:avLst>
+          </a:prstGeom>
+          <a:solidFill>
+            <a:srgbClr val="00B8FF"/>
+          </a:solidFill>
+          <a:ln w="9525" cap="flat" cmpd="sng" algn="ctr">
+            <a:solidFill>
+              <a:schemeClr val="tx1"/>
+            </a:solidFill>
+            <a:prstDash val="solid"/>
+            <a:round/>
+            <a:headEnd type="none" w="med" len="med"/>
+            <a:tailEnd type="none" w="med" len="med"/>
+          </a:ln>
+          <a:effectLst/>
+          <a:extLst>
+            <a:ext uri="{AF507438-7753-43E0-B8FC-AC1667EBCBE1}">
+              <a14:hiddenEffects xmlns:a14="http://schemas.microsoft.com/office/drawing/2010/main">
+                <a:effectLst>
+                  <a:outerShdw blurRad="63500" dist="38099" dir="2700000" algn="ctr" rotWithShape="0">
+                    <a:schemeClr val="bg2">
+                      <a:alpha val="74998"/>
+                    </a:schemeClr>
+                  </a:outerShdw>
+                </a:effectLst>
+              </a14:hiddenEffects>
+            </a:ext>
+          </a:extLst>
+        </p:spPr>
+        <p:txBody>
+          <a:bodyPr vert="horz" wrap="square" lIns="91440" tIns="45720" rIns="91440" bIns="45720" numCol="1" rtlCol="0" anchor="t" anchorCtr="0" compatLnSpc="1">
+            <a:prstTxWarp prst="textNoShape">
+              <a:avLst/>
+            </a:prstTxWarp>
+          </a:bodyPr>
+          <a:lstStyle/>
+          <a:p>
+            <a:pPr marL="0" marR="0" indent="0" algn="l" defTabSz="449263" rtl="0" eaLnBrk="1" fontAlgn="base" latinLnBrk="0" hangingPunct="0">
+              <a:lnSpc>
+                <a:spcPct val="93000"/>
+              </a:lnSpc>
+              <a:spcBef>
+                <a:spcPct val="0"/>
+              </a:spcBef>
+              <a:spcAft>
+                <a:spcPct val="0"/>
+              </a:spcAft>
+              <a:buClr>
+                <a:srgbClr val="000000"/>
+              </a:buClr>
+              <a:buSzPct val="100000"/>
+              <a:buFont typeface="Times New Roman" charset="0"/>
+              <a:buNone/>
+              <a:tabLst/>
+            </a:pPr>
+            <a:endParaRPr kumimoji="0" lang="en-MY" sz="2200" b="0" i="0" u="none" strike="noStrike" cap="none" normalizeH="0" baseline="0" dirty="0">
+              <a:ln>
+                <a:noFill/>
+              </a:ln>
+              <a:effectLst/>
+              <a:ea typeface="ＭＳ Ｐゴシック" charset="0"/>
+              <a:cs typeface="Arial Unicode MS" charset="0"/>
+            </a:endParaRPr>
+          </a:p>
+        </p:txBody>
+      </p:sp>
+      <p:sp>
+        <p:nvSpPr>
+          <p:cNvPr id="3" name="TextBox 2"/>
+          <p:cNvSpPr txBox="1"/>
+          <p:nvPr/>
+        </p:nvSpPr>
+        <p:spPr>
+          <a:xfrm>
+            <a:off x="850670" y="4728713"/>
+            <a:ext cx="2029402" cy="779316"/>
+          </a:xfrm>
+          <a:prstGeom prst="rect">
+            <a:avLst/>
+          </a:prstGeom>
+          <a:noFill/>
+        </p:spPr>
+        <p:txBody>
+          <a:bodyPr wrap="none" rtlCol="0">
+            <a:spAutoFit/>
+          </a:bodyPr>
+          <a:lstStyle/>
+          <a:p>
+            <a:r>
+              <a:rPr lang="en-US" sz="2400" dirty="0" smtClean="0">
+                <a:solidFill>
+                  <a:schemeClr val="bg1"/>
+                </a:solidFill>
+              </a:rPr>
+              <a:t>IS THAT SQL</a:t>
+            </a:r>
+            <a:br>
+              <a:rPr lang="en-US" sz="2400" dirty="0" smtClean="0">
+                <a:solidFill>
+                  <a:schemeClr val="bg1"/>
+                </a:solidFill>
+              </a:rPr>
+            </a:br>
+            <a:r>
+              <a:rPr lang="en-US" sz="2400" dirty="0" smtClean="0">
+                <a:solidFill>
+                  <a:schemeClr val="bg1"/>
+                </a:solidFill>
+              </a:rPr>
+              <a:t>I SMELL …?</a:t>
+            </a:r>
+            <a:endParaRPr lang="en-MY" sz="2400" dirty="0">
               <a:solidFill>
                 <a:schemeClr val="bg1"/>
               </a:solidFill>
@@ -22419,15 +20872,7 @@
                   <a:srgbClr val="808080"/>
                 </a:solidFill>
               </a:rPr>
-              <a:t>2002 = </a:t>
-            </a:r>
-            <a:r>
-              <a:rPr lang="en-US" sz="2200" b="1" dirty="0" smtClean="0">
-                <a:solidFill>
-                  <a:srgbClr val="808080"/>
-                </a:solidFill>
-              </a:rPr>
-              <a:t>JSON.org / 2009 = MongoDB.org</a:t>
+              <a:t>2002 = JSON.org / 2009 = MongoDB.org</a:t>
             </a:r>
             <a:endParaRPr lang="en-US" sz="1800" b="1" dirty="0" smtClean="0">
               <a:solidFill>
@@ -23912,8 +22357,21 @@
                   <a:schemeClr val="bg1"/>
                 </a:solidFill>
               </a:rPr>
-              <a:t>THE BIG THREE</a:t>
+              <a:t>THE BIG </a:t>
             </a:r>
+            <a:r>
+              <a:rPr lang="en-US" sz="3600" b="1" dirty="0" smtClean="0">
+                <a:solidFill>
+                  <a:schemeClr val="bg1"/>
+                </a:solidFill>
+              </a:rPr>
+              <a:t>THREE ONs</a:t>
+            </a:r>
+            <a:endParaRPr lang="en-US" sz="3600" b="1" dirty="0" smtClean="0">
+              <a:solidFill>
+                <a:schemeClr val="bg1"/>
+              </a:solidFill>
+            </a:endParaRPr>
           </a:p>
           <a:p>
             <a:pPr algn="ctr" eaLnBrk="1">
@@ -24849,8 +23307,13 @@
                   <a:schemeClr val="bg1"/>
                 </a:solidFill>
               </a:rPr>
-              <a:t>THE BIG THREE</a:t>
+              <a:t>THE BIG THREE ONs</a:t>
             </a:r>
+            <a:endParaRPr lang="en-US" sz="3600" b="1" dirty="0" smtClean="0">
+              <a:solidFill>
+                <a:schemeClr val="bg1"/>
+              </a:solidFill>
+            </a:endParaRPr>
           </a:p>
           <a:p>
             <a:pPr algn="ctr" eaLnBrk="1">
@@ -25044,6 +23507,73 @@
       </p:grpSpPr>
       <p:sp>
         <p:nvSpPr>
+          <p:cNvPr id="4" name="Rectangle 3"/>
+          <p:cNvSpPr/>
+          <p:nvPr/>
+        </p:nvSpPr>
+        <p:spPr bwMode="auto">
+          <a:xfrm>
+            <a:off x="-1080368" y="3419797"/>
+            <a:ext cx="12961440" cy="3528392"/>
+          </a:xfrm>
+          <a:prstGeom prst="rect">
+            <a:avLst/>
+          </a:prstGeom>
+          <a:solidFill>
+            <a:schemeClr val="bg1"/>
+          </a:solidFill>
+          <a:ln w="9525" cap="flat" cmpd="sng" algn="ctr">
+            <a:solidFill>
+              <a:schemeClr val="tx1"/>
+            </a:solidFill>
+            <a:prstDash val="solid"/>
+            <a:round/>
+            <a:headEnd type="none" w="med" len="med"/>
+            <a:tailEnd type="none" w="med" len="med"/>
+          </a:ln>
+          <a:effectLst/>
+          <a:extLst/>
+        </p:spPr>
+        <p:txBody>
+          <a:bodyPr vert="horz" wrap="square" lIns="91440" tIns="45720" rIns="91440" bIns="45720" numCol="1" rtlCol="0" anchor="t" anchorCtr="0" compatLnSpc="1">
+            <a:prstTxWarp prst="textNoShape">
+              <a:avLst/>
+            </a:prstTxWarp>
+          </a:bodyPr>
+          <a:lstStyle/>
+          <a:p>
+            <a:pPr marL="0" marR="0" indent="0" algn="l" defTabSz="449263" rtl="0" eaLnBrk="1" fontAlgn="base" latinLnBrk="0" hangingPunct="0">
+              <a:lnSpc>
+                <a:spcPct val="93000"/>
+              </a:lnSpc>
+              <a:spcBef>
+                <a:spcPct val="0"/>
+              </a:spcBef>
+              <a:spcAft>
+                <a:spcPct val="0"/>
+              </a:spcAft>
+              <a:buClr>
+                <a:srgbClr val="000000"/>
+              </a:buClr>
+              <a:buSzPct val="100000"/>
+              <a:buFont typeface="Times New Roman" charset="0"/>
+              <a:buNone/>
+              <a:tabLst/>
+            </a:pPr>
+            <a:endParaRPr kumimoji="0" lang="en-MY" sz="1800" b="0" i="0" u="none" strike="noStrike" cap="none" normalizeH="0" baseline="0">
+              <a:ln>
+                <a:noFill/>
+              </a:ln>
+              <a:effectLst/>
+              <a:latin typeface="Arial" charset="0"/>
+              <a:ea typeface="ＭＳ Ｐゴシック" charset="0"/>
+              <a:cs typeface="Arial Unicode MS" charset="0"/>
+            </a:endParaRPr>
+          </a:p>
+        </p:txBody>
+      </p:sp>
+      <p:sp>
+        <p:nvSpPr>
           <p:cNvPr id="3073" name="Text Box 1"/>
           <p:cNvSpPr txBox="1">
             <a:spLocks noChangeArrowheads="1"/>
@@ -25052,7 +23582,7 @@
         </p:nvSpPr>
         <p:spPr bwMode="auto">
           <a:xfrm>
-            <a:off x="2107104" y="4536503"/>
+            <a:off x="1583928" y="3960439"/>
             <a:ext cx="7397704" cy="2555702"/>
           </a:xfrm>
           <a:prstGeom prst="rect">
@@ -25559,8 +24089,8 @@
         </p:blipFill>
         <p:spPr bwMode="auto">
           <a:xfrm>
-            <a:off x="2304008" y="395461"/>
-            <a:ext cx="5324666" cy="3663878"/>
+            <a:off x="3168104" y="384316"/>
+            <a:ext cx="3888184" cy="2675441"/>
           </a:xfrm>
           <a:prstGeom prst="rect">
             <a:avLst/>
@@ -25637,6 +24167,73 @@
       </p:grpSpPr>
       <p:sp>
         <p:nvSpPr>
+          <p:cNvPr id="4" name="Rectangle 3"/>
+          <p:cNvSpPr/>
+          <p:nvPr/>
+        </p:nvSpPr>
+        <p:spPr bwMode="auto">
+          <a:xfrm>
+            <a:off x="-1080368" y="3419797"/>
+            <a:ext cx="12961440" cy="3528392"/>
+          </a:xfrm>
+          <a:prstGeom prst="rect">
+            <a:avLst/>
+          </a:prstGeom>
+          <a:solidFill>
+            <a:schemeClr val="bg1"/>
+          </a:solidFill>
+          <a:ln w="9525" cap="flat" cmpd="sng" algn="ctr">
+            <a:solidFill>
+              <a:schemeClr val="tx1"/>
+            </a:solidFill>
+            <a:prstDash val="solid"/>
+            <a:round/>
+            <a:headEnd type="none" w="med" len="med"/>
+            <a:tailEnd type="none" w="med" len="med"/>
+          </a:ln>
+          <a:effectLst/>
+          <a:extLst/>
+        </p:spPr>
+        <p:txBody>
+          <a:bodyPr vert="horz" wrap="square" lIns="91440" tIns="45720" rIns="91440" bIns="45720" numCol="1" rtlCol="0" anchor="t" anchorCtr="0" compatLnSpc="1">
+            <a:prstTxWarp prst="textNoShape">
+              <a:avLst/>
+            </a:prstTxWarp>
+          </a:bodyPr>
+          <a:lstStyle/>
+          <a:p>
+            <a:pPr marL="0" marR="0" indent="0" algn="l" defTabSz="449263" rtl="0" eaLnBrk="1" fontAlgn="base" latinLnBrk="0" hangingPunct="0">
+              <a:lnSpc>
+                <a:spcPct val="93000"/>
+              </a:lnSpc>
+              <a:spcBef>
+                <a:spcPct val="0"/>
+              </a:spcBef>
+              <a:spcAft>
+                <a:spcPct val="0"/>
+              </a:spcAft>
+              <a:buClr>
+                <a:srgbClr val="000000"/>
+              </a:buClr>
+              <a:buSzPct val="100000"/>
+              <a:buFont typeface="Times New Roman" charset="0"/>
+              <a:buNone/>
+              <a:tabLst/>
+            </a:pPr>
+            <a:endParaRPr kumimoji="0" lang="en-MY" sz="1800" b="0" i="0" u="none" strike="noStrike" cap="none" normalizeH="0" baseline="0">
+              <a:ln>
+                <a:noFill/>
+              </a:ln>
+              <a:effectLst/>
+              <a:latin typeface="Arial" charset="0"/>
+              <a:ea typeface="ＭＳ Ｐゴシック" charset="0"/>
+              <a:cs typeface="Arial Unicode MS" charset="0"/>
+            </a:endParaRPr>
+          </a:p>
+        </p:txBody>
+      </p:sp>
+      <p:sp>
+        <p:nvSpPr>
           <p:cNvPr id="3073" name="Text Box 1"/>
           <p:cNvSpPr txBox="1">
             <a:spLocks noChangeArrowheads="1"/>
@@ -25645,7 +24242,7 @@
         </p:nvSpPr>
         <p:spPr bwMode="auto">
           <a:xfrm>
-            <a:off x="2087984" y="4536503"/>
+            <a:off x="1531040" y="3960439"/>
             <a:ext cx="7397704" cy="2555702"/>
           </a:xfrm>
           <a:prstGeom prst="rect">
@@ -26164,8 +24761,8 @@
         </p:blipFill>
         <p:spPr bwMode="auto">
           <a:xfrm>
-            <a:off x="2307934" y="282499"/>
-            <a:ext cx="5324666" cy="3663878"/>
+            <a:off x="3168104" y="384145"/>
+            <a:ext cx="3888432" cy="2675612"/>
           </a:xfrm>
           <a:prstGeom prst="rect">
             <a:avLst/>
